--- a/_docs/Presentation memoire ingenieur.pptx
+++ b/_docs/Presentation memoire ingenieur.pptx
@@ -5,10 +5,10 @@
     <p:sldMasterId id="2147483664" r:id="rId4"/>
   </p:sldMasterIdLst>
   <p:notesMasterIdLst>
-    <p:notesMasterId r:id="rId13"/>
+    <p:notesMasterId r:id="rId19"/>
   </p:notesMasterIdLst>
   <p:handoutMasterIdLst>
-    <p:handoutMasterId r:id="rId14"/>
+    <p:handoutMasterId r:id="rId20"/>
   </p:handoutMasterIdLst>
   <p:sldIdLst>
     <p:sldId id="256" r:id="rId5"/>
@@ -19,6 +19,12 @@
     <p:sldId id="274" r:id="rId10"/>
     <p:sldId id="273" r:id="rId11"/>
     <p:sldId id="279" r:id="rId12"/>
+    <p:sldId id="280" r:id="rId13"/>
+    <p:sldId id="281" r:id="rId14"/>
+    <p:sldId id="285" r:id="rId15"/>
+    <p:sldId id="282" r:id="rId16"/>
+    <p:sldId id="283" r:id="rId17"/>
+    <p:sldId id="284" r:id="rId18"/>
   </p:sldIdLst>
   <p:sldSz cx="9144000" cy="6858000" type="screen4x3"/>
   <p:notesSz cx="6858000" cy="9144000"/>
@@ -195,7 +201,7 @@
             <a:fld id="{A7959C71-B73A-49FF-9308-B24F710812B5}" type="datetimeFigureOut">
               <a:rPr lang="fr-FR" smtClean="0"/>
               <a:pPr/>
-              <a:t>28/01/2013</a:t>
+              <a:t>29/01/2013</a:t>
             </a:fld>
             <a:endParaRPr lang="fr-FR" dirty="0"/>
           </a:p>
@@ -681,7 +687,7 @@
             <a:fld id="{5468FC2B-D455-4AC4-9C5E-9317124768F4}" type="datetimeFigureOut">
               <a:rPr lang="fr-FR" smtClean="0"/>
               <a:pPr/>
-              <a:t>28/01/2013</a:t>
+              <a:t>29/01/2013</a:t>
             </a:fld>
             <a:endParaRPr lang="fr-FR" dirty="0"/>
           </a:p>
@@ -830,7 +836,7 @@
             <a:fld id="{5468FC2B-D455-4AC4-9C5E-9317124768F4}" type="datetimeFigureOut">
               <a:rPr lang="fr-FR" smtClean="0"/>
               <a:pPr/>
-              <a:t>28/01/2013</a:t>
+              <a:t>29/01/2013</a:t>
             </a:fld>
             <a:endParaRPr lang="fr-FR" dirty="0"/>
           </a:p>
@@ -979,7 +985,7 @@
             <a:fld id="{5468FC2B-D455-4AC4-9C5E-9317124768F4}" type="datetimeFigureOut">
               <a:rPr lang="fr-FR" smtClean="0"/>
               <a:pPr/>
-              <a:t>28/01/2013</a:t>
+              <a:t>29/01/2013</a:t>
             </a:fld>
             <a:endParaRPr lang="fr-FR" dirty="0"/>
           </a:p>
@@ -1128,7 +1134,7 @@
             <a:fld id="{5468FC2B-D455-4AC4-9C5E-9317124768F4}" type="datetimeFigureOut">
               <a:rPr lang="fr-FR" smtClean="0"/>
               <a:pPr/>
-              <a:t>28/01/2013</a:t>
+              <a:t>29/01/2013</a:t>
             </a:fld>
             <a:endParaRPr lang="fr-FR" dirty="0"/>
           </a:p>
@@ -3308,7 +3314,7 @@
           <a:blip r:embed="rId9" cstate="print">
             <a:extLst>
               <a:ext uri="{28A0092B-C50C-407E-A947-70E740481C1C}">
-                <a14:useLocalDpi xmlns:a14="http://schemas.microsoft.com/office/drawing/2010/main" val="0"/>
+                <a14:useLocalDpi xmlns:a14="http://schemas.microsoft.com/office/drawing/2010/main"/>
               </a:ext>
             </a:extLst>
           </a:blip>
@@ -3720,19 +3726,6 @@
               <a:solidFill>
                 <a:srgbClr val="00B0F0"/>
               </a:solidFill>
-              <a:effectLst>
-                <a:glow rad="63500">
-                  <a:schemeClr val="accent2">
-                    <a:satMod val="175000"/>
-                    <a:alpha val="40000"/>
-                  </a:schemeClr>
-                </a:glow>
-                <a:outerShdw blurRad="50800" dist="38100" dir="2700000" algn="tl" rotWithShape="0">
-                  <a:prstClr val="black">
-                    <a:alpha val="43000"/>
-                  </a:prstClr>
-                </a:outerShdw>
-              </a:effectLst>
               <a:latin typeface="Courier New" pitchFamily="49" charset="0"/>
               <a:cs typeface="Courier New" pitchFamily="49" charset="0"/>
             </a:endParaRPr>
@@ -3774,7 +3767,7 @@
           <a:blip r:embed="rId3">
             <a:extLst>
               <a:ext uri="{28A0092B-C50C-407E-A947-70E740481C1C}">
-                <a14:useLocalDpi xmlns:a14="http://schemas.microsoft.com/office/drawing/2010/main" val="0"/>
+                <a14:useLocalDpi xmlns:a14="http://schemas.microsoft.com/office/drawing/2010/main"/>
               </a:ext>
             </a:extLst>
           </a:blip>
@@ -3815,7 +3808,7 @@
           <a:blip r:embed="rId4">
             <a:extLst>
               <a:ext uri="{28A0092B-C50C-407E-A947-70E740481C1C}">
-                <a14:useLocalDpi xmlns:a14="http://schemas.microsoft.com/office/drawing/2010/main" val="0"/>
+                <a14:useLocalDpi xmlns:a14="http://schemas.microsoft.com/office/drawing/2010/main"/>
               </a:ext>
             </a:extLst>
           </a:blip>
@@ -3878,6 +3871,3874 @@
     </mc:Choice>
     <mc:Fallback xmlns="">
       <p:transition/>
+    </mc:Fallback>
+  </mc:AlternateContent>
+  <p:timing>
+    <p:tnLst>
+      <p:par>
+        <p:cTn id="1" dur="indefinite" restart="never" nodeType="tmRoot"/>
+      </p:par>
+    </p:tnLst>
+  </p:timing>
+</p:sld>
+</file>
+
+<file path=ppt/slides/slide10.xml><?xml version="1.0" encoding="utf-8"?>
+<p:sld xmlns:a="http://schemas.openxmlformats.org/drawingml/2006/main" xmlns:r="http://schemas.openxmlformats.org/officeDocument/2006/relationships" xmlns:p="http://schemas.openxmlformats.org/presentationml/2006/main">
+  <p:cSld>
+    <p:spTree>
+      <p:nvGrpSpPr>
+        <p:cNvPr id="1" name=""/>
+        <p:cNvGrpSpPr/>
+        <p:nvPr/>
+      </p:nvGrpSpPr>
+      <p:grpSpPr>
+        <a:xfrm>
+          <a:off x="0" y="0"/>
+          <a:ext cx="0" cy="0"/>
+          <a:chOff x="0" y="0"/>
+          <a:chExt cx="0" cy="0"/>
+        </a:xfrm>
+      </p:grpSpPr>
+      <p:sp>
+        <p:nvSpPr>
+          <p:cNvPr id="2" name="Titre 1"/>
+          <p:cNvSpPr>
+            <a:spLocks noGrp="1"/>
+          </p:cNvSpPr>
+          <p:nvPr>
+            <p:ph type="title"/>
+          </p:nvPr>
+        </p:nvSpPr>
+        <p:spPr/>
+        <p:txBody>
+          <a:bodyPr/>
+          <a:lstStyle/>
+          <a:p>
+            <a:r>
+              <a:rPr lang="fr-FR" dirty="0" smtClean="0"/>
+              <a:t>Technologies employées</a:t>
+            </a:r>
+            <a:endParaRPr lang="fr-FR" dirty="0"/>
+          </a:p>
+        </p:txBody>
+      </p:sp>
+      <p:sp>
+        <p:nvSpPr>
+          <p:cNvPr id="3" name="Espace réservé du texte 2"/>
+          <p:cNvSpPr>
+            <a:spLocks noGrp="1"/>
+          </p:cNvSpPr>
+          <p:nvPr>
+            <p:ph type="body" idx="1"/>
+          </p:nvPr>
+        </p:nvSpPr>
+        <p:spPr>
+          <a:xfrm>
+            <a:off x="3347864" y="1772816"/>
+            <a:ext cx="4968552" cy="4464496"/>
+          </a:xfrm>
+        </p:spPr>
+        <p:txBody>
+          <a:bodyPr>
+            <a:normAutofit fontScale="77500" lnSpcReduction="20000"/>
+          </a:bodyPr>
+          <a:lstStyle/>
+          <a:p>
+            <a:r>
+              <a:rPr lang="fr-FR" sz="2800" b="1" dirty="0" smtClean="0">
+                <a:solidFill>
+                  <a:srgbClr val="0089FA"/>
+                </a:solidFill>
+              </a:rPr>
+              <a:t>Java</a:t>
+            </a:r>
+          </a:p>
+          <a:p>
+            <a:r>
+              <a:rPr lang="fr-FR" sz="2800" b="1" dirty="0" smtClean="0">
+                <a:solidFill>
+                  <a:srgbClr val="0089FA"/>
+                </a:solidFill>
+              </a:rPr>
+              <a:t>Apache </a:t>
+            </a:r>
+            <a:r>
+              <a:rPr lang="fr-FR" sz="2800" b="1" dirty="0" err="1" smtClean="0">
+                <a:solidFill>
+                  <a:srgbClr val="0089FA"/>
+                </a:solidFill>
+              </a:rPr>
+              <a:t>Maven</a:t>
+            </a:r>
+            <a:endParaRPr lang="fr-FR" sz="2800" b="1" dirty="0" smtClean="0">
+              <a:solidFill>
+                <a:srgbClr val="0089FA"/>
+              </a:solidFill>
+            </a:endParaRPr>
+          </a:p>
+          <a:p>
+            <a:pPr lvl="1"/>
+            <a:r>
+              <a:rPr lang="fr-FR" sz="2500" dirty="0" smtClean="0"/>
+              <a:t>Gestion des dépendances</a:t>
+            </a:r>
+          </a:p>
+          <a:p>
+            <a:pPr lvl="1"/>
+            <a:r>
+              <a:rPr lang="fr-FR" sz="2500" dirty="0" smtClean="0"/>
+              <a:t>Compilation et packaging</a:t>
+            </a:r>
+          </a:p>
+          <a:p>
+            <a:r>
+              <a:rPr lang="fr-FR" sz="2800" b="1" dirty="0" smtClean="0">
+                <a:solidFill>
+                  <a:srgbClr val="0089FA"/>
+                </a:solidFill>
+              </a:rPr>
+              <a:t>ANTLR</a:t>
+            </a:r>
+          </a:p>
+          <a:p>
+            <a:pPr lvl="1"/>
+            <a:r>
+              <a:rPr lang="fr-FR" sz="2500" dirty="0" smtClean="0"/>
+              <a:t>Génération de « </a:t>
+            </a:r>
+            <a:r>
+              <a:rPr lang="fr-FR" sz="2500" dirty="0" err="1" smtClean="0"/>
+              <a:t>parsers</a:t>
+            </a:r>
+            <a:r>
+              <a:rPr lang="fr-FR" sz="2500" dirty="0" smtClean="0"/>
+              <a:t> »</a:t>
+            </a:r>
+          </a:p>
+          <a:p>
+            <a:r>
+              <a:rPr lang="fr-FR" sz="2800" b="1" dirty="0" err="1" smtClean="0">
+                <a:solidFill>
+                  <a:srgbClr val="0089FA"/>
+                </a:solidFill>
+              </a:rPr>
+              <a:t>ORMLite</a:t>
+            </a:r>
+            <a:endParaRPr lang="fr-FR" sz="2800" b="1" dirty="0" smtClean="0">
+              <a:solidFill>
+                <a:srgbClr val="0089FA"/>
+              </a:solidFill>
+            </a:endParaRPr>
+          </a:p>
+          <a:p>
+            <a:pPr lvl="1"/>
+            <a:r>
+              <a:rPr lang="fr-FR" sz="2500" dirty="0" smtClean="0"/>
+              <a:t>Couplage Objet-Relationnel</a:t>
+            </a:r>
+          </a:p>
+          <a:p>
+            <a:pPr lvl="1"/>
+            <a:r>
+              <a:rPr lang="fr-FR" sz="2500" dirty="0" smtClean="0"/>
+              <a:t>Compatible JDBC</a:t>
+            </a:r>
+            <a:endParaRPr lang="fr-FR" sz="2500" dirty="0" smtClean="0"/>
+          </a:p>
+          <a:p>
+            <a:r>
+              <a:rPr lang="fr-FR" sz="2800" b="1" dirty="0" smtClean="0">
+                <a:solidFill>
+                  <a:srgbClr val="0089FA"/>
+                </a:solidFill>
+              </a:rPr>
+              <a:t>Servlet</a:t>
+            </a:r>
+          </a:p>
+          <a:p>
+            <a:pPr lvl="1"/>
+            <a:r>
+              <a:rPr lang="fr-FR" sz="2500" dirty="0" smtClean="0"/>
+              <a:t>Standard Java</a:t>
+            </a:r>
+          </a:p>
+          <a:p>
+            <a:r>
+              <a:rPr lang="fr-FR" sz="2800" b="1" dirty="0" smtClean="0">
+                <a:solidFill>
+                  <a:srgbClr val="0089FA"/>
+                </a:solidFill>
+              </a:rPr>
+              <a:t>Apache </a:t>
+            </a:r>
+            <a:r>
+              <a:rPr lang="fr-FR" sz="2800" b="1" dirty="0" err="1" smtClean="0">
+                <a:solidFill>
+                  <a:srgbClr val="0089FA"/>
+                </a:solidFill>
+              </a:rPr>
+              <a:t>Velocity</a:t>
+            </a:r>
+            <a:endParaRPr lang="fr-FR" sz="2800" b="1" dirty="0" smtClean="0">
+              <a:solidFill>
+                <a:srgbClr val="0089FA"/>
+              </a:solidFill>
+            </a:endParaRPr>
+          </a:p>
+          <a:p>
+            <a:pPr lvl="1"/>
+            <a:r>
+              <a:rPr lang="fr-FR" sz="2500" dirty="0" smtClean="0"/>
+              <a:t>Moteur de </a:t>
+            </a:r>
+            <a:r>
+              <a:rPr lang="fr-FR" sz="2500" dirty="0" err="1" smtClean="0"/>
+              <a:t>templates</a:t>
+            </a:r>
+            <a:endParaRPr lang="fr-FR" sz="2500" dirty="0" smtClean="0"/>
+          </a:p>
+        </p:txBody>
+      </p:sp>
+      <p:sp>
+        <p:nvSpPr>
+          <p:cNvPr id="4" name="Espace réservé de la date 3"/>
+          <p:cNvSpPr>
+            <a:spLocks noGrp="1"/>
+          </p:cNvSpPr>
+          <p:nvPr>
+            <p:ph type="dt" sz="half" idx="10"/>
+          </p:nvPr>
+        </p:nvSpPr>
+        <p:spPr/>
+        <p:txBody>
+          <a:bodyPr vert="horz" anchor="ctr"/>
+          <a:lstStyle/>
+          <a:p>
+            <a:pPr algn="r"/>
+            <a:r>
+              <a:rPr lang="fr-FR" smtClean="0">
+                <a:solidFill>
+                  <a:srgbClr val="FF6600"/>
+                </a:solidFill>
+              </a:rPr>
+              <a:t>12 février 2013</a:t>
+            </a:r>
+            <a:endParaRPr lang="fr-FR" dirty="0">
+              <a:solidFill>
+                <a:srgbClr val="FF6600"/>
+              </a:solidFill>
+            </a:endParaRPr>
+          </a:p>
+        </p:txBody>
+      </p:sp>
+      <p:sp>
+        <p:nvSpPr>
+          <p:cNvPr id="5" name="Espace réservé du pied de page 4"/>
+          <p:cNvSpPr>
+            <a:spLocks noGrp="1"/>
+          </p:cNvSpPr>
+          <p:nvPr>
+            <p:ph type="ftr" sz="quarter" idx="11"/>
+          </p:nvPr>
+        </p:nvSpPr>
+        <p:spPr/>
+        <p:txBody>
+          <a:bodyPr/>
+          <a:lstStyle/>
+          <a:p>
+            <a:r>
+              <a:rPr lang="fr-FR" smtClean="0">
+                <a:solidFill>
+                  <a:srgbClr val="FF6600"/>
+                </a:solidFill>
+              </a:rPr>
+              <a:t>Robin Jarry – Surveillance des interfaces logicielles</a:t>
+            </a:r>
+            <a:endParaRPr lang="fr-FR" dirty="0">
+              <a:solidFill>
+                <a:srgbClr val="FF6600"/>
+              </a:solidFill>
+            </a:endParaRPr>
+          </a:p>
+        </p:txBody>
+      </p:sp>
+      <p:sp>
+        <p:nvSpPr>
+          <p:cNvPr id="6" name="Espace réservé du numéro de diapositive 5"/>
+          <p:cNvSpPr>
+            <a:spLocks noGrp="1"/>
+          </p:cNvSpPr>
+          <p:nvPr>
+            <p:ph type="sldNum" sz="quarter" idx="12"/>
+          </p:nvPr>
+        </p:nvSpPr>
+        <p:spPr/>
+        <p:txBody>
+          <a:bodyPr>
+            <a:normAutofit fontScale="85000" lnSpcReduction="20000"/>
+          </a:bodyPr>
+          <a:lstStyle/>
+          <a:p>
+            <a:fld id="{50935222-B196-4F9B-9AEC-1292459A754A}" type="slidenum">
+              <a:rPr lang="fr-FR" smtClean="0"/>
+              <a:pPr/>
+              <a:t>10</a:t>
+            </a:fld>
+            <a:endParaRPr lang="fr-FR"/>
+          </a:p>
+        </p:txBody>
+      </p:sp>
+      <p:pic>
+        <p:nvPicPr>
+          <p:cNvPr id="3074" name="Picture 2" descr="d:\Documents and Settings\s0030382\Bureau\java.png"/>
+          <p:cNvPicPr>
+            <a:picLocks noChangeAspect="1" noChangeArrowheads="1"/>
+          </p:cNvPicPr>
+          <p:nvPr/>
+        </p:nvPicPr>
+        <p:blipFill rotWithShape="1">
+          <a:blip r:embed="rId2" cstate="print">
+            <a:extLst>
+              <a:ext uri="{28A0092B-C50C-407E-A947-70E740481C1C}">
+                <a14:useLocalDpi xmlns:a14="http://schemas.microsoft.com/office/drawing/2010/main"/>
+              </a:ext>
+            </a:extLst>
+          </a:blip>
+          <a:srcRect/>
+          <a:stretch/>
+        </p:blipFill>
+        <p:spPr bwMode="auto">
+          <a:xfrm>
+            <a:off x="2168856" y="1581094"/>
+            <a:ext cx="541924" cy="713711"/>
+          </a:xfrm>
+          <a:prstGeom prst="rect">
+            <a:avLst/>
+          </a:prstGeom>
+          <a:noFill/>
+          <a:extLst>
+            <a:ext uri="{909E8E84-426E-40DD-AFC4-6F175D3DCCD1}">
+              <a14:hiddenFill xmlns:a14="http://schemas.microsoft.com/office/drawing/2010/main">
+                <a:solidFill>
+                  <a:srgbClr val="FFFFFF"/>
+                </a:solidFill>
+              </a14:hiddenFill>
+            </a:ext>
+          </a:extLst>
+        </p:spPr>
+      </p:pic>
+      <p:pic>
+        <p:nvPicPr>
+          <p:cNvPr id="3075" name="Picture 3" descr="d:\Documents and Settings\s0030382\Bureau\maven_icon.jpg"/>
+          <p:cNvPicPr>
+            <a:picLocks noChangeAspect="1" noChangeArrowheads="1"/>
+          </p:cNvPicPr>
+          <p:nvPr/>
+        </p:nvPicPr>
+        <p:blipFill>
+          <a:blip r:embed="rId3">
+            <a:extLst>
+              <a:ext uri="{28A0092B-C50C-407E-A947-70E740481C1C}">
+                <a14:useLocalDpi xmlns:a14="http://schemas.microsoft.com/office/drawing/2010/main"/>
+              </a:ext>
+            </a:extLst>
+          </a:blip>
+          <a:srcRect/>
+          <a:stretch>
+            <a:fillRect/>
+          </a:stretch>
+        </p:blipFill>
+        <p:spPr bwMode="auto">
+          <a:xfrm>
+            <a:off x="1770985" y="2477546"/>
+            <a:ext cx="1337667" cy="260873"/>
+          </a:xfrm>
+          <a:prstGeom prst="rect">
+            <a:avLst/>
+          </a:prstGeom>
+          <a:noFill/>
+          <a:extLst>
+            <a:ext uri="{909E8E84-426E-40DD-AFC4-6F175D3DCCD1}">
+              <a14:hiddenFill xmlns:a14="http://schemas.microsoft.com/office/drawing/2010/main">
+                <a:solidFill>
+                  <a:srgbClr val="FFFFFF"/>
+                </a:solidFill>
+              </a14:hiddenFill>
+            </a:ext>
+          </a:extLst>
+        </p:spPr>
+      </p:pic>
+      <p:pic>
+        <p:nvPicPr>
+          <p:cNvPr id="3076" name="Picture 4" descr="d:\Documents and Settings\s0030382\Bureau\ORMLite_logo.png"/>
+          <p:cNvPicPr>
+            <a:picLocks noChangeAspect="1" noChangeArrowheads="1"/>
+          </p:cNvPicPr>
+          <p:nvPr/>
+        </p:nvPicPr>
+        <p:blipFill>
+          <a:blip r:embed="rId4">
+            <a:extLst>
+              <a:ext uri="{28A0092B-C50C-407E-A947-70E740481C1C}">
+                <a14:useLocalDpi xmlns:a14="http://schemas.microsoft.com/office/drawing/2010/main"/>
+              </a:ext>
+            </a:extLst>
+          </a:blip>
+          <a:srcRect/>
+          <a:stretch>
+            <a:fillRect/>
+          </a:stretch>
+        </p:blipFill>
+        <p:spPr bwMode="auto">
+          <a:xfrm>
+            <a:off x="1548253" y="3932607"/>
+            <a:ext cx="1783130" cy="473248"/>
+          </a:xfrm>
+          <a:prstGeom prst="rect">
+            <a:avLst/>
+          </a:prstGeom>
+          <a:noFill/>
+          <a:extLst>
+            <a:ext uri="{909E8E84-426E-40DD-AFC4-6F175D3DCCD1}">
+              <a14:hiddenFill xmlns:a14="http://schemas.microsoft.com/office/drawing/2010/main">
+                <a:solidFill>
+                  <a:srgbClr val="FFFFFF"/>
+                </a:solidFill>
+              </a14:hiddenFill>
+            </a:ext>
+          </a:extLst>
+        </p:spPr>
+      </p:pic>
+      <p:pic>
+        <p:nvPicPr>
+          <p:cNvPr id="3077" name="Picture 5" descr="d:\Documents and Settings\s0030382\Bureau\apache_feather.png"/>
+          <p:cNvPicPr>
+            <a:picLocks noChangeAspect="1" noChangeArrowheads="1"/>
+          </p:cNvPicPr>
+          <p:nvPr/>
+        </p:nvPicPr>
+        <p:blipFill>
+          <a:blip r:embed="rId5" cstate="print">
+            <a:extLst>
+              <a:ext uri="{28A0092B-C50C-407E-A947-70E740481C1C}">
+                <a14:useLocalDpi xmlns:a14="http://schemas.microsoft.com/office/drawing/2010/main"/>
+              </a:ext>
+            </a:extLst>
+          </a:blip>
+          <a:srcRect/>
+          <a:stretch>
+            <a:fillRect/>
+          </a:stretch>
+        </p:blipFill>
+        <p:spPr bwMode="auto">
+          <a:xfrm flipH="1">
+            <a:off x="1776664" y="5493013"/>
+            <a:ext cx="1326308" cy="374867"/>
+          </a:xfrm>
+          <a:prstGeom prst="rect">
+            <a:avLst/>
+          </a:prstGeom>
+          <a:noFill/>
+          <a:extLst>
+            <a:ext uri="{909E8E84-426E-40DD-AFC4-6F175D3DCCD1}">
+              <a14:hiddenFill xmlns:a14="http://schemas.microsoft.com/office/drawing/2010/main">
+                <a:solidFill>
+                  <a:srgbClr val="FFFFFF"/>
+                </a:solidFill>
+              </a14:hiddenFill>
+            </a:ext>
+          </a:extLst>
+        </p:spPr>
+      </p:pic>
+      <p:pic>
+        <p:nvPicPr>
+          <p:cNvPr id="3078" name="Picture 6" descr="d:\Documents and Settings\s0030382\Bureau\sun_logo_white.png"/>
+          <p:cNvPicPr>
+            <a:picLocks noChangeAspect="1" noChangeArrowheads="1"/>
+          </p:cNvPicPr>
+          <p:nvPr/>
+        </p:nvPicPr>
+        <p:blipFill>
+          <a:blip r:embed="rId6" cstate="print">
+            <a:extLst>
+              <a:ext uri="{28A0092B-C50C-407E-A947-70E740481C1C}">
+                <a14:useLocalDpi xmlns:a14="http://schemas.microsoft.com/office/drawing/2010/main"/>
+              </a:ext>
+            </a:extLst>
+          </a:blip>
+          <a:srcRect/>
+          <a:stretch>
+            <a:fillRect/>
+          </a:stretch>
+        </p:blipFill>
+        <p:spPr bwMode="auto">
+          <a:xfrm>
+            <a:off x="1828196" y="4735123"/>
+            <a:ext cx="1223244" cy="542399"/>
+          </a:xfrm>
+          <a:prstGeom prst="rect">
+            <a:avLst/>
+          </a:prstGeom>
+          <a:noFill/>
+          <a:extLst>
+            <a:ext uri="{909E8E84-426E-40DD-AFC4-6F175D3DCCD1}">
+              <a14:hiddenFill xmlns:a14="http://schemas.microsoft.com/office/drawing/2010/main">
+                <a:solidFill>
+                  <a:srgbClr val="FFFFFF"/>
+                </a:solidFill>
+              </a14:hiddenFill>
+            </a:ext>
+          </a:extLst>
+        </p:spPr>
+      </p:pic>
+      <p:pic>
+        <p:nvPicPr>
+          <p:cNvPr id="3079" name="Picture 7" descr="d:\Documents and Settings\s0030382\Bureau\1345783048_works.png"/>
+          <p:cNvPicPr>
+            <a:picLocks noChangeAspect="1" noChangeArrowheads="1"/>
+          </p:cNvPicPr>
+          <p:nvPr/>
+        </p:nvPicPr>
+        <p:blipFill>
+          <a:blip r:embed="rId7" cstate="print">
+            <a:extLst>
+              <a:ext uri="{28A0092B-C50C-407E-A947-70E740481C1C}">
+                <a14:useLocalDpi xmlns:a14="http://schemas.microsoft.com/office/drawing/2010/main"/>
+              </a:ext>
+            </a:extLst>
+          </a:blip>
+          <a:srcRect/>
+          <a:stretch>
+            <a:fillRect/>
+          </a:stretch>
+        </p:blipFill>
+        <p:spPr bwMode="auto">
+          <a:xfrm>
+            <a:off x="2071012" y="2981050"/>
+            <a:ext cx="737612" cy="956704"/>
+          </a:xfrm>
+          <a:prstGeom prst="rect">
+            <a:avLst/>
+          </a:prstGeom>
+          <a:noFill/>
+          <a:extLst>
+            <a:ext uri="{909E8E84-426E-40DD-AFC4-6F175D3DCCD1}">
+              <a14:hiddenFill xmlns:a14="http://schemas.microsoft.com/office/drawing/2010/main">
+                <a:solidFill>
+                  <a:srgbClr val="FFFFFF"/>
+                </a:solidFill>
+              </a14:hiddenFill>
+            </a:ext>
+          </a:extLst>
+        </p:spPr>
+      </p:pic>
+    </p:spTree>
+    <p:extLst>
+      <p:ext uri="{BB962C8B-B14F-4D97-AF65-F5344CB8AC3E}">
+        <p14:creationId xmlns:p14="http://schemas.microsoft.com/office/powerpoint/2010/main" val="3319401951"/>
+      </p:ext>
+    </p:extLst>
+  </p:cSld>
+  <p:clrMapOvr>
+    <a:masterClrMapping/>
+  </p:clrMapOvr>
+  <mc:AlternateContent xmlns:mc="http://schemas.openxmlformats.org/markup-compatibility/2006" xmlns:p14="http://schemas.microsoft.com/office/powerpoint/2010/main">
+    <mc:Choice Requires="p14">
+      <p:transition p14:dur="250">
+        <p:push/>
+      </p:transition>
+    </mc:Choice>
+    <mc:Fallback xmlns="">
+      <p:transition>
+        <p:push/>
+      </p:transition>
+    </mc:Fallback>
+  </mc:AlternateContent>
+  <p:timing>
+    <p:tnLst>
+      <p:par>
+        <p:cTn id="1" dur="indefinite" restart="never" nodeType="tmRoot">
+          <p:childTnLst>
+            <p:seq concurrent="1" nextAc="seek">
+              <p:cTn id="2" dur="indefinite" nodeType="mainSeq">
+                <p:childTnLst>
+                  <p:par>
+                    <p:cTn id="3" fill="hold">
+                      <p:stCondLst>
+                        <p:cond delay="indefinite"/>
+                      </p:stCondLst>
+                      <p:childTnLst>
+                        <p:par>
+                          <p:cTn id="4" fill="hold">
+                            <p:stCondLst>
+                              <p:cond delay="0"/>
+                            </p:stCondLst>
+                            <p:childTnLst>
+                              <p:par>
+                                <p:cTn id="5" presetID="26" presetClass="emph" presetSubtype="0" fill="hold" grpId="0" nodeType="clickEffect">
+                                  <p:stCondLst>
+                                    <p:cond delay="0"/>
+                                  </p:stCondLst>
+                                  <p:childTnLst>
+                                    <p:animEffect transition="out" filter="fade">
+                                      <p:cBhvr>
+                                        <p:cTn id="6" dur="500" tmFilter="0, 0; .2, .5; .8, .5; 1, 0"/>
+                                        <p:tgtEl>
+                                          <p:spTgt spid="3">
+                                            <p:txEl>
+                                              <p:pRg st="0" end="0"/>
+                                            </p:txEl>
+                                          </p:spTgt>
+                                        </p:tgtEl>
+                                      </p:cBhvr>
+                                    </p:animEffect>
+                                    <p:animScale>
+                                      <p:cBhvr>
+                                        <p:cTn id="7" dur="250" autoRev="1" fill="hold"/>
+                                        <p:tgtEl>
+                                          <p:spTgt spid="3">
+                                            <p:txEl>
+                                              <p:pRg st="0" end="0"/>
+                                            </p:txEl>
+                                          </p:spTgt>
+                                        </p:tgtEl>
+                                      </p:cBhvr>
+                                      <p:by x="105000" y="105000"/>
+                                    </p:animScale>
+                                  </p:childTnLst>
+                                </p:cTn>
+                              </p:par>
+                            </p:childTnLst>
+                          </p:cTn>
+                        </p:par>
+                      </p:childTnLst>
+                    </p:cTn>
+                  </p:par>
+                  <p:par>
+                    <p:cTn id="8" fill="hold">
+                      <p:stCondLst>
+                        <p:cond delay="indefinite"/>
+                      </p:stCondLst>
+                      <p:childTnLst>
+                        <p:par>
+                          <p:cTn id="9" fill="hold">
+                            <p:stCondLst>
+                              <p:cond delay="0"/>
+                            </p:stCondLst>
+                            <p:childTnLst>
+                              <p:par>
+                                <p:cTn id="10" presetID="26" presetClass="emph" presetSubtype="0" fill="hold" grpId="0" nodeType="clickEffect">
+                                  <p:stCondLst>
+                                    <p:cond delay="0"/>
+                                  </p:stCondLst>
+                                  <p:childTnLst>
+                                    <p:animEffect transition="out" filter="fade">
+                                      <p:cBhvr>
+                                        <p:cTn id="11" dur="500" tmFilter="0, 0; .2, .5; .8, .5; 1, 0"/>
+                                        <p:tgtEl>
+                                          <p:spTgt spid="3">
+                                            <p:txEl>
+                                              <p:pRg st="1" end="1"/>
+                                            </p:txEl>
+                                          </p:spTgt>
+                                        </p:tgtEl>
+                                      </p:cBhvr>
+                                    </p:animEffect>
+                                    <p:animScale>
+                                      <p:cBhvr>
+                                        <p:cTn id="12" dur="250" autoRev="1" fill="hold"/>
+                                        <p:tgtEl>
+                                          <p:spTgt spid="3">
+                                            <p:txEl>
+                                              <p:pRg st="1" end="1"/>
+                                            </p:txEl>
+                                          </p:spTgt>
+                                        </p:tgtEl>
+                                      </p:cBhvr>
+                                      <p:by x="105000" y="105000"/>
+                                    </p:animScale>
+                                  </p:childTnLst>
+                                </p:cTn>
+                              </p:par>
+                              <p:par>
+                                <p:cTn id="13" presetID="26" presetClass="emph" presetSubtype="0" fill="hold" grpId="0" nodeType="withEffect">
+                                  <p:stCondLst>
+                                    <p:cond delay="0"/>
+                                  </p:stCondLst>
+                                  <p:childTnLst>
+                                    <p:animEffect transition="out" filter="fade">
+                                      <p:cBhvr>
+                                        <p:cTn id="14" dur="500" tmFilter="0, 0; .2, .5; .8, .5; 1, 0"/>
+                                        <p:tgtEl>
+                                          <p:spTgt spid="3">
+                                            <p:txEl>
+                                              <p:pRg st="2" end="2"/>
+                                            </p:txEl>
+                                          </p:spTgt>
+                                        </p:tgtEl>
+                                      </p:cBhvr>
+                                    </p:animEffect>
+                                    <p:animScale>
+                                      <p:cBhvr>
+                                        <p:cTn id="15" dur="250" autoRev="1" fill="hold"/>
+                                        <p:tgtEl>
+                                          <p:spTgt spid="3">
+                                            <p:txEl>
+                                              <p:pRg st="2" end="2"/>
+                                            </p:txEl>
+                                          </p:spTgt>
+                                        </p:tgtEl>
+                                      </p:cBhvr>
+                                      <p:by x="105000" y="105000"/>
+                                    </p:animScale>
+                                  </p:childTnLst>
+                                </p:cTn>
+                              </p:par>
+                              <p:par>
+                                <p:cTn id="16" presetID="26" presetClass="emph" presetSubtype="0" fill="hold" grpId="0" nodeType="withEffect">
+                                  <p:stCondLst>
+                                    <p:cond delay="0"/>
+                                  </p:stCondLst>
+                                  <p:childTnLst>
+                                    <p:animEffect transition="out" filter="fade">
+                                      <p:cBhvr>
+                                        <p:cTn id="17" dur="500" tmFilter="0, 0; .2, .5; .8, .5; 1, 0"/>
+                                        <p:tgtEl>
+                                          <p:spTgt spid="3">
+                                            <p:txEl>
+                                              <p:pRg st="3" end="3"/>
+                                            </p:txEl>
+                                          </p:spTgt>
+                                        </p:tgtEl>
+                                      </p:cBhvr>
+                                    </p:animEffect>
+                                    <p:animScale>
+                                      <p:cBhvr>
+                                        <p:cTn id="18" dur="250" autoRev="1" fill="hold"/>
+                                        <p:tgtEl>
+                                          <p:spTgt spid="3">
+                                            <p:txEl>
+                                              <p:pRg st="3" end="3"/>
+                                            </p:txEl>
+                                          </p:spTgt>
+                                        </p:tgtEl>
+                                      </p:cBhvr>
+                                      <p:by x="105000" y="105000"/>
+                                    </p:animScale>
+                                  </p:childTnLst>
+                                </p:cTn>
+                              </p:par>
+                            </p:childTnLst>
+                          </p:cTn>
+                        </p:par>
+                      </p:childTnLst>
+                    </p:cTn>
+                  </p:par>
+                  <p:par>
+                    <p:cTn id="19" fill="hold">
+                      <p:stCondLst>
+                        <p:cond delay="indefinite"/>
+                      </p:stCondLst>
+                      <p:childTnLst>
+                        <p:par>
+                          <p:cTn id="20" fill="hold">
+                            <p:stCondLst>
+                              <p:cond delay="0"/>
+                            </p:stCondLst>
+                            <p:childTnLst>
+                              <p:par>
+                                <p:cTn id="21" presetID="26" presetClass="emph" presetSubtype="0" fill="hold" grpId="0" nodeType="clickEffect">
+                                  <p:stCondLst>
+                                    <p:cond delay="0"/>
+                                  </p:stCondLst>
+                                  <p:childTnLst>
+                                    <p:animEffect transition="out" filter="fade">
+                                      <p:cBhvr>
+                                        <p:cTn id="22" dur="500" tmFilter="0, 0; .2, .5; .8, .5; 1, 0"/>
+                                        <p:tgtEl>
+                                          <p:spTgt spid="3">
+                                            <p:txEl>
+                                              <p:pRg st="4" end="4"/>
+                                            </p:txEl>
+                                          </p:spTgt>
+                                        </p:tgtEl>
+                                      </p:cBhvr>
+                                    </p:animEffect>
+                                    <p:animScale>
+                                      <p:cBhvr>
+                                        <p:cTn id="23" dur="250" autoRev="1" fill="hold"/>
+                                        <p:tgtEl>
+                                          <p:spTgt spid="3">
+                                            <p:txEl>
+                                              <p:pRg st="4" end="4"/>
+                                            </p:txEl>
+                                          </p:spTgt>
+                                        </p:tgtEl>
+                                      </p:cBhvr>
+                                      <p:by x="105000" y="105000"/>
+                                    </p:animScale>
+                                  </p:childTnLst>
+                                </p:cTn>
+                              </p:par>
+                              <p:par>
+                                <p:cTn id="24" presetID="26" presetClass="emph" presetSubtype="0" fill="hold" grpId="0" nodeType="withEffect">
+                                  <p:stCondLst>
+                                    <p:cond delay="0"/>
+                                  </p:stCondLst>
+                                  <p:childTnLst>
+                                    <p:animEffect transition="out" filter="fade">
+                                      <p:cBhvr>
+                                        <p:cTn id="25" dur="500" tmFilter="0, 0; .2, .5; .8, .5; 1, 0"/>
+                                        <p:tgtEl>
+                                          <p:spTgt spid="3">
+                                            <p:txEl>
+                                              <p:pRg st="5" end="5"/>
+                                            </p:txEl>
+                                          </p:spTgt>
+                                        </p:tgtEl>
+                                      </p:cBhvr>
+                                    </p:animEffect>
+                                    <p:animScale>
+                                      <p:cBhvr>
+                                        <p:cTn id="26" dur="250" autoRev="1" fill="hold"/>
+                                        <p:tgtEl>
+                                          <p:spTgt spid="3">
+                                            <p:txEl>
+                                              <p:pRg st="5" end="5"/>
+                                            </p:txEl>
+                                          </p:spTgt>
+                                        </p:tgtEl>
+                                      </p:cBhvr>
+                                      <p:by x="105000" y="105000"/>
+                                    </p:animScale>
+                                  </p:childTnLst>
+                                </p:cTn>
+                              </p:par>
+                            </p:childTnLst>
+                          </p:cTn>
+                        </p:par>
+                      </p:childTnLst>
+                    </p:cTn>
+                  </p:par>
+                  <p:par>
+                    <p:cTn id="27" fill="hold">
+                      <p:stCondLst>
+                        <p:cond delay="indefinite"/>
+                      </p:stCondLst>
+                      <p:childTnLst>
+                        <p:par>
+                          <p:cTn id="28" fill="hold">
+                            <p:stCondLst>
+                              <p:cond delay="0"/>
+                            </p:stCondLst>
+                            <p:childTnLst>
+                              <p:par>
+                                <p:cTn id="29" presetID="26" presetClass="emph" presetSubtype="0" fill="hold" grpId="0" nodeType="clickEffect">
+                                  <p:stCondLst>
+                                    <p:cond delay="0"/>
+                                  </p:stCondLst>
+                                  <p:childTnLst>
+                                    <p:animEffect transition="out" filter="fade">
+                                      <p:cBhvr>
+                                        <p:cTn id="30" dur="500" tmFilter="0, 0; .2, .5; .8, .5; 1, 0"/>
+                                        <p:tgtEl>
+                                          <p:spTgt spid="3">
+                                            <p:txEl>
+                                              <p:pRg st="6" end="6"/>
+                                            </p:txEl>
+                                          </p:spTgt>
+                                        </p:tgtEl>
+                                      </p:cBhvr>
+                                    </p:animEffect>
+                                    <p:animScale>
+                                      <p:cBhvr>
+                                        <p:cTn id="31" dur="250" autoRev="1" fill="hold"/>
+                                        <p:tgtEl>
+                                          <p:spTgt spid="3">
+                                            <p:txEl>
+                                              <p:pRg st="6" end="6"/>
+                                            </p:txEl>
+                                          </p:spTgt>
+                                        </p:tgtEl>
+                                      </p:cBhvr>
+                                      <p:by x="105000" y="105000"/>
+                                    </p:animScale>
+                                  </p:childTnLst>
+                                </p:cTn>
+                              </p:par>
+                              <p:par>
+                                <p:cTn id="32" presetID="26" presetClass="emph" presetSubtype="0" fill="hold" grpId="0" nodeType="withEffect">
+                                  <p:stCondLst>
+                                    <p:cond delay="0"/>
+                                  </p:stCondLst>
+                                  <p:childTnLst>
+                                    <p:animEffect transition="out" filter="fade">
+                                      <p:cBhvr>
+                                        <p:cTn id="33" dur="500" tmFilter="0, 0; .2, .5; .8, .5; 1, 0"/>
+                                        <p:tgtEl>
+                                          <p:spTgt spid="3">
+                                            <p:txEl>
+                                              <p:pRg st="7" end="7"/>
+                                            </p:txEl>
+                                          </p:spTgt>
+                                        </p:tgtEl>
+                                      </p:cBhvr>
+                                    </p:animEffect>
+                                    <p:animScale>
+                                      <p:cBhvr>
+                                        <p:cTn id="34" dur="250" autoRev="1" fill="hold"/>
+                                        <p:tgtEl>
+                                          <p:spTgt spid="3">
+                                            <p:txEl>
+                                              <p:pRg st="7" end="7"/>
+                                            </p:txEl>
+                                          </p:spTgt>
+                                        </p:tgtEl>
+                                      </p:cBhvr>
+                                      <p:by x="105000" y="105000"/>
+                                    </p:animScale>
+                                  </p:childTnLst>
+                                </p:cTn>
+                              </p:par>
+                              <p:par>
+                                <p:cTn id="35" presetID="26" presetClass="emph" presetSubtype="0" fill="hold" grpId="0" nodeType="withEffect">
+                                  <p:stCondLst>
+                                    <p:cond delay="0"/>
+                                  </p:stCondLst>
+                                  <p:childTnLst>
+                                    <p:animEffect transition="out" filter="fade">
+                                      <p:cBhvr>
+                                        <p:cTn id="36" dur="500" tmFilter="0, 0; .2, .5; .8, .5; 1, 0"/>
+                                        <p:tgtEl>
+                                          <p:spTgt spid="3">
+                                            <p:txEl>
+                                              <p:pRg st="8" end="8"/>
+                                            </p:txEl>
+                                          </p:spTgt>
+                                        </p:tgtEl>
+                                      </p:cBhvr>
+                                    </p:animEffect>
+                                    <p:animScale>
+                                      <p:cBhvr>
+                                        <p:cTn id="37" dur="250" autoRev="1" fill="hold"/>
+                                        <p:tgtEl>
+                                          <p:spTgt spid="3">
+                                            <p:txEl>
+                                              <p:pRg st="8" end="8"/>
+                                            </p:txEl>
+                                          </p:spTgt>
+                                        </p:tgtEl>
+                                      </p:cBhvr>
+                                      <p:by x="105000" y="105000"/>
+                                    </p:animScale>
+                                  </p:childTnLst>
+                                </p:cTn>
+                              </p:par>
+                            </p:childTnLst>
+                          </p:cTn>
+                        </p:par>
+                      </p:childTnLst>
+                    </p:cTn>
+                  </p:par>
+                  <p:par>
+                    <p:cTn id="38" fill="hold">
+                      <p:stCondLst>
+                        <p:cond delay="indefinite"/>
+                      </p:stCondLst>
+                      <p:childTnLst>
+                        <p:par>
+                          <p:cTn id="39" fill="hold">
+                            <p:stCondLst>
+                              <p:cond delay="0"/>
+                            </p:stCondLst>
+                            <p:childTnLst>
+                              <p:par>
+                                <p:cTn id="40" presetID="26" presetClass="emph" presetSubtype="0" fill="hold" grpId="0" nodeType="clickEffect">
+                                  <p:stCondLst>
+                                    <p:cond delay="0"/>
+                                  </p:stCondLst>
+                                  <p:childTnLst>
+                                    <p:animEffect transition="out" filter="fade">
+                                      <p:cBhvr>
+                                        <p:cTn id="41" dur="500" tmFilter="0, 0; .2, .5; .8, .5; 1, 0"/>
+                                        <p:tgtEl>
+                                          <p:spTgt spid="3">
+                                            <p:txEl>
+                                              <p:pRg st="9" end="9"/>
+                                            </p:txEl>
+                                          </p:spTgt>
+                                        </p:tgtEl>
+                                      </p:cBhvr>
+                                    </p:animEffect>
+                                    <p:animScale>
+                                      <p:cBhvr>
+                                        <p:cTn id="42" dur="250" autoRev="1" fill="hold"/>
+                                        <p:tgtEl>
+                                          <p:spTgt spid="3">
+                                            <p:txEl>
+                                              <p:pRg st="9" end="9"/>
+                                            </p:txEl>
+                                          </p:spTgt>
+                                        </p:tgtEl>
+                                      </p:cBhvr>
+                                      <p:by x="105000" y="105000"/>
+                                    </p:animScale>
+                                  </p:childTnLst>
+                                </p:cTn>
+                              </p:par>
+                              <p:par>
+                                <p:cTn id="43" presetID="26" presetClass="emph" presetSubtype="0" fill="hold" grpId="0" nodeType="withEffect">
+                                  <p:stCondLst>
+                                    <p:cond delay="0"/>
+                                  </p:stCondLst>
+                                  <p:childTnLst>
+                                    <p:animEffect transition="out" filter="fade">
+                                      <p:cBhvr>
+                                        <p:cTn id="44" dur="500" tmFilter="0, 0; .2, .5; .8, .5; 1, 0"/>
+                                        <p:tgtEl>
+                                          <p:spTgt spid="3">
+                                            <p:txEl>
+                                              <p:pRg st="10" end="10"/>
+                                            </p:txEl>
+                                          </p:spTgt>
+                                        </p:tgtEl>
+                                      </p:cBhvr>
+                                    </p:animEffect>
+                                    <p:animScale>
+                                      <p:cBhvr>
+                                        <p:cTn id="45" dur="250" autoRev="1" fill="hold"/>
+                                        <p:tgtEl>
+                                          <p:spTgt spid="3">
+                                            <p:txEl>
+                                              <p:pRg st="10" end="10"/>
+                                            </p:txEl>
+                                          </p:spTgt>
+                                        </p:tgtEl>
+                                      </p:cBhvr>
+                                      <p:by x="105000" y="105000"/>
+                                    </p:animScale>
+                                  </p:childTnLst>
+                                </p:cTn>
+                              </p:par>
+                            </p:childTnLst>
+                          </p:cTn>
+                        </p:par>
+                      </p:childTnLst>
+                    </p:cTn>
+                  </p:par>
+                  <p:par>
+                    <p:cTn id="46" fill="hold">
+                      <p:stCondLst>
+                        <p:cond delay="indefinite"/>
+                      </p:stCondLst>
+                      <p:childTnLst>
+                        <p:par>
+                          <p:cTn id="47" fill="hold">
+                            <p:stCondLst>
+                              <p:cond delay="0"/>
+                            </p:stCondLst>
+                            <p:childTnLst>
+                              <p:par>
+                                <p:cTn id="48" presetID="26" presetClass="emph" presetSubtype="0" fill="hold" grpId="0" nodeType="clickEffect">
+                                  <p:stCondLst>
+                                    <p:cond delay="0"/>
+                                  </p:stCondLst>
+                                  <p:childTnLst>
+                                    <p:animEffect transition="out" filter="fade">
+                                      <p:cBhvr>
+                                        <p:cTn id="49" dur="500" tmFilter="0, 0; .2, .5; .8, .5; 1, 0"/>
+                                        <p:tgtEl>
+                                          <p:spTgt spid="3">
+                                            <p:txEl>
+                                              <p:pRg st="11" end="11"/>
+                                            </p:txEl>
+                                          </p:spTgt>
+                                        </p:tgtEl>
+                                      </p:cBhvr>
+                                    </p:animEffect>
+                                    <p:animScale>
+                                      <p:cBhvr>
+                                        <p:cTn id="50" dur="250" autoRev="1" fill="hold"/>
+                                        <p:tgtEl>
+                                          <p:spTgt spid="3">
+                                            <p:txEl>
+                                              <p:pRg st="11" end="11"/>
+                                            </p:txEl>
+                                          </p:spTgt>
+                                        </p:tgtEl>
+                                      </p:cBhvr>
+                                      <p:by x="105000" y="105000"/>
+                                    </p:animScale>
+                                  </p:childTnLst>
+                                </p:cTn>
+                              </p:par>
+                              <p:par>
+                                <p:cTn id="51" presetID="26" presetClass="emph" presetSubtype="0" fill="hold" grpId="0" nodeType="withEffect">
+                                  <p:stCondLst>
+                                    <p:cond delay="0"/>
+                                  </p:stCondLst>
+                                  <p:childTnLst>
+                                    <p:animEffect transition="out" filter="fade">
+                                      <p:cBhvr>
+                                        <p:cTn id="52" dur="500" tmFilter="0, 0; .2, .5; .8, .5; 1, 0"/>
+                                        <p:tgtEl>
+                                          <p:spTgt spid="3">
+                                            <p:txEl>
+                                              <p:pRg st="12" end="12"/>
+                                            </p:txEl>
+                                          </p:spTgt>
+                                        </p:tgtEl>
+                                      </p:cBhvr>
+                                    </p:animEffect>
+                                    <p:animScale>
+                                      <p:cBhvr>
+                                        <p:cTn id="53" dur="250" autoRev="1" fill="hold"/>
+                                        <p:tgtEl>
+                                          <p:spTgt spid="3">
+                                            <p:txEl>
+                                              <p:pRg st="12" end="12"/>
+                                            </p:txEl>
+                                          </p:spTgt>
+                                        </p:tgtEl>
+                                      </p:cBhvr>
+                                      <p:by x="105000" y="105000"/>
+                                    </p:animScale>
+                                  </p:childTnLst>
+                                </p:cTn>
+                              </p:par>
+                            </p:childTnLst>
+                          </p:cTn>
+                        </p:par>
+                      </p:childTnLst>
+                    </p:cTn>
+                  </p:par>
+                </p:childTnLst>
+              </p:cTn>
+              <p:prevCondLst>
+                <p:cond evt="onPrev" delay="0">
+                  <p:tgtEl>
+                    <p:sldTgt/>
+                  </p:tgtEl>
+                </p:cond>
+              </p:prevCondLst>
+              <p:nextCondLst>
+                <p:cond evt="onNext" delay="0">
+                  <p:tgtEl>
+                    <p:sldTgt/>
+                  </p:tgtEl>
+                </p:cond>
+              </p:nextCondLst>
+            </p:seq>
+          </p:childTnLst>
+        </p:cTn>
+      </p:par>
+    </p:tnLst>
+    <p:bldLst>
+      <p:bldP spid="3" grpId="0" build="p"/>
+    </p:bldLst>
+  </p:timing>
+</p:sld>
+</file>
+
+<file path=ppt/slides/slide11.xml><?xml version="1.0" encoding="utf-8"?>
+<p:sld xmlns:a="http://schemas.openxmlformats.org/drawingml/2006/main" xmlns:r="http://schemas.openxmlformats.org/officeDocument/2006/relationships" xmlns:p="http://schemas.openxmlformats.org/presentationml/2006/main">
+  <p:cSld>
+    <p:spTree>
+      <p:nvGrpSpPr>
+        <p:cNvPr id="1" name=""/>
+        <p:cNvGrpSpPr/>
+        <p:nvPr/>
+      </p:nvGrpSpPr>
+      <p:grpSpPr>
+        <a:xfrm>
+          <a:off x="0" y="0"/>
+          <a:ext cx="0" cy="0"/>
+          <a:chOff x="0" y="0"/>
+          <a:chExt cx="0" cy="0"/>
+        </a:xfrm>
+      </p:grpSpPr>
+      <p:sp>
+        <p:nvSpPr>
+          <p:cNvPr id="2" name="Titre 1"/>
+          <p:cNvSpPr>
+            <a:spLocks noGrp="1"/>
+          </p:cNvSpPr>
+          <p:nvPr>
+            <p:ph type="title"/>
+          </p:nvPr>
+        </p:nvSpPr>
+        <p:spPr/>
+        <p:txBody>
+          <a:bodyPr/>
+          <a:lstStyle/>
+          <a:p>
+            <a:r>
+              <a:rPr lang="fr-FR" dirty="0" smtClean="0"/>
+              <a:t>Utilisateurs</a:t>
+            </a:r>
+            <a:endParaRPr lang="fr-FR" dirty="0"/>
+          </a:p>
+        </p:txBody>
+      </p:sp>
+      <p:sp>
+        <p:nvSpPr>
+          <p:cNvPr id="4" name="Espace réservé de la date 3"/>
+          <p:cNvSpPr>
+            <a:spLocks noGrp="1"/>
+          </p:cNvSpPr>
+          <p:nvPr>
+            <p:ph type="dt" sz="half" idx="10"/>
+          </p:nvPr>
+        </p:nvSpPr>
+        <p:spPr/>
+        <p:txBody>
+          <a:bodyPr vert="horz" anchor="ctr"/>
+          <a:lstStyle/>
+          <a:p>
+            <a:pPr algn="r"/>
+            <a:r>
+              <a:rPr lang="fr-FR" dirty="0" smtClean="0">
+                <a:solidFill>
+                  <a:srgbClr val="FF6600"/>
+                </a:solidFill>
+              </a:rPr>
+              <a:t>12 février 2013</a:t>
+            </a:r>
+            <a:endParaRPr lang="fr-FR" dirty="0">
+              <a:solidFill>
+                <a:srgbClr val="FF6600"/>
+              </a:solidFill>
+            </a:endParaRPr>
+          </a:p>
+        </p:txBody>
+      </p:sp>
+      <p:sp>
+        <p:nvSpPr>
+          <p:cNvPr id="5" name="Espace réservé du pied de page 4"/>
+          <p:cNvSpPr>
+            <a:spLocks noGrp="1"/>
+          </p:cNvSpPr>
+          <p:nvPr>
+            <p:ph type="ftr" sz="quarter" idx="11"/>
+          </p:nvPr>
+        </p:nvSpPr>
+        <p:spPr/>
+        <p:txBody>
+          <a:bodyPr/>
+          <a:lstStyle/>
+          <a:p>
+            <a:r>
+              <a:rPr lang="fr-FR" dirty="0" smtClean="0">
+                <a:solidFill>
+                  <a:srgbClr val="FF6600"/>
+                </a:solidFill>
+              </a:rPr>
+              <a:t>Robin Jarry – Surveillance des interfaces logicielles</a:t>
+            </a:r>
+            <a:endParaRPr lang="fr-FR" dirty="0">
+              <a:solidFill>
+                <a:srgbClr val="FF6600"/>
+              </a:solidFill>
+            </a:endParaRPr>
+          </a:p>
+        </p:txBody>
+      </p:sp>
+      <p:sp>
+        <p:nvSpPr>
+          <p:cNvPr id="6" name="Espace réservé du numéro de diapositive 5"/>
+          <p:cNvSpPr>
+            <a:spLocks noGrp="1"/>
+          </p:cNvSpPr>
+          <p:nvPr>
+            <p:ph type="sldNum" sz="quarter" idx="12"/>
+          </p:nvPr>
+        </p:nvSpPr>
+        <p:spPr/>
+        <p:txBody>
+          <a:bodyPr>
+            <a:normAutofit fontScale="85000" lnSpcReduction="20000"/>
+          </a:bodyPr>
+          <a:lstStyle/>
+          <a:p>
+            <a:fld id="{50935222-B196-4F9B-9AEC-1292459A754A}" type="slidenum">
+              <a:rPr lang="fr-FR" smtClean="0"/>
+              <a:pPr/>
+              <a:t>11</a:t>
+            </a:fld>
+            <a:endParaRPr lang="fr-FR"/>
+          </a:p>
+        </p:txBody>
+      </p:sp>
+      <p:sp>
+        <p:nvSpPr>
+          <p:cNvPr id="7" name="Espace réservé du texte 2"/>
+          <p:cNvSpPr>
+            <a:spLocks noGrp="1"/>
+          </p:cNvSpPr>
+          <p:nvPr>
+            <p:ph type="body" idx="1"/>
+          </p:nvPr>
+        </p:nvSpPr>
+        <p:spPr>
+          <a:xfrm>
+            <a:off x="611560" y="1629584"/>
+            <a:ext cx="7776864" cy="4535720"/>
+          </a:xfrm>
+        </p:spPr>
+        <p:txBody>
+          <a:bodyPr>
+            <a:normAutofit fontScale="92500" lnSpcReduction="10000"/>
+          </a:bodyPr>
+          <a:lstStyle/>
+          <a:p>
+            <a:r>
+              <a:rPr lang="fr-FR" sz="2800" dirty="0" smtClean="0"/>
+              <a:t>Intégration à la solution </a:t>
+            </a:r>
+            <a:r>
+              <a:rPr lang="fr-FR" sz="2800" b="1" i="1" dirty="0" err="1" smtClean="0">
+                <a:solidFill>
+                  <a:srgbClr val="0089FA"/>
+                </a:solidFill>
+              </a:rPr>
+              <a:t>CodeBuilding</a:t>
+            </a:r>
+            <a:r>
+              <a:rPr lang="fr-FR" sz="2800" dirty="0" smtClean="0">
+                <a:solidFill>
+                  <a:srgbClr val="0089FA"/>
+                </a:solidFill>
+              </a:rPr>
+              <a:t> </a:t>
+            </a:r>
+            <a:r>
+              <a:rPr lang="fr-FR" sz="2800" dirty="0" smtClean="0"/>
+              <a:t>du projet </a:t>
+            </a:r>
+            <a:r>
+              <a:rPr lang="fr-FR" sz="2800" b="1" i="1" dirty="0" smtClean="0">
+                <a:solidFill>
+                  <a:srgbClr val="0089FA"/>
+                </a:solidFill>
+              </a:rPr>
+              <a:t>Orchestra</a:t>
+            </a:r>
+          </a:p>
+          <a:p>
+            <a:pPr lvl="1"/>
+            <a:r>
+              <a:rPr lang="fr-FR" sz="2500" dirty="0" smtClean="0"/>
+              <a:t>Déploiement </a:t>
+            </a:r>
+            <a:r>
+              <a:rPr lang="fr-FR" sz="2500" b="1" i="1" dirty="0" smtClean="0">
+                <a:solidFill>
+                  <a:srgbClr val="0089FA"/>
+                </a:solidFill>
+              </a:rPr>
+              <a:t>« </a:t>
+            </a:r>
+            <a:r>
+              <a:rPr lang="fr-FR" sz="2500" b="1" i="1" dirty="0" err="1" smtClean="0">
+                <a:solidFill>
+                  <a:srgbClr val="0089FA"/>
+                </a:solidFill>
+              </a:rPr>
+              <a:t>worldwide</a:t>
+            </a:r>
+            <a:r>
+              <a:rPr lang="fr-FR" sz="2500" b="1" i="1" dirty="0" smtClean="0">
+                <a:solidFill>
+                  <a:srgbClr val="0089FA"/>
+                </a:solidFill>
+              </a:rPr>
+              <a:t> »</a:t>
+            </a:r>
+            <a:endParaRPr lang="fr-FR" sz="2500" b="1" i="1" dirty="0" smtClean="0">
+              <a:solidFill>
+                <a:srgbClr val="0089FA"/>
+              </a:solidFill>
+            </a:endParaRPr>
+          </a:p>
+          <a:p>
+            <a:r>
+              <a:rPr lang="fr-FR" sz="2800" dirty="0" smtClean="0"/>
+              <a:t>Cible</a:t>
+            </a:r>
+          </a:p>
+          <a:p>
+            <a:pPr lvl="1"/>
+            <a:r>
+              <a:rPr lang="fr-FR" sz="2400" b="1" dirty="0" smtClean="0">
+                <a:solidFill>
+                  <a:srgbClr val="0089FA"/>
+                </a:solidFill>
+              </a:rPr>
+              <a:t>Intégrateurs</a:t>
+            </a:r>
+            <a:r>
+              <a:rPr lang="fr-FR" sz="2400" dirty="0" smtClean="0"/>
+              <a:t> / </a:t>
+            </a:r>
+            <a:r>
+              <a:rPr lang="fr-FR" sz="2400" b="1" dirty="0" err="1" smtClean="0">
+                <a:solidFill>
+                  <a:srgbClr val="0089FA"/>
+                </a:solidFill>
+              </a:rPr>
+              <a:t>DevOps</a:t>
+            </a:r>
+            <a:endParaRPr lang="fr-FR" sz="2400" b="1" dirty="0" smtClean="0">
+              <a:solidFill>
+                <a:srgbClr val="0089FA"/>
+              </a:solidFill>
+            </a:endParaRPr>
+          </a:p>
+          <a:p>
+            <a:pPr lvl="1"/>
+            <a:r>
+              <a:rPr lang="fr-FR" sz="2400" dirty="0" smtClean="0"/>
+              <a:t>Développements </a:t>
+            </a:r>
+            <a:r>
+              <a:rPr lang="fr-FR" sz="2400" b="1" i="1" dirty="0" smtClean="0">
+                <a:solidFill>
+                  <a:srgbClr val="0089FA"/>
+                </a:solidFill>
+              </a:rPr>
+              <a:t>open-source</a:t>
+            </a:r>
+          </a:p>
+          <a:p>
+            <a:r>
+              <a:rPr lang="fr-FR" sz="2800" dirty="0" smtClean="0"/>
+              <a:t>Communauté</a:t>
+            </a:r>
+          </a:p>
+          <a:p>
+            <a:pPr lvl="1"/>
+            <a:r>
+              <a:rPr lang="fr-FR" sz="2500" dirty="0" smtClean="0"/>
+              <a:t>Application </a:t>
+            </a:r>
+            <a:r>
+              <a:rPr lang="fr-FR" sz="2500" b="1" dirty="0" smtClean="0">
+                <a:solidFill>
+                  <a:srgbClr val="0089FA"/>
+                </a:solidFill>
+              </a:rPr>
+              <a:t>ouverte</a:t>
+            </a:r>
+            <a:r>
+              <a:rPr lang="fr-FR" sz="2500" dirty="0" smtClean="0"/>
+              <a:t>, </a:t>
+            </a:r>
+            <a:r>
+              <a:rPr lang="fr-FR" sz="2500" b="1" dirty="0" smtClean="0">
+                <a:solidFill>
+                  <a:srgbClr val="0089FA"/>
+                </a:solidFill>
+              </a:rPr>
+              <a:t>documentée</a:t>
+            </a:r>
+          </a:p>
+          <a:p>
+            <a:pPr lvl="1"/>
+            <a:r>
+              <a:rPr lang="fr-FR" sz="2500" i="1" dirty="0"/>
+              <a:t>open-source</a:t>
+            </a:r>
+            <a:r>
+              <a:rPr lang="fr-FR" sz="2500" dirty="0"/>
+              <a:t> </a:t>
+            </a:r>
+            <a:r>
+              <a:rPr lang="fr-FR" sz="2500" dirty="0" smtClean="0"/>
+              <a:t>: </a:t>
+            </a:r>
+            <a:r>
+              <a:rPr lang="fr-FR" sz="2500" b="1" dirty="0" smtClean="0">
+                <a:solidFill>
+                  <a:srgbClr val="0089FA"/>
+                </a:solidFill>
+              </a:rPr>
+              <a:t>tests</a:t>
+            </a:r>
+            <a:r>
+              <a:rPr lang="fr-FR" sz="2500" dirty="0" smtClean="0">
+                <a:solidFill>
+                  <a:srgbClr val="0089FA"/>
+                </a:solidFill>
+              </a:rPr>
+              <a:t> </a:t>
+            </a:r>
+            <a:r>
+              <a:rPr lang="fr-FR" sz="2500" dirty="0" smtClean="0"/>
+              <a:t>à faible coût, remontée d’</a:t>
+            </a:r>
+            <a:r>
+              <a:rPr lang="fr-FR" sz="2500" b="1" dirty="0" smtClean="0">
+                <a:solidFill>
+                  <a:srgbClr val="0089FA"/>
+                </a:solidFill>
+              </a:rPr>
+              <a:t>anomalies</a:t>
+            </a:r>
+            <a:r>
+              <a:rPr lang="fr-FR" sz="2500" dirty="0" smtClean="0"/>
+              <a:t> et demandes d’</a:t>
+            </a:r>
+            <a:r>
+              <a:rPr lang="fr-FR" sz="2500" b="1" dirty="0" smtClean="0">
+                <a:solidFill>
+                  <a:srgbClr val="0089FA"/>
+                </a:solidFill>
+              </a:rPr>
+              <a:t>évolution</a:t>
+            </a:r>
+          </a:p>
+          <a:p>
+            <a:pPr lvl="1"/>
+            <a:r>
+              <a:rPr lang="fr-FR" sz="2500" dirty="0" smtClean="0"/>
+              <a:t>Contribution active</a:t>
+            </a:r>
+            <a:endParaRPr lang="fr-FR" sz="2500" dirty="0" smtClean="0"/>
+          </a:p>
+        </p:txBody>
+      </p:sp>
+    </p:spTree>
+    <p:extLst>
+      <p:ext uri="{BB962C8B-B14F-4D97-AF65-F5344CB8AC3E}">
+        <p14:creationId xmlns:p14="http://schemas.microsoft.com/office/powerpoint/2010/main" val="4256653715"/>
+      </p:ext>
+    </p:extLst>
+  </p:cSld>
+  <p:clrMapOvr>
+    <a:masterClrMapping/>
+  </p:clrMapOvr>
+  <mc:AlternateContent xmlns:mc="http://schemas.openxmlformats.org/markup-compatibility/2006" xmlns:p14="http://schemas.microsoft.com/office/powerpoint/2010/main">
+    <mc:Choice Requires="p14">
+      <p:transition p14:dur="250">
+        <p:push/>
+      </p:transition>
+    </mc:Choice>
+    <mc:Fallback xmlns="">
+      <p:transition>
+        <p:push/>
+      </p:transition>
+    </mc:Fallback>
+  </mc:AlternateContent>
+  <p:timing>
+    <p:tnLst>
+      <p:par>
+        <p:cTn id="1" dur="indefinite" restart="never" nodeType="tmRoot">
+          <p:childTnLst>
+            <p:seq concurrent="1" nextAc="seek">
+              <p:cTn id="2" dur="indefinite" nodeType="mainSeq">
+                <p:childTnLst>
+                  <p:par>
+                    <p:cTn id="3" fill="hold">
+                      <p:stCondLst>
+                        <p:cond delay="indefinite"/>
+                      </p:stCondLst>
+                      <p:childTnLst>
+                        <p:par>
+                          <p:cTn id="4" fill="hold">
+                            <p:stCondLst>
+                              <p:cond delay="0"/>
+                            </p:stCondLst>
+                            <p:childTnLst>
+                              <p:par>
+                                <p:cTn id="5" presetID="26" presetClass="emph" presetSubtype="0" fill="hold" grpId="0" nodeType="clickEffect">
+                                  <p:stCondLst>
+                                    <p:cond delay="0"/>
+                                  </p:stCondLst>
+                                  <p:childTnLst>
+                                    <p:animEffect transition="out" filter="fade">
+                                      <p:cBhvr>
+                                        <p:cTn id="6" dur="500" tmFilter="0, 0; .2, .5; .8, .5; 1, 0"/>
+                                        <p:tgtEl>
+                                          <p:spTgt spid="7">
+                                            <p:txEl>
+                                              <p:pRg st="0" end="0"/>
+                                            </p:txEl>
+                                          </p:spTgt>
+                                        </p:tgtEl>
+                                      </p:cBhvr>
+                                    </p:animEffect>
+                                    <p:animScale>
+                                      <p:cBhvr>
+                                        <p:cTn id="7" dur="250" autoRev="1" fill="hold"/>
+                                        <p:tgtEl>
+                                          <p:spTgt spid="7">
+                                            <p:txEl>
+                                              <p:pRg st="0" end="0"/>
+                                            </p:txEl>
+                                          </p:spTgt>
+                                        </p:tgtEl>
+                                      </p:cBhvr>
+                                      <p:by x="105000" y="105000"/>
+                                    </p:animScale>
+                                  </p:childTnLst>
+                                </p:cTn>
+                              </p:par>
+                              <p:par>
+                                <p:cTn id="8" presetID="26" presetClass="emph" presetSubtype="0" fill="hold" grpId="0" nodeType="withEffect">
+                                  <p:stCondLst>
+                                    <p:cond delay="0"/>
+                                  </p:stCondLst>
+                                  <p:childTnLst>
+                                    <p:animEffect transition="out" filter="fade">
+                                      <p:cBhvr>
+                                        <p:cTn id="9" dur="500" tmFilter="0, 0; .2, .5; .8, .5; 1, 0"/>
+                                        <p:tgtEl>
+                                          <p:spTgt spid="7">
+                                            <p:txEl>
+                                              <p:pRg st="1" end="1"/>
+                                            </p:txEl>
+                                          </p:spTgt>
+                                        </p:tgtEl>
+                                      </p:cBhvr>
+                                    </p:animEffect>
+                                    <p:animScale>
+                                      <p:cBhvr>
+                                        <p:cTn id="10" dur="250" autoRev="1" fill="hold"/>
+                                        <p:tgtEl>
+                                          <p:spTgt spid="7">
+                                            <p:txEl>
+                                              <p:pRg st="1" end="1"/>
+                                            </p:txEl>
+                                          </p:spTgt>
+                                        </p:tgtEl>
+                                      </p:cBhvr>
+                                      <p:by x="105000" y="105000"/>
+                                    </p:animScale>
+                                  </p:childTnLst>
+                                </p:cTn>
+                              </p:par>
+                            </p:childTnLst>
+                          </p:cTn>
+                        </p:par>
+                      </p:childTnLst>
+                    </p:cTn>
+                  </p:par>
+                  <p:par>
+                    <p:cTn id="11" fill="hold">
+                      <p:stCondLst>
+                        <p:cond delay="indefinite"/>
+                      </p:stCondLst>
+                      <p:childTnLst>
+                        <p:par>
+                          <p:cTn id="12" fill="hold">
+                            <p:stCondLst>
+                              <p:cond delay="0"/>
+                            </p:stCondLst>
+                            <p:childTnLst>
+                              <p:par>
+                                <p:cTn id="13" presetID="26" presetClass="emph" presetSubtype="0" fill="hold" grpId="0" nodeType="clickEffect">
+                                  <p:stCondLst>
+                                    <p:cond delay="0"/>
+                                  </p:stCondLst>
+                                  <p:childTnLst>
+                                    <p:animEffect transition="out" filter="fade">
+                                      <p:cBhvr>
+                                        <p:cTn id="14" dur="500" tmFilter="0, 0; .2, .5; .8, .5; 1, 0"/>
+                                        <p:tgtEl>
+                                          <p:spTgt spid="7">
+                                            <p:txEl>
+                                              <p:pRg st="2" end="2"/>
+                                            </p:txEl>
+                                          </p:spTgt>
+                                        </p:tgtEl>
+                                      </p:cBhvr>
+                                    </p:animEffect>
+                                    <p:animScale>
+                                      <p:cBhvr>
+                                        <p:cTn id="15" dur="250" autoRev="1" fill="hold"/>
+                                        <p:tgtEl>
+                                          <p:spTgt spid="7">
+                                            <p:txEl>
+                                              <p:pRg st="2" end="2"/>
+                                            </p:txEl>
+                                          </p:spTgt>
+                                        </p:tgtEl>
+                                      </p:cBhvr>
+                                      <p:by x="105000" y="105000"/>
+                                    </p:animScale>
+                                  </p:childTnLst>
+                                </p:cTn>
+                              </p:par>
+                              <p:par>
+                                <p:cTn id="16" presetID="26" presetClass="emph" presetSubtype="0" fill="hold" grpId="0" nodeType="withEffect">
+                                  <p:stCondLst>
+                                    <p:cond delay="0"/>
+                                  </p:stCondLst>
+                                  <p:childTnLst>
+                                    <p:animEffect transition="out" filter="fade">
+                                      <p:cBhvr>
+                                        <p:cTn id="17" dur="500" tmFilter="0, 0; .2, .5; .8, .5; 1, 0"/>
+                                        <p:tgtEl>
+                                          <p:spTgt spid="7">
+                                            <p:txEl>
+                                              <p:pRg st="3" end="3"/>
+                                            </p:txEl>
+                                          </p:spTgt>
+                                        </p:tgtEl>
+                                      </p:cBhvr>
+                                    </p:animEffect>
+                                    <p:animScale>
+                                      <p:cBhvr>
+                                        <p:cTn id="18" dur="250" autoRev="1" fill="hold"/>
+                                        <p:tgtEl>
+                                          <p:spTgt spid="7">
+                                            <p:txEl>
+                                              <p:pRg st="3" end="3"/>
+                                            </p:txEl>
+                                          </p:spTgt>
+                                        </p:tgtEl>
+                                      </p:cBhvr>
+                                      <p:by x="105000" y="105000"/>
+                                    </p:animScale>
+                                  </p:childTnLst>
+                                </p:cTn>
+                              </p:par>
+                              <p:par>
+                                <p:cTn id="19" presetID="26" presetClass="emph" presetSubtype="0" fill="hold" grpId="0" nodeType="withEffect">
+                                  <p:stCondLst>
+                                    <p:cond delay="0"/>
+                                  </p:stCondLst>
+                                  <p:childTnLst>
+                                    <p:animEffect transition="out" filter="fade">
+                                      <p:cBhvr>
+                                        <p:cTn id="20" dur="500" tmFilter="0, 0; .2, .5; .8, .5; 1, 0"/>
+                                        <p:tgtEl>
+                                          <p:spTgt spid="7">
+                                            <p:txEl>
+                                              <p:pRg st="4" end="4"/>
+                                            </p:txEl>
+                                          </p:spTgt>
+                                        </p:tgtEl>
+                                      </p:cBhvr>
+                                    </p:animEffect>
+                                    <p:animScale>
+                                      <p:cBhvr>
+                                        <p:cTn id="21" dur="250" autoRev="1" fill="hold"/>
+                                        <p:tgtEl>
+                                          <p:spTgt spid="7">
+                                            <p:txEl>
+                                              <p:pRg st="4" end="4"/>
+                                            </p:txEl>
+                                          </p:spTgt>
+                                        </p:tgtEl>
+                                      </p:cBhvr>
+                                      <p:by x="105000" y="105000"/>
+                                    </p:animScale>
+                                  </p:childTnLst>
+                                </p:cTn>
+                              </p:par>
+                            </p:childTnLst>
+                          </p:cTn>
+                        </p:par>
+                      </p:childTnLst>
+                    </p:cTn>
+                  </p:par>
+                  <p:par>
+                    <p:cTn id="22" fill="hold">
+                      <p:stCondLst>
+                        <p:cond delay="indefinite"/>
+                      </p:stCondLst>
+                      <p:childTnLst>
+                        <p:par>
+                          <p:cTn id="23" fill="hold">
+                            <p:stCondLst>
+                              <p:cond delay="0"/>
+                            </p:stCondLst>
+                            <p:childTnLst>
+                              <p:par>
+                                <p:cTn id="24" presetID="26" presetClass="emph" presetSubtype="0" fill="hold" grpId="0" nodeType="clickEffect">
+                                  <p:stCondLst>
+                                    <p:cond delay="0"/>
+                                  </p:stCondLst>
+                                  <p:childTnLst>
+                                    <p:animEffect transition="out" filter="fade">
+                                      <p:cBhvr>
+                                        <p:cTn id="25" dur="500" tmFilter="0, 0; .2, .5; .8, .5; 1, 0"/>
+                                        <p:tgtEl>
+                                          <p:spTgt spid="7">
+                                            <p:txEl>
+                                              <p:pRg st="5" end="5"/>
+                                            </p:txEl>
+                                          </p:spTgt>
+                                        </p:tgtEl>
+                                      </p:cBhvr>
+                                    </p:animEffect>
+                                    <p:animScale>
+                                      <p:cBhvr>
+                                        <p:cTn id="26" dur="250" autoRev="1" fill="hold"/>
+                                        <p:tgtEl>
+                                          <p:spTgt spid="7">
+                                            <p:txEl>
+                                              <p:pRg st="5" end="5"/>
+                                            </p:txEl>
+                                          </p:spTgt>
+                                        </p:tgtEl>
+                                      </p:cBhvr>
+                                      <p:by x="105000" y="105000"/>
+                                    </p:animScale>
+                                  </p:childTnLst>
+                                </p:cTn>
+                              </p:par>
+                              <p:par>
+                                <p:cTn id="27" presetID="26" presetClass="emph" presetSubtype="0" fill="hold" grpId="0" nodeType="withEffect">
+                                  <p:stCondLst>
+                                    <p:cond delay="0"/>
+                                  </p:stCondLst>
+                                  <p:childTnLst>
+                                    <p:animEffect transition="out" filter="fade">
+                                      <p:cBhvr>
+                                        <p:cTn id="28" dur="500" tmFilter="0, 0; .2, .5; .8, .5; 1, 0"/>
+                                        <p:tgtEl>
+                                          <p:spTgt spid="7">
+                                            <p:txEl>
+                                              <p:pRg st="6" end="6"/>
+                                            </p:txEl>
+                                          </p:spTgt>
+                                        </p:tgtEl>
+                                      </p:cBhvr>
+                                    </p:animEffect>
+                                    <p:animScale>
+                                      <p:cBhvr>
+                                        <p:cTn id="29" dur="250" autoRev="1" fill="hold"/>
+                                        <p:tgtEl>
+                                          <p:spTgt spid="7">
+                                            <p:txEl>
+                                              <p:pRg st="6" end="6"/>
+                                            </p:txEl>
+                                          </p:spTgt>
+                                        </p:tgtEl>
+                                      </p:cBhvr>
+                                      <p:by x="105000" y="105000"/>
+                                    </p:animScale>
+                                  </p:childTnLst>
+                                </p:cTn>
+                              </p:par>
+                              <p:par>
+                                <p:cTn id="30" presetID="26" presetClass="emph" presetSubtype="0" fill="hold" grpId="0" nodeType="withEffect">
+                                  <p:stCondLst>
+                                    <p:cond delay="0"/>
+                                  </p:stCondLst>
+                                  <p:childTnLst>
+                                    <p:animEffect transition="out" filter="fade">
+                                      <p:cBhvr>
+                                        <p:cTn id="31" dur="500" tmFilter="0, 0; .2, .5; .8, .5; 1, 0"/>
+                                        <p:tgtEl>
+                                          <p:spTgt spid="7">
+                                            <p:txEl>
+                                              <p:pRg st="7" end="7"/>
+                                            </p:txEl>
+                                          </p:spTgt>
+                                        </p:tgtEl>
+                                      </p:cBhvr>
+                                    </p:animEffect>
+                                    <p:animScale>
+                                      <p:cBhvr>
+                                        <p:cTn id="32" dur="250" autoRev="1" fill="hold"/>
+                                        <p:tgtEl>
+                                          <p:spTgt spid="7">
+                                            <p:txEl>
+                                              <p:pRg st="7" end="7"/>
+                                            </p:txEl>
+                                          </p:spTgt>
+                                        </p:tgtEl>
+                                      </p:cBhvr>
+                                      <p:by x="105000" y="105000"/>
+                                    </p:animScale>
+                                  </p:childTnLst>
+                                </p:cTn>
+                              </p:par>
+                              <p:par>
+                                <p:cTn id="33" presetID="26" presetClass="emph" presetSubtype="0" fill="hold" grpId="0" nodeType="withEffect">
+                                  <p:stCondLst>
+                                    <p:cond delay="0"/>
+                                  </p:stCondLst>
+                                  <p:childTnLst>
+                                    <p:animEffect transition="out" filter="fade">
+                                      <p:cBhvr>
+                                        <p:cTn id="34" dur="500" tmFilter="0, 0; .2, .5; .8, .5; 1, 0"/>
+                                        <p:tgtEl>
+                                          <p:spTgt spid="7">
+                                            <p:txEl>
+                                              <p:pRg st="8" end="8"/>
+                                            </p:txEl>
+                                          </p:spTgt>
+                                        </p:tgtEl>
+                                      </p:cBhvr>
+                                    </p:animEffect>
+                                    <p:animScale>
+                                      <p:cBhvr>
+                                        <p:cTn id="35" dur="250" autoRev="1" fill="hold"/>
+                                        <p:tgtEl>
+                                          <p:spTgt spid="7">
+                                            <p:txEl>
+                                              <p:pRg st="8" end="8"/>
+                                            </p:txEl>
+                                          </p:spTgt>
+                                        </p:tgtEl>
+                                      </p:cBhvr>
+                                      <p:by x="105000" y="105000"/>
+                                    </p:animScale>
+                                  </p:childTnLst>
+                                </p:cTn>
+                              </p:par>
+                            </p:childTnLst>
+                          </p:cTn>
+                        </p:par>
+                      </p:childTnLst>
+                    </p:cTn>
+                  </p:par>
+                </p:childTnLst>
+              </p:cTn>
+              <p:prevCondLst>
+                <p:cond evt="onPrev" delay="0">
+                  <p:tgtEl>
+                    <p:sldTgt/>
+                  </p:tgtEl>
+                </p:cond>
+              </p:prevCondLst>
+              <p:nextCondLst>
+                <p:cond evt="onNext" delay="0">
+                  <p:tgtEl>
+                    <p:sldTgt/>
+                  </p:tgtEl>
+                </p:cond>
+              </p:nextCondLst>
+            </p:seq>
+          </p:childTnLst>
+        </p:cTn>
+      </p:par>
+    </p:tnLst>
+    <p:bldLst>
+      <p:bldP spid="7" grpId="0" uiExpand="1" build="p"/>
+    </p:bldLst>
+  </p:timing>
+</p:sld>
+</file>
+
+<file path=ppt/slides/slide12.xml><?xml version="1.0" encoding="utf-8"?>
+<p:sld xmlns:a="http://schemas.openxmlformats.org/drawingml/2006/main" xmlns:r="http://schemas.openxmlformats.org/officeDocument/2006/relationships" xmlns:p="http://schemas.openxmlformats.org/presentationml/2006/main">
+  <p:cSld>
+    <p:spTree>
+      <p:nvGrpSpPr>
+        <p:cNvPr id="1" name=""/>
+        <p:cNvGrpSpPr/>
+        <p:nvPr/>
+      </p:nvGrpSpPr>
+      <p:grpSpPr>
+        <a:xfrm>
+          <a:off x="0" y="0"/>
+          <a:ext cx="0" cy="0"/>
+          <a:chOff x="0" y="0"/>
+          <a:chExt cx="0" cy="0"/>
+        </a:xfrm>
+      </p:grpSpPr>
+      <p:sp>
+        <p:nvSpPr>
+          <p:cNvPr id="2" name="Titre 1"/>
+          <p:cNvSpPr>
+            <a:spLocks noGrp="1"/>
+          </p:cNvSpPr>
+          <p:nvPr>
+            <p:ph type="title"/>
+          </p:nvPr>
+        </p:nvSpPr>
+        <p:spPr/>
+        <p:txBody>
+          <a:bodyPr/>
+          <a:lstStyle/>
+          <a:p>
+            <a:r>
+              <a:rPr lang="fr-FR" dirty="0" smtClean="0"/>
+              <a:t>Extensibilité</a:t>
+            </a:r>
+            <a:endParaRPr lang="fr-FR" dirty="0"/>
+          </a:p>
+        </p:txBody>
+      </p:sp>
+      <p:sp>
+        <p:nvSpPr>
+          <p:cNvPr id="3" name="Espace réservé du texte 2"/>
+          <p:cNvSpPr>
+            <a:spLocks noGrp="1"/>
+          </p:cNvSpPr>
+          <p:nvPr>
+            <p:ph type="body" idx="1"/>
+          </p:nvPr>
+        </p:nvSpPr>
+        <p:spPr>
+          <a:xfrm>
+            <a:off x="1403648" y="1772816"/>
+            <a:ext cx="4968552" cy="4535720"/>
+          </a:xfrm>
+        </p:spPr>
+        <p:txBody>
+          <a:bodyPr>
+            <a:normAutofit/>
+          </a:bodyPr>
+          <a:lstStyle/>
+          <a:p>
+            <a:r>
+              <a:rPr lang="fr-FR" sz="2800" dirty="0" smtClean="0"/>
+              <a:t>Nouveaux </a:t>
+            </a:r>
+            <a:r>
+              <a:rPr lang="fr-FR" sz="2800" b="1" dirty="0" smtClean="0">
+                <a:solidFill>
+                  <a:srgbClr val="0089FA"/>
+                </a:solidFill>
+              </a:rPr>
+              <a:t>langages</a:t>
+            </a:r>
+            <a:endParaRPr lang="fr-FR" sz="2400" b="1" dirty="0" smtClean="0">
+              <a:solidFill>
+                <a:srgbClr val="0089FA"/>
+              </a:solidFill>
+            </a:endParaRPr>
+          </a:p>
+          <a:p>
+            <a:pPr marL="449263" lvl="1" indent="0">
+              <a:buNone/>
+            </a:pPr>
+            <a:endParaRPr lang="fr-FR" sz="2400" dirty="0" smtClean="0"/>
+          </a:p>
+          <a:p>
+            <a:pPr marL="449263" lvl="1" indent="0">
+              <a:buNone/>
+            </a:pPr>
+            <a:endParaRPr lang="fr-FR" sz="2400" dirty="0" smtClean="0"/>
+          </a:p>
+          <a:p>
+            <a:pPr marL="449263" lvl="1" indent="0">
+              <a:buNone/>
+            </a:pPr>
+            <a:endParaRPr lang="fr-FR" sz="2400" dirty="0"/>
+          </a:p>
+          <a:p>
+            <a:r>
+              <a:rPr lang="fr-FR" sz="2700" dirty="0" smtClean="0"/>
+              <a:t>Règles de stabilité d’</a:t>
+            </a:r>
+            <a:r>
+              <a:rPr lang="fr-FR" sz="2700" b="1" dirty="0" smtClean="0">
+                <a:solidFill>
+                  <a:srgbClr val="0089FA"/>
+                </a:solidFill>
+              </a:rPr>
+              <a:t>API</a:t>
+            </a:r>
+            <a:endParaRPr lang="fr-FR" sz="2700" b="1" dirty="0" smtClean="0">
+              <a:solidFill>
+                <a:srgbClr val="0089FA"/>
+              </a:solidFill>
+            </a:endParaRPr>
+          </a:p>
+        </p:txBody>
+      </p:sp>
+      <p:sp>
+        <p:nvSpPr>
+          <p:cNvPr id="4" name="Espace réservé de la date 3"/>
+          <p:cNvSpPr>
+            <a:spLocks noGrp="1"/>
+          </p:cNvSpPr>
+          <p:nvPr>
+            <p:ph type="dt" sz="half" idx="10"/>
+          </p:nvPr>
+        </p:nvSpPr>
+        <p:spPr/>
+        <p:txBody>
+          <a:bodyPr vert="horz" anchor="ctr"/>
+          <a:lstStyle/>
+          <a:p>
+            <a:pPr algn="r"/>
+            <a:r>
+              <a:rPr lang="fr-FR" smtClean="0">
+                <a:solidFill>
+                  <a:srgbClr val="FF6600"/>
+                </a:solidFill>
+              </a:rPr>
+              <a:t>12 février 2013</a:t>
+            </a:r>
+            <a:endParaRPr lang="fr-FR" dirty="0">
+              <a:solidFill>
+                <a:srgbClr val="FF6600"/>
+              </a:solidFill>
+            </a:endParaRPr>
+          </a:p>
+        </p:txBody>
+      </p:sp>
+      <p:sp>
+        <p:nvSpPr>
+          <p:cNvPr id="5" name="Espace réservé du pied de page 4"/>
+          <p:cNvSpPr>
+            <a:spLocks noGrp="1"/>
+          </p:cNvSpPr>
+          <p:nvPr>
+            <p:ph type="ftr" sz="quarter" idx="11"/>
+          </p:nvPr>
+        </p:nvSpPr>
+        <p:spPr/>
+        <p:txBody>
+          <a:bodyPr/>
+          <a:lstStyle/>
+          <a:p>
+            <a:r>
+              <a:rPr lang="fr-FR" smtClean="0">
+                <a:solidFill>
+                  <a:srgbClr val="FF6600"/>
+                </a:solidFill>
+              </a:rPr>
+              <a:t>Robin Jarry – Surveillance des interfaces logicielles</a:t>
+            </a:r>
+            <a:endParaRPr lang="fr-FR" dirty="0">
+              <a:solidFill>
+                <a:srgbClr val="FF6600"/>
+              </a:solidFill>
+            </a:endParaRPr>
+          </a:p>
+        </p:txBody>
+      </p:sp>
+      <p:sp>
+        <p:nvSpPr>
+          <p:cNvPr id="6" name="Espace réservé du numéro de diapositive 5"/>
+          <p:cNvSpPr>
+            <a:spLocks noGrp="1"/>
+          </p:cNvSpPr>
+          <p:nvPr>
+            <p:ph type="sldNum" sz="quarter" idx="12"/>
+          </p:nvPr>
+        </p:nvSpPr>
+        <p:spPr/>
+        <p:txBody>
+          <a:bodyPr>
+            <a:normAutofit fontScale="85000" lnSpcReduction="20000"/>
+          </a:bodyPr>
+          <a:lstStyle/>
+          <a:p>
+            <a:fld id="{50935222-B196-4F9B-9AEC-1292459A754A}" type="slidenum">
+              <a:rPr lang="fr-FR" smtClean="0"/>
+              <a:pPr/>
+              <a:t>12</a:t>
+            </a:fld>
+            <a:endParaRPr lang="fr-FR"/>
+          </a:p>
+        </p:txBody>
+      </p:sp>
+      <p:grpSp>
+        <p:nvGrpSpPr>
+          <p:cNvPr id="9" name="Groupe 8"/>
+          <p:cNvGrpSpPr/>
+          <p:nvPr/>
+        </p:nvGrpSpPr>
+        <p:grpSpPr>
+          <a:xfrm>
+            <a:off x="2339752" y="2348096"/>
+            <a:ext cx="2880320" cy="1208234"/>
+            <a:chOff x="5724128" y="1932734"/>
+            <a:chExt cx="2880320" cy="1208234"/>
+          </a:xfrm>
+        </p:grpSpPr>
+        <p:sp>
+          <p:nvSpPr>
+            <p:cNvPr id="7" name="Rectangle 6"/>
+            <p:cNvSpPr/>
+            <p:nvPr/>
+          </p:nvSpPr>
+          <p:spPr>
+            <a:xfrm>
+              <a:off x="5724128" y="1932734"/>
+              <a:ext cx="2880320" cy="432048"/>
+            </a:xfrm>
+            <a:prstGeom prst="rect">
+              <a:avLst/>
+            </a:prstGeom>
+          </p:spPr>
+          <p:style>
+            <a:lnRef idx="2">
+              <a:schemeClr val="dk1"/>
+            </a:lnRef>
+            <a:fillRef idx="1">
+              <a:schemeClr val="lt1"/>
+            </a:fillRef>
+            <a:effectRef idx="0">
+              <a:schemeClr val="dk1"/>
+            </a:effectRef>
+            <a:fontRef idx="minor">
+              <a:schemeClr val="dk1"/>
+            </a:fontRef>
+          </p:style>
+          <p:txBody>
+            <a:bodyPr rtlCol="0" anchor="ctr"/>
+            <a:lstStyle/>
+            <a:p>
+              <a:pPr algn="ctr"/>
+              <a:r>
+                <a:rPr lang="fr-FR" sz="1600" b="1" dirty="0" err="1" smtClean="0">
+                  <a:latin typeface="Courier New" pitchFamily="49" charset="0"/>
+                  <a:cs typeface="Courier New" pitchFamily="49" charset="0"/>
+                </a:rPr>
+                <a:t>LanguageAnalyser</a:t>
+              </a:r>
+              <a:endParaRPr lang="fr-FR" sz="1600" b="1" dirty="0" smtClean="0">
+                <a:latin typeface="Courier New" pitchFamily="49" charset="0"/>
+                <a:cs typeface="Courier New" pitchFamily="49" charset="0"/>
+              </a:endParaRPr>
+            </a:p>
+          </p:txBody>
+        </p:sp>
+        <p:sp>
+          <p:nvSpPr>
+            <p:cNvPr id="8" name="Rectangle 7"/>
+            <p:cNvSpPr/>
+            <p:nvPr/>
+          </p:nvSpPr>
+          <p:spPr>
+            <a:xfrm>
+              <a:off x="5724128" y="2358724"/>
+              <a:ext cx="2880320" cy="782244"/>
+            </a:xfrm>
+            <a:prstGeom prst="rect">
+              <a:avLst/>
+            </a:prstGeom>
+          </p:spPr>
+          <p:style>
+            <a:lnRef idx="2">
+              <a:schemeClr val="dk1"/>
+            </a:lnRef>
+            <a:fillRef idx="1">
+              <a:schemeClr val="lt1"/>
+            </a:fillRef>
+            <a:effectRef idx="0">
+              <a:schemeClr val="dk1"/>
+            </a:effectRef>
+            <a:fontRef idx="minor">
+              <a:schemeClr val="dk1"/>
+            </a:fontRef>
+          </p:style>
+          <p:txBody>
+            <a:bodyPr rtlCol="0" anchor="ctr"/>
+            <a:lstStyle/>
+            <a:p>
+              <a:r>
+                <a:rPr lang="fr-FR" sz="1200" dirty="0" smtClean="0">
+                  <a:latin typeface="Courier New" pitchFamily="49" charset="0"/>
+                  <a:cs typeface="Courier New" pitchFamily="49" charset="0"/>
+                </a:rPr>
+                <a:t>+ analyse(String): </a:t>
+              </a:r>
+              <a:r>
+                <a:rPr lang="fr-FR" sz="1200" dirty="0" err="1" smtClean="0">
+                  <a:latin typeface="Courier New" pitchFamily="49" charset="0"/>
+                  <a:cs typeface="Courier New" pitchFamily="49" charset="0"/>
+                </a:rPr>
+                <a:t>APIScope</a:t>
+              </a:r>
+              <a:endParaRPr lang="fr-FR" sz="1200" dirty="0" smtClean="0">
+                <a:latin typeface="Courier New" pitchFamily="49" charset="0"/>
+                <a:cs typeface="Courier New" pitchFamily="49" charset="0"/>
+              </a:endParaRPr>
+            </a:p>
+            <a:p>
+              <a:r>
+                <a:rPr lang="fr-FR" sz="1200" dirty="0" smtClean="0">
+                  <a:latin typeface="Courier New" pitchFamily="49" charset="0"/>
+                  <a:cs typeface="Courier New" pitchFamily="49" charset="0"/>
+                </a:rPr>
+                <a:t>+ </a:t>
+              </a:r>
+              <a:r>
+                <a:rPr lang="fr-FR" sz="1200" dirty="0" err="1" smtClean="0">
+                  <a:latin typeface="Courier New" pitchFamily="49" charset="0"/>
+                  <a:cs typeface="Courier New" pitchFamily="49" charset="0"/>
+                </a:rPr>
+                <a:t>language</a:t>
+              </a:r>
+              <a:r>
+                <a:rPr lang="fr-FR" sz="1200" dirty="0" smtClean="0">
+                  <a:latin typeface="Courier New" pitchFamily="49" charset="0"/>
+                  <a:cs typeface="Courier New" pitchFamily="49" charset="0"/>
+                </a:rPr>
+                <a:t>(): String</a:t>
+              </a:r>
+            </a:p>
+            <a:p>
+              <a:r>
+                <a:rPr lang="fr-FR" sz="1200" dirty="0" smtClean="0">
+                  <a:latin typeface="Courier New" pitchFamily="49" charset="0"/>
+                  <a:cs typeface="Courier New" pitchFamily="49" charset="0"/>
+                </a:rPr>
+                <a:t>+ </a:t>
+              </a:r>
+              <a:r>
+                <a:rPr lang="fr-FR" sz="1200" dirty="0" err="1" smtClean="0">
+                  <a:latin typeface="Courier New" pitchFamily="49" charset="0"/>
+                  <a:cs typeface="Courier New" pitchFamily="49" charset="0"/>
+                </a:rPr>
+                <a:t>fileExtensions</a:t>
+              </a:r>
+              <a:r>
+                <a:rPr lang="fr-FR" sz="1200" dirty="0" smtClean="0">
+                  <a:latin typeface="Courier New" pitchFamily="49" charset="0"/>
+                  <a:cs typeface="Courier New" pitchFamily="49" charset="0"/>
+                </a:rPr>
+                <a:t>(): String[]</a:t>
+              </a:r>
+              <a:endParaRPr lang="fr-FR" sz="1200" dirty="0" smtClean="0">
+                <a:latin typeface="Courier New" pitchFamily="49" charset="0"/>
+                <a:cs typeface="Courier New" pitchFamily="49" charset="0"/>
+              </a:endParaRPr>
+            </a:p>
+          </p:txBody>
+        </p:sp>
+      </p:grpSp>
+      <p:grpSp>
+        <p:nvGrpSpPr>
+          <p:cNvPr id="10" name="Groupe 9"/>
+          <p:cNvGrpSpPr/>
+          <p:nvPr/>
+        </p:nvGrpSpPr>
+        <p:grpSpPr>
+          <a:xfrm>
+            <a:off x="2339752" y="4230597"/>
+            <a:ext cx="4680520" cy="1208234"/>
+            <a:chOff x="5724128" y="1932734"/>
+            <a:chExt cx="2880320" cy="1208234"/>
+          </a:xfrm>
+        </p:grpSpPr>
+        <p:sp>
+          <p:nvSpPr>
+            <p:cNvPr id="11" name="Rectangle 10"/>
+            <p:cNvSpPr/>
+            <p:nvPr/>
+          </p:nvSpPr>
+          <p:spPr>
+            <a:xfrm>
+              <a:off x="5724128" y="1932734"/>
+              <a:ext cx="2880320" cy="432048"/>
+            </a:xfrm>
+            <a:prstGeom prst="rect">
+              <a:avLst/>
+            </a:prstGeom>
+          </p:spPr>
+          <p:style>
+            <a:lnRef idx="2">
+              <a:schemeClr val="dk1"/>
+            </a:lnRef>
+            <a:fillRef idx="1">
+              <a:schemeClr val="lt1"/>
+            </a:fillRef>
+            <a:effectRef idx="0">
+              <a:schemeClr val="dk1"/>
+            </a:effectRef>
+            <a:fontRef idx="minor">
+              <a:schemeClr val="dk1"/>
+            </a:fontRef>
+          </p:style>
+          <p:txBody>
+            <a:bodyPr rtlCol="0" anchor="ctr"/>
+            <a:lstStyle/>
+            <a:p>
+              <a:pPr algn="ctr"/>
+              <a:r>
+                <a:rPr lang="fr-FR" sz="1600" b="1" dirty="0" err="1" smtClean="0">
+                  <a:latin typeface="Courier New" pitchFamily="49" charset="0"/>
+                  <a:cs typeface="Courier New" pitchFamily="49" charset="0"/>
+                </a:rPr>
+                <a:t>APIStabilityRule</a:t>
+              </a:r>
+              <a:endParaRPr lang="fr-FR" sz="1600" b="1" dirty="0" smtClean="0">
+                <a:latin typeface="Courier New" pitchFamily="49" charset="0"/>
+                <a:cs typeface="Courier New" pitchFamily="49" charset="0"/>
+              </a:endParaRPr>
+            </a:p>
+          </p:txBody>
+        </p:sp>
+        <p:sp>
+          <p:nvSpPr>
+            <p:cNvPr id="12" name="Rectangle 11"/>
+            <p:cNvSpPr/>
+            <p:nvPr/>
+          </p:nvSpPr>
+          <p:spPr>
+            <a:xfrm>
+              <a:off x="5724128" y="2358724"/>
+              <a:ext cx="2880320" cy="782244"/>
+            </a:xfrm>
+            <a:prstGeom prst="rect">
+              <a:avLst/>
+            </a:prstGeom>
+          </p:spPr>
+          <p:style>
+            <a:lnRef idx="2">
+              <a:schemeClr val="dk1"/>
+            </a:lnRef>
+            <a:fillRef idx="1">
+              <a:schemeClr val="lt1"/>
+            </a:fillRef>
+            <a:effectRef idx="0">
+              <a:schemeClr val="dk1"/>
+            </a:effectRef>
+            <a:fontRef idx="minor">
+              <a:schemeClr val="dk1"/>
+            </a:fontRef>
+          </p:style>
+          <p:txBody>
+            <a:bodyPr rtlCol="0" anchor="ctr"/>
+            <a:lstStyle/>
+            <a:p>
+              <a:r>
+                <a:rPr lang="fr-FR" sz="1200" dirty="0" smtClean="0">
+                  <a:latin typeface="Courier New" pitchFamily="49" charset="0"/>
+                  <a:cs typeface="Courier New" pitchFamily="49" charset="0"/>
+                </a:rPr>
+                <a:t>+ id(): String</a:t>
+              </a:r>
+            </a:p>
+            <a:p>
+              <a:r>
+                <a:rPr lang="fr-FR" sz="1200" dirty="0" smtClean="0">
+                  <a:latin typeface="Courier New" pitchFamily="49" charset="0"/>
+                  <a:cs typeface="Courier New" pitchFamily="49" charset="0"/>
+                </a:rPr>
+                <a:t>+ </a:t>
+              </a:r>
+              <a:r>
+                <a:rPr lang="fr-FR" sz="1200" dirty="0" err="1" smtClean="0">
+                  <a:latin typeface="Courier New" pitchFamily="49" charset="0"/>
+                  <a:cs typeface="Courier New" pitchFamily="49" charset="0"/>
+                </a:rPr>
+                <a:t>isApplicable</a:t>
+              </a:r>
+              <a:r>
+                <a:rPr lang="fr-FR" sz="1200" dirty="0" smtClean="0">
+                  <a:latin typeface="Courier New" pitchFamily="49" charset="0"/>
+                  <a:cs typeface="Courier New" pitchFamily="49" charset="0"/>
+                </a:rPr>
+                <a:t>(): </a:t>
+              </a:r>
+              <a:r>
+                <a:rPr lang="fr-FR" sz="1200" dirty="0" err="1" smtClean="0">
+                  <a:latin typeface="Courier New" pitchFamily="49" charset="0"/>
+                  <a:cs typeface="Courier New" pitchFamily="49" charset="0"/>
+                </a:rPr>
+                <a:t>boolean</a:t>
+              </a:r>
+              <a:endParaRPr lang="fr-FR" sz="1200" dirty="0" smtClean="0">
+                <a:latin typeface="Courier New" pitchFamily="49" charset="0"/>
+                <a:cs typeface="Courier New" pitchFamily="49" charset="0"/>
+              </a:endParaRPr>
+            </a:p>
+            <a:p>
+              <a:r>
+                <a:rPr lang="fr-FR" sz="1200" dirty="0" smtClean="0">
+                  <a:latin typeface="Courier New" pitchFamily="49" charset="0"/>
+                  <a:cs typeface="Courier New" pitchFamily="49" charset="0"/>
+                </a:rPr>
+                <a:t>+ </a:t>
+              </a:r>
+              <a:r>
+                <a:rPr lang="fr-FR" sz="1200" dirty="0" err="1" smtClean="0">
+                  <a:latin typeface="Courier New" pitchFamily="49" charset="0"/>
+                  <a:cs typeface="Courier New" pitchFamily="49" charset="0"/>
+                </a:rPr>
+                <a:t>evaluate</a:t>
+              </a:r>
+              <a:r>
+                <a:rPr lang="fr-FR" sz="1200" dirty="0" smtClean="0">
+                  <a:latin typeface="Courier New" pitchFamily="49" charset="0"/>
+                  <a:cs typeface="Courier New" pitchFamily="49" charset="0"/>
+                </a:rPr>
+                <a:t>(</a:t>
+              </a:r>
+              <a:r>
+                <a:rPr lang="fr-FR" sz="1200" dirty="0" err="1" smtClean="0">
+                  <a:latin typeface="Courier New" pitchFamily="49" charset="0"/>
+                  <a:cs typeface="Courier New" pitchFamily="49" charset="0"/>
+                </a:rPr>
+                <a:t>APIDifference</a:t>
+              </a:r>
+              <a:r>
+                <a:rPr lang="fr-FR" sz="1200" dirty="0" smtClean="0">
+                  <a:latin typeface="Courier New" pitchFamily="49" charset="0"/>
+                  <a:cs typeface="Courier New" pitchFamily="49" charset="0"/>
+                </a:rPr>
+                <a:t>): </a:t>
+              </a:r>
+              <a:r>
+                <a:rPr lang="fr-FR" sz="1200" dirty="0" err="1" smtClean="0">
+                  <a:latin typeface="Courier New" pitchFamily="49" charset="0"/>
+                  <a:cs typeface="Courier New" pitchFamily="49" charset="0"/>
+                </a:rPr>
+                <a:t>APIStabilityViolation</a:t>
+              </a:r>
+              <a:endParaRPr lang="fr-FR" sz="1200" dirty="0" smtClean="0">
+                <a:latin typeface="Courier New" pitchFamily="49" charset="0"/>
+                <a:cs typeface="Courier New" pitchFamily="49" charset="0"/>
+              </a:endParaRPr>
+            </a:p>
+          </p:txBody>
+        </p:sp>
+      </p:grpSp>
+    </p:spTree>
+    <p:extLst>
+      <p:ext uri="{BB962C8B-B14F-4D97-AF65-F5344CB8AC3E}">
+        <p14:creationId xmlns:p14="http://schemas.microsoft.com/office/powerpoint/2010/main" val="3191917549"/>
+      </p:ext>
+    </p:extLst>
+  </p:cSld>
+  <p:clrMapOvr>
+    <a:masterClrMapping/>
+  </p:clrMapOvr>
+  <mc:AlternateContent xmlns:mc="http://schemas.openxmlformats.org/markup-compatibility/2006" xmlns:p14="http://schemas.microsoft.com/office/powerpoint/2010/main">
+    <mc:Choice Requires="p14">
+      <p:transition p14:dur="250">
+        <p:push/>
+      </p:transition>
+    </mc:Choice>
+    <mc:Fallback xmlns="">
+      <p:transition>
+        <p:push/>
+      </p:transition>
+    </mc:Fallback>
+  </mc:AlternateContent>
+  <p:timing>
+    <p:tnLst>
+      <p:par>
+        <p:cTn id="1" dur="indefinite" restart="never" nodeType="tmRoot">
+          <p:childTnLst>
+            <p:seq concurrent="1" nextAc="seek">
+              <p:cTn id="2" dur="indefinite" nodeType="mainSeq">
+                <p:childTnLst>
+                  <p:par>
+                    <p:cTn id="3" fill="hold">
+                      <p:stCondLst>
+                        <p:cond delay="indefinite"/>
+                      </p:stCondLst>
+                      <p:childTnLst>
+                        <p:par>
+                          <p:cTn id="4" fill="hold">
+                            <p:stCondLst>
+                              <p:cond delay="0"/>
+                            </p:stCondLst>
+                            <p:childTnLst>
+                              <p:par>
+                                <p:cTn id="5" presetID="26" presetClass="emph" presetSubtype="0" fill="hold" grpId="0" nodeType="clickEffect">
+                                  <p:stCondLst>
+                                    <p:cond delay="0"/>
+                                  </p:stCondLst>
+                                  <p:childTnLst>
+                                    <p:animEffect transition="out" filter="fade">
+                                      <p:cBhvr>
+                                        <p:cTn id="6" dur="500" tmFilter="0, 0; .2, .5; .8, .5; 1, 0"/>
+                                        <p:tgtEl>
+                                          <p:spTgt spid="3">
+                                            <p:txEl>
+                                              <p:pRg st="0" end="0"/>
+                                            </p:txEl>
+                                          </p:spTgt>
+                                        </p:tgtEl>
+                                      </p:cBhvr>
+                                    </p:animEffect>
+                                    <p:animScale>
+                                      <p:cBhvr>
+                                        <p:cTn id="7" dur="250" autoRev="1" fill="hold"/>
+                                        <p:tgtEl>
+                                          <p:spTgt spid="3">
+                                            <p:txEl>
+                                              <p:pRg st="0" end="0"/>
+                                            </p:txEl>
+                                          </p:spTgt>
+                                        </p:tgtEl>
+                                      </p:cBhvr>
+                                      <p:by x="105000" y="105000"/>
+                                    </p:animScale>
+                                  </p:childTnLst>
+                                </p:cTn>
+                              </p:par>
+                              <p:par>
+                                <p:cTn id="8" presetID="26" presetClass="emph" presetSubtype="0" fill="hold" nodeType="withEffect">
+                                  <p:stCondLst>
+                                    <p:cond delay="0"/>
+                                  </p:stCondLst>
+                                  <p:childTnLst>
+                                    <p:animEffect transition="out" filter="fade">
+                                      <p:cBhvr>
+                                        <p:cTn id="9" dur="500" tmFilter="0, 0; .2, .5; .8, .5; 1, 0"/>
+                                        <p:tgtEl>
+                                          <p:spTgt spid="9"/>
+                                        </p:tgtEl>
+                                      </p:cBhvr>
+                                    </p:animEffect>
+                                    <p:animScale>
+                                      <p:cBhvr>
+                                        <p:cTn id="10" dur="250" autoRev="1" fill="hold"/>
+                                        <p:tgtEl>
+                                          <p:spTgt spid="9"/>
+                                        </p:tgtEl>
+                                      </p:cBhvr>
+                                      <p:by x="105000" y="105000"/>
+                                    </p:animScale>
+                                  </p:childTnLst>
+                                </p:cTn>
+                              </p:par>
+                            </p:childTnLst>
+                          </p:cTn>
+                        </p:par>
+                      </p:childTnLst>
+                    </p:cTn>
+                  </p:par>
+                  <p:par>
+                    <p:cTn id="11" fill="hold">
+                      <p:stCondLst>
+                        <p:cond delay="indefinite"/>
+                      </p:stCondLst>
+                      <p:childTnLst>
+                        <p:par>
+                          <p:cTn id="12" fill="hold">
+                            <p:stCondLst>
+                              <p:cond delay="0"/>
+                            </p:stCondLst>
+                            <p:childTnLst>
+                              <p:par>
+                                <p:cTn id="13" presetID="26" presetClass="emph" presetSubtype="0" fill="hold" grpId="0" nodeType="clickEffect">
+                                  <p:stCondLst>
+                                    <p:cond delay="0"/>
+                                  </p:stCondLst>
+                                  <p:childTnLst>
+                                    <p:animEffect transition="out" filter="fade">
+                                      <p:cBhvr>
+                                        <p:cTn id="14" dur="500" tmFilter="0, 0; .2, .5; .8, .5; 1, 0"/>
+                                        <p:tgtEl>
+                                          <p:spTgt spid="3">
+                                            <p:txEl>
+                                              <p:pRg st="4" end="4"/>
+                                            </p:txEl>
+                                          </p:spTgt>
+                                        </p:tgtEl>
+                                      </p:cBhvr>
+                                    </p:animEffect>
+                                    <p:animScale>
+                                      <p:cBhvr>
+                                        <p:cTn id="15" dur="250" autoRev="1" fill="hold"/>
+                                        <p:tgtEl>
+                                          <p:spTgt spid="3">
+                                            <p:txEl>
+                                              <p:pRg st="4" end="4"/>
+                                            </p:txEl>
+                                          </p:spTgt>
+                                        </p:tgtEl>
+                                      </p:cBhvr>
+                                      <p:by x="105000" y="105000"/>
+                                    </p:animScale>
+                                  </p:childTnLst>
+                                </p:cTn>
+                              </p:par>
+                              <p:par>
+                                <p:cTn id="16" presetID="26" presetClass="emph" presetSubtype="0" fill="hold" nodeType="withEffect">
+                                  <p:stCondLst>
+                                    <p:cond delay="0"/>
+                                  </p:stCondLst>
+                                  <p:childTnLst>
+                                    <p:animEffect transition="out" filter="fade">
+                                      <p:cBhvr>
+                                        <p:cTn id="17" dur="500" tmFilter="0, 0; .2, .5; .8, .5; 1, 0"/>
+                                        <p:tgtEl>
+                                          <p:spTgt spid="10"/>
+                                        </p:tgtEl>
+                                      </p:cBhvr>
+                                    </p:animEffect>
+                                    <p:animScale>
+                                      <p:cBhvr>
+                                        <p:cTn id="18" dur="250" autoRev="1" fill="hold"/>
+                                        <p:tgtEl>
+                                          <p:spTgt spid="10"/>
+                                        </p:tgtEl>
+                                      </p:cBhvr>
+                                      <p:by x="105000" y="105000"/>
+                                    </p:animScale>
+                                  </p:childTnLst>
+                                </p:cTn>
+                              </p:par>
+                            </p:childTnLst>
+                          </p:cTn>
+                        </p:par>
+                      </p:childTnLst>
+                    </p:cTn>
+                  </p:par>
+                </p:childTnLst>
+              </p:cTn>
+              <p:prevCondLst>
+                <p:cond evt="onPrev" delay="0">
+                  <p:tgtEl>
+                    <p:sldTgt/>
+                  </p:tgtEl>
+                </p:cond>
+              </p:prevCondLst>
+              <p:nextCondLst>
+                <p:cond evt="onNext" delay="0">
+                  <p:tgtEl>
+                    <p:sldTgt/>
+                  </p:tgtEl>
+                </p:cond>
+              </p:nextCondLst>
+            </p:seq>
+          </p:childTnLst>
+        </p:cTn>
+      </p:par>
+    </p:tnLst>
+    <p:bldLst>
+      <p:bldP spid="3" grpId="0" uiExpand="1" build="p"/>
+    </p:bldLst>
+  </p:timing>
+</p:sld>
+</file>
+
+<file path=ppt/slides/slide13.xml><?xml version="1.0" encoding="utf-8"?>
+<p:sld xmlns:a="http://schemas.openxmlformats.org/drawingml/2006/main" xmlns:r="http://schemas.openxmlformats.org/officeDocument/2006/relationships" xmlns:p="http://schemas.openxmlformats.org/presentationml/2006/main">
+  <p:cSld>
+    <p:spTree>
+      <p:nvGrpSpPr>
+        <p:cNvPr id="1" name=""/>
+        <p:cNvGrpSpPr/>
+        <p:nvPr/>
+      </p:nvGrpSpPr>
+      <p:grpSpPr>
+        <a:xfrm>
+          <a:off x="0" y="0"/>
+          <a:ext cx="0" cy="0"/>
+          <a:chOff x="0" y="0"/>
+          <a:chExt cx="0" cy="0"/>
+        </a:xfrm>
+      </p:grpSpPr>
+      <p:sp>
+        <p:nvSpPr>
+          <p:cNvPr id="2" name="Titre 1"/>
+          <p:cNvSpPr>
+            <a:spLocks noGrp="1"/>
+          </p:cNvSpPr>
+          <p:nvPr>
+            <p:ph type="title"/>
+          </p:nvPr>
+        </p:nvSpPr>
+        <p:spPr/>
+        <p:txBody>
+          <a:bodyPr/>
+          <a:lstStyle/>
+          <a:p>
+            <a:r>
+              <a:rPr lang="fr-FR" dirty="0" smtClean="0"/>
+              <a:t>Compléments</a:t>
+            </a:r>
+            <a:endParaRPr lang="fr-FR" dirty="0"/>
+          </a:p>
+        </p:txBody>
+      </p:sp>
+      <p:sp>
+        <p:nvSpPr>
+          <p:cNvPr id="3" name="Espace réservé du texte 2"/>
+          <p:cNvSpPr>
+            <a:spLocks noGrp="1"/>
+          </p:cNvSpPr>
+          <p:nvPr>
+            <p:ph type="body" idx="1"/>
+          </p:nvPr>
+        </p:nvSpPr>
+        <p:spPr>
+          <a:xfrm>
+            <a:off x="2195736" y="2143412"/>
+            <a:ext cx="6367561" cy="3239576"/>
+          </a:xfrm>
+        </p:spPr>
+        <p:txBody>
+          <a:bodyPr>
+            <a:normAutofit fontScale="92500" lnSpcReduction="10000"/>
+          </a:bodyPr>
+          <a:lstStyle/>
+          <a:p>
+            <a:r>
+              <a:rPr lang="fr-FR" sz="2800" dirty="0" smtClean="0"/>
+              <a:t>Distribué sous licence libre </a:t>
+            </a:r>
+            <a:r>
+              <a:rPr lang="fr-FR" sz="2800" b="1" dirty="0" smtClean="0">
+                <a:solidFill>
+                  <a:srgbClr val="0089FA"/>
+                </a:solidFill>
+              </a:rPr>
+              <a:t>BSD</a:t>
+            </a:r>
+            <a:r>
+              <a:rPr lang="fr-FR" sz="2800" dirty="0" smtClean="0">
+                <a:solidFill>
+                  <a:srgbClr val="0089FA"/>
+                </a:solidFill>
+              </a:rPr>
+              <a:t>™</a:t>
+            </a:r>
+          </a:p>
+          <a:p>
+            <a:r>
+              <a:rPr lang="fr-FR" sz="2800" dirty="0" smtClean="0"/>
+              <a:t>Site officiel</a:t>
+            </a:r>
+          </a:p>
+          <a:p>
+            <a:pPr lvl="1"/>
+            <a:r>
+              <a:rPr lang="fr-FR" sz="2100" dirty="0">
+                <a:hlinkClick r:id="rId2"/>
+              </a:rPr>
+              <a:t>http://www.apiwatch.org</a:t>
+            </a:r>
+            <a:r>
+              <a:rPr lang="fr-FR" sz="2100" dirty="0" smtClean="0">
+                <a:hlinkClick r:id="rId2"/>
+              </a:rPr>
+              <a:t>/</a:t>
+            </a:r>
+            <a:endParaRPr lang="fr-FR" sz="2100" dirty="0" smtClean="0"/>
+          </a:p>
+          <a:p>
+            <a:r>
+              <a:rPr lang="fr-FR" sz="2800" dirty="0"/>
+              <a:t>Sources du projet sous </a:t>
+            </a:r>
+            <a:r>
+              <a:rPr lang="fr-FR" sz="2800" b="1" i="1" dirty="0" err="1">
+                <a:solidFill>
+                  <a:srgbClr val="0089FA"/>
+                </a:solidFill>
+              </a:rPr>
+              <a:t>GitHub</a:t>
+            </a:r>
+            <a:endParaRPr lang="fr-FR" sz="2800" b="1" i="1" dirty="0">
+              <a:solidFill>
+                <a:srgbClr val="0089FA"/>
+              </a:solidFill>
+            </a:endParaRPr>
+          </a:p>
+          <a:p>
+            <a:pPr lvl="1"/>
+            <a:r>
+              <a:rPr lang="fr-FR" sz="2100" dirty="0">
+                <a:solidFill>
+                  <a:srgbClr val="0089FA"/>
+                </a:solidFill>
+                <a:hlinkClick r:id="rId3"/>
+              </a:rPr>
+              <a:t>https://github.com/apiwatch/apiwatch</a:t>
+            </a:r>
+            <a:r>
+              <a:rPr lang="fr-FR" sz="2100" dirty="0">
+                <a:solidFill>
+                  <a:srgbClr val="0089FA"/>
+                </a:solidFill>
+              </a:rPr>
+              <a:t> </a:t>
+            </a:r>
+            <a:endParaRPr lang="fr-FR" sz="2100" dirty="0" smtClean="0"/>
+          </a:p>
+          <a:p>
+            <a:r>
+              <a:rPr lang="fr-FR" sz="2800" dirty="0" smtClean="0"/>
+              <a:t>Documentation</a:t>
+            </a:r>
+          </a:p>
+          <a:p>
+            <a:pPr lvl="1"/>
+            <a:r>
+              <a:rPr lang="fr-FR" sz="2100" dirty="0" smtClean="0">
+                <a:hlinkClick r:id="rId4"/>
+              </a:rPr>
+              <a:t>http</a:t>
+            </a:r>
+            <a:r>
+              <a:rPr lang="fr-FR" sz="2100" dirty="0">
+                <a:hlinkClick r:id="rId4"/>
+              </a:rPr>
+              <a:t>://</a:t>
+            </a:r>
+            <a:r>
+              <a:rPr lang="fr-FR" sz="2100" dirty="0" smtClean="0">
+                <a:hlinkClick r:id="rId4"/>
+              </a:rPr>
+              <a:t>docs.apiwatch.org/</a:t>
+            </a:r>
+            <a:endParaRPr lang="fr-FR" sz="2100" dirty="0"/>
+          </a:p>
+          <a:p>
+            <a:pPr marL="449263" lvl="1" indent="0">
+              <a:buNone/>
+            </a:pPr>
+            <a:r>
+              <a:rPr lang="fr-FR" sz="1600" dirty="0" smtClean="0">
+                <a:solidFill>
+                  <a:schemeClr val="bg1">
+                    <a:lumMod val="50000"/>
+                  </a:schemeClr>
+                </a:solidFill>
+              </a:rPr>
+              <a:t>(</a:t>
+            </a:r>
+            <a:r>
+              <a:rPr lang="fr-FR" sz="1600" dirty="0">
+                <a:solidFill>
+                  <a:schemeClr val="bg1">
+                    <a:lumMod val="50000"/>
+                  </a:schemeClr>
+                </a:solidFill>
+              </a:rPr>
+              <a:t>écrite au format </a:t>
+            </a:r>
+            <a:r>
+              <a:rPr lang="fr-FR" sz="1600" b="1" i="1" dirty="0" err="1">
+                <a:solidFill>
+                  <a:srgbClr val="0089FA"/>
+                </a:solidFill>
+              </a:rPr>
+              <a:t>reStructuredText</a:t>
+            </a:r>
+            <a:r>
+              <a:rPr lang="fr-FR" sz="1600" dirty="0">
+                <a:solidFill>
+                  <a:schemeClr val="bg1">
+                    <a:lumMod val="50000"/>
+                  </a:schemeClr>
+                </a:solidFill>
+              </a:rPr>
+              <a:t>, hébergée par </a:t>
+            </a:r>
+            <a:r>
+              <a:rPr lang="fr-FR" sz="1600" b="1" i="1" dirty="0">
+                <a:solidFill>
+                  <a:srgbClr val="0089FA"/>
+                </a:solidFill>
+              </a:rPr>
+              <a:t>readthedocs.org</a:t>
+            </a:r>
+            <a:r>
+              <a:rPr lang="fr-FR" sz="1600" dirty="0">
+                <a:solidFill>
+                  <a:schemeClr val="bg1">
+                    <a:lumMod val="50000"/>
+                  </a:schemeClr>
+                </a:solidFill>
+              </a:rPr>
+              <a:t>)</a:t>
+            </a:r>
+            <a:endParaRPr lang="fr-FR" sz="2800" dirty="0">
+              <a:solidFill>
+                <a:schemeClr val="bg1">
+                  <a:lumMod val="50000"/>
+                </a:schemeClr>
+              </a:solidFill>
+            </a:endParaRPr>
+          </a:p>
+          <a:p>
+            <a:pPr lvl="1"/>
+            <a:endParaRPr lang="fr-FR" sz="1600" dirty="0" smtClean="0"/>
+          </a:p>
+        </p:txBody>
+      </p:sp>
+      <p:sp>
+        <p:nvSpPr>
+          <p:cNvPr id="4" name="Espace réservé de la date 3"/>
+          <p:cNvSpPr>
+            <a:spLocks noGrp="1"/>
+          </p:cNvSpPr>
+          <p:nvPr>
+            <p:ph type="dt" sz="half" idx="10"/>
+          </p:nvPr>
+        </p:nvSpPr>
+        <p:spPr/>
+        <p:txBody>
+          <a:bodyPr vert="horz" anchor="ctr"/>
+          <a:lstStyle/>
+          <a:p>
+            <a:pPr algn="r"/>
+            <a:r>
+              <a:rPr lang="fr-FR" smtClean="0">
+                <a:solidFill>
+                  <a:srgbClr val="FF6600"/>
+                </a:solidFill>
+              </a:rPr>
+              <a:t>12 février 2013</a:t>
+            </a:r>
+            <a:endParaRPr lang="fr-FR" dirty="0">
+              <a:solidFill>
+                <a:srgbClr val="FF6600"/>
+              </a:solidFill>
+            </a:endParaRPr>
+          </a:p>
+        </p:txBody>
+      </p:sp>
+      <p:sp>
+        <p:nvSpPr>
+          <p:cNvPr id="5" name="Espace réservé du pied de page 4"/>
+          <p:cNvSpPr>
+            <a:spLocks noGrp="1"/>
+          </p:cNvSpPr>
+          <p:nvPr>
+            <p:ph type="ftr" sz="quarter" idx="11"/>
+          </p:nvPr>
+        </p:nvSpPr>
+        <p:spPr/>
+        <p:txBody>
+          <a:bodyPr/>
+          <a:lstStyle/>
+          <a:p>
+            <a:r>
+              <a:rPr lang="fr-FR" smtClean="0">
+                <a:solidFill>
+                  <a:srgbClr val="FF6600"/>
+                </a:solidFill>
+              </a:rPr>
+              <a:t>Robin Jarry – Surveillance des interfaces logicielles</a:t>
+            </a:r>
+            <a:endParaRPr lang="fr-FR" dirty="0">
+              <a:solidFill>
+                <a:srgbClr val="FF6600"/>
+              </a:solidFill>
+            </a:endParaRPr>
+          </a:p>
+        </p:txBody>
+      </p:sp>
+      <p:sp>
+        <p:nvSpPr>
+          <p:cNvPr id="6" name="Espace réservé du numéro de diapositive 5"/>
+          <p:cNvSpPr>
+            <a:spLocks noGrp="1"/>
+          </p:cNvSpPr>
+          <p:nvPr>
+            <p:ph type="sldNum" sz="quarter" idx="12"/>
+          </p:nvPr>
+        </p:nvSpPr>
+        <p:spPr/>
+        <p:txBody>
+          <a:bodyPr>
+            <a:normAutofit fontScale="85000" lnSpcReduction="20000"/>
+          </a:bodyPr>
+          <a:lstStyle/>
+          <a:p>
+            <a:fld id="{50935222-B196-4F9B-9AEC-1292459A754A}" type="slidenum">
+              <a:rPr lang="fr-FR" smtClean="0"/>
+              <a:pPr/>
+              <a:t>13</a:t>
+            </a:fld>
+            <a:endParaRPr lang="fr-FR"/>
+          </a:p>
+        </p:txBody>
+      </p:sp>
+      <p:pic>
+        <p:nvPicPr>
+          <p:cNvPr id="10" name="Picture 4" descr="d:\Documents and Settings\s0030382\Bureau\apiwatch-logo-square.png"/>
+          <p:cNvPicPr>
+            <a:picLocks noChangeAspect="1" noChangeArrowheads="1"/>
+          </p:cNvPicPr>
+          <p:nvPr/>
+        </p:nvPicPr>
+        <p:blipFill>
+          <a:blip r:embed="rId5" cstate="print">
+            <a:extLst>
+              <a:ext uri="{28A0092B-C50C-407E-A947-70E740481C1C}">
+                <a14:useLocalDpi xmlns:a14="http://schemas.microsoft.com/office/drawing/2010/main"/>
+              </a:ext>
+            </a:extLst>
+          </a:blip>
+          <a:srcRect/>
+          <a:stretch>
+            <a:fillRect/>
+          </a:stretch>
+        </p:blipFill>
+        <p:spPr bwMode="auto">
+          <a:xfrm>
+            <a:off x="797183" y="2519898"/>
+            <a:ext cx="885684" cy="885684"/>
+          </a:xfrm>
+          <a:prstGeom prst="rect">
+            <a:avLst/>
+          </a:prstGeom>
+          <a:noFill/>
+          <a:effectLst>
+            <a:outerShdw blurRad="50800" dist="38100" dir="2700000" algn="tl" rotWithShape="0">
+              <a:prstClr val="black">
+                <a:alpha val="21000"/>
+              </a:prstClr>
+            </a:outerShdw>
+          </a:effectLst>
+          <a:extLst>
+            <a:ext uri="{909E8E84-426E-40DD-AFC4-6F175D3DCCD1}">
+              <a14:hiddenFill xmlns:a14="http://schemas.microsoft.com/office/drawing/2010/main">
+                <a:solidFill>
+                  <a:srgbClr val="FFFFFF"/>
+                </a:solidFill>
+              </a14:hiddenFill>
+            </a:ext>
+          </a:extLst>
+        </p:spPr>
+      </p:pic>
+      <p:pic>
+        <p:nvPicPr>
+          <p:cNvPr id="11" name="Picture 3" descr="d:\Documents and Settings\s0030382\Bureau\home-logo.png"/>
+          <p:cNvPicPr>
+            <a:picLocks noChangeAspect="1" noChangeArrowheads="1"/>
+          </p:cNvPicPr>
+          <p:nvPr/>
+        </p:nvPicPr>
+        <p:blipFill>
+          <a:blip r:embed="rId6">
+            <a:extLst>
+              <a:ext uri="{28A0092B-C50C-407E-A947-70E740481C1C}">
+                <a14:useLocalDpi xmlns:a14="http://schemas.microsoft.com/office/drawing/2010/main"/>
+              </a:ext>
+            </a:extLst>
+          </a:blip>
+          <a:srcRect/>
+          <a:stretch>
+            <a:fillRect/>
+          </a:stretch>
+        </p:blipFill>
+        <p:spPr bwMode="auto">
+          <a:xfrm>
+            <a:off x="681200" y="4348657"/>
+            <a:ext cx="1051181" cy="1240583"/>
+          </a:xfrm>
+          <a:prstGeom prst="rect">
+            <a:avLst/>
+          </a:prstGeom>
+          <a:noFill/>
+          <a:extLst>
+            <a:ext uri="{909E8E84-426E-40DD-AFC4-6F175D3DCCD1}">
+              <a14:hiddenFill xmlns:a14="http://schemas.microsoft.com/office/drawing/2010/main">
+                <a:solidFill>
+                  <a:srgbClr val="FFFFFF"/>
+                </a:solidFill>
+              </a14:hiddenFill>
+            </a:ext>
+          </a:extLst>
+        </p:spPr>
+      </p:pic>
+      <p:pic>
+        <p:nvPicPr>
+          <p:cNvPr id="12" name="Picture 2" descr="d:\Documents and Settings\s0030382\Bureau\gravatar-user-420.png"/>
+          <p:cNvPicPr>
+            <a:picLocks noChangeAspect="1" noChangeArrowheads="1"/>
+          </p:cNvPicPr>
+          <p:nvPr/>
+        </p:nvPicPr>
+        <p:blipFill>
+          <a:blip r:embed="rId7" cstate="print">
+            <a:extLst>
+              <a:ext uri="{28A0092B-C50C-407E-A947-70E740481C1C}">
+                <a14:useLocalDpi xmlns:a14="http://schemas.microsoft.com/office/drawing/2010/main"/>
+              </a:ext>
+            </a:extLst>
+          </a:blip>
+          <a:srcRect/>
+          <a:stretch>
+            <a:fillRect/>
+          </a:stretch>
+        </p:blipFill>
+        <p:spPr bwMode="auto">
+          <a:xfrm>
+            <a:off x="843486" y="3541212"/>
+            <a:ext cx="714383" cy="714383"/>
+          </a:xfrm>
+          <a:prstGeom prst="rect">
+            <a:avLst/>
+          </a:prstGeom>
+          <a:noFill/>
+          <a:effectLst>
+            <a:outerShdw blurRad="50800" dist="38100" dir="2700000" algn="tl" rotWithShape="0">
+              <a:prstClr val="black">
+                <a:alpha val="28000"/>
+              </a:prstClr>
+            </a:outerShdw>
+          </a:effectLst>
+          <a:extLst>
+            <a:ext uri="{909E8E84-426E-40DD-AFC4-6F175D3DCCD1}">
+              <a14:hiddenFill xmlns:a14="http://schemas.microsoft.com/office/drawing/2010/main">
+                <a:solidFill>
+                  <a:srgbClr val="FFFFFF"/>
+                </a:solidFill>
+              </a14:hiddenFill>
+            </a:ext>
+          </a:extLst>
+        </p:spPr>
+      </p:pic>
+    </p:spTree>
+    <p:extLst>
+      <p:ext uri="{BB962C8B-B14F-4D97-AF65-F5344CB8AC3E}">
+        <p14:creationId xmlns:p14="http://schemas.microsoft.com/office/powerpoint/2010/main" val="1752633067"/>
+      </p:ext>
+    </p:extLst>
+  </p:cSld>
+  <p:clrMapOvr>
+    <a:masterClrMapping/>
+  </p:clrMapOvr>
+  <mc:AlternateContent xmlns:mc="http://schemas.openxmlformats.org/markup-compatibility/2006" xmlns:p14="http://schemas.microsoft.com/office/powerpoint/2010/main">
+    <mc:Choice Requires="p14">
+      <p:transition p14:dur="250">
+        <p:push/>
+      </p:transition>
+    </mc:Choice>
+    <mc:Fallback xmlns="">
+      <p:transition>
+        <p:push/>
+      </p:transition>
+    </mc:Fallback>
+  </mc:AlternateContent>
+  <p:timing>
+    <p:tnLst>
+      <p:par>
+        <p:cTn id="1" dur="indefinite" restart="never" nodeType="tmRoot">
+          <p:childTnLst>
+            <p:seq concurrent="1" nextAc="seek">
+              <p:cTn id="2" dur="indefinite" nodeType="mainSeq">
+                <p:childTnLst>
+                  <p:par>
+                    <p:cTn id="3" fill="hold">
+                      <p:stCondLst>
+                        <p:cond delay="indefinite"/>
+                      </p:stCondLst>
+                      <p:childTnLst>
+                        <p:par>
+                          <p:cTn id="4" fill="hold">
+                            <p:stCondLst>
+                              <p:cond delay="0"/>
+                            </p:stCondLst>
+                            <p:childTnLst>
+                              <p:par>
+                                <p:cTn id="5" presetID="26" presetClass="emph" presetSubtype="0" fill="hold" grpId="0" nodeType="clickEffect">
+                                  <p:stCondLst>
+                                    <p:cond delay="0"/>
+                                  </p:stCondLst>
+                                  <p:childTnLst>
+                                    <p:animEffect transition="out" filter="fade">
+                                      <p:cBhvr>
+                                        <p:cTn id="6" dur="500" tmFilter="0, 0; .2, .5; .8, .5; 1, 0"/>
+                                        <p:tgtEl>
+                                          <p:spTgt spid="3">
+                                            <p:txEl>
+                                              <p:pRg st="0" end="0"/>
+                                            </p:txEl>
+                                          </p:spTgt>
+                                        </p:tgtEl>
+                                      </p:cBhvr>
+                                    </p:animEffect>
+                                    <p:animScale>
+                                      <p:cBhvr>
+                                        <p:cTn id="7" dur="250" autoRev="1" fill="hold"/>
+                                        <p:tgtEl>
+                                          <p:spTgt spid="3">
+                                            <p:txEl>
+                                              <p:pRg st="0" end="0"/>
+                                            </p:txEl>
+                                          </p:spTgt>
+                                        </p:tgtEl>
+                                      </p:cBhvr>
+                                      <p:by x="105000" y="105000"/>
+                                    </p:animScale>
+                                  </p:childTnLst>
+                                </p:cTn>
+                              </p:par>
+                            </p:childTnLst>
+                          </p:cTn>
+                        </p:par>
+                      </p:childTnLst>
+                    </p:cTn>
+                  </p:par>
+                  <p:par>
+                    <p:cTn id="8" fill="hold">
+                      <p:stCondLst>
+                        <p:cond delay="indefinite"/>
+                      </p:stCondLst>
+                      <p:childTnLst>
+                        <p:par>
+                          <p:cTn id="9" fill="hold">
+                            <p:stCondLst>
+                              <p:cond delay="0"/>
+                            </p:stCondLst>
+                            <p:childTnLst>
+                              <p:par>
+                                <p:cTn id="10" presetID="26" presetClass="emph" presetSubtype="0" fill="hold" grpId="0" nodeType="clickEffect">
+                                  <p:stCondLst>
+                                    <p:cond delay="0"/>
+                                  </p:stCondLst>
+                                  <p:childTnLst>
+                                    <p:animEffect transition="out" filter="fade">
+                                      <p:cBhvr>
+                                        <p:cTn id="11" dur="500" tmFilter="0, 0; .2, .5; .8, .5; 1, 0"/>
+                                        <p:tgtEl>
+                                          <p:spTgt spid="3">
+                                            <p:txEl>
+                                              <p:pRg st="1" end="1"/>
+                                            </p:txEl>
+                                          </p:spTgt>
+                                        </p:tgtEl>
+                                      </p:cBhvr>
+                                    </p:animEffect>
+                                    <p:animScale>
+                                      <p:cBhvr>
+                                        <p:cTn id="12" dur="250" autoRev="1" fill="hold"/>
+                                        <p:tgtEl>
+                                          <p:spTgt spid="3">
+                                            <p:txEl>
+                                              <p:pRg st="1" end="1"/>
+                                            </p:txEl>
+                                          </p:spTgt>
+                                        </p:tgtEl>
+                                      </p:cBhvr>
+                                      <p:by x="105000" y="105000"/>
+                                    </p:animScale>
+                                  </p:childTnLst>
+                                </p:cTn>
+                              </p:par>
+                              <p:par>
+                                <p:cTn id="13" presetID="26" presetClass="emph" presetSubtype="0" fill="hold" grpId="0" nodeType="withEffect">
+                                  <p:stCondLst>
+                                    <p:cond delay="0"/>
+                                  </p:stCondLst>
+                                  <p:childTnLst>
+                                    <p:animEffect transition="out" filter="fade">
+                                      <p:cBhvr>
+                                        <p:cTn id="14" dur="500" tmFilter="0, 0; .2, .5; .8, .5; 1, 0"/>
+                                        <p:tgtEl>
+                                          <p:spTgt spid="3">
+                                            <p:txEl>
+                                              <p:pRg st="2" end="2"/>
+                                            </p:txEl>
+                                          </p:spTgt>
+                                        </p:tgtEl>
+                                      </p:cBhvr>
+                                    </p:animEffect>
+                                    <p:animScale>
+                                      <p:cBhvr>
+                                        <p:cTn id="15" dur="250" autoRev="1" fill="hold"/>
+                                        <p:tgtEl>
+                                          <p:spTgt spid="3">
+                                            <p:txEl>
+                                              <p:pRg st="2" end="2"/>
+                                            </p:txEl>
+                                          </p:spTgt>
+                                        </p:tgtEl>
+                                      </p:cBhvr>
+                                      <p:by x="105000" y="105000"/>
+                                    </p:animScale>
+                                  </p:childTnLst>
+                                </p:cTn>
+                              </p:par>
+                            </p:childTnLst>
+                          </p:cTn>
+                        </p:par>
+                      </p:childTnLst>
+                    </p:cTn>
+                  </p:par>
+                  <p:par>
+                    <p:cTn id="16" fill="hold">
+                      <p:stCondLst>
+                        <p:cond delay="indefinite"/>
+                      </p:stCondLst>
+                      <p:childTnLst>
+                        <p:par>
+                          <p:cTn id="17" fill="hold">
+                            <p:stCondLst>
+                              <p:cond delay="0"/>
+                            </p:stCondLst>
+                            <p:childTnLst>
+                              <p:par>
+                                <p:cTn id="18" presetID="26" presetClass="emph" presetSubtype="0" fill="hold" grpId="0" nodeType="clickEffect">
+                                  <p:stCondLst>
+                                    <p:cond delay="0"/>
+                                  </p:stCondLst>
+                                  <p:childTnLst>
+                                    <p:animEffect transition="out" filter="fade">
+                                      <p:cBhvr>
+                                        <p:cTn id="19" dur="500" tmFilter="0, 0; .2, .5; .8, .5; 1, 0"/>
+                                        <p:tgtEl>
+                                          <p:spTgt spid="3">
+                                            <p:txEl>
+                                              <p:pRg st="3" end="3"/>
+                                            </p:txEl>
+                                          </p:spTgt>
+                                        </p:tgtEl>
+                                      </p:cBhvr>
+                                    </p:animEffect>
+                                    <p:animScale>
+                                      <p:cBhvr>
+                                        <p:cTn id="20" dur="250" autoRev="1" fill="hold"/>
+                                        <p:tgtEl>
+                                          <p:spTgt spid="3">
+                                            <p:txEl>
+                                              <p:pRg st="3" end="3"/>
+                                            </p:txEl>
+                                          </p:spTgt>
+                                        </p:tgtEl>
+                                      </p:cBhvr>
+                                      <p:by x="105000" y="105000"/>
+                                    </p:animScale>
+                                  </p:childTnLst>
+                                </p:cTn>
+                              </p:par>
+                              <p:par>
+                                <p:cTn id="21" presetID="26" presetClass="emph" presetSubtype="0" fill="hold" grpId="0" nodeType="withEffect">
+                                  <p:stCondLst>
+                                    <p:cond delay="0"/>
+                                  </p:stCondLst>
+                                  <p:childTnLst>
+                                    <p:animEffect transition="out" filter="fade">
+                                      <p:cBhvr>
+                                        <p:cTn id="22" dur="500" tmFilter="0, 0; .2, .5; .8, .5; 1, 0"/>
+                                        <p:tgtEl>
+                                          <p:spTgt spid="3">
+                                            <p:txEl>
+                                              <p:pRg st="4" end="4"/>
+                                            </p:txEl>
+                                          </p:spTgt>
+                                        </p:tgtEl>
+                                      </p:cBhvr>
+                                    </p:animEffect>
+                                    <p:animScale>
+                                      <p:cBhvr>
+                                        <p:cTn id="23" dur="250" autoRev="1" fill="hold"/>
+                                        <p:tgtEl>
+                                          <p:spTgt spid="3">
+                                            <p:txEl>
+                                              <p:pRg st="4" end="4"/>
+                                            </p:txEl>
+                                          </p:spTgt>
+                                        </p:tgtEl>
+                                      </p:cBhvr>
+                                      <p:by x="105000" y="105000"/>
+                                    </p:animScale>
+                                  </p:childTnLst>
+                                </p:cTn>
+                              </p:par>
+                            </p:childTnLst>
+                          </p:cTn>
+                        </p:par>
+                      </p:childTnLst>
+                    </p:cTn>
+                  </p:par>
+                  <p:par>
+                    <p:cTn id="24" fill="hold">
+                      <p:stCondLst>
+                        <p:cond delay="indefinite"/>
+                      </p:stCondLst>
+                      <p:childTnLst>
+                        <p:par>
+                          <p:cTn id="25" fill="hold">
+                            <p:stCondLst>
+                              <p:cond delay="0"/>
+                            </p:stCondLst>
+                            <p:childTnLst>
+                              <p:par>
+                                <p:cTn id="26" presetID="26" presetClass="emph" presetSubtype="0" fill="hold" grpId="0" nodeType="clickEffect">
+                                  <p:stCondLst>
+                                    <p:cond delay="0"/>
+                                  </p:stCondLst>
+                                  <p:childTnLst>
+                                    <p:animEffect transition="out" filter="fade">
+                                      <p:cBhvr>
+                                        <p:cTn id="27" dur="500" tmFilter="0, 0; .2, .5; .8, .5; 1, 0"/>
+                                        <p:tgtEl>
+                                          <p:spTgt spid="3">
+                                            <p:txEl>
+                                              <p:pRg st="5" end="5"/>
+                                            </p:txEl>
+                                          </p:spTgt>
+                                        </p:tgtEl>
+                                      </p:cBhvr>
+                                    </p:animEffect>
+                                    <p:animScale>
+                                      <p:cBhvr>
+                                        <p:cTn id="28" dur="250" autoRev="1" fill="hold"/>
+                                        <p:tgtEl>
+                                          <p:spTgt spid="3">
+                                            <p:txEl>
+                                              <p:pRg st="5" end="5"/>
+                                            </p:txEl>
+                                          </p:spTgt>
+                                        </p:tgtEl>
+                                      </p:cBhvr>
+                                      <p:by x="105000" y="105000"/>
+                                    </p:animScale>
+                                  </p:childTnLst>
+                                </p:cTn>
+                              </p:par>
+                              <p:par>
+                                <p:cTn id="29" presetID="26" presetClass="emph" presetSubtype="0" fill="hold" grpId="0" nodeType="withEffect">
+                                  <p:stCondLst>
+                                    <p:cond delay="0"/>
+                                  </p:stCondLst>
+                                  <p:childTnLst>
+                                    <p:animEffect transition="out" filter="fade">
+                                      <p:cBhvr>
+                                        <p:cTn id="30" dur="500" tmFilter="0, 0; .2, .5; .8, .5; 1, 0"/>
+                                        <p:tgtEl>
+                                          <p:spTgt spid="3">
+                                            <p:txEl>
+                                              <p:pRg st="6" end="6"/>
+                                            </p:txEl>
+                                          </p:spTgt>
+                                        </p:tgtEl>
+                                      </p:cBhvr>
+                                    </p:animEffect>
+                                    <p:animScale>
+                                      <p:cBhvr>
+                                        <p:cTn id="31" dur="250" autoRev="1" fill="hold"/>
+                                        <p:tgtEl>
+                                          <p:spTgt spid="3">
+                                            <p:txEl>
+                                              <p:pRg st="6" end="6"/>
+                                            </p:txEl>
+                                          </p:spTgt>
+                                        </p:tgtEl>
+                                      </p:cBhvr>
+                                      <p:by x="105000" y="105000"/>
+                                    </p:animScale>
+                                  </p:childTnLst>
+                                </p:cTn>
+                              </p:par>
+                              <p:par>
+                                <p:cTn id="32" presetID="26" presetClass="emph" presetSubtype="0" fill="hold" grpId="0" nodeType="withEffect">
+                                  <p:stCondLst>
+                                    <p:cond delay="0"/>
+                                  </p:stCondLst>
+                                  <p:childTnLst>
+                                    <p:animEffect transition="out" filter="fade">
+                                      <p:cBhvr>
+                                        <p:cTn id="33" dur="500" tmFilter="0, 0; .2, .5; .8, .5; 1, 0"/>
+                                        <p:tgtEl>
+                                          <p:spTgt spid="3">
+                                            <p:txEl>
+                                              <p:pRg st="7" end="7"/>
+                                            </p:txEl>
+                                          </p:spTgt>
+                                        </p:tgtEl>
+                                      </p:cBhvr>
+                                    </p:animEffect>
+                                    <p:animScale>
+                                      <p:cBhvr>
+                                        <p:cTn id="34" dur="250" autoRev="1" fill="hold"/>
+                                        <p:tgtEl>
+                                          <p:spTgt spid="3">
+                                            <p:txEl>
+                                              <p:pRg st="7" end="7"/>
+                                            </p:txEl>
+                                          </p:spTgt>
+                                        </p:tgtEl>
+                                      </p:cBhvr>
+                                      <p:by x="105000" y="105000"/>
+                                    </p:animScale>
+                                  </p:childTnLst>
+                                </p:cTn>
+                              </p:par>
+                            </p:childTnLst>
+                          </p:cTn>
+                        </p:par>
+                      </p:childTnLst>
+                    </p:cTn>
+                  </p:par>
+                </p:childTnLst>
+              </p:cTn>
+              <p:prevCondLst>
+                <p:cond evt="onPrev" delay="0">
+                  <p:tgtEl>
+                    <p:sldTgt/>
+                  </p:tgtEl>
+                </p:cond>
+              </p:prevCondLst>
+              <p:nextCondLst>
+                <p:cond evt="onNext" delay="0">
+                  <p:tgtEl>
+                    <p:sldTgt/>
+                  </p:tgtEl>
+                </p:cond>
+              </p:nextCondLst>
+            </p:seq>
+          </p:childTnLst>
+        </p:cTn>
+      </p:par>
+    </p:tnLst>
+    <p:bldLst>
+      <p:bldP spid="3" grpId="0" uiExpand="1" build="p"/>
+    </p:bldLst>
+  </p:timing>
+</p:sld>
+</file>
+
+<file path=ppt/slides/slide14.xml><?xml version="1.0" encoding="utf-8"?>
+<p:sld xmlns:a="http://schemas.openxmlformats.org/drawingml/2006/main" xmlns:r="http://schemas.openxmlformats.org/officeDocument/2006/relationships" xmlns:p="http://schemas.openxmlformats.org/presentationml/2006/main">
+  <p:cSld>
+    <p:spTree>
+      <p:nvGrpSpPr>
+        <p:cNvPr id="1" name=""/>
+        <p:cNvGrpSpPr/>
+        <p:nvPr/>
+      </p:nvGrpSpPr>
+      <p:grpSpPr>
+        <a:xfrm>
+          <a:off x="0" y="0"/>
+          <a:ext cx="0" cy="0"/>
+          <a:chOff x="0" y="0"/>
+          <a:chExt cx="0" cy="0"/>
+        </a:xfrm>
+      </p:grpSpPr>
+      <p:sp>
+        <p:nvSpPr>
+          <p:cNvPr id="2" name="Titre 1"/>
+          <p:cNvSpPr>
+            <a:spLocks noGrp="1"/>
+          </p:cNvSpPr>
+          <p:nvPr>
+            <p:ph type="title"/>
+          </p:nvPr>
+        </p:nvSpPr>
+        <p:spPr/>
+        <p:txBody>
+          <a:bodyPr/>
+          <a:lstStyle/>
+          <a:p>
+            <a:r>
+              <a:rPr lang="fr-FR" dirty="0" smtClean="0"/>
+              <a:t>Merci !</a:t>
+            </a:r>
+            <a:endParaRPr lang="fr-FR" dirty="0"/>
+          </a:p>
+        </p:txBody>
+      </p:sp>
+      <p:sp>
+        <p:nvSpPr>
+          <p:cNvPr id="4" name="Espace réservé de la date 3"/>
+          <p:cNvSpPr>
+            <a:spLocks noGrp="1"/>
+          </p:cNvSpPr>
+          <p:nvPr>
+            <p:ph type="dt" sz="half" idx="10"/>
+          </p:nvPr>
+        </p:nvSpPr>
+        <p:spPr/>
+        <p:txBody>
+          <a:bodyPr vert="horz" anchor="ctr"/>
+          <a:lstStyle/>
+          <a:p>
+            <a:pPr algn="r"/>
+            <a:r>
+              <a:rPr lang="fr-FR" smtClean="0">
+                <a:solidFill>
+                  <a:srgbClr val="FF6600"/>
+                </a:solidFill>
+              </a:rPr>
+              <a:t>12 février 2013</a:t>
+            </a:r>
+            <a:endParaRPr lang="fr-FR" dirty="0">
+              <a:solidFill>
+                <a:srgbClr val="FF6600"/>
+              </a:solidFill>
+            </a:endParaRPr>
+          </a:p>
+        </p:txBody>
+      </p:sp>
+      <p:sp>
+        <p:nvSpPr>
+          <p:cNvPr id="5" name="Espace réservé du pied de page 4"/>
+          <p:cNvSpPr>
+            <a:spLocks noGrp="1"/>
+          </p:cNvSpPr>
+          <p:nvPr>
+            <p:ph type="ftr" sz="quarter" idx="11"/>
+          </p:nvPr>
+        </p:nvSpPr>
+        <p:spPr/>
+        <p:txBody>
+          <a:bodyPr/>
+          <a:lstStyle/>
+          <a:p>
+            <a:r>
+              <a:rPr lang="fr-FR" smtClean="0">
+                <a:solidFill>
+                  <a:srgbClr val="FF6600"/>
+                </a:solidFill>
+              </a:rPr>
+              <a:t>Robin Jarry – Surveillance des interfaces logicielles</a:t>
+            </a:r>
+            <a:endParaRPr lang="fr-FR" dirty="0">
+              <a:solidFill>
+                <a:srgbClr val="FF6600"/>
+              </a:solidFill>
+            </a:endParaRPr>
+          </a:p>
+        </p:txBody>
+      </p:sp>
+      <p:sp>
+        <p:nvSpPr>
+          <p:cNvPr id="6" name="Espace réservé du numéro de diapositive 5"/>
+          <p:cNvSpPr>
+            <a:spLocks noGrp="1"/>
+          </p:cNvSpPr>
+          <p:nvPr>
+            <p:ph type="sldNum" sz="quarter" idx="12"/>
+          </p:nvPr>
+        </p:nvSpPr>
+        <p:spPr/>
+        <p:txBody>
+          <a:bodyPr>
+            <a:normAutofit fontScale="85000" lnSpcReduction="20000"/>
+          </a:bodyPr>
+          <a:lstStyle/>
+          <a:p>
+            <a:fld id="{50935222-B196-4F9B-9AEC-1292459A754A}" type="slidenum">
+              <a:rPr lang="fr-FR" smtClean="0"/>
+              <a:pPr/>
+              <a:t>14</a:t>
+            </a:fld>
+            <a:endParaRPr lang="fr-FR"/>
+          </a:p>
+        </p:txBody>
+      </p:sp>
+      <p:sp>
+        <p:nvSpPr>
+          <p:cNvPr id="8" name="ZoneTexte 7"/>
+          <p:cNvSpPr txBox="1"/>
+          <p:nvPr/>
+        </p:nvSpPr>
+        <p:spPr>
+          <a:xfrm>
+            <a:off x="3602825" y="2561537"/>
+            <a:ext cx="1938351" cy="584775"/>
+          </a:xfrm>
+          <a:prstGeom prst="rect">
+            <a:avLst/>
+          </a:prstGeom>
+          <a:noFill/>
+        </p:spPr>
+        <p:txBody>
+          <a:bodyPr wrap="none" rtlCol="0">
+            <a:spAutoFit/>
+          </a:bodyPr>
+          <a:lstStyle/>
+          <a:p>
+            <a:r>
+              <a:rPr lang="fr-FR" sz="3200" dirty="0" smtClean="0">
+                <a:solidFill>
+                  <a:srgbClr val="0089FA"/>
+                </a:solidFill>
+              </a:rPr>
+              <a:t>questions</a:t>
+            </a:r>
+            <a:endParaRPr lang="fr-FR" sz="3200" dirty="0">
+              <a:solidFill>
+                <a:srgbClr val="0089FA"/>
+              </a:solidFill>
+            </a:endParaRPr>
+          </a:p>
+        </p:txBody>
+      </p:sp>
+      <p:sp>
+        <p:nvSpPr>
+          <p:cNvPr id="9" name="ZoneTexte 8"/>
+          <p:cNvSpPr txBox="1"/>
+          <p:nvPr/>
+        </p:nvSpPr>
+        <p:spPr>
+          <a:xfrm>
+            <a:off x="3770338" y="2636912"/>
+            <a:ext cx="1603324" cy="3154710"/>
+          </a:xfrm>
+          <a:prstGeom prst="rect">
+            <a:avLst/>
+          </a:prstGeom>
+          <a:noFill/>
+        </p:spPr>
+        <p:txBody>
+          <a:bodyPr wrap="none" rtlCol="0">
+            <a:spAutoFit/>
+          </a:bodyPr>
+          <a:lstStyle/>
+          <a:p>
+            <a:r>
+              <a:rPr lang="fr-FR" sz="19900" dirty="0">
+                <a:gradFill>
+                  <a:gsLst>
+                    <a:gs pos="0">
+                      <a:srgbClr val="0052AC"/>
+                    </a:gs>
+                    <a:gs pos="100000">
+                      <a:srgbClr val="2FA1FF"/>
+                    </a:gs>
+                  </a:gsLst>
+                  <a:lin ang="18900000" scaled="1"/>
+                </a:gradFill>
+                <a:effectLst>
+                  <a:outerShdw blurRad="50800" dist="38100" dir="2700000" algn="tl" rotWithShape="0">
+                    <a:prstClr val="black">
+                      <a:alpha val="24000"/>
+                    </a:prstClr>
+                  </a:outerShdw>
+                </a:effectLst>
+                <a:latin typeface="+mj-lt"/>
+                <a:ea typeface="+mj-ea"/>
+                <a:cs typeface="+mj-cs"/>
+              </a:rPr>
+              <a:t>?</a:t>
+            </a:r>
+            <a:endParaRPr lang="fr-FR" sz="19900" dirty="0">
+              <a:gradFill>
+                <a:gsLst>
+                  <a:gs pos="0">
+                    <a:srgbClr val="0052AC"/>
+                  </a:gs>
+                  <a:gs pos="100000">
+                    <a:srgbClr val="2FA1FF"/>
+                  </a:gs>
+                </a:gsLst>
+                <a:lin ang="18900000" scaled="1"/>
+              </a:gradFill>
+              <a:effectLst>
+                <a:outerShdw blurRad="50800" dist="38100" dir="2700000" algn="tl" rotWithShape="0">
+                  <a:prstClr val="black">
+                    <a:alpha val="24000"/>
+                  </a:prstClr>
+                </a:outerShdw>
+              </a:effectLst>
+              <a:latin typeface="+mj-lt"/>
+              <a:ea typeface="+mj-ea"/>
+              <a:cs typeface="+mj-cs"/>
+            </a:endParaRPr>
+          </a:p>
+        </p:txBody>
+      </p:sp>
+    </p:spTree>
+    <p:extLst>
+      <p:ext uri="{BB962C8B-B14F-4D97-AF65-F5344CB8AC3E}">
+        <p14:creationId xmlns:p14="http://schemas.microsoft.com/office/powerpoint/2010/main" val="1355564318"/>
+      </p:ext>
+    </p:extLst>
+  </p:cSld>
+  <p:clrMapOvr>
+    <a:masterClrMapping/>
+  </p:clrMapOvr>
+  <mc:AlternateContent xmlns:mc="http://schemas.openxmlformats.org/markup-compatibility/2006" xmlns:p14="http://schemas.microsoft.com/office/powerpoint/2010/main">
+    <mc:Choice Requires="p14">
+      <p:transition p14:dur="250">
+        <p:push/>
+      </p:transition>
+    </mc:Choice>
+    <mc:Fallback xmlns="">
+      <p:transition>
+        <p:push/>
+      </p:transition>
     </mc:Fallback>
   </mc:AlternateContent>
   <p:timing>
@@ -4033,6 +7894,48 @@
           <a:p>
             <a:pPr lvl="1"/>
             <a:r>
+              <a:rPr lang="fr-FR" sz="2100" dirty="0" smtClean="0"/>
+              <a:t>Environnements </a:t>
+            </a:r>
+            <a:r>
+              <a:rPr lang="fr-FR" sz="2100" dirty="0"/>
+              <a:t>de </a:t>
+            </a:r>
+            <a:r>
+              <a:rPr lang="fr-FR" sz="2100" dirty="0" smtClean="0"/>
+              <a:t>développement (IDE)</a:t>
+            </a:r>
+          </a:p>
+          <a:p>
+            <a:pPr lvl="1"/>
+            <a:r>
+              <a:rPr lang="fr-FR" sz="2100" dirty="0"/>
+              <a:t>Indicateurs de </a:t>
+            </a:r>
+            <a:r>
+              <a:rPr lang="fr-FR" sz="2100" b="1" dirty="0">
+                <a:solidFill>
+                  <a:srgbClr val="0089FA"/>
+                </a:solidFill>
+              </a:rPr>
+              <a:t>qualité</a:t>
+            </a:r>
+            <a:r>
+              <a:rPr lang="fr-FR" sz="2100" dirty="0">
+                <a:solidFill>
+                  <a:srgbClr val="0089FA"/>
+                </a:solidFill>
+              </a:rPr>
+              <a:t> </a:t>
+            </a:r>
+            <a:r>
+              <a:rPr lang="fr-FR" sz="2100" dirty="0"/>
+              <a:t>du code</a:t>
+            </a:r>
+          </a:p>
+          <a:p>
+            <a:pPr lvl="1"/>
+            <a:r>
               <a:rPr lang="fr-FR" sz="2100" b="1" dirty="0" smtClean="0">
                 <a:solidFill>
                   <a:srgbClr val="0089FA"/>
@@ -4052,40 +7955,6 @@
               <a:rPr lang="fr-FR" sz="2100" dirty="0" smtClean="0"/>
               <a:t>continue</a:t>
             </a:r>
-          </a:p>
-          <a:p>
-            <a:pPr lvl="1"/>
-            <a:r>
-              <a:rPr lang="fr-FR" sz="2100" dirty="0" smtClean="0"/>
-              <a:t>Indicateurs de </a:t>
-            </a:r>
-            <a:r>
-              <a:rPr lang="fr-FR" sz="2100" b="1" dirty="0" smtClean="0">
-                <a:solidFill>
-                  <a:srgbClr val="0089FA"/>
-                </a:solidFill>
-              </a:rPr>
-              <a:t>qualité</a:t>
-            </a:r>
-            <a:r>
-              <a:rPr lang="fr-FR" sz="2100" dirty="0" smtClean="0">
-                <a:solidFill>
-                  <a:srgbClr val="0089FA"/>
-                </a:solidFill>
-              </a:rPr>
-              <a:t> </a:t>
-            </a:r>
-            <a:r>
-              <a:rPr lang="fr-FR" sz="2100" dirty="0" smtClean="0"/>
-              <a:t>du code</a:t>
-            </a:r>
-          </a:p>
-          <a:p>
-            <a:pPr lvl="1"/>
-            <a:endParaRPr lang="fr-FR" sz="1500" dirty="0" smtClean="0"/>
-          </a:p>
-          <a:p>
-            <a:pPr lvl="1"/>
             <a:endParaRPr lang="fr-FR" sz="1500" dirty="0" smtClean="0"/>
           </a:p>
           <a:p>
@@ -4194,11 +8063,11 @@
           <a:blip r:embed="rId3" cstate="print">
             <a:extLst>
               <a:ext uri="{28A0092B-C50C-407E-A947-70E740481C1C}">
-                <a14:useLocalDpi xmlns:a14="http://schemas.microsoft.com/office/drawing/2010/main" val="0"/>
+                <a14:useLocalDpi xmlns:a14="http://schemas.microsoft.com/office/drawing/2010/main"/>
               </a:ext>
             </a:extLst>
           </a:blip>
-          <a:srcRect l="6822" t="28657" r="6640" b="24647"/>
+          <a:srcRect/>
           <a:stretch/>
         </p:blipFill>
         <p:spPr bwMode="auto">
@@ -4617,6 +8486,40 @@
                                           <p:spTgt spid="3">
                                             <p:txEl>
                                               <p:pRg st="8" end="8"/>
+                                            </p:txEl>
+                                          </p:spTgt>
+                                        </p:tgtEl>
+                                      </p:cBhvr>
+                                      <p:by x="105000" y="105000"/>
+                                    </p:animScale>
+                                  </p:childTnLst>
+                                </p:cTn>
+                              </p:par>
+                              <p:par>
+                                <p:cTn id="39" presetID="26" presetClass="emph" presetSubtype="0" fill="hold" grpId="0" nodeType="withEffect">
+                                  <p:stCondLst>
+                                    <p:cond delay="0"/>
+                                  </p:stCondLst>
+                                  <p:childTnLst>
+                                    <p:animEffect transition="out" filter="fade">
+                                      <p:cBhvr>
+                                        <p:cTn id="40" dur="500" tmFilter="0, 0; .2, .5; .8, .5; 1, 0"/>
+                                        <p:tgtEl>
+                                          <p:spTgt spid="3">
+                                            <p:txEl>
+                                              <p:pRg st="9" end="9"/>
+                                            </p:txEl>
+                                          </p:spTgt>
+                                        </p:tgtEl>
+                                      </p:cBhvr>
+                                    </p:animEffect>
+                                    <p:animScale>
+                                      <p:cBhvr>
+                                        <p:cTn id="41" dur="250" autoRev="1" fill="hold"/>
+                                        <p:tgtEl>
+                                          <p:spTgt spid="3">
+                                            <p:txEl>
+                                              <p:pRg st="9" end="9"/>
                                             </p:txEl>
                                           </p:spTgt>
                                         </p:tgtEl>
@@ -4945,7 +8848,7 @@
           <a:effectLst>
             <a:outerShdw blurRad="50800" dist="38100" dir="2700000" algn="tl" rotWithShape="0">
               <a:prstClr val="black">
-                <a:alpha val="40000"/>
+                <a:alpha val="26000"/>
               </a:prstClr>
             </a:outerShdw>
           </a:effectLst>
@@ -6158,13 +10061,277 @@
       </p:grpSp>
       <p:grpSp>
         <p:nvGrpSpPr>
+          <p:cNvPr id="10" name="Groupe 9"/>
+          <p:cNvGrpSpPr/>
+          <p:nvPr/>
+        </p:nvGrpSpPr>
+        <p:grpSpPr>
+          <a:xfrm>
+            <a:off x="3756318" y="5519205"/>
+            <a:ext cx="2119426" cy="288000"/>
+            <a:chOff x="3756318" y="5519205"/>
+            <a:chExt cx="2119426" cy="288000"/>
+          </a:xfrm>
+          <a:effectLst>
+            <a:outerShdw blurRad="50800" dist="38100" dir="2700000" algn="tl" rotWithShape="0">
+              <a:prstClr val="black">
+                <a:alpha val="17000"/>
+              </a:prstClr>
+            </a:outerShdw>
+          </a:effectLst>
+        </p:grpSpPr>
+        <p:cxnSp>
+          <p:nvCxnSpPr>
+            <p:cNvPr id="43" name="Straight Connector 42"/>
+            <p:cNvCxnSpPr>
+              <a:stCxn id="36" idx="3"/>
+            </p:cNvCxnSpPr>
+            <p:nvPr/>
+          </p:nvCxnSpPr>
+          <p:spPr>
+            <a:xfrm flipV="1">
+              <a:off x="3756318" y="5663205"/>
+              <a:ext cx="862751" cy="3230"/>
+            </a:xfrm>
+            <a:prstGeom prst="line">
+              <a:avLst/>
+            </a:prstGeom>
+            <a:ln w="28575">
+              <a:solidFill>
+                <a:schemeClr val="tx1">
+                  <a:lumMod val="85000"/>
+                  <a:lumOff val="15000"/>
+                </a:schemeClr>
+              </a:solidFill>
+            </a:ln>
+            <a:effectLst/>
+          </p:spPr>
+          <p:style>
+            <a:lnRef idx="1">
+              <a:schemeClr val="dk1"/>
+            </a:lnRef>
+            <a:fillRef idx="0">
+              <a:schemeClr val="dk1"/>
+            </a:fillRef>
+            <a:effectRef idx="0">
+              <a:schemeClr val="dk1"/>
+            </a:effectRef>
+            <a:fontRef idx="minor">
+              <a:schemeClr val="tx1"/>
+            </a:fontRef>
+          </p:style>
+        </p:cxnSp>
+        <p:sp>
+          <p:nvSpPr>
+            <p:cNvPr id="44" name="Arc 43"/>
+            <p:cNvSpPr/>
+            <p:nvPr/>
+          </p:nvSpPr>
+          <p:spPr>
+            <a:xfrm>
+              <a:off x="4619068" y="5519205"/>
+              <a:ext cx="288000" cy="288000"/>
+            </a:xfrm>
+            <a:prstGeom prst="arc">
+              <a:avLst>
+                <a:gd name="adj1" fmla="val 5416364"/>
+                <a:gd name="adj2" fmla="val 16087241"/>
+              </a:avLst>
+            </a:prstGeom>
+            <a:ln w="28575">
+              <a:solidFill>
+                <a:schemeClr val="tx1">
+                  <a:lumMod val="85000"/>
+                  <a:lumOff val="15000"/>
+                </a:schemeClr>
+              </a:solidFill>
+            </a:ln>
+            <a:effectLst/>
+          </p:spPr>
+          <p:style>
+            <a:lnRef idx="1">
+              <a:schemeClr val="accent1"/>
+            </a:lnRef>
+            <a:fillRef idx="0">
+              <a:schemeClr val="accent1"/>
+            </a:fillRef>
+            <a:effectRef idx="0">
+              <a:schemeClr val="accent1"/>
+            </a:effectRef>
+            <a:fontRef idx="minor">
+              <a:schemeClr val="tx1"/>
+            </a:fontRef>
+          </p:style>
+          <p:txBody>
+            <a:bodyPr rtlCol="0" anchor="ctr"/>
+            <a:lstStyle/>
+            <a:p>
+              <a:pPr algn="ctr"/>
+              <a:endParaRPr lang="fr-FR"/>
+            </a:p>
+          </p:txBody>
+        </p:sp>
+        <p:sp>
+          <p:nvSpPr>
+            <p:cNvPr id="45" name="Oval 44"/>
+            <p:cNvSpPr/>
+            <p:nvPr/>
+          </p:nvSpPr>
+          <p:spPr>
+            <a:xfrm>
+              <a:off x="4673050" y="5573187"/>
+              <a:ext cx="180036" cy="180036"/>
+            </a:xfrm>
+            <a:prstGeom prst="ellipse">
+              <a:avLst/>
+            </a:prstGeom>
+            <a:gradFill>
+              <a:gsLst>
+                <a:gs pos="0">
+                  <a:schemeClr val="bg1">
+                    <a:lumMod val="85000"/>
+                  </a:schemeClr>
+                </a:gs>
+                <a:gs pos="100000">
+                  <a:schemeClr val="bg1"/>
+                </a:gs>
+              </a:gsLst>
+              <a:lin ang="2400000" scaled="0"/>
+            </a:gradFill>
+            <a:ln w="28575">
+              <a:solidFill>
+                <a:schemeClr val="tx1">
+                  <a:lumMod val="85000"/>
+                  <a:lumOff val="15000"/>
+                </a:schemeClr>
+              </a:solidFill>
+            </a:ln>
+            <a:effectLst/>
+          </p:spPr>
+          <p:style>
+            <a:lnRef idx="2">
+              <a:schemeClr val="accent1">
+                <a:shade val="50000"/>
+              </a:schemeClr>
+            </a:lnRef>
+            <a:fillRef idx="1">
+              <a:schemeClr val="accent1"/>
+            </a:fillRef>
+            <a:effectRef idx="0">
+              <a:schemeClr val="accent1"/>
+            </a:effectRef>
+            <a:fontRef idx="minor">
+              <a:schemeClr val="lt1"/>
+            </a:fontRef>
+          </p:style>
+          <p:txBody>
+            <a:bodyPr rot="0" spcFirstLastPara="0" vertOverflow="overflow" horzOverflow="overflow" vert="horz" wrap="square" lIns="91440" tIns="45720" rIns="91440" bIns="45720" numCol="1" spcCol="0" rtlCol="0" fromWordArt="0" anchor="ctr" anchorCtr="0" forceAA="0" compatLnSpc="1">
+              <a:prstTxWarp prst="textNoShape">
+                <a:avLst/>
+              </a:prstTxWarp>
+              <a:noAutofit/>
+            </a:bodyPr>
+            <a:lstStyle/>
+            <a:p>
+              <a:pPr algn="ctr"/>
+              <a:endParaRPr lang="fr-FR" dirty="0" smtClean="0">
+                <a:solidFill>
+                  <a:schemeClr val="tx1">
+                    <a:lumMod val="85000"/>
+                    <a:lumOff val="15000"/>
+                  </a:schemeClr>
+                </a:solidFill>
+              </a:endParaRPr>
+            </a:p>
+          </p:txBody>
+        </p:sp>
+        <p:cxnSp>
+          <p:nvCxnSpPr>
+            <p:cNvPr id="46" name="Straight Connector 45"/>
+            <p:cNvCxnSpPr>
+              <a:endCxn id="40" idx="1"/>
+            </p:cNvCxnSpPr>
+            <p:nvPr/>
+          </p:nvCxnSpPr>
+          <p:spPr>
+            <a:xfrm>
+              <a:off x="4853087" y="5663205"/>
+              <a:ext cx="1022657" cy="3230"/>
+            </a:xfrm>
+            <a:prstGeom prst="line">
+              <a:avLst/>
+            </a:prstGeom>
+            <a:ln w="28575">
+              <a:solidFill>
+                <a:schemeClr val="tx1">
+                  <a:lumMod val="85000"/>
+                  <a:lumOff val="15000"/>
+                </a:schemeClr>
+              </a:solidFill>
+            </a:ln>
+            <a:effectLst/>
+          </p:spPr>
+          <p:style>
+            <a:lnRef idx="1">
+              <a:schemeClr val="dk1"/>
+            </a:lnRef>
+            <a:fillRef idx="0">
+              <a:schemeClr val="dk1"/>
+            </a:fillRef>
+            <a:effectRef idx="0">
+              <a:schemeClr val="dk1"/>
+            </a:effectRef>
+            <a:fontRef idx="minor">
+              <a:schemeClr val="tx1"/>
+            </a:fontRef>
+          </p:style>
+        </p:cxnSp>
+      </p:grpSp>
+      <p:sp>
+        <p:nvSpPr>
+          <p:cNvPr id="48" name="TextBox 47"/>
+          <p:cNvSpPr txBox="1"/>
+          <p:nvPr/>
+        </p:nvSpPr>
+        <p:spPr>
+          <a:xfrm>
+            <a:off x="4388165" y="5229081"/>
+            <a:ext cx="1114409" cy="276999"/>
+          </a:xfrm>
+          <a:prstGeom prst="rect">
+            <a:avLst/>
+          </a:prstGeom>
+          <a:noFill/>
+        </p:spPr>
+        <p:txBody>
+          <a:bodyPr wrap="none" rtlCol="0">
+            <a:spAutoFit/>
+          </a:bodyPr>
+          <a:lstStyle/>
+          <a:p>
+            <a:r>
+              <a:rPr lang="fr-FR" sz="1200" dirty="0" err="1" smtClean="0">
+                <a:latin typeface="Courier New" pitchFamily="49" charset="0"/>
+                <a:cs typeface="Courier New" pitchFamily="49" charset="0"/>
+              </a:rPr>
+              <a:t>storeOrder</a:t>
+            </a:r>
+            <a:endParaRPr lang="fr-FR" sz="1200" dirty="0">
+              <a:latin typeface="Courier New" pitchFamily="49" charset="0"/>
+              <a:cs typeface="Courier New" pitchFamily="49" charset="0"/>
+            </a:endParaRPr>
+          </a:p>
+        </p:txBody>
+      </p:sp>
+      <p:grpSp>
+        <p:nvGrpSpPr>
           <p:cNvPr id="35" name="Group 34"/>
           <p:cNvGrpSpPr/>
           <p:nvPr/>
         </p:nvGrpSpPr>
         <p:grpSpPr>
           <a:xfrm>
-            <a:off x="2150514" y="5255347"/>
+            <a:off x="1835696" y="5255347"/>
             <a:ext cx="1920622" cy="822176"/>
             <a:chOff x="4644008" y="1844824"/>
             <a:chExt cx="1802512" cy="822176"/>
@@ -6409,7 +10576,7 @@
         </p:nvGrpSpPr>
         <p:grpSpPr>
           <a:xfrm>
-            <a:off x="5950150" y="5255347"/>
+            <a:off x="5635332" y="5255347"/>
             <a:ext cx="1802512" cy="822176"/>
             <a:chOff x="4644008" y="1844824"/>
             <a:chExt cx="1802512" cy="822176"/>
@@ -6646,266 +10813,6 @@
           </p:txBody>
         </p:sp>
       </p:grpSp>
-      <p:grpSp>
-        <p:nvGrpSpPr>
-          <p:cNvPr id="52" name="Group 51"/>
-          <p:cNvGrpSpPr/>
-          <p:nvPr/>
-        </p:nvGrpSpPr>
-        <p:grpSpPr>
-          <a:xfrm>
-            <a:off x="4071136" y="5229081"/>
-            <a:ext cx="2119426" cy="578124"/>
-            <a:chOff x="4071136" y="5229081"/>
-            <a:chExt cx="2119426" cy="578124"/>
-          </a:xfrm>
-          <a:effectLst>
-            <a:outerShdw blurRad="50800" dist="38100" dir="2700000" algn="tl" rotWithShape="0">
-              <a:prstClr val="black">
-                <a:alpha val="40000"/>
-              </a:prstClr>
-            </a:outerShdw>
-          </a:effectLst>
-        </p:grpSpPr>
-        <p:cxnSp>
-          <p:nvCxnSpPr>
-            <p:cNvPr id="43" name="Straight Connector 42"/>
-            <p:cNvCxnSpPr>
-              <a:stCxn id="36" idx="3"/>
-            </p:cNvCxnSpPr>
-            <p:nvPr/>
-          </p:nvCxnSpPr>
-          <p:spPr>
-            <a:xfrm flipV="1">
-              <a:off x="4071136" y="5663205"/>
-              <a:ext cx="862751" cy="3230"/>
-            </a:xfrm>
-            <a:prstGeom prst="line">
-              <a:avLst/>
-            </a:prstGeom>
-            <a:ln w="12700">
-              <a:solidFill>
-                <a:schemeClr val="tx1">
-                  <a:lumMod val="85000"/>
-                  <a:lumOff val="15000"/>
-                </a:schemeClr>
-              </a:solidFill>
-            </a:ln>
-          </p:spPr>
-          <p:style>
-            <a:lnRef idx="1">
-              <a:schemeClr val="dk1"/>
-            </a:lnRef>
-            <a:fillRef idx="0">
-              <a:schemeClr val="dk1"/>
-            </a:fillRef>
-            <a:effectRef idx="0">
-              <a:schemeClr val="dk1"/>
-            </a:effectRef>
-            <a:fontRef idx="minor">
-              <a:schemeClr val="tx1"/>
-            </a:fontRef>
-          </p:style>
-        </p:cxnSp>
-        <p:sp>
-          <p:nvSpPr>
-            <p:cNvPr id="44" name="Arc 43"/>
-            <p:cNvSpPr/>
-            <p:nvPr/>
-          </p:nvSpPr>
-          <p:spPr>
-            <a:xfrm>
-              <a:off x="4933887" y="5519205"/>
-              <a:ext cx="288000" cy="288000"/>
-            </a:xfrm>
-            <a:prstGeom prst="arc">
-              <a:avLst>
-                <a:gd name="adj1" fmla="val 5416364"/>
-                <a:gd name="adj2" fmla="val 16087241"/>
-              </a:avLst>
-            </a:prstGeom>
-            <a:ln w="12700">
-              <a:solidFill>
-                <a:schemeClr val="tx1">
-                  <a:lumMod val="85000"/>
-                  <a:lumOff val="15000"/>
-                </a:schemeClr>
-              </a:solidFill>
-            </a:ln>
-          </p:spPr>
-          <p:style>
-            <a:lnRef idx="1">
-              <a:schemeClr val="accent1"/>
-            </a:lnRef>
-            <a:fillRef idx="0">
-              <a:schemeClr val="accent1"/>
-            </a:fillRef>
-            <a:effectRef idx="0">
-              <a:schemeClr val="accent1"/>
-            </a:effectRef>
-            <a:fontRef idx="minor">
-              <a:schemeClr val="tx1"/>
-            </a:fontRef>
-          </p:style>
-          <p:txBody>
-            <a:bodyPr rtlCol="0" anchor="ctr"/>
-            <a:lstStyle/>
-            <a:p>
-              <a:pPr algn="ctr"/>
-              <a:endParaRPr lang="fr-FR"/>
-            </a:p>
-          </p:txBody>
-        </p:sp>
-        <p:sp>
-          <p:nvSpPr>
-            <p:cNvPr id="45" name="Oval 44"/>
-            <p:cNvSpPr/>
-            <p:nvPr/>
-          </p:nvSpPr>
-          <p:spPr>
-            <a:xfrm>
-              <a:off x="4987869" y="5573187"/>
-              <a:ext cx="180036" cy="180036"/>
-            </a:xfrm>
-            <a:prstGeom prst="ellipse">
-              <a:avLst/>
-            </a:prstGeom>
-            <a:gradFill>
-              <a:gsLst>
-                <a:gs pos="0">
-                  <a:schemeClr val="bg1">
-                    <a:lumMod val="85000"/>
-                  </a:schemeClr>
-                </a:gs>
-                <a:gs pos="100000">
-                  <a:schemeClr val="bg1"/>
-                </a:gs>
-              </a:gsLst>
-              <a:lin ang="2400000" scaled="0"/>
-            </a:gradFill>
-            <a:ln w="12700">
-              <a:solidFill>
-                <a:schemeClr val="tx1">
-                  <a:lumMod val="85000"/>
-                  <a:lumOff val="15000"/>
-                </a:schemeClr>
-              </a:solidFill>
-            </a:ln>
-          </p:spPr>
-          <p:style>
-            <a:lnRef idx="2">
-              <a:schemeClr val="accent1">
-                <a:shade val="50000"/>
-              </a:schemeClr>
-            </a:lnRef>
-            <a:fillRef idx="1">
-              <a:schemeClr val="accent1"/>
-            </a:fillRef>
-            <a:effectRef idx="0">
-              <a:schemeClr val="accent1"/>
-            </a:effectRef>
-            <a:fontRef idx="minor">
-              <a:schemeClr val="lt1"/>
-            </a:fontRef>
-          </p:style>
-          <p:txBody>
-            <a:bodyPr rot="0" spcFirstLastPara="0" vertOverflow="overflow" horzOverflow="overflow" vert="horz" wrap="square" lIns="91440" tIns="45720" rIns="91440" bIns="45720" numCol="1" spcCol="0" rtlCol="0" fromWordArt="0" anchor="ctr" anchorCtr="0" forceAA="0" compatLnSpc="1">
-              <a:prstTxWarp prst="textNoShape">
-                <a:avLst/>
-              </a:prstTxWarp>
-              <a:noAutofit/>
-            </a:bodyPr>
-            <a:lstStyle/>
-            <a:p>
-              <a:pPr algn="ctr"/>
-              <a:endParaRPr lang="fr-FR" dirty="0" smtClean="0">
-                <a:solidFill>
-                  <a:schemeClr val="tx1">
-                    <a:lumMod val="85000"/>
-                    <a:lumOff val="15000"/>
-                  </a:schemeClr>
-                </a:solidFill>
-              </a:endParaRPr>
-            </a:p>
-          </p:txBody>
-        </p:sp>
-        <p:cxnSp>
-          <p:nvCxnSpPr>
-            <p:cNvPr id="46" name="Straight Connector 45"/>
-            <p:cNvCxnSpPr>
-              <a:endCxn id="40" idx="1"/>
-            </p:cNvCxnSpPr>
-            <p:nvPr/>
-          </p:nvCxnSpPr>
-          <p:spPr>
-            <a:xfrm>
-              <a:off x="5167905" y="5663205"/>
-              <a:ext cx="1022657" cy="3230"/>
-            </a:xfrm>
-            <a:prstGeom prst="line">
-              <a:avLst/>
-            </a:prstGeom>
-            <a:ln w="12700">
-              <a:solidFill>
-                <a:schemeClr val="tx1">
-                  <a:lumMod val="85000"/>
-                  <a:lumOff val="15000"/>
-                </a:schemeClr>
-              </a:solidFill>
-            </a:ln>
-          </p:spPr>
-          <p:style>
-            <a:lnRef idx="1">
-              <a:schemeClr val="dk1"/>
-            </a:lnRef>
-            <a:fillRef idx="0">
-              <a:schemeClr val="dk1"/>
-            </a:fillRef>
-            <a:effectRef idx="0">
-              <a:schemeClr val="dk1"/>
-            </a:effectRef>
-            <a:fontRef idx="minor">
-              <a:schemeClr val="tx1"/>
-            </a:fontRef>
-          </p:style>
-        </p:cxnSp>
-        <p:sp>
-          <p:nvSpPr>
-            <p:cNvPr id="48" name="TextBox 47"/>
-            <p:cNvSpPr txBox="1"/>
-            <p:nvPr/>
-          </p:nvSpPr>
-          <p:spPr>
-            <a:xfrm>
-              <a:off x="4702984" y="5229081"/>
-              <a:ext cx="1114408" cy="276999"/>
-            </a:xfrm>
-            <a:prstGeom prst="rect">
-              <a:avLst/>
-            </a:prstGeom>
-            <a:noFill/>
-          </p:spPr>
-          <p:txBody>
-            <a:bodyPr wrap="none" rtlCol="0">
-              <a:spAutoFit/>
-            </a:bodyPr>
-            <a:lstStyle/>
-            <a:p>
-              <a:r>
-                <a:rPr lang="fr-FR" sz="1200" dirty="0" err="1" smtClean="0">
-                  <a:latin typeface="Courier New" pitchFamily="49" charset="0"/>
-                  <a:cs typeface="Courier New" pitchFamily="49" charset="0"/>
-                </a:rPr>
-                <a:t>storeOrder</a:t>
-              </a:r>
-              <a:endParaRPr lang="fr-FR" sz="1200" dirty="0">
-                <a:latin typeface="Courier New" pitchFamily="49" charset="0"/>
-                <a:cs typeface="Courier New" pitchFamily="49" charset="0"/>
-              </a:endParaRPr>
-            </a:p>
-          </p:txBody>
-        </p:sp>
-      </p:grpSp>
     </p:spTree>
   </p:cSld>
   <p:clrMapOvr>
@@ -7234,37 +11141,28 @@
                                 </p:cTn>
                               </p:par>
                               <p:par>
-                                <p:cTn id="31" presetID="10" presetClass="entr" presetSubtype="0" fill="hold" nodeType="withEffect">
+                                <p:cTn id="31" presetID="26" presetClass="emph" presetSubtype="0" fill="hold" nodeType="withEffect">
                                   <p:stCondLst>
                                     <p:cond delay="0"/>
                                   </p:stCondLst>
                                   <p:childTnLst>
-                                    <p:set>
-                                      <p:cBhvr>
-                                        <p:cTn id="32" dur="1" fill="hold">
-                                          <p:stCondLst>
-                                            <p:cond delay="0"/>
-                                          </p:stCondLst>
-                                        </p:cTn>
-                                        <p:tgtEl>
-                                          <p:spTgt spid="52"/>
-                                        </p:tgtEl>
-                                        <p:attrNameLst>
-                                          <p:attrName>style.visibility</p:attrName>
-                                        </p:attrNameLst>
-                                      </p:cBhvr>
-                                      <p:to>
-                                        <p:strVal val="visible"/>
-                                      </p:to>
-                                    </p:set>
-                                    <p:animEffect transition="in" filter="fade">
-                                      <p:cBhvr>
-                                        <p:cTn id="33" dur="500"/>
-                                        <p:tgtEl>
-                                          <p:spTgt spid="52"/>
+                                    <p:animEffect transition="out" filter="fade">
+                                      <p:cBhvr>
+                                        <p:cTn id="32" dur="500" tmFilter="0, 0; .2, .5; .8, .5; 1, 0"/>
+                                        <p:tgtEl>
+                                          <p:spTgt spid="10"/>
                                         </p:tgtEl>
                                       </p:cBhvr>
                                     </p:animEffect>
+                                    <p:animScale>
+                                      <p:cBhvr>
+                                        <p:cTn id="33" dur="250" autoRev="1" fill="hold"/>
+                                        <p:tgtEl>
+                                          <p:spTgt spid="10"/>
+                                        </p:tgtEl>
+                                      </p:cBhvr>
+                                      <p:by x="105000" y="105000"/>
+                                    </p:animScale>
                                   </p:childTnLst>
                                 </p:cTn>
                               </p:par>
@@ -7635,7 +11533,7 @@
           <a:effectLst>
             <a:outerShdw blurRad="50800" dist="38100" dir="2700000" algn="tl" rotWithShape="0">
               <a:prstClr val="black">
-                <a:alpha val="40000"/>
+                <a:alpha val="27000"/>
               </a:prstClr>
             </a:outerShdw>
           </a:effectLst>
@@ -7984,7 +11882,7 @@
           <a:effectLst>
             <a:outerShdw blurRad="50800" dist="38100" dir="2700000" algn="tl" rotWithShape="0">
               <a:prstClr val="black">
-                <a:alpha val="40000"/>
+                <a:alpha val="24000"/>
               </a:prstClr>
             </a:outerShdw>
           </a:effectLst>
@@ -8413,7 +12311,7 @@
           <a:effectLst>
             <a:outerShdw blurRad="50800" dist="38100" dir="2700000" algn="tl" rotWithShape="0">
               <a:prstClr val="black">
-                <a:alpha val="40000"/>
+                <a:alpha val="27000"/>
               </a:prstClr>
             </a:outerShdw>
           </a:effectLst>
@@ -8836,7 +12734,7 @@
           <a:effectLst>
             <a:outerShdw blurRad="50800" dist="38100" dir="2700000" algn="tl" rotWithShape="0">
               <a:prstClr val="black">
-                <a:alpha val="40000"/>
+                <a:alpha val="27000"/>
               </a:prstClr>
             </a:outerShdw>
           </a:effectLst>
@@ -9510,7 +13408,7 @@
                                     </p:set>
                                     <p:animEffect transition="in" filter="fade">
                                       <p:cBhvr>
-                                        <p:cTn id="29" dur="500"/>
+                                        <p:cTn id="29" dur="250"/>
                                         <p:tgtEl>
                                           <p:spTgt spid="93"/>
                                         </p:tgtEl>
@@ -9545,7 +13443,7 @@
                                     </p:set>
                                     <p:animEffect transition="in" filter="fade">
                                       <p:cBhvr>
-                                        <p:cTn id="32" dur="500"/>
+                                        <p:cTn id="32" dur="250"/>
                                         <p:tgtEl>
                                           <p:spTgt spid="94"/>
                                         </p:tgtEl>
@@ -9598,7 +13496,7 @@
                                     </p:set>
                                     <p:animEffect transition="in" filter="fade">
                                       <p:cBhvr>
-                                        <p:cTn id="37" dur="500"/>
+                                        <p:cTn id="37" dur="250"/>
                                         <p:tgtEl>
                                           <p:spTgt spid="95"/>
                                         </p:tgtEl>
@@ -9651,7 +13549,7 @@
                                     </p:set>
                                     <p:animEffect transition="in" filter="fade">
                                       <p:cBhvr>
-                                        <p:cTn id="42" dur="500"/>
+                                        <p:cTn id="42" dur="250"/>
                                         <p:tgtEl>
                                           <p:spTgt spid="98"/>
                                         </p:tgtEl>
@@ -9686,7 +13584,7 @@
                                     </p:set>
                                     <p:animEffect transition="in" filter="fade">
                                       <p:cBhvr>
-                                        <p:cTn id="45" dur="500"/>
+                                        <p:cTn id="45" dur="250"/>
                                         <p:tgtEl>
                                           <p:spTgt spid="92"/>
                                         </p:tgtEl>
@@ -10104,7 +14002,7 @@
           <a:blip r:embed="rId2">
             <a:extLst>
               <a:ext uri="{28A0092B-C50C-407E-A947-70E740481C1C}">
-                <a14:useLocalDpi xmlns:a14="http://schemas.microsoft.com/office/drawing/2010/main" val="0"/>
+                <a14:useLocalDpi xmlns:a14="http://schemas.microsoft.com/office/drawing/2010/main"/>
               </a:ext>
             </a:extLst>
           </a:blip>
@@ -10142,14 +14040,14 @@
           <p:nvPr/>
         </p:nvPicPr>
         <p:blipFill rotWithShape="1">
-          <a:blip r:embed="rId3">
+          <a:blip r:embed="rId3" cstate="print">
             <a:extLst>
               <a:ext uri="{28A0092B-C50C-407E-A947-70E740481C1C}">
-                <a14:useLocalDpi xmlns:a14="http://schemas.microsoft.com/office/drawing/2010/main" val="0"/>
+                <a14:useLocalDpi xmlns:a14="http://schemas.microsoft.com/office/drawing/2010/main"/>
               </a:ext>
             </a:extLst>
           </a:blip>
-          <a:srcRect b="38452"/>
+          <a:srcRect/>
           <a:stretch/>
         </p:blipFill>
         <p:spPr bwMode="auto">
@@ -10184,7 +14082,7 @@
           <a:blip r:embed="rId4">
             <a:extLst>
               <a:ext uri="{28A0092B-C50C-407E-A947-70E740481C1C}">
-                <a14:useLocalDpi xmlns:a14="http://schemas.microsoft.com/office/drawing/2010/main" val="0"/>
+                <a14:useLocalDpi xmlns:a14="http://schemas.microsoft.com/office/drawing/2010/main"/>
               </a:ext>
             </a:extLst>
           </a:blip>
@@ -10689,7 +14587,7 @@
         </p:spPr>
         <p:txBody>
           <a:bodyPr>
-            <a:normAutofit lnSpcReduction="10000"/>
+            <a:normAutofit/>
           </a:bodyPr>
           <a:lstStyle/>
           <a:p>
@@ -10742,40 +14640,25 @@
             </a:r>
             <a:r>
               <a:rPr lang="fr-FR" sz="2100" dirty="0"/>
-              <a:t>des données d’API (</a:t>
-            </a:r>
-            <a:r>
-              <a:rPr lang="fr-FR" sz="2100" b="1" dirty="0">
+              <a:t>des données </a:t>
+            </a:r>
+            <a:r>
+              <a:rPr lang="fr-FR" sz="2100" dirty="0" smtClean="0"/>
+              <a:t>d’</a:t>
+            </a:r>
+            <a:r>
+              <a:rPr lang="fr-FR" sz="2100" b="1" dirty="0" smtClean="0">
                 <a:solidFill>
                   <a:srgbClr val="0089FA"/>
                 </a:solidFill>
               </a:rPr>
-              <a:t>indépendance</a:t>
-            </a:r>
-            <a:r>
-              <a:rPr lang="fr-FR" sz="2100" dirty="0">
-                <a:solidFill>
-                  <a:srgbClr val="0089FA"/>
-                </a:solidFill>
-              </a:rPr>
-              <a:t> </a:t>
-            </a:r>
-            <a:r>
-              <a:rPr lang="fr-FR" sz="2100" dirty="0"/>
-              <a:t>par rapport au </a:t>
-            </a:r>
-            <a:r>
-              <a:rPr lang="fr-FR" sz="2100" b="1" dirty="0">
-                <a:solidFill>
-                  <a:srgbClr val="0089FA"/>
-                </a:solidFill>
-              </a:rPr>
-              <a:t>langage de programmation</a:t>
-            </a:r>
-            <a:r>
-              <a:rPr lang="fr-FR" sz="2100" dirty="0"/>
-              <a:t>)</a:t>
-            </a:r>
+              <a:t>API</a:t>
+            </a:r>
+            <a:endParaRPr lang="fr-FR" sz="1800" b="1" i="1" dirty="0" smtClean="0">
+              <a:solidFill>
+                <a:srgbClr val="0089FA"/>
+              </a:solidFill>
+            </a:endParaRPr>
           </a:p>
           <a:p>
             <a:pPr lvl="1"/>
@@ -10787,11 +14670,6 @@
               </a:rPr>
               <a:t>Automatisable</a:t>
             </a:r>
-            <a:endParaRPr lang="fr-FR" sz="2100" b="1" dirty="0">
-              <a:solidFill>
-                <a:srgbClr val="0089FA"/>
-              </a:solidFill>
-            </a:endParaRPr>
           </a:p>
           <a:p>
             <a:pPr lvl="1"/>
@@ -10997,7 +14875,7 @@
           <a:blip r:embed="rId2" cstate="print">
             <a:extLst>
               <a:ext uri="{28A0092B-C50C-407E-A947-70E740481C1C}">
-                <a14:useLocalDpi xmlns:a14="http://schemas.microsoft.com/office/drawing/2010/main" val="0"/>
+                <a14:useLocalDpi xmlns:a14="http://schemas.microsoft.com/office/drawing/2010/main"/>
               </a:ext>
             </a:extLst>
           </a:blip>
@@ -11038,7 +14916,7 @@
           <a:blip r:embed="rId3">
             <a:extLst>
               <a:ext uri="{28A0092B-C50C-407E-A947-70E740481C1C}">
-                <a14:useLocalDpi xmlns:a14="http://schemas.microsoft.com/office/drawing/2010/main" val="0"/>
+                <a14:useLocalDpi xmlns:a14="http://schemas.microsoft.com/office/drawing/2010/main"/>
               </a:ext>
             </a:extLst>
           </a:blip>
@@ -11079,7 +14957,7 @@
           <a:blip r:embed="rId4" cstate="print">
             <a:extLst>
               <a:ext uri="{28A0092B-C50C-407E-A947-70E740481C1C}">
-                <a14:useLocalDpi xmlns:a14="http://schemas.microsoft.com/office/drawing/2010/main" val="0"/>
+                <a14:useLocalDpi xmlns:a14="http://schemas.microsoft.com/office/drawing/2010/main"/>
               </a:ext>
             </a:extLst>
           </a:blip>
@@ -11120,7 +14998,7 @@
           <a:blip r:embed="rId5" cstate="print">
             <a:extLst>
               <a:ext uri="{28A0092B-C50C-407E-A947-70E740481C1C}">
-                <a14:useLocalDpi xmlns:a14="http://schemas.microsoft.com/office/drawing/2010/main" val="0"/>
+                <a14:useLocalDpi xmlns:a14="http://schemas.microsoft.com/office/drawing/2010/main"/>
               </a:ext>
             </a:extLst>
           </a:blip>
@@ -11158,10 +15036,10 @@
           <p:nvPr/>
         </p:nvPicPr>
         <p:blipFill rotWithShape="1">
-          <a:blip r:embed="rId6">
+          <a:blip r:embed="rId6" cstate="print">
             <a:extLst>
               <a:ext uri="{28A0092B-C50C-407E-A947-70E740481C1C}">
-                <a14:useLocalDpi xmlns:a14="http://schemas.microsoft.com/office/drawing/2010/main" val="0"/>
+                <a14:useLocalDpi xmlns:a14="http://schemas.microsoft.com/office/drawing/2010/main"/>
               </a:ext>
             </a:extLst>
           </a:blip>
@@ -11652,7 +15530,7 @@
                                       <p:cBhvr>
                                         <p:cTn id="33" dur="1" fill="hold">
                                           <p:stCondLst>
-                                            <p:cond delay="0"/>
+                                            <p:cond delay="499"/>
                                           </p:stCondLst>
                                         </p:cTn>
                                         <p:tgtEl>
@@ -12942,7 +16820,7 @@
                             </p:stCondLst>
                             <p:childTnLst>
                               <p:par>
-                                <p:cTn id="10" presetID="10" presetClass="entr" presetSubtype="0" fill="hold" grpId="0" nodeType="clickEffect">
+                                <p:cTn id="10" presetID="22" presetClass="entr" presetSubtype="8" fill="hold" grpId="0" nodeType="clickEffect">
                                   <p:stCondLst>
                                     <p:cond delay="0"/>
                                   </p:stCondLst>
@@ -12965,9 +16843,9 @@
                                         <p:strVal val="visible"/>
                                       </p:to>
                                     </p:set>
-                                    <p:animEffect transition="in" filter="fade">
-                                      <p:cBhvr>
-                                        <p:cTn id="12" dur="500"/>
+                                    <p:animEffect transition="in" filter="wipe(left)">
+                                      <p:cBhvr>
+                                        <p:cTn id="12" dur="250"/>
                                         <p:tgtEl>
                                           <p:spTgt spid="18"/>
                                         </p:tgtEl>
@@ -13082,21 +16960,74 @@
                                   </p:childTnLst>
                                 </p:cTn>
                               </p:par>
+                            </p:childTnLst>
+                          </p:cTn>
+                        </p:par>
+                      </p:childTnLst>
+                    </p:cTn>
+                  </p:par>
+                  <p:par>
+                    <p:cTn id="23" fill="hold">
+                      <p:stCondLst>
+                        <p:cond delay="indefinite"/>
+                      </p:stCondLst>
+                      <p:childTnLst>
+                        <p:par>
+                          <p:cTn id="24" fill="hold">
+                            <p:stCondLst>
+                              <p:cond delay="0"/>
+                            </p:stCondLst>
+                            <p:childTnLst>
                               <p:par>
-                                <p:cTn id="23" presetID="10" presetClass="entr" presetSubtype="0" fill="hold" nodeType="withEffect">
+                                <p:cTn id="25" presetID="22" presetClass="entr" presetSubtype="1" fill="hold" nodeType="clickEffect">
                                   <p:stCondLst>
                                     <p:cond delay="0"/>
                                   </p:stCondLst>
                                   <p:childTnLst>
                                     <p:set>
                                       <p:cBhvr>
-                                        <p:cTn id="24" dur="1" fill="hold">
+                                        <p:cTn id="26" dur="1" fill="hold">
                                           <p:stCondLst>
                                             <p:cond delay="0"/>
                                           </p:stCondLst>
                                         </p:cTn>
                                         <p:tgtEl>
                                           <p:spTgt spid="64"/>
+                                        </p:tgtEl>
+                                        <p:attrNameLst>
+                                          <p:attrName>style.visibility</p:attrName>
+                                        </p:attrNameLst>
+                                      </p:cBhvr>
+                                      <p:to>
+                                        <p:strVal val="visible"/>
+                                      </p:to>
+                                    </p:set>
+                                    <p:animEffect transition="in" filter="wipe(up)">
+                                      <p:cBhvr>
+                                        <p:cTn id="27" dur="250"/>
+                                        <p:tgtEl>
+                                          <p:spTgt spid="64"/>
+                                        </p:tgtEl>
+                                      </p:cBhvr>
+                                    </p:animEffect>
+                                  </p:childTnLst>
+                                </p:cTn>
+                              </p:par>
+                              <p:par>
+                                <p:cTn id="28" presetID="10" presetClass="entr" presetSubtype="0" fill="hold" grpId="0" nodeType="withEffect">
+                                  <p:stCondLst>
+                                    <p:cond delay="0"/>
+                                  </p:stCondLst>
+                                  <p:childTnLst>
+                                    <p:set>
+                                      <p:cBhvr>
+                                        <p:cTn id="29" dur="1" fill="hold">
+                                          <p:stCondLst>
+                                            <p:cond delay="0"/>
+                                          </p:stCondLst>
+                                        </p:cTn>
+                                        <p:tgtEl>
+                                          <p:spTgt spid="60"/>
                                         </p:tgtEl>
                                         <p:attrNameLst>
                                           <p:attrName>style.visibility</p:attrName>
@@ -13108,42 +17039,7 @@
                                     </p:set>
                                     <p:animEffect transition="in" filter="fade">
                                       <p:cBhvr>
-                                        <p:cTn id="25" dur="500"/>
-                                        <p:tgtEl>
-                                          <p:spTgt spid="64"/>
-                                        </p:tgtEl>
-                                      </p:cBhvr>
-                                    </p:animEffect>
-                                  </p:childTnLst>
-                                </p:cTn>
-                              </p:par>
-                              <p:par>
-                                <p:cTn id="26" presetID="10" presetClass="entr" presetSubtype="0" fill="hold" grpId="0" nodeType="withEffect">
-                                  <p:stCondLst>
-                                    <p:cond delay="0"/>
-                                  </p:stCondLst>
-                                  <p:childTnLst>
-                                    <p:set>
-                                      <p:cBhvr>
-                                        <p:cTn id="27" dur="1" fill="hold">
-                                          <p:stCondLst>
-                                            <p:cond delay="0"/>
-                                          </p:stCondLst>
-                                        </p:cTn>
-                                        <p:tgtEl>
-                                          <p:spTgt spid="60"/>
-                                        </p:tgtEl>
-                                        <p:attrNameLst>
-                                          <p:attrName>style.visibility</p:attrName>
-                                        </p:attrNameLst>
-                                      </p:cBhvr>
-                                      <p:to>
-                                        <p:strVal val="visible"/>
-                                      </p:to>
-                                    </p:set>
-                                    <p:animEffect transition="in" filter="fade">
-                                      <p:cBhvr>
-                                        <p:cTn id="28" dur="500"/>
+                                        <p:cTn id="30" dur="500"/>
                                         <p:tgtEl>
                                           <p:spTgt spid="60"/>
                                         </p:tgtEl>
@@ -13159,32 +17055,67 @@
                     </p:cTn>
                   </p:par>
                   <p:par>
-                    <p:cTn id="29" fill="hold">
+                    <p:cTn id="31" fill="hold">
                       <p:stCondLst>
                         <p:cond delay="indefinite"/>
                       </p:stCondLst>
                       <p:childTnLst>
                         <p:par>
-                          <p:cTn id="30" fill="hold">
+                          <p:cTn id="32" fill="hold">
                             <p:stCondLst>
                               <p:cond delay="0"/>
                             </p:stCondLst>
                             <p:childTnLst>
                               <p:par>
-                                <p:cTn id="31" presetID="10" presetClass="entr" presetSubtype="0" fill="hold" grpId="0" nodeType="clickEffect">
+                                <p:cTn id="33" presetID="22" presetClass="entr" presetSubtype="8" fill="hold" grpId="0" nodeType="clickEffect">
                                   <p:stCondLst>
                                     <p:cond delay="0"/>
                                   </p:stCondLst>
                                   <p:childTnLst>
                                     <p:set>
                                       <p:cBhvr>
-                                        <p:cTn id="32" dur="1" fill="hold">
+                                        <p:cTn id="34" dur="1" fill="hold">
                                           <p:stCondLst>
                                             <p:cond delay="0"/>
                                           </p:stCondLst>
                                         </p:cTn>
                                         <p:tgtEl>
                                           <p:spTgt spid="37"/>
+                                        </p:tgtEl>
+                                        <p:attrNameLst>
+                                          <p:attrName>style.visibility</p:attrName>
+                                        </p:attrNameLst>
+                                      </p:cBhvr>
+                                      <p:to>
+                                        <p:strVal val="visible"/>
+                                      </p:to>
+                                    </p:set>
+                                    <p:animEffect transition="in" filter="wipe(left)">
+                                      <p:cBhvr>
+                                        <p:cTn id="35" dur="250"/>
+                                        <p:tgtEl>
+                                          <p:spTgt spid="37"/>
+                                        </p:tgtEl>
+                                      </p:cBhvr>
+                                    </p:animEffect>
+                                  </p:childTnLst>
+                                </p:cTn>
+                              </p:par>
+                              <p:par>
+                                <p:cTn id="36" presetID="10" presetClass="entr" presetSubtype="0" fill="hold" grpId="0" nodeType="withEffect">
+                                  <p:stCondLst>
+                                    <p:cond delay="0"/>
+                                  </p:stCondLst>
+                                  <p:childTnLst>
+                                    <p:set>
+                                      <p:cBhvr>
+                                        <p:cTn id="37" dur="1" fill="hold">
+                                          <p:stCondLst>
+                                            <p:cond delay="0"/>
+                                          </p:stCondLst>
+                                        </p:cTn>
+                                        <p:tgtEl>
+                                          <p:spTgt spid="56"/>
                                         </p:tgtEl>
                                         <p:attrNameLst>
                                           <p:attrName>style.visibility</p:attrName>
@@ -13196,42 +17127,7 @@
                                     </p:set>
                                     <p:animEffect transition="in" filter="fade">
                                       <p:cBhvr>
-                                        <p:cTn id="33" dur="500"/>
-                                        <p:tgtEl>
-                                          <p:spTgt spid="37"/>
-                                        </p:tgtEl>
-                                      </p:cBhvr>
-                                    </p:animEffect>
-                                  </p:childTnLst>
-                                </p:cTn>
-                              </p:par>
-                              <p:par>
-                                <p:cTn id="34" presetID="10" presetClass="entr" presetSubtype="0" fill="hold" grpId="0" nodeType="withEffect">
-                                  <p:stCondLst>
-                                    <p:cond delay="0"/>
-                                  </p:stCondLst>
-                                  <p:childTnLst>
-                                    <p:set>
-                                      <p:cBhvr>
-                                        <p:cTn id="35" dur="1" fill="hold">
-                                          <p:stCondLst>
-                                            <p:cond delay="0"/>
-                                          </p:stCondLst>
-                                        </p:cTn>
-                                        <p:tgtEl>
-                                          <p:spTgt spid="56"/>
-                                        </p:tgtEl>
-                                        <p:attrNameLst>
-                                          <p:attrName>style.visibility</p:attrName>
-                                        </p:attrNameLst>
-                                      </p:cBhvr>
-                                      <p:to>
-                                        <p:strVal val="visible"/>
-                                      </p:to>
-                                    </p:set>
-                                    <p:animEffect transition="in" filter="fade">
-                                      <p:cBhvr>
-                                        <p:cTn id="36" dur="500"/>
+                                        <p:cTn id="38" dur="500"/>
                                         <p:tgtEl>
                                           <p:spTgt spid="56"/>
                                         </p:tgtEl>
@@ -13976,7 +17872,11 @@
             <a:pPr algn="ctr"/>
             <a:r>
               <a:rPr lang="fr-FR" dirty="0" smtClean="0"/>
-              <a:t>V2.0 API</a:t>
+              <a:t>v2.0 </a:t>
+            </a:r>
+            <a:r>
+              <a:rPr lang="fr-FR" dirty="0" smtClean="0"/>
+              <a:t>API</a:t>
             </a:r>
             <a:endParaRPr lang="fr-FR" dirty="0"/>
           </a:p>
@@ -13994,7 +17894,7 @@
           <a:blip r:embed="rId4" cstate="print">
             <a:extLst>
               <a:ext uri="{28A0092B-C50C-407E-A947-70E740481C1C}">
-                <a14:useLocalDpi xmlns:a14="http://schemas.microsoft.com/office/drawing/2010/main" val="0"/>
+                <a14:useLocalDpi xmlns:a14="http://schemas.microsoft.com/office/drawing/2010/main"/>
               </a:ext>
             </a:extLst>
           </a:blip>
@@ -14005,7 +17905,7 @@
         </p:blipFill>
         <p:spPr bwMode="auto">
           <a:xfrm>
-            <a:off x="4360560" y="5065464"/>
+            <a:off x="4327343" y="5047442"/>
             <a:ext cx="955824" cy="955824"/>
           </a:xfrm>
           <a:prstGeom prst="rect">
@@ -14097,10 +17997,10 @@
             <p:nvPr/>
           </p:nvPicPr>
           <p:blipFill rotWithShape="1">
-            <a:blip r:embed="rId5">
+            <a:blip r:embed="rId5" cstate="print">
               <a:extLst>
                 <a:ext uri="{28A0092B-C50C-407E-A947-70E740481C1C}">
-                  <a14:useLocalDpi xmlns:a14="http://schemas.microsoft.com/office/drawing/2010/main" val="0"/>
+                  <a14:useLocalDpi xmlns:a14="http://schemas.microsoft.com/office/drawing/2010/main"/>
                 </a:ext>
               </a:extLst>
             </a:blip>
@@ -14143,10 +18043,10 @@
             <p:nvPr/>
           </p:nvPicPr>
           <p:blipFill rotWithShape="1">
-            <a:blip r:embed="rId5">
+            <a:blip r:embed="rId5" cstate="print">
               <a:extLst>
                 <a:ext uri="{28A0092B-C50C-407E-A947-70E740481C1C}">
-                  <a14:useLocalDpi xmlns:a14="http://schemas.microsoft.com/office/drawing/2010/main" val="0"/>
+                  <a14:useLocalDpi xmlns:a14="http://schemas.microsoft.com/office/drawing/2010/main"/>
                 </a:ext>
               </a:extLst>
             </a:blip>
@@ -14189,10 +18089,10 @@
             <p:nvPr/>
           </p:nvPicPr>
           <p:blipFill rotWithShape="1">
-            <a:blip r:embed="rId5">
+            <a:blip r:embed="rId5" cstate="print">
               <a:extLst>
                 <a:ext uri="{28A0092B-C50C-407E-A947-70E740481C1C}">
-                  <a14:useLocalDpi xmlns:a14="http://schemas.microsoft.com/office/drawing/2010/main" val="0"/>
+                  <a14:useLocalDpi xmlns:a14="http://schemas.microsoft.com/office/drawing/2010/main"/>
                 </a:ext>
               </a:extLst>
             </a:blip>
@@ -14328,15 +18228,33 @@
                                   </p:childTnLst>
                                 </p:cTn>
                               </p:par>
+                            </p:childTnLst>
+                          </p:cTn>
+                        </p:par>
+                      </p:childTnLst>
+                    </p:cTn>
+                  </p:par>
+                  <p:par>
+                    <p:cTn id="8" fill="hold">
+                      <p:stCondLst>
+                        <p:cond delay="indefinite"/>
+                      </p:stCondLst>
+                      <p:childTnLst>
+                        <p:par>
+                          <p:cTn id="9" fill="hold">
+                            <p:stCondLst>
+                              <p:cond delay="0"/>
+                            </p:stCondLst>
+                            <p:childTnLst>
                               <p:par>
-                                <p:cTn id="8" presetID="10" presetClass="entr" presetSubtype="0" fill="hold" grpId="0" nodeType="withEffect">
+                                <p:cTn id="10" presetID="22" presetClass="entr" presetSubtype="8" fill="hold" grpId="0" nodeType="clickEffect">
                                   <p:stCondLst>
                                     <p:cond delay="0"/>
                                   </p:stCondLst>
                                   <p:childTnLst>
                                     <p:set>
                                       <p:cBhvr>
-                                        <p:cTn id="9" dur="1" fill="hold">
+                                        <p:cTn id="11" dur="1" fill="hold">
                                           <p:stCondLst>
                                             <p:cond delay="0"/>
                                           </p:stCondLst>
@@ -14352,9 +18270,9 @@
                                         <p:strVal val="visible"/>
                                       </p:to>
                                     </p:set>
-                                    <p:animEffect transition="in" filter="fade">
-                                      <p:cBhvr>
-                                        <p:cTn id="10" dur="500"/>
+                                    <p:animEffect transition="in" filter="wipe(left)">
+                                      <p:cBhvr>
+                                        <p:cTn id="12" dur="250"/>
                                         <p:tgtEl>
                                           <p:spTgt spid="18"/>
                                         </p:tgtEl>
@@ -14370,26 +18288,26 @@
                     </p:cTn>
                   </p:par>
                   <p:par>
-                    <p:cTn id="11" fill="hold">
+                    <p:cTn id="13" fill="hold">
                       <p:stCondLst>
                         <p:cond delay="indefinite"/>
                       </p:stCondLst>
                       <p:childTnLst>
                         <p:par>
-                          <p:cTn id="12" fill="hold">
+                          <p:cTn id="14" fill="hold">
                             <p:stCondLst>
                               <p:cond delay="0"/>
                             </p:stCondLst>
                             <p:childTnLst>
                               <p:par>
-                                <p:cTn id="13" presetID="10" presetClass="entr" presetSubtype="0" fill="hold" grpId="0" nodeType="clickEffect">
+                                <p:cTn id="15" presetID="22" presetClass="entr" presetSubtype="1" fill="hold" grpId="0" nodeType="clickEffect">
                                   <p:stCondLst>
                                     <p:cond delay="0"/>
                                   </p:stCondLst>
                                   <p:childTnLst>
                                     <p:set>
                                       <p:cBhvr>
-                                        <p:cTn id="14" dur="1" fill="hold">
+                                        <p:cTn id="16" dur="1" fill="hold">
                                           <p:stCondLst>
                                             <p:cond delay="0"/>
                                           </p:stCondLst>
@@ -14405,9 +18323,9 @@
                                         <p:strVal val="visible"/>
                                       </p:to>
                                     </p:set>
-                                    <p:animEffect transition="in" filter="fade">
-                                      <p:cBhvr>
-                                        <p:cTn id="15" dur="500"/>
+                                    <p:animEffect transition="in" filter="wipe(up)">
+                                      <p:cBhvr>
+                                        <p:cTn id="17" dur="250"/>
                                         <p:tgtEl>
                                           <p:spTgt spid="3"/>
                                         </p:tgtEl>
@@ -14423,26 +18341,26 @@
                     </p:cTn>
                   </p:par>
                   <p:par>
-                    <p:cTn id="16" fill="hold">
+                    <p:cTn id="18" fill="hold">
                       <p:stCondLst>
                         <p:cond delay="indefinite"/>
                       </p:stCondLst>
                       <p:childTnLst>
                         <p:par>
-                          <p:cTn id="17" fill="hold">
+                          <p:cTn id="19" fill="hold">
                             <p:stCondLst>
                               <p:cond delay="0"/>
                             </p:stCondLst>
                             <p:childTnLst>
                               <p:par>
-                                <p:cTn id="18" presetID="10" presetClass="entr" presetSubtype="0" fill="hold" grpId="0" nodeType="clickEffect">
+                                <p:cTn id="20" presetID="22" presetClass="entr" presetSubtype="8" fill="hold" grpId="0" nodeType="clickEffect">
                                   <p:stCondLst>
                                     <p:cond delay="0"/>
                                   </p:stCondLst>
                                   <p:childTnLst>
                                     <p:set>
                                       <p:cBhvr>
-                                        <p:cTn id="19" dur="1" fill="hold">
+                                        <p:cTn id="21" dur="1" fill="hold">
                                           <p:stCondLst>
                                             <p:cond delay="0"/>
                                           </p:stCondLst>
@@ -14458,9 +18376,9 @@
                                         <p:strVal val="visible"/>
                                       </p:to>
                                     </p:set>
-                                    <p:animEffect transition="in" filter="fade">
-                                      <p:cBhvr>
-                                        <p:cTn id="20" dur="500"/>
+                                    <p:animEffect transition="in" filter="wipe(left)">
+                                      <p:cBhvr>
+                                        <p:cTn id="22" dur="250"/>
                                         <p:tgtEl>
                                           <p:spTgt spid="37"/>
                                         </p:tgtEl>
@@ -14476,26 +18394,26 @@
                     </p:cTn>
                   </p:par>
                   <p:par>
-                    <p:cTn id="21" fill="hold">
+                    <p:cTn id="23" fill="hold">
                       <p:stCondLst>
                         <p:cond delay="indefinite"/>
                       </p:stCondLst>
                       <p:childTnLst>
                         <p:par>
-                          <p:cTn id="22" fill="hold">
+                          <p:cTn id="24" fill="hold">
                             <p:stCondLst>
                               <p:cond delay="0"/>
                             </p:stCondLst>
                             <p:childTnLst>
                               <p:par>
-                                <p:cTn id="23" presetID="10" presetClass="entr" presetSubtype="0" fill="hold" nodeType="clickEffect">
+                                <p:cTn id="25" presetID="42" presetClass="entr" presetSubtype="0" fill="hold" nodeType="clickEffect">
                                   <p:stCondLst>
                                     <p:cond delay="0"/>
                                   </p:stCondLst>
                                   <p:childTnLst>
                                     <p:set>
                                       <p:cBhvr>
-                                        <p:cTn id="24" dur="1" fill="hold">
+                                        <p:cTn id="26" dur="1" fill="hold">
                                           <p:stCondLst>
                                             <p:cond delay="0"/>
                                           </p:stCondLst>
@@ -14513,12 +18431,58 @@
                                     </p:set>
                                     <p:animEffect transition="in" filter="fade">
                                       <p:cBhvr>
-                                        <p:cTn id="25" dur="500"/>
+                                        <p:cTn id="27" dur="500"/>
                                         <p:tgtEl>
                                           <p:spTgt spid="23"/>
                                         </p:tgtEl>
                                       </p:cBhvr>
                                     </p:animEffect>
+                                    <p:anim calcmode="lin" valueType="num">
+                                      <p:cBhvr>
+                                        <p:cTn id="28" dur="500" fill="hold"/>
+                                        <p:tgtEl>
+                                          <p:spTgt spid="23"/>
+                                        </p:tgtEl>
+                                        <p:attrNameLst>
+                                          <p:attrName>ppt_x</p:attrName>
+                                        </p:attrNameLst>
+                                      </p:cBhvr>
+                                      <p:tavLst>
+                                        <p:tav tm="0">
+                                          <p:val>
+                                            <p:strVal val="#ppt_x"/>
+                                          </p:val>
+                                        </p:tav>
+                                        <p:tav tm="100000">
+                                          <p:val>
+                                            <p:strVal val="#ppt_x"/>
+                                          </p:val>
+                                        </p:tav>
+                                      </p:tavLst>
+                                    </p:anim>
+                                    <p:anim calcmode="lin" valueType="num">
+                                      <p:cBhvr>
+                                        <p:cTn id="29" dur="500" fill="hold"/>
+                                        <p:tgtEl>
+                                          <p:spTgt spid="23"/>
+                                        </p:tgtEl>
+                                        <p:attrNameLst>
+                                          <p:attrName>ppt_y</p:attrName>
+                                        </p:attrNameLst>
+                                      </p:cBhvr>
+                                      <p:tavLst>
+                                        <p:tav tm="0">
+                                          <p:val>
+                                            <p:strVal val="#ppt_y+.1"/>
+                                          </p:val>
+                                        </p:tav>
+                                        <p:tav tm="100000">
+                                          <p:val>
+                                            <p:strVal val="#ppt_y"/>
+                                          </p:val>
+                                        </p:tav>
+                                      </p:tavLst>
+                                    </p:anim>
                                   </p:childTnLst>
                                 </p:cTn>
                               </p:par>
@@ -14529,26 +18493,26 @@
                     </p:cTn>
                   </p:par>
                   <p:par>
-                    <p:cTn id="26" fill="hold">
+                    <p:cTn id="30" fill="hold">
                       <p:stCondLst>
                         <p:cond delay="indefinite"/>
                       </p:stCondLst>
                       <p:childTnLst>
                         <p:par>
-                          <p:cTn id="27" fill="hold">
+                          <p:cTn id="31" fill="hold">
                             <p:stCondLst>
                               <p:cond delay="0"/>
                             </p:stCondLst>
                             <p:childTnLst>
                               <p:par>
-                                <p:cTn id="28" presetID="10" presetClass="entr" presetSubtype="0" fill="hold" grpId="0" nodeType="clickEffect">
+                                <p:cTn id="32" presetID="22" presetClass="entr" presetSubtype="8" fill="hold" grpId="0" nodeType="clickEffect">
                                   <p:stCondLst>
                                     <p:cond delay="0"/>
                                   </p:stCondLst>
                                   <p:childTnLst>
                                     <p:set>
                                       <p:cBhvr>
-                                        <p:cTn id="29" dur="1" fill="hold">
+                                        <p:cTn id="33" dur="1" fill="hold">
                                           <p:stCondLst>
                                             <p:cond delay="0"/>
                                           </p:stCondLst>
@@ -14564,9 +18528,9 @@
                                         <p:strVal val="visible"/>
                                       </p:to>
                                     </p:set>
-                                    <p:animEffect transition="in" filter="fade">
-                                      <p:cBhvr>
-                                        <p:cTn id="30" dur="500"/>
+                                    <p:animEffect transition="in" filter="wipe(left)">
+                                      <p:cBhvr>
+                                        <p:cTn id="34" dur="250"/>
                                         <p:tgtEl>
                                           <p:spTgt spid="25"/>
                                         </p:tgtEl>
@@ -14576,14 +18540,14 @@
                                 </p:cTn>
                               </p:par>
                               <p:par>
-                                <p:cTn id="31" presetID="53" presetClass="entr" presetSubtype="16" fill="hold" nodeType="withEffect">
+                                <p:cTn id="35" presetID="53" presetClass="entr" presetSubtype="16" fill="hold" nodeType="withEffect">
                                   <p:stCondLst>
                                     <p:cond delay="0"/>
                                   </p:stCondLst>
                                   <p:childTnLst>
                                     <p:set>
                                       <p:cBhvr>
-                                        <p:cTn id="32" dur="1" fill="hold">
+                                        <p:cTn id="36" dur="1" fill="hold">
                                           <p:stCondLst>
                                             <p:cond delay="0"/>
                                           </p:stCondLst>
@@ -14601,7 +18565,7 @@
                                     </p:set>
                                     <p:anim calcmode="lin" valueType="num">
                                       <p:cBhvr>
-                                        <p:cTn id="33" dur="500" fill="hold"/>
+                                        <p:cTn id="37" dur="250" fill="hold"/>
                                         <p:tgtEl>
                                           <p:spTgt spid="11"/>
                                         </p:tgtEl>
@@ -14624,7 +18588,7 @@
                                     </p:anim>
                                     <p:anim calcmode="lin" valueType="num">
                                       <p:cBhvr>
-                                        <p:cTn id="34" dur="500" fill="hold"/>
+                                        <p:cTn id="38" dur="250" fill="hold"/>
                                         <p:tgtEl>
                                           <p:spTgt spid="11"/>
                                         </p:tgtEl>
@@ -14647,7 +18611,7 @@
                                     </p:anim>
                                     <p:animEffect transition="in" filter="fade">
                                       <p:cBhvr>
-                                        <p:cTn id="35" dur="500"/>
+                                        <p:cTn id="39" dur="250"/>
                                         <p:tgtEl>
                                           <p:spTgt spid="11"/>
                                         </p:tgtEl>
@@ -14657,14 +18621,14 @@
                                 </p:cTn>
                               </p:par>
                               <p:par>
-                                <p:cTn id="36" presetID="10" presetClass="entr" presetSubtype="0" fill="hold" nodeType="withEffect">
+                                <p:cTn id="40" presetID="10" presetClass="entr" presetSubtype="0" fill="hold" nodeType="withEffect">
                                   <p:stCondLst>
                                     <p:cond delay="0"/>
                                   </p:stCondLst>
                                   <p:childTnLst>
                                     <p:set>
                                       <p:cBhvr>
-                                        <p:cTn id="37" dur="1" fill="hold">
+                                        <p:cTn id="41" dur="1" fill="hold">
                                           <p:stCondLst>
                                             <p:cond delay="0"/>
                                           </p:stCondLst>
@@ -14682,7 +18646,7 @@
                                     </p:set>
                                     <p:animEffect transition="in" filter="fade">
                                       <p:cBhvr>
-                                        <p:cTn id="38" dur="500"/>
+                                        <p:cTn id="42" dur="250"/>
                                         <p:tgtEl>
                                           <p:spTgt spid="29"/>
                                         </p:tgtEl>
@@ -14692,14 +18656,14 @@
                                 </p:cTn>
                               </p:par>
                               <p:par>
-                                <p:cTn id="39" presetID="1" presetClass="mediacall" presetSubtype="0" fill="hold" nodeType="withEffect">
+                                <p:cTn id="43" presetID="1" presetClass="mediacall" presetSubtype="0" fill="hold" nodeType="withEffect">
                                   <p:stCondLst>
                                     <p:cond delay="0"/>
                                   </p:stCondLst>
                                   <p:childTnLst>
                                     <p:cmd type="call" cmd="playFrom(0.0)">
                                       <p:cBhvr>
-                                        <p:cTn id="40" dur="1500" fill="hold"/>
+                                        <p:cTn id="44" dur="1500" fill="hold"/>
                                         <p:tgtEl>
                                           <p:spTgt spid="29"/>
                                         </p:tgtEl>
@@ -14733,7 +18697,7 @@
             </p:seq>
             <p:video>
               <p:cMediaNode vol="80000">
-                <p:cTn id="41" repeatCount="indefinite" fill="hold" display="0">
+                <p:cTn id="45" repeatCount="indefinite" fill="hold" display="0">
                   <p:stCondLst>
                     <p:cond delay="indefinite"/>
                   </p:stCondLst>
@@ -14753,6 +18717,213 @@
       <p:bldP spid="3" grpId="0" animBg="1"/>
       <p:bldP spid="25" grpId="0" animBg="1"/>
     </p:bldLst>
+  </p:timing>
+</p:sld>
+</file>
+
+<file path=ppt/slides/slide9.xml><?xml version="1.0" encoding="utf-8"?>
+<p:sld xmlns:a="http://schemas.openxmlformats.org/drawingml/2006/main" xmlns:r="http://schemas.openxmlformats.org/officeDocument/2006/relationships" xmlns:p="http://schemas.openxmlformats.org/presentationml/2006/main">
+  <p:cSld>
+    <p:spTree>
+      <p:nvGrpSpPr>
+        <p:cNvPr id="1" name=""/>
+        <p:cNvGrpSpPr/>
+        <p:nvPr/>
+      </p:nvGrpSpPr>
+      <p:grpSpPr>
+        <a:xfrm>
+          <a:off x="0" y="0"/>
+          <a:ext cx="0" cy="0"/>
+          <a:chOff x="0" y="0"/>
+          <a:chExt cx="0" cy="0"/>
+        </a:xfrm>
+      </p:grpSpPr>
+      <p:sp>
+        <p:nvSpPr>
+          <p:cNvPr id="2" name="Titre 1"/>
+          <p:cNvSpPr>
+            <a:spLocks noGrp="1"/>
+          </p:cNvSpPr>
+          <p:nvPr>
+            <p:ph type="title"/>
+          </p:nvPr>
+        </p:nvSpPr>
+        <p:spPr/>
+        <p:txBody>
+          <a:bodyPr/>
+          <a:lstStyle/>
+          <a:p>
+            <a:r>
+              <a:rPr lang="fr-FR" dirty="0" smtClean="0"/>
+              <a:t>Démonstration</a:t>
+            </a:r>
+            <a:endParaRPr lang="fr-FR" dirty="0"/>
+          </a:p>
+        </p:txBody>
+      </p:sp>
+      <p:sp>
+        <p:nvSpPr>
+          <p:cNvPr id="4" name="Espace réservé de la date 3"/>
+          <p:cNvSpPr>
+            <a:spLocks noGrp="1"/>
+          </p:cNvSpPr>
+          <p:nvPr>
+            <p:ph type="dt" sz="half" idx="10"/>
+          </p:nvPr>
+        </p:nvSpPr>
+        <p:spPr/>
+        <p:txBody>
+          <a:bodyPr vert="horz" anchor="ctr"/>
+          <a:lstStyle/>
+          <a:p>
+            <a:pPr algn="r"/>
+            <a:r>
+              <a:rPr lang="fr-FR" smtClean="0">
+                <a:solidFill>
+                  <a:srgbClr val="FF6600"/>
+                </a:solidFill>
+              </a:rPr>
+              <a:t>12 février 2013</a:t>
+            </a:r>
+            <a:endParaRPr lang="fr-FR" dirty="0">
+              <a:solidFill>
+                <a:srgbClr val="FF6600"/>
+              </a:solidFill>
+            </a:endParaRPr>
+          </a:p>
+        </p:txBody>
+      </p:sp>
+      <p:sp>
+        <p:nvSpPr>
+          <p:cNvPr id="5" name="Espace réservé du pied de page 4"/>
+          <p:cNvSpPr>
+            <a:spLocks noGrp="1"/>
+          </p:cNvSpPr>
+          <p:nvPr>
+            <p:ph type="ftr" sz="quarter" idx="11"/>
+          </p:nvPr>
+        </p:nvSpPr>
+        <p:spPr/>
+        <p:txBody>
+          <a:bodyPr/>
+          <a:lstStyle/>
+          <a:p>
+            <a:r>
+              <a:rPr lang="fr-FR" smtClean="0">
+                <a:solidFill>
+                  <a:srgbClr val="FF6600"/>
+                </a:solidFill>
+              </a:rPr>
+              <a:t>Robin Jarry – Surveillance des interfaces logicielles</a:t>
+            </a:r>
+            <a:endParaRPr lang="fr-FR" dirty="0">
+              <a:solidFill>
+                <a:srgbClr val="FF6600"/>
+              </a:solidFill>
+            </a:endParaRPr>
+          </a:p>
+        </p:txBody>
+      </p:sp>
+      <p:sp>
+        <p:nvSpPr>
+          <p:cNvPr id="6" name="Espace réservé du numéro de diapositive 5"/>
+          <p:cNvSpPr>
+            <a:spLocks noGrp="1"/>
+          </p:cNvSpPr>
+          <p:nvPr>
+            <p:ph type="sldNum" sz="quarter" idx="12"/>
+          </p:nvPr>
+        </p:nvSpPr>
+        <p:spPr/>
+        <p:txBody>
+          <a:bodyPr>
+            <a:normAutofit fontScale="85000" lnSpcReduction="20000"/>
+          </a:bodyPr>
+          <a:lstStyle/>
+          <a:p>
+            <a:fld id="{50935222-B196-4F9B-9AEC-1292459A754A}" type="slidenum">
+              <a:rPr lang="fr-FR" smtClean="0"/>
+              <a:pPr/>
+              <a:t>9</a:t>
+            </a:fld>
+            <a:endParaRPr lang="fr-FR"/>
+          </a:p>
+        </p:txBody>
+      </p:sp>
+      <p:pic>
+        <p:nvPicPr>
+          <p:cNvPr id="7" name="Picture 2" descr="d:\Documents and Settings\s0030382\Bureau\iStock_000007402908XSmall.jpg"/>
+          <p:cNvPicPr>
+            <a:picLocks noChangeAspect="1" noChangeArrowheads="1"/>
+          </p:cNvPicPr>
+          <p:nvPr/>
+        </p:nvPicPr>
+        <p:blipFill>
+          <a:blip r:embed="rId2">
+            <a:extLst>
+              <a:ext uri="{28A0092B-C50C-407E-A947-70E740481C1C}">
+                <a14:useLocalDpi xmlns:a14="http://schemas.microsoft.com/office/drawing/2010/main"/>
+              </a:ext>
+            </a:extLst>
+          </a:blip>
+          <a:srcRect/>
+          <a:stretch>
+            <a:fillRect/>
+          </a:stretch>
+        </p:blipFill>
+        <p:spPr bwMode="auto">
+          <a:xfrm>
+            <a:off x="2699792" y="1972862"/>
+            <a:ext cx="3220195" cy="3636101"/>
+          </a:xfrm>
+          <a:prstGeom prst="rect">
+            <a:avLst/>
+          </a:prstGeom>
+          <a:ln>
+            <a:noFill/>
+          </a:ln>
+          <a:effectLst>
+            <a:softEdge rad="112500"/>
+          </a:effectLst>
+          <a:extLst>
+            <a:ext uri="{909E8E84-426E-40DD-AFC4-6F175D3DCCD1}">
+              <a14:hiddenFill xmlns:a14="http://schemas.microsoft.com/office/drawing/2010/main">
+                <a:solidFill>
+                  <a:srgbClr val="FFFFFF"/>
+                </a:solidFill>
+              </a14:hiddenFill>
+            </a:ext>
+          </a:extLst>
+        </p:spPr>
+      </p:pic>
+    </p:spTree>
+    <p:extLst>
+      <p:ext uri="{BB962C8B-B14F-4D97-AF65-F5344CB8AC3E}">
+        <p14:creationId xmlns:p14="http://schemas.microsoft.com/office/powerpoint/2010/main" val="3673932555"/>
+      </p:ext>
+    </p:extLst>
+  </p:cSld>
+  <p:clrMapOvr>
+    <a:masterClrMapping/>
+  </p:clrMapOvr>
+  <mc:AlternateContent xmlns:mc="http://schemas.openxmlformats.org/markup-compatibility/2006" xmlns:p14="http://schemas.microsoft.com/office/powerpoint/2010/main">
+    <mc:Choice Requires="p14">
+      <p:transition p14:dur="250">
+        <p:push/>
+      </p:transition>
+    </mc:Choice>
+    <mc:Fallback xmlns="">
+      <p:transition>
+        <p:push/>
+      </p:transition>
+    </mc:Fallback>
+  </mc:AlternateContent>
+  <p:timing>
+    <p:tnLst>
+      <p:par>
+        <p:cTn id="1" dur="indefinite" restart="never" nodeType="tmRoot"/>
+      </p:par>
+    </p:tnLst>
   </p:timing>
 </p:sld>
 </file>
@@ -15660,14 +19831,6 @@
 </file>
 
 <file path=customXml/item1.xml><?xml version="1.0" encoding="utf-8"?>
-<ct:contentTypeSchema xmlns:ct="http://schemas.microsoft.com/office/2006/metadata/contentType" xmlns:ma="http://schemas.microsoft.com/office/2006/metadata/properties/metaAttributes" ct:_="" ma:_="" ma:contentTypeName="TemplateFile" ma:contentTypeID="0x01010069924D1ECC420D47A2456556BC94F7370400BDF4491DEA4973499845289601F88B9F" ma:contentTypeVersion="28" ma:contentTypeDescription="Create a new document." ma:contentTypeScope="" ma:versionID="3734922cae638a1d4f2b3c9f45d0aea3"/>
-</file>
-
-<file path=customXml/item2.xml><?xml version="1.0" encoding="utf-8"?>
-<p:properties xmlns:p="http://schemas.microsoft.com/office/2006/metadata/properties" xmlns:xsi="http://www.w3.org/2001/XMLSchema-instance" xmlns:pc="http://schemas.microsoft.com/office/infopath/2007/PartnerControls"/>
-</file>
-
-<file path=customXml/item3.xml><?xml version="1.0" encoding="utf-8"?>
 <?mso-contentType ?>
 <FormTemplates xmlns="http://schemas.microsoft.com/sharepoint/v3/contenttype/forms">
   <Display>DocumentLibraryForm</Display>
@@ -15676,11 +19839,18 @@
 </FormTemplates>
 </file>
 
+<file path=customXml/item2.xml><?xml version="1.0" encoding="utf-8"?>
+<p:properties xmlns:p="http://schemas.microsoft.com/office/2006/metadata/properties" xmlns:xsi="http://www.w3.org/2001/XMLSchema-instance" xmlns:pc="http://schemas.microsoft.com/office/infopath/2007/PartnerControls"/>
+</file>
+
+<file path=customXml/item3.xml><?xml version="1.0" encoding="utf-8"?>
+<ct:contentTypeSchema xmlns:ct="http://schemas.microsoft.com/office/2006/metadata/contentType" xmlns:ma="http://schemas.microsoft.com/office/2006/metadata/properties/metaAttributes" ct:_="" ma:_="" ma:contentTypeName="TemplateFile" ma:contentTypeID="0x01010069924D1ECC420D47A2456556BC94F7370400BDF4491DEA4973499845289601F88B9F" ma:contentTypeVersion="28" ma:contentTypeDescription="Create a new document." ma:contentTypeScope="" ma:versionID="3734922cae638a1d4f2b3c9f45d0aea3"/>
+</file>
+
 <file path=customXml/itemProps1.xml><?xml version="1.0" encoding="utf-8"?>
-<ds:datastoreItem xmlns:ds="http://schemas.openxmlformats.org/officeDocument/2006/customXml" ds:itemID="{06513FD4-B044-4B8A-8BD2-C787E2AA39E4}">
+<ds:datastoreItem xmlns:ds="http://schemas.openxmlformats.org/officeDocument/2006/customXml" ds:itemID="{D9755060-407B-4BA3-9693-FA43109E1D3A}">
   <ds:schemaRefs>
-    <ds:schemaRef ds:uri="http://schemas.microsoft.com/office/2006/metadata/contentType"/>
-    <ds:schemaRef ds:uri="http://schemas.microsoft.com/office/2006/metadata/properties/metaAttributes"/>
+    <ds:schemaRef ds:uri="http://schemas.microsoft.com/sharepoint/v3/contenttype/forms"/>
   </ds:schemaRefs>
 </ds:datastoreItem>
 </file>
@@ -15695,9 +19865,10 @@
 </file>
 
 <file path=customXml/itemProps3.xml><?xml version="1.0" encoding="utf-8"?>
-<ds:datastoreItem xmlns:ds="http://schemas.openxmlformats.org/officeDocument/2006/customXml" ds:itemID="{D9755060-407B-4BA3-9693-FA43109E1D3A}">
+<ds:datastoreItem xmlns:ds="http://schemas.openxmlformats.org/officeDocument/2006/customXml" ds:itemID="{06513FD4-B044-4B8A-8BD2-C787E2AA39E4}">
   <ds:schemaRefs>
-    <ds:schemaRef ds:uri="http://schemas.microsoft.com/sharepoint/v3/contenttype/forms"/>
+    <ds:schemaRef ds:uri="http://schemas.microsoft.com/office/2006/metadata/contentType"/>
+    <ds:schemaRef ds:uri="http://schemas.microsoft.com/office/2006/metadata/properties/metaAttributes"/>
   </ds:schemaRefs>
 </ds:datastoreItem>
 </file>
--- a/_docs/Presentation memoire ingenieur.pptx
+++ b/_docs/Presentation memoire ingenieur.pptx
@@ -201,7 +201,7 @@
             <a:fld id="{A7959C71-B73A-49FF-9308-B24F710812B5}" type="datetimeFigureOut">
               <a:rPr lang="fr-FR" smtClean="0"/>
               <a:pPr/>
-              <a:t>29/01/2013</a:t>
+              <a:t>01/02/2013</a:t>
             </a:fld>
             <a:endParaRPr lang="fr-FR" dirty="0"/>
           </a:p>
@@ -687,7 +687,7 @@
             <a:fld id="{5468FC2B-D455-4AC4-9C5E-9317124768F4}" type="datetimeFigureOut">
               <a:rPr lang="fr-FR" smtClean="0"/>
               <a:pPr/>
-              <a:t>29/01/2013</a:t>
+              <a:t>01/02/2013</a:t>
             </a:fld>
             <a:endParaRPr lang="fr-FR" dirty="0"/>
           </a:p>
@@ -836,7 +836,7 @@
             <a:fld id="{5468FC2B-D455-4AC4-9C5E-9317124768F4}" type="datetimeFigureOut">
               <a:rPr lang="fr-FR" smtClean="0"/>
               <a:pPr/>
-              <a:t>29/01/2013</a:t>
+              <a:t>01/02/2013</a:t>
             </a:fld>
             <a:endParaRPr lang="fr-FR" dirty="0"/>
           </a:p>
@@ -985,7 +985,7 @@
             <a:fld id="{5468FC2B-D455-4AC4-9C5E-9317124768F4}" type="datetimeFigureOut">
               <a:rPr lang="fr-FR" smtClean="0"/>
               <a:pPr/>
-              <a:t>29/01/2013</a:t>
+              <a:t>01/02/2013</a:t>
             </a:fld>
             <a:endParaRPr lang="fr-FR" dirty="0"/>
           </a:p>
@@ -1134,7 +1134,7 @@
             <a:fld id="{5468FC2B-D455-4AC4-9C5E-9317124768F4}" type="datetimeFigureOut">
               <a:rPr lang="fr-FR" smtClean="0"/>
               <a:pPr/>
-              <a:t>29/01/2013</a:t>
+              <a:t>01/02/2013</a:t>
             </a:fld>
             <a:endParaRPr lang="fr-FR" dirty="0"/>
           </a:p>
@@ -4044,7 +4044,6 @@
               <a:rPr lang="fr-FR" sz="2500" dirty="0" smtClean="0"/>
               <a:t>Compatible JDBC</a:t>
             </a:r>
-            <a:endParaRPr lang="fr-FR" sz="2500" dirty="0" smtClean="0"/>
           </a:p>
           <a:p>
             <a:r>
@@ -5255,11 +5254,6 @@
               </a:rPr>
               <a:t> »</a:t>
             </a:r>
-            <a:endParaRPr lang="fr-FR" sz="2500" b="1" i="1" dirty="0" smtClean="0">
-              <a:solidFill>
-                <a:srgbClr val="0089FA"/>
-              </a:solidFill>
-            </a:endParaRPr>
           </a:p>
           <a:p>
             <a:r>
@@ -5404,7 +5398,6 @@
               <a:rPr lang="fr-FR" sz="2500" dirty="0" smtClean="0"/>
               <a:t>Contribution active</a:t>
             </a:r>
-            <a:endParaRPr lang="fr-FR" sz="2500" dirty="0" smtClean="0"/>
           </a:p>
         </p:txBody>
       </p:sp>
@@ -5937,11 +5930,6 @@
               </a:rPr>
               <a:t>API</a:t>
             </a:r>
-            <a:endParaRPr lang="fr-FR" sz="2700" b="1" dirty="0" smtClean="0">
-              <a:solidFill>
-                <a:srgbClr val="0089FA"/>
-              </a:solidFill>
-            </a:endParaRPr>
           </a:p>
         </p:txBody>
       </p:sp>
@@ -6193,10 +6181,6 @@
                 </a:rPr>
                 <a:t>(): String[]</a:t>
               </a:r>
-              <a:endParaRPr lang="fr-FR" sz="1200" dirty="0" smtClean="0">
-                <a:latin typeface="Courier New" pitchFamily="49" charset="0"/>
-                <a:cs typeface="Courier New" pitchFamily="49" charset="0"/>
-              </a:endParaRPr>
             </a:p>
           </p:txBody>
         </p:sp>
@@ -7693,29 +7677,6 @@
               </a:rPr>
               <a:t>?</a:t>
             </a:r>
-            <a:endParaRPr lang="fr-FR" sz="19900" dirty="0">
-              <a:gradFill>
-                <a:gsLst>
-                  <a:gs pos="0">
-                    <a:srgbClr val="0052AC"/>
-                  </a:gs>
-                  <a:gs pos="100000">
-                    <a:srgbClr val="2FA1FF"/>
-                  </a:gs>
-                </a:gsLst>
-                <a:lin ang="18900000" scaled="1"/>
-              </a:gradFill>
-              <a:effectLst>
-                <a:outerShdw blurRad="50800" dist="38100" dir="2700000" algn="tl" rotWithShape="0">
-                  <a:prstClr val="black">
-                    <a:alpha val="24000"/>
-                  </a:prstClr>
-                </a:outerShdw>
-              </a:effectLst>
-              <a:latin typeface="+mj-lt"/>
-              <a:ea typeface="+mj-ea"/>
-              <a:cs typeface="+mj-cs"/>
-            </a:endParaRPr>
           </a:p>
         </p:txBody>
       </p:sp>
@@ -17872,11 +17833,7 @@
             <a:pPr algn="ctr"/>
             <a:r>
               <a:rPr lang="fr-FR" dirty="0" smtClean="0"/>
-              <a:t>v2.0 </a:t>
-            </a:r>
-            <a:r>
-              <a:rPr lang="fr-FR" dirty="0" smtClean="0"/>
-              <a:t>API</a:t>
+              <a:t>v2.0 API</a:t>
             </a:r>
             <a:endParaRPr lang="fr-FR" dirty="0"/>
           </a:p>
@@ -19831,6 +19788,14 @@
 </file>
 
 <file path=customXml/item1.xml><?xml version="1.0" encoding="utf-8"?>
+<ct:contentTypeSchema xmlns:ct="http://schemas.microsoft.com/office/2006/metadata/contentType" xmlns:ma="http://schemas.microsoft.com/office/2006/metadata/properties/metaAttributes" ct:_="" ma:_="" ma:contentTypeName="TemplateFile" ma:contentTypeID="0x01010069924D1ECC420D47A2456556BC94F7370400BDF4491DEA4973499845289601F88B9F" ma:contentTypeVersion="28" ma:contentTypeDescription="Create a new document." ma:contentTypeScope="" ma:versionID="3734922cae638a1d4f2b3c9f45d0aea3"/>
+</file>
+
+<file path=customXml/item2.xml><?xml version="1.0" encoding="utf-8"?>
+<p:properties xmlns:p="http://schemas.microsoft.com/office/2006/metadata/properties" xmlns:xsi="http://www.w3.org/2001/XMLSchema-instance" xmlns:pc="http://schemas.microsoft.com/office/infopath/2007/PartnerControls"/>
+</file>
+
+<file path=customXml/item3.xml><?xml version="1.0" encoding="utf-8"?>
 <?mso-contentType ?>
 <FormTemplates xmlns="http://schemas.microsoft.com/sharepoint/v3/contenttype/forms">
   <Display>DocumentLibraryForm</Display>
@@ -19839,18 +19804,11 @@
 </FormTemplates>
 </file>
 
-<file path=customXml/item2.xml><?xml version="1.0" encoding="utf-8"?>
-<p:properties xmlns:p="http://schemas.microsoft.com/office/2006/metadata/properties" xmlns:xsi="http://www.w3.org/2001/XMLSchema-instance" xmlns:pc="http://schemas.microsoft.com/office/infopath/2007/PartnerControls"/>
-</file>
-
-<file path=customXml/item3.xml><?xml version="1.0" encoding="utf-8"?>
-<ct:contentTypeSchema xmlns:ct="http://schemas.microsoft.com/office/2006/metadata/contentType" xmlns:ma="http://schemas.microsoft.com/office/2006/metadata/properties/metaAttributes" ct:_="" ma:_="" ma:contentTypeName="TemplateFile" ma:contentTypeID="0x01010069924D1ECC420D47A2456556BC94F7370400BDF4491DEA4973499845289601F88B9F" ma:contentTypeVersion="28" ma:contentTypeDescription="Create a new document." ma:contentTypeScope="" ma:versionID="3734922cae638a1d4f2b3c9f45d0aea3"/>
-</file>
-
 <file path=customXml/itemProps1.xml><?xml version="1.0" encoding="utf-8"?>
-<ds:datastoreItem xmlns:ds="http://schemas.openxmlformats.org/officeDocument/2006/customXml" ds:itemID="{D9755060-407B-4BA3-9693-FA43109E1D3A}">
+<ds:datastoreItem xmlns:ds="http://schemas.openxmlformats.org/officeDocument/2006/customXml" ds:itemID="{06513FD4-B044-4B8A-8BD2-C787E2AA39E4}">
   <ds:schemaRefs>
-    <ds:schemaRef ds:uri="http://schemas.microsoft.com/sharepoint/v3/contenttype/forms"/>
+    <ds:schemaRef ds:uri="http://schemas.microsoft.com/office/2006/metadata/contentType"/>
+    <ds:schemaRef ds:uri="http://schemas.microsoft.com/office/2006/metadata/properties/metaAttributes"/>
   </ds:schemaRefs>
 </ds:datastoreItem>
 </file>
@@ -19865,10 +19823,9 @@
 </file>
 
 <file path=customXml/itemProps3.xml><?xml version="1.0" encoding="utf-8"?>
-<ds:datastoreItem xmlns:ds="http://schemas.openxmlformats.org/officeDocument/2006/customXml" ds:itemID="{06513FD4-B044-4B8A-8BD2-C787E2AA39E4}">
+<ds:datastoreItem xmlns:ds="http://schemas.openxmlformats.org/officeDocument/2006/customXml" ds:itemID="{D9755060-407B-4BA3-9693-FA43109E1D3A}">
   <ds:schemaRefs>
-    <ds:schemaRef ds:uri="http://schemas.microsoft.com/office/2006/metadata/contentType"/>
-    <ds:schemaRef ds:uri="http://schemas.microsoft.com/office/2006/metadata/properties/metaAttributes"/>
+    <ds:schemaRef ds:uri="http://schemas.microsoft.com/sharepoint/v3/contenttype/forms"/>
   </ds:schemaRefs>
 </ds:datastoreItem>
 </file>
--- a/_docs/Presentation memoire ingenieur.pptx
+++ b/_docs/Presentation memoire ingenieur.pptx
@@ -5,10 +5,10 @@
     <p:sldMasterId id="2147483664" r:id="rId4"/>
   </p:sldMasterIdLst>
   <p:notesMasterIdLst>
-    <p:notesMasterId r:id="rId19"/>
+    <p:notesMasterId r:id="rId21"/>
   </p:notesMasterIdLst>
   <p:handoutMasterIdLst>
-    <p:handoutMasterId r:id="rId20"/>
+    <p:handoutMasterId r:id="rId22"/>
   </p:handoutMasterIdLst>
   <p:sldIdLst>
     <p:sldId id="256" r:id="rId5"/>
@@ -18,13 +18,15 @@
     <p:sldId id="276" r:id="rId9"/>
     <p:sldId id="274" r:id="rId10"/>
     <p:sldId id="273" r:id="rId11"/>
-    <p:sldId id="279" r:id="rId12"/>
-    <p:sldId id="280" r:id="rId13"/>
-    <p:sldId id="281" r:id="rId14"/>
-    <p:sldId id="285" r:id="rId15"/>
-    <p:sldId id="282" r:id="rId16"/>
-    <p:sldId id="283" r:id="rId17"/>
-    <p:sldId id="284" r:id="rId18"/>
+    <p:sldId id="286" r:id="rId12"/>
+    <p:sldId id="279" r:id="rId13"/>
+    <p:sldId id="287" r:id="rId14"/>
+    <p:sldId id="280" r:id="rId15"/>
+    <p:sldId id="281" r:id="rId16"/>
+    <p:sldId id="285" r:id="rId17"/>
+    <p:sldId id="282" r:id="rId18"/>
+    <p:sldId id="283" r:id="rId19"/>
+    <p:sldId id="284" r:id="rId20"/>
   </p:sldIdLst>
   <p:sldSz cx="9144000" cy="6858000" type="screen4x3"/>
   <p:notesSz cx="6858000" cy="9144000"/>
@@ -201,7 +203,7 @@
             <a:fld id="{A7959C71-B73A-49FF-9308-B24F710812B5}" type="datetimeFigureOut">
               <a:rPr lang="fr-FR" smtClean="0"/>
               <a:pPr/>
-              <a:t>01/02/2013</a:t>
+              <a:t>07/02/2013</a:t>
             </a:fld>
             <a:endParaRPr lang="fr-FR" dirty="0"/>
           </a:p>
@@ -687,7 +689,7 @@
             <a:fld id="{5468FC2B-D455-4AC4-9C5E-9317124768F4}" type="datetimeFigureOut">
               <a:rPr lang="fr-FR" smtClean="0"/>
               <a:pPr/>
-              <a:t>01/02/2013</a:t>
+              <a:t>07/02/2013</a:t>
             </a:fld>
             <a:endParaRPr lang="fr-FR" dirty="0"/>
           </a:p>
@@ -836,7 +838,7 @@
             <a:fld id="{5468FC2B-D455-4AC4-9C5E-9317124768F4}" type="datetimeFigureOut">
               <a:rPr lang="fr-FR" smtClean="0"/>
               <a:pPr/>
-              <a:t>01/02/2013</a:t>
+              <a:t>07/02/2013</a:t>
             </a:fld>
             <a:endParaRPr lang="fr-FR" dirty="0"/>
           </a:p>
@@ -985,7 +987,7 @@
             <a:fld id="{5468FC2B-D455-4AC4-9C5E-9317124768F4}" type="datetimeFigureOut">
               <a:rPr lang="fr-FR" smtClean="0"/>
               <a:pPr/>
-              <a:t>01/02/2013</a:t>
+              <a:t>07/02/2013</a:t>
             </a:fld>
             <a:endParaRPr lang="fr-FR" dirty="0"/>
           </a:p>
@@ -1134,7 +1136,7 @@
             <a:fld id="{5468FC2B-D455-4AC4-9C5E-9317124768F4}" type="datetimeFigureOut">
               <a:rPr lang="fr-FR" smtClean="0"/>
               <a:pPr/>
-              <a:t>01/02/2013</a:t>
+              <a:t>07/02/2013</a:t>
             </a:fld>
             <a:endParaRPr lang="fr-FR" dirty="0"/>
           </a:p>
@@ -1691,7 +1693,12 @@
             <p:ph type="ftr" sz="quarter" idx="11"/>
           </p:nvPr>
         </p:nvSpPr>
-        <p:spPr/>
+        <p:spPr>
+          <a:xfrm>
+            <a:off x="591077" y="6248206"/>
+            <a:ext cx="5421083" cy="365125"/>
+          </a:xfrm>
+        </p:spPr>
         <p:txBody>
           <a:bodyPr/>
           <a:lstStyle>
@@ -3912,6 +3919,1438 @@
         </p:nvSpPr>
         <p:spPr/>
         <p:txBody>
+          <a:bodyPr>
+            <a:normAutofit/>
+          </a:bodyPr>
+          <a:lstStyle/>
+          <a:p>
+            <a:r>
+              <a:rPr lang="fr-FR" dirty="0" smtClean="0"/>
+              <a:t>Interprétation des différences</a:t>
+            </a:r>
+            <a:endParaRPr lang="fr-FR" dirty="0"/>
+          </a:p>
+        </p:txBody>
+      </p:sp>
+      <p:sp>
+        <p:nvSpPr>
+          <p:cNvPr id="4" name="Espace réservé du pied de page 3"/>
+          <p:cNvSpPr>
+            <a:spLocks noGrp="1"/>
+          </p:cNvSpPr>
+          <p:nvPr>
+            <p:ph type="ftr" sz="quarter" idx="11"/>
+          </p:nvPr>
+        </p:nvSpPr>
+        <p:spPr/>
+        <p:txBody>
+          <a:bodyPr vert="horz" anchor="ctr"/>
+          <a:lstStyle/>
+          <a:p>
+            <a:r>
+              <a:rPr lang="fr-FR" smtClean="0">
+                <a:solidFill>
+                  <a:srgbClr val="FF6600"/>
+                </a:solidFill>
+              </a:rPr>
+              <a:t>Robin Jarry – Surveillance des interfaces logicielles</a:t>
+            </a:r>
+            <a:endParaRPr lang="fr-FR" dirty="0">
+              <a:solidFill>
+                <a:srgbClr val="FF6600"/>
+              </a:solidFill>
+            </a:endParaRPr>
+          </a:p>
+        </p:txBody>
+      </p:sp>
+      <p:sp>
+        <p:nvSpPr>
+          <p:cNvPr id="5" name="Espace réservé du numéro de diapositive 4"/>
+          <p:cNvSpPr>
+            <a:spLocks noGrp="1"/>
+          </p:cNvSpPr>
+          <p:nvPr>
+            <p:ph type="sldNum" sz="quarter" idx="12"/>
+          </p:nvPr>
+        </p:nvSpPr>
+        <p:spPr/>
+        <p:txBody>
+          <a:bodyPr>
+            <a:normAutofit fontScale="85000" lnSpcReduction="20000"/>
+          </a:bodyPr>
+          <a:lstStyle/>
+          <a:p>
+            <a:fld id="{50935222-B196-4F9B-9AEC-1292459A754A}" type="slidenum">
+              <a:rPr lang="fr-FR" smtClean="0"/>
+              <a:pPr/>
+              <a:t>10</a:t>
+            </a:fld>
+            <a:endParaRPr lang="fr-FR"/>
+          </a:p>
+        </p:txBody>
+      </p:sp>
+      <p:sp>
+        <p:nvSpPr>
+          <p:cNvPr id="6" name="Espace réservé de la date 5"/>
+          <p:cNvSpPr>
+            <a:spLocks noGrp="1"/>
+          </p:cNvSpPr>
+          <p:nvPr>
+            <p:ph type="dt" sz="half" idx="10"/>
+          </p:nvPr>
+        </p:nvSpPr>
+        <p:spPr/>
+        <p:txBody>
+          <a:bodyPr vert="horz" anchor="ctr"/>
+          <a:lstStyle/>
+          <a:p>
+            <a:pPr algn="r"/>
+            <a:r>
+              <a:rPr lang="fr-FR" smtClean="0">
+                <a:solidFill>
+                  <a:srgbClr val="FF6600"/>
+                </a:solidFill>
+              </a:rPr>
+              <a:t>12 février 2013</a:t>
+            </a:r>
+            <a:endParaRPr lang="fr-FR" dirty="0">
+              <a:solidFill>
+                <a:srgbClr val="FF6600"/>
+              </a:solidFill>
+            </a:endParaRPr>
+          </a:p>
+        </p:txBody>
+      </p:sp>
+      <p:sp>
+        <p:nvSpPr>
+          <p:cNvPr id="17" name="Rectangle à coins arrondis 16"/>
+          <p:cNvSpPr/>
+          <p:nvPr/>
+        </p:nvSpPr>
+        <p:spPr>
+          <a:xfrm>
+            <a:off x="4445896" y="2420888"/>
+            <a:ext cx="2346230" cy="898014"/>
+          </a:xfrm>
+          <a:prstGeom prst="roundRect">
+            <a:avLst/>
+          </a:prstGeom>
+          <a:gradFill flip="none" rotWithShape="1">
+            <a:gsLst>
+              <a:gs pos="0">
+                <a:schemeClr val="accent2">
+                  <a:shade val="30000"/>
+                  <a:satMod val="115000"/>
+                </a:schemeClr>
+              </a:gs>
+              <a:gs pos="50000">
+                <a:schemeClr val="accent2">
+                  <a:shade val="67500"/>
+                  <a:satMod val="115000"/>
+                </a:schemeClr>
+              </a:gs>
+              <a:gs pos="100000">
+                <a:schemeClr val="accent2">
+                  <a:shade val="100000"/>
+                  <a:satMod val="115000"/>
+                </a:schemeClr>
+              </a:gs>
+            </a:gsLst>
+            <a:lin ang="18900000" scaled="1"/>
+            <a:tileRect/>
+          </a:gradFill>
+        </p:spPr>
+        <p:style>
+          <a:lnRef idx="3">
+            <a:schemeClr val="lt1"/>
+          </a:lnRef>
+          <a:fillRef idx="1">
+            <a:schemeClr val="accent2"/>
+          </a:fillRef>
+          <a:effectRef idx="1">
+            <a:schemeClr val="accent2"/>
+          </a:effectRef>
+          <a:fontRef idx="minor">
+            <a:schemeClr val="lt1"/>
+          </a:fontRef>
+        </p:style>
+        <p:txBody>
+          <a:bodyPr rtlCol="0" anchor="ctr"/>
+          <a:lstStyle/>
+          <a:p>
+            <a:pPr algn="ctr"/>
+            <a:r>
+              <a:rPr lang="fr-FR" sz="2400" b="1" dirty="0" smtClean="0"/>
+              <a:t>Règles de stabilité d’API</a:t>
+            </a:r>
+            <a:endParaRPr lang="fr-FR" sz="1600" b="1" dirty="0" smtClean="0"/>
+          </a:p>
+        </p:txBody>
+      </p:sp>
+      <p:sp>
+        <p:nvSpPr>
+          <p:cNvPr id="18" name="Flèche droite 17"/>
+          <p:cNvSpPr/>
+          <p:nvPr/>
+        </p:nvSpPr>
+        <p:spPr>
+          <a:xfrm>
+            <a:off x="2797749" y="2507262"/>
+            <a:ext cx="1546106" cy="725266"/>
+          </a:xfrm>
+          <a:prstGeom prst="rightArrow">
+            <a:avLst/>
+          </a:prstGeom>
+          <a:gradFill>
+            <a:gsLst>
+              <a:gs pos="0">
+                <a:srgbClr val="FF3D01"/>
+              </a:gs>
+              <a:gs pos="100000">
+                <a:srgbClr val="FF6600"/>
+              </a:gs>
+            </a:gsLst>
+            <a:lin ang="18900000" scaled="1"/>
+          </a:gradFill>
+        </p:spPr>
+        <p:style>
+          <a:lnRef idx="2">
+            <a:schemeClr val="accent1">
+              <a:shade val="50000"/>
+            </a:schemeClr>
+          </a:lnRef>
+          <a:fillRef idx="1">
+            <a:schemeClr val="accent1"/>
+          </a:fillRef>
+          <a:effectRef idx="0">
+            <a:schemeClr val="accent1"/>
+          </a:effectRef>
+          <a:fontRef idx="minor">
+            <a:schemeClr val="lt1"/>
+          </a:fontRef>
+        </p:style>
+        <p:txBody>
+          <a:bodyPr rtlCol="0" anchor="ctr"/>
+          <a:lstStyle/>
+          <a:p>
+            <a:pPr algn="ctr"/>
+            <a:r>
+              <a:rPr lang="fr-FR" dirty="0" smtClean="0"/>
+              <a:t>différences</a:t>
+            </a:r>
+            <a:endParaRPr lang="fr-FR" dirty="0"/>
+          </a:p>
+        </p:txBody>
+      </p:sp>
+      <p:grpSp>
+        <p:nvGrpSpPr>
+          <p:cNvPr id="11" name="Groupe 10"/>
+          <p:cNvGrpSpPr/>
+          <p:nvPr/>
+        </p:nvGrpSpPr>
+        <p:grpSpPr>
+          <a:xfrm>
+            <a:off x="5947099" y="4871768"/>
+            <a:ext cx="2441325" cy="622617"/>
+            <a:chOff x="6615861" y="4101562"/>
+            <a:chExt cx="2441325" cy="622617"/>
+          </a:xfrm>
+        </p:grpSpPr>
+        <p:pic>
+          <p:nvPicPr>
+            <p:cNvPr id="27" name="Picture 6" descr="d:\Documents and Settings\s0030382\Bureau\PK2051VIOLATION.gif"/>
+            <p:cNvPicPr>
+              <a:picLocks noChangeAspect="1" noChangeArrowheads="1"/>
+            </p:cNvPicPr>
+            <p:nvPr/>
+          </p:nvPicPr>
+          <p:blipFill rotWithShape="1">
+            <a:blip r:embed="rId4" cstate="print">
+              <a:extLst>
+                <a:ext uri="{28A0092B-C50C-407E-A947-70E740481C1C}">
+                  <a14:useLocalDpi xmlns:a14="http://schemas.microsoft.com/office/drawing/2010/main"/>
+                </a:ext>
+              </a:extLst>
+            </a:blip>
+            <a:srcRect l="599" t="887" r="2378" b="64542"/>
+            <a:stretch/>
+          </p:blipFill>
+          <p:spPr bwMode="auto">
+            <a:xfrm rot="20817335">
+              <a:off x="6869388" y="4229167"/>
+              <a:ext cx="2187798" cy="495012"/>
+            </a:xfrm>
+            <a:prstGeom prst="rect">
+              <a:avLst/>
+            </a:prstGeom>
+            <a:noFill/>
+            <a:effectLst>
+              <a:outerShdw blurRad="50800" dist="38100" dir="2700000" algn="tl" rotWithShape="0">
+                <a:prstClr val="black">
+                  <a:alpha val="40000"/>
+                </a:prstClr>
+              </a:outerShdw>
+            </a:effectLst>
+            <a:extLst>
+              <a:ext uri="{909E8E84-426E-40DD-AFC4-6F175D3DCCD1}">
+                <a14:hiddenFill xmlns:a14="http://schemas.microsoft.com/office/drawing/2010/main">
+                  <a:solidFill>
+                    <a:srgbClr val="FFFFFF"/>
+                  </a:solidFill>
+                </a14:hiddenFill>
+              </a:ext>
+            </a:extLst>
+          </p:spPr>
+        </p:pic>
+        <p:pic>
+          <p:nvPicPr>
+            <p:cNvPr id="26" name="Picture 6" descr="d:\Documents and Settings\s0030382\Bureau\PK2051VIOLATION.gif"/>
+            <p:cNvPicPr>
+              <a:picLocks noChangeAspect="1" noChangeArrowheads="1"/>
+            </p:cNvPicPr>
+            <p:nvPr/>
+          </p:nvPicPr>
+          <p:blipFill rotWithShape="1">
+            <a:blip r:embed="rId4" cstate="print">
+              <a:extLst>
+                <a:ext uri="{28A0092B-C50C-407E-A947-70E740481C1C}">
+                  <a14:useLocalDpi xmlns:a14="http://schemas.microsoft.com/office/drawing/2010/main"/>
+                </a:ext>
+              </a:extLst>
+            </a:blip>
+            <a:srcRect l="599" t="887" r="2378" b="64542"/>
+            <a:stretch/>
+          </p:blipFill>
+          <p:spPr bwMode="auto">
+            <a:xfrm rot="20817335">
+              <a:off x="6742624" y="4167039"/>
+              <a:ext cx="2187798" cy="495012"/>
+            </a:xfrm>
+            <a:prstGeom prst="rect">
+              <a:avLst/>
+            </a:prstGeom>
+            <a:noFill/>
+            <a:effectLst>
+              <a:outerShdw blurRad="50800" dist="38100" dir="2700000" algn="tl" rotWithShape="0">
+                <a:prstClr val="black">
+                  <a:alpha val="40000"/>
+                </a:prstClr>
+              </a:outerShdw>
+            </a:effectLst>
+            <a:extLst>
+              <a:ext uri="{909E8E84-426E-40DD-AFC4-6F175D3DCCD1}">
+                <a14:hiddenFill xmlns:a14="http://schemas.microsoft.com/office/drawing/2010/main">
+                  <a:solidFill>
+                    <a:srgbClr val="FFFFFF"/>
+                  </a:solidFill>
+                </a14:hiddenFill>
+              </a:ext>
+            </a:extLst>
+          </p:spPr>
+        </p:pic>
+        <p:pic>
+          <p:nvPicPr>
+            <p:cNvPr id="28" name="Picture 6" descr="d:\Documents and Settings\s0030382\Bureau\PK2051VIOLATION.gif"/>
+            <p:cNvPicPr>
+              <a:picLocks noChangeAspect="1" noChangeArrowheads="1"/>
+            </p:cNvPicPr>
+            <p:nvPr/>
+          </p:nvPicPr>
+          <p:blipFill rotWithShape="1">
+            <a:blip r:embed="rId4" cstate="print">
+              <a:extLst>
+                <a:ext uri="{28A0092B-C50C-407E-A947-70E740481C1C}">
+                  <a14:useLocalDpi xmlns:a14="http://schemas.microsoft.com/office/drawing/2010/main"/>
+                </a:ext>
+              </a:extLst>
+            </a:blip>
+            <a:srcRect l="599" t="887" r="2378" b="64542"/>
+            <a:stretch/>
+          </p:blipFill>
+          <p:spPr bwMode="auto">
+            <a:xfrm rot="20817335">
+              <a:off x="6615861" y="4101562"/>
+              <a:ext cx="2187798" cy="495012"/>
+            </a:xfrm>
+            <a:prstGeom prst="rect">
+              <a:avLst/>
+            </a:prstGeom>
+            <a:noFill/>
+            <a:effectLst>
+              <a:outerShdw blurRad="50800" dist="38100" dir="2700000" algn="tl" rotWithShape="0">
+                <a:prstClr val="black">
+                  <a:alpha val="40000"/>
+                </a:prstClr>
+              </a:outerShdw>
+            </a:effectLst>
+            <a:extLst>
+              <a:ext uri="{909E8E84-426E-40DD-AFC4-6F175D3DCCD1}">
+                <a14:hiddenFill xmlns:a14="http://schemas.microsoft.com/office/drawing/2010/main">
+                  <a:solidFill>
+                    <a:srgbClr val="FFFFFF"/>
+                  </a:solidFill>
+                </a14:hiddenFill>
+              </a:ext>
+            </a:extLst>
+          </p:spPr>
+        </p:pic>
+      </p:grpSp>
+      <p:pic>
+        <p:nvPicPr>
+          <p:cNvPr id="29" name="ahhhhh.gif">
+            <a:hlinkClick r:id="" action="ppaction://media"/>
+          </p:cNvPr>
+          <p:cNvPicPr>
+            <a:picLocks noChangeAspect="1"/>
+          </p:cNvPicPr>
+          <p:nvPr>
+            <a:videoFile r:link="rId2"/>
+            <p:extLst>
+              <p:ext uri="{DAA4B4D4-6D71-4841-9C94-3DE7FCFB9230}">
+                <p14:media xmlns:p14="http://schemas.microsoft.com/office/powerpoint/2010/main" r:embed="rId1"/>
+              </p:ext>
+            </p:extLst>
+          </p:nvPr>
+        </p:nvPicPr>
+        <p:blipFill>
+          <a:blip r:embed="rId5"/>
+          <a:stretch>
+            <a:fillRect/>
+          </a:stretch>
+        </p:blipFill>
+        <p:spPr>
+          <a:xfrm>
+            <a:off x="7651597" y="5510846"/>
+            <a:ext cx="266700" cy="161925"/>
+          </a:xfrm>
+          <a:prstGeom prst="rect">
+            <a:avLst/>
+          </a:prstGeom>
+        </p:spPr>
+      </p:pic>
+      <p:sp>
+        <p:nvSpPr>
+          <p:cNvPr id="30" name="Rectangle à coins arrondis 29"/>
+          <p:cNvSpPr/>
+          <p:nvPr/>
+        </p:nvSpPr>
+        <p:spPr>
+          <a:xfrm>
+            <a:off x="455422" y="2528900"/>
+            <a:ext cx="2239477" cy="681990"/>
+          </a:xfrm>
+          <a:prstGeom prst="roundRect">
+            <a:avLst/>
+          </a:prstGeom>
+          <a:gradFill flip="none" rotWithShape="1">
+            <a:gsLst>
+              <a:gs pos="0">
+                <a:schemeClr val="accent2">
+                  <a:shade val="30000"/>
+                  <a:satMod val="115000"/>
+                  <a:alpha val="32000"/>
+                </a:schemeClr>
+              </a:gs>
+              <a:gs pos="50000">
+                <a:schemeClr val="accent2">
+                  <a:shade val="67500"/>
+                  <a:satMod val="115000"/>
+                  <a:alpha val="38000"/>
+                </a:schemeClr>
+              </a:gs>
+              <a:gs pos="100000">
+                <a:schemeClr val="accent2">
+                  <a:shade val="100000"/>
+                  <a:satMod val="115000"/>
+                  <a:alpha val="20000"/>
+                </a:schemeClr>
+              </a:gs>
+            </a:gsLst>
+            <a:lin ang="18900000" scaled="1"/>
+            <a:tileRect/>
+          </a:gradFill>
+          <a:ln>
+            <a:solidFill>
+              <a:schemeClr val="lt1">
+                <a:alpha val="46000"/>
+              </a:schemeClr>
+            </a:solidFill>
+            <a:prstDash val="sysDash"/>
+          </a:ln>
+        </p:spPr>
+        <p:style>
+          <a:lnRef idx="3">
+            <a:schemeClr val="lt1"/>
+          </a:lnRef>
+          <a:fillRef idx="1">
+            <a:schemeClr val="accent2"/>
+          </a:fillRef>
+          <a:effectRef idx="1">
+            <a:schemeClr val="accent2"/>
+          </a:effectRef>
+          <a:fontRef idx="minor">
+            <a:schemeClr val="lt1"/>
+          </a:fontRef>
+        </p:style>
+        <p:txBody>
+          <a:bodyPr rtlCol="0" anchor="ctr"/>
+          <a:lstStyle/>
+          <a:p>
+            <a:pPr algn="ctr"/>
+            <a:r>
+              <a:rPr lang="fr-FR" sz="2400" b="1" dirty="0" smtClean="0">
+                <a:solidFill>
+                  <a:srgbClr val="CDDAFF"/>
+                </a:solidFill>
+              </a:rPr>
+              <a:t>Comparateur</a:t>
+            </a:r>
+            <a:endParaRPr lang="fr-FR" sz="1600" b="1" dirty="0" smtClean="0">
+              <a:solidFill>
+                <a:srgbClr val="CDDAFF"/>
+              </a:solidFill>
+            </a:endParaRPr>
+          </a:p>
+        </p:txBody>
+      </p:sp>
+      <p:sp>
+        <p:nvSpPr>
+          <p:cNvPr id="31" name="Flèche droite 30"/>
+          <p:cNvSpPr/>
+          <p:nvPr/>
+        </p:nvSpPr>
+        <p:spPr>
+          <a:xfrm rot="3895392">
+            <a:off x="5917596" y="3763166"/>
+            <a:ext cx="1418797" cy="725266"/>
+          </a:xfrm>
+          <a:prstGeom prst="rightArrow">
+            <a:avLst/>
+          </a:prstGeom>
+          <a:gradFill>
+            <a:gsLst>
+              <a:gs pos="0">
+                <a:srgbClr val="FF3D01"/>
+              </a:gs>
+              <a:gs pos="100000">
+                <a:srgbClr val="FF6600"/>
+              </a:gs>
+            </a:gsLst>
+            <a:lin ang="18900000" scaled="1"/>
+          </a:gradFill>
+        </p:spPr>
+        <p:style>
+          <a:lnRef idx="2">
+            <a:schemeClr val="accent1">
+              <a:shade val="50000"/>
+            </a:schemeClr>
+          </a:lnRef>
+          <a:fillRef idx="1">
+            <a:schemeClr val="accent1"/>
+          </a:fillRef>
+          <a:effectRef idx="0">
+            <a:schemeClr val="accent1"/>
+          </a:effectRef>
+          <a:fontRef idx="minor">
+            <a:schemeClr val="lt1"/>
+          </a:fontRef>
+        </p:style>
+        <p:txBody>
+          <a:bodyPr rtlCol="0" anchor="ctr"/>
+          <a:lstStyle/>
+          <a:p>
+            <a:pPr algn="ctr"/>
+            <a:r>
+              <a:rPr lang="fr-FR" dirty="0" smtClean="0"/>
+              <a:t>violations</a:t>
+            </a:r>
+            <a:endParaRPr lang="fr-FR" dirty="0"/>
+          </a:p>
+        </p:txBody>
+      </p:sp>
+      <p:sp>
+        <p:nvSpPr>
+          <p:cNvPr id="32" name="ZoneTexte 31"/>
+          <p:cNvSpPr txBox="1"/>
+          <p:nvPr/>
+        </p:nvSpPr>
+        <p:spPr>
+          <a:xfrm>
+            <a:off x="6626994" y="3449674"/>
+            <a:ext cx="1448543" cy="769441"/>
+          </a:xfrm>
+          <a:prstGeom prst="rect">
+            <a:avLst/>
+          </a:prstGeom>
+          <a:noFill/>
+        </p:spPr>
+        <p:txBody>
+          <a:bodyPr wrap="square" rtlCol="0">
+            <a:spAutoFit/>
+          </a:bodyPr>
+          <a:lstStyle/>
+          <a:p>
+            <a:pPr algn="ctr"/>
+            <a:r>
+              <a:rPr lang="fr-FR" sz="1100" dirty="0" smtClean="0"/>
+              <a:t>« Sévérité » dépendante de la nature des différences</a:t>
+            </a:r>
+            <a:endParaRPr lang="fr-FR" sz="1100" dirty="0"/>
+          </a:p>
+        </p:txBody>
+      </p:sp>
+      <p:sp>
+        <p:nvSpPr>
+          <p:cNvPr id="13" name="ZoneTexte 12"/>
+          <p:cNvSpPr txBox="1"/>
+          <p:nvPr/>
+        </p:nvSpPr>
+        <p:spPr>
+          <a:xfrm>
+            <a:off x="1963687" y="4814311"/>
+            <a:ext cx="2482209" cy="769441"/>
+          </a:xfrm>
+          <a:prstGeom prst="rect">
+            <a:avLst/>
+          </a:prstGeom>
+          <a:solidFill>
+            <a:srgbClr val="CDDAFF"/>
+          </a:solidFill>
+        </p:spPr>
+        <p:style>
+          <a:lnRef idx="1">
+            <a:schemeClr val="accent2"/>
+          </a:lnRef>
+          <a:fillRef idx="2">
+            <a:schemeClr val="accent2"/>
+          </a:fillRef>
+          <a:effectRef idx="1">
+            <a:schemeClr val="accent2"/>
+          </a:effectRef>
+          <a:fontRef idx="minor">
+            <a:schemeClr val="dk1"/>
+          </a:fontRef>
+        </p:style>
+        <p:txBody>
+          <a:bodyPr wrap="square" rtlCol="0">
+            <a:spAutoFit/>
+          </a:bodyPr>
+          <a:lstStyle/>
+          <a:p>
+            <a:pPr marL="171450" indent="-171450">
+              <a:buFont typeface="Arial" pitchFamily="34" charset="0"/>
+              <a:buChar char="•"/>
+            </a:pPr>
+            <a:r>
+              <a:rPr lang="fr-FR" sz="1100" dirty="0"/>
+              <a:t>Ajout / Suppression d’un élément</a:t>
+            </a:r>
+          </a:p>
+          <a:p>
+            <a:pPr marL="171450" indent="-171450">
+              <a:buFont typeface="Arial" pitchFamily="34" charset="0"/>
+              <a:buChar char="•"/>
+            </a:pPr>
+            <a:r>
+              <a:rPr lang="fr-FR" sz="1100" dirty="0"/>
+              <a:t>Réduction de la visibilité</a:t>
+            </a:r>
+          </a:p>
+          <a:p>
+            <a:pPr marL="171450" indent="-171450">
+              <a:buFont typeface="Arial" pitchFamily="34" charset="0"/>
+              <a:buChar char="•"/>
+            </a:pPr>
+            <a:r>
+              <a:rPr lang="fr-FR" sz="1100" dirty="0"/>
+              <a:t>Changement de type</a:t>
+            </a:r>
+          </a:p>
+          <a:p>
+            <a:pPr marL="171450" indent="-171450">
+              <a:buFont typeface="Arial" pitchFamily="34" charset="0"/>
+              <a:buChar char="•"/>
+            </a:pPr>
+            <a:r>
+              <a:rPr lang="fr-FR" sz="1100" dirty="0" smtClean="0"/>
+              <a:t>…</a:t>
+            </a:r>
+            <a:endParaRPr lang="fr-FR" sz="1100" dirty="0"/>
+          </a:p>
+        </p:txBody>
+      </p:sp>
+      <p:cxnSp>
+        <p:nvCxnSpPr>
+          <p:cNvPr id="39" name="Connecteur droit avec flèche 38"/>
+          <p:cNvCxnSpPr/>
+          <p:nvPr/>
+        </p:nvCxnSpPr>
+        <p:spPr>
+          <a:xfrm flipH="1">
+            <a:off x="3335742" y="3773378"/>
+            <a:ext cx="1368154" cy="985481"/>
+          </a:xfrm>
+          <a:prstGeom prst="straightConnector1">
+            <a:avLst/>
+          </a:prstGeom>
+          <a:ln w="38100">
+            <a:prstDash val="dash"/>
+            <a:tailEnd type="arrow"/>
+          </a:ln>
+        </p:spPr>
+        <p:style>
+          <a:lnRef idx="1">
+            <a:schemeClr val="accent1"/>
+          </a:lnRef>
+          <a:fillRef idx="0">
+            <a:schemeClr val="accent1"/>
+          </a:fillRef>
+          <a:effectRef idx="0">
+            <a:schemeClr val="accent1"/>
+          </a:effectRef>
+          <a:fontRef idx="minor">
+            <a:schemeClr val="tx1"/>
+          </a:fontRef>
+        </p:style>
+      </p:cxnSp>
+      <p:sp>
+        <p:nvSpPr>
+          <p:cNvPr id="40" name="ZoneTexte 39"/>
+          <p:cNvSpPr txBox="1"/>
+          <p:nvPr/>
+        </p:nvSpPr>
+        <p:spPr>
+          <a:xfrm>
+            <a:off x="4468139" y="3396783"/>
+            <a:ext cx="1448543" cy="430887"/>
+          </a:xfrm>
+          <a:prstGeom prst="rect">
+            <a:avLst/>
+          </a:prstGeom>
+          <a:noFill/>
+        </p:spPr>
+        <p:txBody>
+          <a:bodyPr wrap="square" rtlCol="0">
+            <a:spAutoFit/>
+          </a:bodyPr>
+          <a:lstStyle/>
+          <a:p>
+            <a:pPr algn="ctr"/>
+            <a:r>
+              <a:rPr lang="fr-FR" sz="1100" dirty="0" smtClean="0"/>
+              <a:t>Configurables et extensibles</a:t>
+            </a:r>
+            <a:endParaRPr lang="fr-FR" sz="1100" dirty="0"/>
+          </a:p>
+        </p:txBody>
+      </p:sp>
+    </p:spTree>
+    <p:extLst>
+      <p:ext uri="{BB962C8B-B14F-4D97-AF65-F5344CB8AC3E}">
+        <p14:creationId xmlns:p14="http://schemas.microsoft.com/office/powerpoint/2010/main" val="718735863"/>
+      </p:ext>
+    </p:extLst>
+  </p:cSld>
+  <p:clrMapOvr>
+    <a:masterClrMapping/>
+  </p:clrMapOvr>
+  <mc:AlternateContent xmlns:mc="http://schemas.openxmlformats.org/markup-compatibility/2006" xmlns:p14="http://schemas.microsoft.com/office/powerpoint/2010/main">
+    <mc:Choice Requires="p14">
+      <p:transition p14:dur="250">
+        <p:push/>
+      </p:transition>
+    </mc:Choice>
+    <mc:Fallback xmlns="">
+      <p:transition>
+        <p:push/>
+      </p:transition>
+    </mc:Fallback>
+  </mc:AlternateContent>
+  <p:timing>
+    <p:tnLst>
+      <p:par>
+        <p:cTn id="1" dur="indefinite" restart="never" nodeType="tmRoot">
+          <p:childTnLst>
+            <p:seq concurrent="1" nextAc="seek">
+              <p:cTn id="2" dur="indefinite" nodeType="mainSeq">
+                <p:childTnLst>
+                  <p:par>
+                    <p:cTn id="3" fill="hold">
+                      <p:stCondLst>
+                        <p:cond delay="indefinite"/>
+                      </p:stCondLst>
+                      <p:childTnLst>
+                        <p:par>
+                          <p:cTn id="4" fill="hold">
+                            <p:stCondLst>
+                              <p:cond delay="0"/>
+                            </p:stCondLst>
+                            <p:childTnLst>
+                              <p:par>
+                                <p:cTn id="5" presetID="22" presetClass="entr" presetSubtype="8" fill="hold" grpId="0" nodeType="clickEffect">
+                                  <p:stCondLst>
+                                    <p:cond delay="0"/>
+                                  </p:stCondLst>
+                                  <p:childTnLst>
+                                    <p:set>
+                                      <p:cBhvr>
+                                        <p:cTn id="6" dur="1" fill="hold">
+                                          <p:stCondLst>
+                                            <p:cond delay="0"/>
+                                          </p:stCondLst>
+                                        </p:cTn>
+                                        <p:tgtEl>
+                                          <p:spTgt spid="18"/>
+                                        </p:tgtEl>
+                                        <p:attrNameLst>
+                                          <p:attrName>style.visibility</p:attrName>
+                                        </p:attrNameLst>
+                                      </p:cBhvr>
+                                      <p:to>
+                                        <p:strVal val="visible"/>
+                                      </p:to>
+                                    </p:set>
+                                    <p:animEffect transition="in" filter="wipe(left)">
+                                      <p:cBhvr>
+                                        <p:cTn id="7" dur="250"/>
+                                        <p:tgtEl>
+                                          <p:spTgt spid="18"/>
+                                        </p:tgtEl>
+                                      </p:cBhvr>
+                                    </p:animEffect>
+                                  </p:childTnLst>
+                                </p:cTn>
+                              </p:par>
+                            </p:childTnLst>
+                          </p:cTn>
+                        </p:par>
+                      </p:childTnLst>
+                    </p:cTn>
+                  </p:par>
+                  <p:par>
+                    <p:cTn id="8" fill="hold">
+                      <p:stCondLst>
+                        <p:cond delay="indefinite"/>
+                      </p:stCondLst>
+                      <p:childTnLst>
+                        <p:par>
+                          <p:cTn id="9" fill="hold">
+                            <p:stCondLst>
+                              <p:cond delay="0"/>
+                            </p:stCondLst>
+                            <p:childTnLst>
+                              <p:par>
+                                <p:cTn id="10" presetID="22" presetClass="entr" presetSubtype="2" fill="hold" nodeType="clickEffect">
+                                  <p:stCondLst>
+                                    <p:cond delay="0"/>
+                                  </p:stCondLst>
+                                  <p:childTnLst>
+                                    <p:set>
+                                      <p:cBhvr>
+                                        <p:cTn id="11" dur="1" fill="hold">
+                                          <p:stCondLst>
+                                            <p:cond delay="0"/>
+                                          </p:stCondLst>
+                                        </p:cTn>
+                                        <p:tgtEl>
+                                          <p:spTgt spid="39"/>
+                                        </p:tgtEl>
+                                        <p:attrNameLst>
+                                          <p:attrName>style.visibility</p:attrName>
+                                        </p:attrNameLst>
+                                      </p:cBhvr>
+                                      <p:to>
+                                        <p:strVal val="visible"/>
+                                      </p:to>
+                                    </p:set>
+                                    <p:animEffect transition="in" filter="wipe(right)">
+                                      <p:cBhvr>
+                                        <p:cTn id="12" dur="250"/>
+                                        <p:tgtEl>
+                                          <p:spTgt spid="39"/>
+                                        </p:tgtEl>
+                                      </p:cBhvr>
+                                    </p:animEffect>
+                                  </p:childTnLst>
+                                </p:cTn>
+                              </p:par>
+                              <p:par>
+                                <p:cTn id="13" presetID="10" presetClass="entr" presetSubtype="0" fill="hold" grpId="0" nodeType="withEffect">
+                                  <p:stCondLst>
+                                    <p:cond delay="0"/>
+                                  </p:stCondLst>
+                                  <p:childTnLst>
+                                    <p:set>
+                                      <p:cBhvr>
+                                        <p:cTn id="14" dur="1" fill="hold">
+                                          <p:stCondLst>
+                                            <p:cond delay="0"/>
+                                          </p:stCondLst>
+                                        </p:cTn>
+                                        <p:tgtEl>
+                                          <p:spTgt spid="40"/>
+                                        </p:tgtEl>
+                                        <p:attrNameLst>
+                                          <p:attrName>style.visibility</p:attrName>
+                                        </p:attrNameLst>
+                                      </p:cBhvr>
+                                      <p:to>
+                                        <p:strVal val="visible"/>
+                                      </p:to>
+                                    </p:set>
+                                    <p:animEffect transition="in" filter="fade">
+                                      <p:cBhvr>
+                                        <p:cTn id="15" dur="500"/>
+                                        <p:tgtEl>
+                                          <p:spTgt spid="40"/>
+                                        </p:tgtEl>
+                                      </p:cBhvr>
+                                    </p:animEffect>
+                                  </p:childTnLst>
+                                </p:cTn>
+                              </p:par>
+                              <p:par>
+                                <p:cTn id="16" presetID="10" presetClass="entr" presetSubtype="0" fill="hold" grpId="0" nodeType="withEffect">
+                                  <p:stCondLst>
+                                    <p:cond delay="0"/>
+                                  </p:stCondLst>
+                                  <p:childTnLst>
+                                    <p:set>
+                                      <p:cBhvr>
+                                        <p:cTn id="17" dur="1" fill="hold">
+                                          <p:stCondLst>
+                                            <p:cond delay="0"/>
+                                          </p:stCondLst>
+                                        </p:cTn>
+                                        <p:tgtEl>
+                                          <p:spTgt spid="13"/>
+                                        </p:tgtEl>
+                                        <p:attrNameLst>
+                                          <p:attrName>style.visibility</p:attrName>
+                                        </p:attrNameLst>
+                                      </p:cBhvr>
+                                      <p:to>
+                                        <p:strVal val="visible"/>
+                                      </p:to>
+                                    </p:set>
+                                    <p:animEffect transition="in" filter="fade">
+                                      <p:cBhvr>
+                                        <p:cTn id="18" dur="500"/>
+                                        <p:tgtEl>
+                                          <p:spTgt spid="13"/>
+                                        </p:tgtEl>
+                                      </p:cBhvr>
+                                    </p:animEffect>
+                                  </p:childTnLst>
+                                </p:cTn>
+                              </p:par>
+                            </p:childTnLst>
+                          </p:cTn>
+                        </p:par>
+                      </p:childTnLst>
+                    </p:cTn>
+                  </p:par>
+                  <p:par>
+                    <p:cTn id="19" fill="hold">
+                      <p:stCondLst>
+                        <p:cond delay="indefinite"/>
+                      </p:stCondLst>
+                      <p:childTnLst>
+                        <p:par>
+                          <p:cTn id="20" fill="hold">
+                            <p:stCondLst>
+                              <p:cond delay="0"/>
+                            </p:stCondLst>
+                            <p:childTnLst>
+                              <p:par>
+                                <p:cTn id="21" presetID="22" presetClass="entr" presetSubtype="1" fill="hold" grpId="0" nodeType="clickEffect">
+                                  <p:stCondLst>
+                                    <p:cond delay="0"/>
+                                  </p:stCondLst>
+                                  <p:childTnLst>
+                                    <p:set>
+                                      <p:cBhvr>
+                                        <p:cTn id="22" dur="1" fill="hold">
+                                          <p:stCondLst>
+                                            <p:cond delay="0"/>
+                                          </p:stCondLst>
+                                        </p:cTn>
+                                        <p:tgtEl>
+                                          <p:spTgt spid="31"/>
+                                        </p:tgtEl>
+                                        <p:attrNameLst>
+                                          <p:attrName>style.visibility</p:attrName>
+                                        </p:attrNameLst>
+                                      </p:cBhvr>
+                                      <p:to>
+                                        <p:strVal val="visible"/>
+                                      </p:to>
+                                    </p:set>
+                                    <p:animEffect transition="in" filter="wipe(up)">
+                                      <p:cBhvr>
+                                        <p:cTn id="23" dur="250"/>
+                                        <p:tgtEl>
+                                          <p:spTgt spid="31"/>
+                                        </p:tgtEl>
+                                      </p:cBhvr>
+                                    </p:animEffect>
+                                  </p:childTnLst>
+                                </p:cTn>
+                              </p:par>
+                              <p:par>
+                                <p:cTn id="24" presetID="53" presetClass="entr" presetSubtype="16" fill="hold" nodeType="withEffect">
+                                  <p:stCondLst>
+                                    <p:cond delay="0"/>
+                                  </p:stCondLst>
+                                  <p:childTnLst>
+                                    <p:set>
+                                      <p:cBhvr>
+                                        <p:cTn id="25" dur="1" fill="hold">
+                                          <p:stCondLst>
+                                            <p:cond delay="0"/>
+                                          </p:stCondLst>
+                                        </p:cTn>
+                                        <p:tgtEl>
+                                          <p:spTgt spid="11"/>
+                                        </p:tgtEl>
+                                        <p:attrNameLst>
+                                          <p:attrName>style.visibility</p:attrName>
+                                        </p:attrNameLst>
+                                      </p:cBhvr>
+                                      <p:to>
+                                        <p:strVal val="visible"/>
+                                      </p:to>
+                                    </p:set>
+                                    <p:anim calcmode="lin" valueType="num">
+                                      <p:cBhvr>
+                                        <p:cTn id="26" dur="250" fill="hold"/>
+                                        <p:tgtEl>
+                                          <p:spTgt spid="11"/>
+                                        </p:tgtEl>
+                                        <p:attrNameLst>
+                                          <p:attrName>ppt_w</p:attrName>
+                                        </p:attrNameLst>
+                                      </p:cBhvr>
+                                      <p:tavLst>
+                                        <p:tav tm="0">
+                                          <p:val>
+                                            <p:fltVal val="0"/>
+                                          </p:val>
+                                        </p:tav>
+                                        <p:tav tm="100000">
+                                          <p:val>
+                                            <p:strVal val="#ppt_w"/>
+                                          </p:val>
+                                        </p:tav>
+                                      </p:tavLst>
+                                    </p:anim>
+                                    <p:anim calcmode="lin" valueType="num">
+                                      <p:cBhvr>
+                                        <p:cTn id="27" dur="250" fill="hold"/>
+                                        <p:tgtEl>
+                                          <p:spTgt spid="11"/>
+                                        </p:tgtEl>
+                                        <p:attrNameLst>
+                                          <p:attrName>ppt_h</p:attrName>
+                                        </p:attrNameLst>
+                                      </p:cBhvr>
+                                      <p:tavLst>
+                                        <p:tav tm="0">
+                                          <p:val>
+                                            <p:fltVal val="0"/>
+                                          </p:val>
+                                        </p:tav>
+                                        <p:tav tm="100000">
+                                          <p:val>
+                                            <p:strVal val="#ppt_h"/>
+                                          </p:val>
+                                        </p:tav>
+                                      </p:tavLst>
+                                    </p:anim>
+                                    <p:animEffect transition="in" filter="fade">
+                                      <p:cBhvr>
+                                        <p:cTn id="28" dur="250"/>
+                                        <p:tgtEl>
+                                          <p:spTgt spid="11"/>
+                                        </p:tgtEl>
+                                      </p:cBhvr>
+                                    </p:animEffect>
+                                  </p:childTnLst>
+                                </p:cTn>
+                              </p:par>
+                              <p:par>
+                                <p:cTn id="29" presetID="10" presetClass="entr" presetSubtype="0" fill="hold" nodeType="withEffect">
+                                  <p:stCondLst>
+                                    <p:cond delay="0"/>
+                                  </p:stCondLst>
+                                  <p:childTnLst>
+                                    <p:set>
+                                      <p:cBhvr>
+                                        <p:cTn id="30" dur="1" fill="hold">
+                                          <p:stCondLst>
+                                            <p:cond delay="0"/>
+                                          </p:stCondLst>
+                                        </p:cTn>
+                                        <p:tgtEl>
+                                          <p:spTgt spid="29"/>
+                                        </p:tgtEl>
+                                        <p:attrNameLst>
+                                          <p:attrName>style.visibility</p:attrName>
+                                        </p:attrNameLst>
+                                      </p:cBhvr>
+                                      <p:to>
+                                        <p:strVal val="visible"/>
+                                      </p:to>
+                                    </p:set>
+                                    <p:animEffect transition="in" filter="fade">
+                                      <p:cBhvr>
+                                        <p:cTn id="31" dur="250"/>
+                                        <p:tgtEl>
+                                          <p:spTgt spid="29"/>
+                                        </p:tgtEl>
+                                      </p:cBhvr>
+                                    </p:animEffect>
+                                  </p:childTnLst>
+                                </p:cTn>
+                              </p:par>
+                              <p:par>
+                                <p:cTn id="32" presetID="1" presetClass="mediacall" presetSubtype="0" fill="hold" nodeType="withEffect">
+                                  <p:stCondLst>
+                                    <p:cond delay="0"/>
+                                  </p:stCondLst>
+                                  <p:childTnLst>
+                                    <p:cmd type="call" cmd="playFrom(0.0)">
+                                      <p:cBhvr>
+                                        <p:cTn id="33" dur="1500" fill="hold"/>
+                                        <p:tgtEl>
+                                          <p:spTgt spid="29"/>
+                                        </p:tgtEl>
+                                      </p:cBhvr>
+                                    </p:cmd>
+                                  </p:childTnLst>
+                                </p:cTn>
+                              </p:par>
+                              <p:par>
+                                <p:cTn id="34" presetID="10" presetClass="entr" presetSubtype="0" fill="hold" grpId="0" nodeType="withEffect">
+                                  <p:stCondLst>
+                                    <p:cond delay="0"/>
+                                  </p:stCondLst>
+                                  <p:childTnLst>
+                                    <p:set>
+                                      <p:cBhvr>
+                                        <p:cTn id="35" dur="1" fill="hold">
+                                          <p:stCondLst>
+                                            <p:cond delay="0"/>
+                                          </p:stCondLst>
+                                        </p:cTn>
+                                        <p:tgtEl>
+                                          <p:spTgt spid="32"/>
+                                        </p:tgtEl>
+                                        <p:attrNameLst>
+                                          <p:attrName>style.visibility</p:attrName>
+                                        </p:attrNameLst>
+                                      </p:cBhvr>
+                                      <p:to>
+                                        <p:strVal val="visible"/>
+                                      </p:to>
+                                    </p:set>
+                                    <p:animEffect transition="in" filter="fade">
+                                      <p:cBhvr>
+                                        <p:cTn id="36" dur="500"/>
+                                        <p:tgtEl>
+                                          <p:spTgt spid="32"/>
+                                        </p:tgtEl>
+                                      </p:cBhvr>
+                                    </p:animEffect>
+                                  </p:childTnLst>
+                                </p:cTn>
+                              </p:par>
+                            </p:childTnLst>
+                          </p:cTn>
+                        </p:par>
+                      </p:childTnLst>
+                    </p:cTn>
+                  </p:par>
+                </p:childTnLst>
+              </p:cTn>
+              <p:prevCondLst>
+                <p:cond evt="onPrev" delay="0">
+                  <p:tgtEl>
+                    <p:sldTgt/>
+                  </p:tgtEl>
+                </p:cond>
+              </p:prevCondLst>
+              <p:nextCondLst>
+                <p:cond evt="onNext" delay="0">
+                  <p:tgtEl>
+                    <p:sldTgt/>
+                  </p:tgtEl>
+                </p:cond>
+              </p:nextCondLst>
+            </p:seq>
+            <p:video>
+              <p:cMediaNode vol="80000">
+                <p:cTn id="37" repeatCount="indefinite" fill="hold" display="0">
+                  <p:stCondLst>
+                    <p:cond delay="indefinite"/>
+                  </p:stCondLst>
+                </p:cTn>
+                <p:tgtEl>
+                  <p:spTgt spid="29"/>
+                </p:tgtEl>
+              </p:cMediaNode>
+            </p:video>
+          </p:childTnLst>
+        </p:cTn>
+      </p:par>
+    </p:tnLst>
+    <p:bldLst>
+      <p:bldP spid="18" grpId="0" animBg="1"/>
+      <p:bldP spid="31" grpId="0" animBg="1"/>
+      <p:bldP spid="32" grpId="0"/>
+      <p:bldP spid="13" grpId="0" animBg="1"/>
+      <p:bldP spid="40" grpId="0"/>
+    </p:bldLst>
+  </p:timing>
+</p:sld>
+</file>
+
+<file path=ppt/slides/slide11.xml><?xml version="1.0" encoding="utf-8"?>
+<p:sld xmlns:a="http://schemas.openxmlformats.org/drawingml/2006/main" xmlns:r="http://schemas.openxmlformats.org/officeDocument/2006/relationships" xmlns:p="http://schemas.openxmlformats.org/presentationml/2006/main">
+  <p:cSld>
+    <p:spTree>
+      <p:nvGrpSpPr>
+        <p:cNvPr id="1" name=""/>
+        <p:cNvGrpSpPr/>
+        <p:nvPr/>
+      </p:nvGrpSpPr>
+      <p:grpSpPr>
+        <a:xfrm>
+          <a:off x="0" y="0"/>
+          <a:ext cx="0" cy="0"/>
+          <a:chOff x="0" y="0"/>
+          <a:chExt cx="0" cy="0"/>
+        </a:xfrm>
+      </p:grpSpPr>
+      <p:sp>
+        <p:nvSpPr>
+          <p:cNvPr id="2" name="Titre 1"/>
+          <p:cNvSpPr>
+            <a:spLocks noGrp="1"/>
+          </p:cNvSpPr>
+          <p:nvPr>
+            <p:ph type="title"/>
+          </p:nvPr>
+        </p:nvSpPr>
+        <p:spPr/>
+        <p:txBody>
+          <a:bodyPr/>
+          <a:lstStyle/>
+          <a:p>
+            <a:r>
+              <a:rPr lang="fr-FR" dirty="0" smtClean="0"/>
+              <a:t>Démonstration</a:t>
+            </a:r>
+            <a:endParaRPr lang="fr-FR" dirty="0"/>
+          </a:p>
+        </p:txBody>
+      </p:sp>
+      <p:sp>
+        <p:nvSpPr>
+          <p:cNvPr id="4" name="Espace réservé de la date 3"/>
+          <p:cNvSpPr>
+            <a:spLocks noGrp="1"/>
+          </p:cNvSpPr>
+          <p:nvPr>
+            <p:ph type="dt" sz="half" idx="10"/>
+          </p:nvPr>
+        </p:nvSpPr>
+        <p:spPr/>
+        <p:txBody>
+          <a:bodyPr vert="horz" anchor="ctr"/>
+          <a:lstStyle/>
+          <a:p>
+            <a:pPr algn="r"/>
+            <a:r>
+              <a:rPr lang="fr-FR" smtClean="0">
+                <a:solidFill>
+                  <a:srgbClr val="FF6600"/>
+                </a:solidFill>
+              </a:rPr>
+              <a:t>12 février 2013</a:t>
+            </a:r>
+            <a:endParaRPr lang="fr-FR" dirty="0">
+              <a:solidFill>
+                <a:srgbClr val="FF6600"/>
+              </a:solidFill>
+            </a:endParaRPr>
+          </a:p>
+        </p:txBody>
+      </p:sp>
+      <p:sp>
+        <p:nvSpPr>
+          <p:cNvPr id="5" name="Espace réservé du pied de page 4"/>
+          <p:cNvSpPr>
+            <a:spLocks noGrp="1"/>
+          </p:cNvSpPr>
+          <p:nvPr>
+            <p:ph type="ftr" sz="quarter" idx="11"/>
+          </p:nvPr>
+        </p:nvSpPr>
+        <p:spPr/>
+        <p:txBody>
+          <a:bodyPr/>
+          <a:lstStyle/>
+          <a:p>
+            <a:r>
+              <a:rPr lang="fr-FR" smtClean="0">
+                <a:solidFill>
+                  <a:srgbClr val="FF6600"/>
+                </a:solidFill>
+              </a:rPr>
+              <a:t>Robin Jarry – Surveillance des interfaces logicielles</a:t>
+            </a:r>
+            <a:endParaRPr lang="fr-FR" dirty="0">
+              <a:solidFill>
+                <a:srgbClr val="FF6600"/>
+              </a:solidFill>
+            </a:endParaRPr>
+          </a:p>
+        </p:txBody>
+      </p:sp>
+      <p:sp>
+        <p:nvSpPr>
+          <p:cNvPr id="6" name="Espace réservé du numéro de diapositive 5"/>
+          <p:cNvSpPr>
+            <a:spLocks noGrp="1"/>
+          </p:cNvSpPr>
+          <p:nvPr>
+            <p:ph type="sldNum" sz="quarter" idx="12"/>
+          </p:nvPr>
+        </p:nvSpPr>
+        <p:spPr/>
+        <p:txBody>
+          <a:bodyPr>
+            <a:normAutofit fontScale="85000" lnSpcReduction="20000"/>
+          </a:bodyPr>
+          <a:lstStyle/>
+          <a:p>
+            <a:fld id="{50935222-B196-4F9B-9AEC-1292459A754A}" type="slidenum">
+              <a:rPr lang="fr-FR" smtClean="0"/>
+              <a:pPr/>
+              <a:t>11</a:t>
+            </a:fld>
+            <a:endParaRPr lang="fr-FR"/>
+          </a:p>
+        </p:txBody>
+      </p:sp>
+      <p:pic>
+        <p:nvPicPr>
+          <p:cNvPr id="7" name="Picture 2" descr="d:\Documents and Settings\s0030382\Bureau\iStock_000007402908XSmall.jpg"/>
+          <p:cNvPicPr>
+            <a:picLocks noChangeAspect="1" noChangeArrowheads="1"/>
+          </p:cNvPicPr>
+          <p:nvPr/>
+        </p:nvPicPr>
+        <p:blipFill>
+          <a:blip r:embed="rId2">
+            <a:extLst>
+              <a:ext uri="{28A0092B-C50C-407E-A947-70E740481C1C}">
+                <a14:useLocalDpi xmlns:a14="http://schemas.microsoft.com/office/drawing/2010/main"/>
+              </a:ext>
+            </a:extLst>
+          </a:blip>
+          <a:srcRect/>
+          <a:stretch>
+            <a:fillRect/>
+          </a:stretch>
+        </p:blipFill>
+        <p:spPr bwMode="auto">
+          <a:xfrm>
+            <a:off x="2699792" y="1972862"/>
+            <a:ext cx="3220195" cy="3636101"/>
+          </a:xfrm>
+          <a:prstGeom prst="rect">
+            <a:avLst/>
+          </a:prstGeom>
+          <a:ln>
+            <a:noFill/>
+          </a:ln>
+          <a:effectLst>
+            <a:softEdge rad="112500"/>
+          </a:effectLst>
+          <a:extLst>
+            <a:ext uri="{909E8E84-426E-40DD-AFC4-6F175D3DCCD1}">
+              <a14:hiddenFill xmlns:a14="http://schemas.microsoft.com/office/drawing/2010/main">
+                <a:solidFill>
+                  <a:srgbClr val="FFFFFF"/>
+                </a:solidFill>
+              </a14:hiddenFill>
+            </a:ext>
+          </a:extLst>
+        </p:spPr>
+      </p:pic>
+    </p:spTree>
+    <p:extLst>
+      <p:ext uri="{BB962C8B-B14F-4D97-AF65-F5344CB8AC3E}">
+        <p14:creationId xmlns:p14="http://schemas.microsoft.com/office/powerpoint/2010/main" val="3673932555"/>
+      </p:ext>
+    </p:extLst>
+  </p:cSld>
+  <p:clrMapOvr>
+    <a:masterClrMapping/>
+  </p:clrMapOvr>
+  <mc:AlternateContent xmlns:mc="http://schemas.openxmlformats.org/markup-compatibility/2006" xmlns:p14="http://schemas.microsoft.com/office/powerpoint/2010/main">
+    <mc:Choice Requires="p14">
+      <p:transition p14:dur="250">
+        <p:push/>
+      </p:transition>
+    </mc:Choice>
+    <mc:Fallback xmlns="">
+      <p:transition>
+        <p:push/>
+      </p:transition>
+    </mc:Fallback>
+  </mc:AlternateContent>
+  <p:timing>
+    <p:tnLst>
+      <p:par>
+        <p:cTn id="1" dur="indefinite" restart="never" nodeType="tmRoot"/>
+      </p:par>
+    </p:tnLst>
+  </p:timing>
+</p:sld>
+</file>
+
+<file path=ppt/slides/slide12.xml><?xml version="1.0" encoding="utf-8"?>
+<p:sld xmlns:a="http://schemas.openxmlformats.org/drawingml/2006/main" xmlns:r="http://schemas.openxmlformats.org/officeDocument/2006/relationships" xmlns:p="http://schemas.openxmlformats.org/presentationml/2006/main">
+  <p:cSld>
+    <p:spTree>
+      <p:nvGrpSpPr>
+        <p:cNvPr id="1" name=""/>
+        <p:cNvGrpSpPr/>
+        <p:nvPr/>
+      </p:nvGrpSpPr>
+      <p:grpSpPr>
+        <a:xfrm>
+          <a:off x="0" y="0"/>
+          <a:ext cx="0" cy="0"/>
+          <a:chOff x="0" y="0"/>
+          <a:chExt cx="0" cy="0"/>
+        </a:xfrm>
+      </p:grpSpPr>
+      <p:sp>
+        <p:nvSpPr>
+          <p:cNvPr id="2" name="Titre 1"/>
+          <p:cNvSpPr>
+            <a:spLocks noGrp="1"/>
+          </p:cNvSpPr>
+          <p:nvPr>
+            <p:ph type="title"/>
+          </p:nvPr>
+        </p:nvSpPr>
+        <p:spPr/>
+        <p:txBody>
           <a:bodyPr/>
           <a:lstStyle/>
           <a:p>
@@ -4116,7 +5555,7 @@
           <a:p>
             <a:pPr algn="r"/>
             <a:r>
-              <a:rPr lang="fr-FR" smtClean="0">
+              <a:rPr lang="fr-FR" dirty="0" smtClean="0">
                 <a:solidFill>
                   <a:srgbClr val="FF6600"/>
                 </a:solidFill>
@@ -4182,7 +5621,7 @@
             <a:fld id="{50935222-B196-4F9B-9AEC-1292459A754A}" type="slidenum">
               <a:rPr lang="fr-FR" smtClean="0"/>
               <a:pPr/>
-              <a:t>10</a:t>
+              <a:t>12</a:t>
             </a:fld>
             <a:endParaRPr lang="fr-FR"/>
           </a:p>
@@ -5040,7 +6479,7 @@
 </p:sld>
 </file>
 
-<file path=ppt/slides/slide11.xml><?xml version="1.0" encoding="utf-8"?>
+<file path=ppt/slides/slide13.xml><?xml version="1.0" encoding="utf-8"?>
 <p:sld xmlns:a="http://schemas.openxmlformats.org/drawingml/2006/main" xmlns:r="http://schemas.openxmlformats.org/officeDocument/2006/relationships" xmlns:p="http://schemas.openxmlformats.org/presentationml/2006/main">
   <p:cSld>
     <p:spTree>
@@ -5163,7 +6602,7 @@
             <a:fld id="{50935222-B196-4F9B-9AEC-1292459A754A}" type="slidenum">
               <a:rPr lang="fr-FR" smtClean="0"/>
               <a:pPr/>
-              <a:t>11</a:t>
+              <a:t>13</a:t>
             </a:fld>
             <a:endParaRPr lang="fr-FR"/>
           </a:p>
@@ -5819,7 +7258,7 @@
 </p:sld>
 </file>
 
-<file path=ppt/slides/slide12.xml><?xml version="1.0" encoding="utf-8"?>
+<file path=ppt/slides/slide14.xml><?xml version="1.0" encoding="utf-8"?>
 <p:sld xmlns:a="http://schemas.openxmlformats.org/drawingml/2006/main" xmlns:r="http://schemas.openxmlformats.org/officeDocument/2006/relationships" xmlns:p="http://schemas.openxmlformats.org/presentationml/2006/main">
   <p:cSld>
     <p:spTree>
@@ -6016,7 +7455,7 @@
             <a:fld id="{50935222-B196-4F9B-9AEC-1292459A754A}" type="slidenum">
               <a:rPr lang="fr-FR" smtClean="0"/>
               <a:pPr/>
-              <a:t>12</a:t>
+              <a:t>14</a:t>
             </a:fld>
             <a:endParaRPr lang="fr-FR"/>
           </a:p>
@@ -6587,7 +8026,7 @@
 </p:sld>
 </file>
 
-<file path=ppt/slides/slide13.xml><?xml version="1.0" encoding="utf-8"?>
+<file path=ppt/slides/slide15.xml><?xml version="1.0" encoding="utf-8"?>
 <p:sld xmlns:a="http://schemas.openxmlformats.org/drawingml/2006/main" xmlns:r="http://schemas.openxmlformats.org/officeDocument/2006/relationships" xmlns:p="http://schemas.openxmlformats.org/presentationml/2006/main">
   <p:cSld>
     <p:spTree>
@@ -6917,7 +8356,7 @@
             <a:fld id="{50935222-B196-4F9B-9AEC-1292459A754A}" type="slidenum">
               <a:rPr lang="fr-FR" smtClean="0"/>
               <a:pPr/>
-              <a:t>13</a:t>
+              <a:t>15</a:t>
             </a:fld>
             <a:endParaRPr lang="fr-FR"/>
           </a:p>
@@ -7462,7 +8901,7 @@
 </p:sld>
 </file>
 
-<file path=ppt/slides/slide14.xml><?xml version="1.0" encoding="utf-8"?>
+<file path=ppt/slides/slide16.xml><?xml version="1.0" encoding="utf-8"?>
 <p:sld xmlns:a="http://schemas.openxmlformats.org/drawingml/2006/main" xmlns:r="http://schemas.openxmlformats.org/officeDocument/2006/relationships" xmlns:p="http://schemas.openxmlformats.org/presentationml/2006/main">
   <p:cSld>
     <p:spTree>
@@ -7585,7 +9024,7 @@
             <a:fld id="{50935222-B196-4F9B-9AEC-1292459A754A}" type="slidenum">
               <a:rPr lang="fr-FR" smtClean="0"/>
               <a:pPr/>
-              <a:t>14</a:t>
+              <a:t>16</a:t>
             </a:fld>
             <a:endParaRPr lang="fr-FR"/>
           </a:p>
@@ -15752,7 +17191,7 @@
           <a:p>
             <a:r>
               <a:rPr lang="fr-FR" dirty="0" smtClean="0"/>
-              <a:t>Principe de fonctionnement</a:t>
+              <a:t>Analyse de code source</a:t>
             </a:r>
             <a:endParaRPr lang="fr-FR" dirty="0"/>
           </a:p>
@@ -16390,7 +17829,11 @@
             <a:pPr algn="ctr"/>
             <a:r>
               <a:rPr lang="fr-FR" sz="1100" dirty="0" smtClean="0"/>
-              <a:t>Une implémentation pour chaque langage</a:t>
+              <a:t>Extensible : Une </a:t>
+            </a:r>
+            <a:r>
+              <a:rPr lang="fr-FR" sz="1100" dirty="0" smtClean="0"/>
+              <a:t>implémentation pour chaque langage</a:t>
             </a:r>
             <a:endParaRPr lang="fr-FR" sz="1100" dirty="0"/>
           </a:p>
@@ -17152,6 +18595,790 @@
           <a:chExt cx="0" cy="0"/>
         </a:xfrm>
       </p:grpSpPr>
+      <p:grpSp>
+        <p:nvGrpSpPr>
+          <p:cNvPr id="90" name="Groupe 89"/>
+          <p:cNvGrpSpPr/>
+          <p:nvPr/>
+        </p:nvGrpSpPr>
+        <p:grpSpPr>
+          <a:xfrm>
+            <a:off x="1803148" y="4071770"/>
+            <a:ext cx="2170089" cy="809764"/>
+            <a:chOff x="1803148" y="3957536"/>
+            <a:chExt cx="2170089" cy="949398"/>
+          </a:xfrm>
+        </p:grpSpPr>
+        <p:cxnSp>
+          <p:nvCxnSpPr>
+            <p:cNvPr id="51" name="Connecteur droit avec flèche 50"/>
+            <p:cNvCxnSpPr>
+              <a:stCxn id="87" idx="0"/>
+              <a:endCxn id="33" idx="1"/>
+            </p:cNvCxnSpPr>
+            <p:nvPr/>
+          </p:nvCxnSpPr>
+          <p:spPr>
+            <a:xfrm rot="5400000" flipH="1" flipV="1">
+              <a:off x="2542107" y="3273647"/>
+              <a:ext cx="747241" cy="2115019"/>
+            </a:xfrm>
+            <a:prstGeom prst="curvedConnector2">
+              <a:avLst/>
+            </a:prstGeom>
+            <a:ln w="12700">
+              <a:solidFill>
+                <a:schemeClr val="bg1">
+                  <a:lumMod val="65000"/>
+                </a:schemeClr>
+              </a:solidFill>
+              <a:tailEnd type="stealth" w="lg" len="lg"/>
+            </a:ln>
+          </p:spPr>
+          <p:style>
+            <a:lnRef idx="1">
+              <a:schemeClr val="dk1"/>
+            </a:lnRef>
+            <a:fillRef idx="0">
+              <a:schemeClr val="dk1"/>
+            </a:fillRef>
+            <a:effectRef idx="0">
+              <a:schemeClr val="dk1"/>
+            </a:effectRef>
+            <a:fontRef idx="minor">
+              <a:schemeClr val="tx1"/>
+            </a:fontRef>
+          </p:style>
+        </p:cxnSp>
+        <p:sp>
+          <p:nvSpPr>
+            <p:cNvPr id="87" name="Losange 86"/>
+            <p:cNvSpPr/>
+            <p:nvPr/>
+          </p:nvSpPr>
+          <p:spPr>
+            <a:xfrm>
+              <a:off x="1803148" y="4704776"/>
+              <a:ext cx="110142" cy="202158"/>
+            </a:xfrm>
+            <a:prstGeom prst="diamond">
+              <a:avLst/>
+            </a:prstGeom>
+            <a:solidFill>
+              <a:schemeClr val="bg1"/>
+            </a:solidFill>
+            <a:ln w="12700">
+              <a:solidFill>
+                <a:schemeClr val="bg1">
+                  <a:lumMod val="65000"/>
+                </a:schemeClr>
+              </a:solidFill>
+            </a:ln>
+          </p:spPr>
+          <p:style>
+            <a:lnRef idx="2">
+              <a:schemeClr val="dk1">
+                <a:shade val="50000"/>
+              </a:schemeClr>
+            </a:lnRef>
+            <a:fillRef idx="1">
+              <a:schemeClr val="dk1"/>
+            </a:fillRef>
+            <a:effectRef idx="0">
+              <a:schemeClr val="dk1"/>
+            </a:effectRef>
+            <a:fontRef idx="minor">
+              <a:schemeClr val="lt1"/>
+            </a:fontRef>
+          </p:style>
+          <p:txBody>
+            <a:bodyPr rtlCol="0" anchor="ctr"/>
+            <a:lstStyle/>
+            <a:p>
+              <a:pPr algn="ctr"/>
+              <a:endParaRPr lang="fr-FR" dirty="0" smtClean="0"/>
+            </a:p>
+          </p:txBody>
+        </p:sp>
+      </p:grpSp>
+      <p:grpSp>
+        <p:nvGrpSpPr>
+          <p:cNvPr id="98" name="Groupe 97"/>
+          <p:cNvGrpSpPr/>
+          <p:nvPr/>
+        </p:nvGrpSpPr>
+        <p:grpSpPr>
+          <a:xfrm flipV="1">
+            <a:off x="1803148" y="3486947"/>
+            <a:ext cx="2170091" cy="459851"/>
+            <a:chOff x="1803148" y="4534066"/>
+            <a:chExt cx="2170091" cy="370307"/>
+          </a:xfrm>
+        </p:grpSpPr>
+        <p:cxnSp>
+          <p:nvCxnSpPr>
+            <p:cNvPr id="99" name="Connecteur droit avec flèche 50"/>
+            <p:cNvCxnSpPr>
+              <a:stCxn id="100" idx="0"/>
+            </p:cNvCxnSpPr>
+            <p:nvPr/>
+          </p:nvCxnSpPr>
+          <p:spPr>
+            <a:xfrm rot="5400000" flipH="1" flipV="1">
+              <a:off x="2799760" y="3592524"/>
+              <a:ext cx="231937" cy="2115021"/>
+            </a:xfrm>
+            <a:prstGeom prst="curvedConnector2">
+              <a:avLst/>
+            </a:prstGeom>
+            <a:ln w="12700">
+              <a:solidFill>
+                <a:schemeClr val="bg1">
+                  <a:lumMod val="65000"/>
+                </a:schemeClr>
+              </a:solidFill>
+              <a:tailEnd type="stealth" w="lg" len="lg"/>
+            </a:ln>
+          </p:spPr>
+          <p:style>
+            <a:lnRef idx="1">
+              <a:schemeClr val="dk1"/>
+            </a:lnRef>
+            <a:fillRef idx="0">
+              <a:schemeClr val="dk1"/>
+            </a:fillRef>
+            <a:effectRef idx="0">
+              <a:schemeClr val="dk1"/>
+            </a:effectRef>
+            <a:fontRef idx="minor">
+              <a:schemeClr val="tx1"/>
+            </a:fontRef>
+          </p:style>
+        </p:cxnSp>
+        <p:sp>
+          <p:nvSpPr>
+            <p:cNvPr id="100" name="Losange 99"/>
+            <p:cNvSpPr/>
+            <p:nvPr/>
+          </p:nvSpPr>
+          <p:spPr>
+            <a:xfrm>
+              <a:off x="1803148" y="4766003"/>
+              <a:ext cx="110142" cy="138370"/>
+            </a:xfrm>
+            <a:prstGeom prst="diamond">
+              <a:avLst/>
+            </a:prstGeom>
+            <a:solidFill>
+              <a:schemeClr val="bg1"/>
+            </a:solidFill>
+            <a:ln w="12700">
+              <a:solidFill>
+                <a:schemeClr val="bg1">
+                  <a:lumMod val="65000"/>
+                </a:schemeClr>
+              </a:solidFill>
+            </a:ln>
+          </p:spPr>
+          <p:style>
+            <a:lnRef idx="2">
+              <a:schemeClr val="dk1">
+                <a:shade val="50000"/>
+              </a:schemeClr>
+            </a:lnRef>
+            <a:fillRef idx="1">
+              <a:schemeClr val="dk1"/>
+            </a:fillRef>
+            <a:effectRef idx="0">
+              <a:schemeClr val="dk1"/>
+            </a:effectRef>
+            <a:fontRef idx="minor">
+              <a:schemeClr val="lt1"/>
+            </a:fontRef>
+          </p:style>
+          <p:txBody>
+            <a:bodyPr rtlCol="0" anchor="ctr"/>
+            <a:lstStyle/>
+            <a:p>
+              <a:pPr algn="ctr"/>
+              <a:endParaRPr lang="fr-FR" dirty="0" smtClean="0"/>
+            </a:p>
+          </p:txBody>
+        </p:sp>
+      </p:grpSp>
+      <p:grpSp>
+        <p:nvGrpSpPr>
+          <p:cNvPr id="112" name="Groupe 111"/>
+          <p:cNvGrpSpPr/>
+          <p:nvPr/>
+        </p:nvGrpSpPr>
+        <p:grpSpPr>
+          <a:xfrm>
+            <a:off x="6009367" y="5442149"/>
+            <a:ext cx="1596448" cy="485576"/>
+            <a:chOff x="5977617" y="5419924"/>
+            <a:chExt cx="1596448" cy="485576"/>
+          </a:xfrm>
+        </p:grpSpPr>
+        <p:sp>
+          <p:nvSpPr>
+            <p:cNvPr id="107" name="Losange 106"/>
+            <p:cNvSpPr/>
+            <p:nvPr/>
+          </p:nvSpPr>
+          <p:spPr>
+            <a:xfrm>
+              <a:off x="5977617" y="5794343"/>
+              <a:ext cx="176235" cy="111157"/>
+            </a:xfrm>
+            <a:prstGeom prst="diamond">
+              <a:avLst/>
+            </a:prstGeom>
+            <a:solidFill>
+              <a:schemeClr val="bg1"/>
+            </a:solidFill>
+            <a:ln w="12700">
+              <a:solidFill>
+                <a:schemeClr val="bg1">
+                  <a:lumMod val="65000"/>
+                </a:schemeClr>
+              </a:solidFill>
+            </a:ln>
+          </p:spPr>
+          <p:style>
+            <a:lnRef idx="2">
+              <a:schemeClr val="dk1">
+                <a:shade val="50000"/>
+              </a:schemeClr>
+            </a:lnRef>
+            <a:fillRef idx="1">
+              <a:schemeClr val="dk1"/>
+            </a:fillRef>
+            <a:effectRef idx="0">
+              <a:schemeClr val="dk1"/>
+            </a:effectRef>
+            <a:fontRef idx="minor">
+              <a:schemeClr val="lt1"/>
+            </a:fontRef>
+          </p:style>
+          <p:txBody>
+            <a:bodyPr rtlCol="0" anchor="ctr"/>
+            <a:lstStyle/>
+            <a:p>
+              <a:pPr algn="ctr"/>
+              <a:endParaRPr lang="fr-FR" dirty="0" smtClean="0"/>
+            </a:p>
+          </p:txBody>
+        </p:sp>
+        <p:cxnSp>
+          <p:nvCxnSpPr>
+            <p:cNvPr id="108" name="Connecteur droit avec flèche 50"/>
+            <p:cNvCxnSpPr>
+              <a:stCxn id="107" idx="3"/>
+              <a:endCxn id="43" idx="2"/>
+            </p:cNvCxnSpPr>
+            <p:nvPr/>
+          </p:nvCxnSpPr>
+          <p:spPr>
+            <a:xfrm flipV="1">
+              <a:off x="6153852" y="5419924"/>
+              <a:ext cx="1420213" cy="429998"/>
+            </a:xfrm>
+            <a:prstGeom prst="curvedConnector2">
+              <a:avLst/>
+            </a:prstGeom>
+            <a:ln w="12700">
+              <a:solidFill>
+                <a:schemeClr val="bg1">
+                  <a:lumMod val="65000"/>
+                </a:schemeClr>
+              </a:solidFill>
+              <a:tailEnd type="stealth" w="lg" len="lg"/>
+            </a:ln>
+          </p:spPr>
+          <p:style>
+            <a:lnRef idx="1">
+              <a:schemeClr val="dk1"/>
+            </a:lnRef>
+            <a:fillRef idx="0">
+              <a:schemeClr val="dk1"/>
+            </a:fillRef>
+            <a:effectRef idx="0">
+              <a:schemeClr val="dk1"/>
+            </a:effectRef>
+            <a:fontRef idx="minor">
+              <a:schemeClr val="tx1"/>
+            </a:fontRef>
+          </p:style>
+        </p:cxnSp>
+      </p:grpSp>
+      <p:grpSp>
+        <p:nvGrpSpPr>
+          <p:cNvPr id="72" name="Groupe 71"/>
+          <p:cNvGrpSpPr/>
+          <p:nvPr/>
+        </p:nvGrpSpPr>
+        <p:grpSpPr>
+          <a:xfrm rot="16872863">
+            <a:off x="4456110" y="4614365"/>
+            <a:ext cx="910992" cy="180020"/>
+            <a:chOff x="1320748" y="1826822"/>
+            <a:chExt cx="910992" cy="180020"/>
+          </a:xfrm>
+        </p:grpSpPr>
+        <p:cxnSp>
+          <p:nvCxnSpPr>
+            <p:cNvPr id="73" name="Connecteur droit 72"/>
+            <p:cNvCxnSpPr/>
+            <p:nvPr/>
+          </p:nvCxnSpPr>
+          <p:spPr>
+            <a:xfrm rot="4727137" flipV="1">
+              <a:off x="1610946" y="1554869"/>
+              <a:ext cx="143531" cy="723927"/>
+            </a:xfrm>
+            <a:prstGeom prst="line">
+              <a:avLst/>
+            </a:prstGeom>
+            <a:ln w="12700">
+              <a:solidFill>
+                <a:srgbClr val="2FA1FF"/>
+              </a:solidFill>
+            </a:ln>
+          </p:spPr>
+          <p:style>
+            <a:lnRef idx="1">
+              <a:schemeClr val="accent1"/>
+            </a:lnRef>
+            <a:fillRef idx="0">
+              <a:schemeClr val="accent1"/>
+            </a:fillRef>
+            <a:effectRef idx="0">
+              <a:schemeClr val="accent1"/>
+            </a:effectRef>
+            <a:fontRef idx="minor">
+              <a:schemeClr val="tx1"/>
+            </a:fontRef>
+          </p:style>
+        </p:cxnSp>
+        <p:sp>
+          <p:nvSpPr>
+            <p:cNvPr id="74" name="Triangle isocèle 73"/>
+            <p:cNvSpPr/>
+            <p:nvPr/>
+          </p:nvSpPr>
+          <p:spPr>
+            <a:xfrm rot="5400000">
+              <a:off x="2051720" y="1826822"/>
+              <a:ext cx="180020" cy="180020"/>
+            </a:xfrm>
+            <a:prstGeom prst="triangle">
+              <a:avLst/>
+            </a:prstGeom>
+            <a:ln w="12700">
+              <a:solidFill>
+                <a:srgbClr val="2FA1FF"/>
+              </a:solidFill>
+            </a:ln>
+          </p:spPr>
+          <p:style>
+            <a:lnRef idx="2">
+              <a:schemeClr val="dk1"/>
+            </a:lnRef>
+            <a:fillRef idx="1">
+              <a:schemeClr val="lt1"/>
+            </a:fillRef>
+            <a:effectRef idx="0">
+              <a:schemeClr val="dk1"/>
+            </a:effectRef>
+            <a:fontRef idx="minor">
+              <a:schemeClr val="dk1"/>
+            </a:fontRef>
+          </p:style>
+          <p:txBody>
+            <a:bodyPr rtlCol="0" anchor="ctr"/>
+            <a:lstStyle/>
+            <a:p>
+              <a:pPr algn="ctr"/>
+              <a:endParaRPr lang="fr-FR" dirty="0" smtClean="0"/>
+            </a:p>
+          </p:txBody>
+        </p:sp>
+      </p:grpSp>
+      <p:grpSp>
+        <p:nvGrpSpPr>
+          <p:cNvPr id="78" name="Groupe 77"/>
+          <p:cNvGrpSpPr/>
+          <p:nvPr/>
+        </p:nvGrpSpPr>
+        <p:grpSpPr>
+          <a:xfrm rot="19791340">
+            <a:off x="2630395" y="4222722"/>
+            <a:ext cx="1391749" cy="652637"/>
+            <a:chOff x="839991" y="1590513"/>
+            <a:chExt cx="1391749" cy="652637"/>
+          </a:xfrm>
+        </p:grpSpPr>
+        <p:cxnSp>
+          <p:nvCxnSpPr>
+            <p:cNvPr id="79" name="Connecteur droit 78"/>
+            <p:cNvCxnSpPr/>
+            <p:nvPr/>
+          </p:nvCxnSpPr>
+          <p:spPr>
+            <a:xfrm rot="1808660" flipV="1">
+              <a:off x="839991" y="1590513"/>
+              <a:ext cx="1123852" cy="652637"/>
+            </a:xfrm>
+            <a:prstGeom prst="line">
+              <a:avLst/>
+            </a:prstGeom>
+            <a:ln w="12700">
+              <a:solidFill>
+                <a:srgbClr val="2FA1FF"/>
+              </a:solidFill>
+            </a:ln>
+          </p:spPr>
+          <p:style>
+            <a:lnRef idx="1">
+              <a:schemeClr val="accent1"/>
+            </a:lnRef>
+            <a:fillRef idx="0">
+              <a:schemeClr val="accent1"/>
+            </a:fillRef>
+            <a:effectRef idx="0">
+              <a:schemeClr val="accent1"/>
+            </a:effectRef>
+            <a:fontRef idx="minor">
+              <a:schemeClr val="tx1"/>
+            </a:fontRef>
+          </p:style>
+        </p:cxnSp>
+        <p:sp>
+          <p:nvSpPr>
+            <p:cNvPr id="80" name="Triangle isocèle 79"/>
+            <p:cNvSpPr/>
+            <p:nvPr/>
+          </p:nvSpPr>
+          <p:spPr>
+            <a:xfrm rot="5400000">
+              <a:off x="2051720" y="1826822"/>
+              <a:ext cx="180020" cy="180020"/>
+            </a:xfrm>
+            <a:prstGeom prst="triangle">
+              <a:avLst/>
+            </a:prstGeom>
+            <a:ln w="12700">
+              <a:solidFill>
+                <a:srgbClr val="2FA1FF"/>
+              </a:solidFill>
+            </a:ln>
+          </p:spPr>
+          <p:style>
+            <a:lnRef idx="2">
+              <a:schemeClr val="dk1"/>
+            </a:lnRef>
+            <a:fillRef idx="1">
+              <a:schemeClr val="lt1"/>
+            </a:fillRef>
+            <a:effectRef idx="0">
+              <a:schemeClr val="dk1"/>
+            </a:effectRef>
+            <a:fontRef idx="minor">
+              <a:schemeClr val="dk1"/>
+            </a:fontRef>
+          </p:style>
+          <p:txBody>
+            <a:bodyPr rtlCol="0" anchor="ctr"/>
+            <a:lstStyle/>
+            <a:p>
+              <a:pPr algn="ctr"/>
+              <a:endParaRPr lang="fr-FR" dirty="0" smtClean="0"/>
+            </a:p>
+          </p:txBody>
+        </p:sp>
+      </p:grpSp>
+      <p:grpSp>
+        <p:nvGrpSpPr>
+          <p:cNvPr id="69" name="Groupe 68"/>
+          <p:cNvGrpSpPr/>
+          <p:nvPr/>
+        </p:nvGrpSpPr>
+        <p:grpSpPr>
+          <a:xfrm rot="12850716">
+            <a:off x="5822883" y="4264326"/>
+            <a:ext cx="988660" cy="544339"/>
+            <a:chOff x="653791" y="1641765"/>
+            <a:chExt cx="1577950" cy="544339"/>
+          </a:xfrm>
+        </p:grpSpPr>
+        <p:cxnSp>
+          <p:nvCxnSpPr>
+            <p:cNvPr id="70" name="Connecteur droit 69"/>
+            <p:cNvCxnSpPr/>
+            <p:nvPr/>
+          </p:nvCxnSpPr>
+          <p:spPr>
+            <a:xfrm rot="8749284" flipH="1" flipV="1">
+              <a:off x="653791" y="1641765"/>
+              <a:ext cx="1262959" cy="544339"/>
+            </a:xfrm>
+            <a:prstGeom prst="line">
+              <a:avLst/>
+            </a:prstGeom>
+            <a:ln w="12700">
+              <a:solidFill>
+                <a:srgbClr val="2FA1FF"/>
+              </a:solidFill>
+            </a:ln>
+          </p:spPr>
+          <p:style>
+            <a:lnRef idx="1">
+              <a:schemeClr val="accent1"/>
+            </a:lnRef>
+            <a:fillRef idx="0">
+              <a:schemeClr val="accent1"/>
+            </a:fillRef>
+            <a:effectRef idx="0">
+              <a:schemeClr val="accent1"/>
+            </a:effectRef>
+            <a:fontRef idx="minor">
+              <a:schemeClr val="tx1"/>
+            </a:fontRef>
+          </p:style>
+        </p:cxnSp>
+        <p:sp>
+          <p:nvSpPr>
+            <p:cNvPr id="71" name="Triangle isocèle 70"/>
+            <p:cNvSpPr/>
+            <p:nvPr/>
+          </p:nvSpPr>
+          <p:spPr>
+            <a:xfrm rot="5400000">
+              <a:off x="2018932" y="1794032"/>
+              <a:ext cx="180020" cy="245599"/>
+            </a:xfrm>
+            <a:prstGeom prst="triangle">
+              <a:avLst/>
+            </a:prstGeom>
+            <a:ln w="12700">
+              <a:solidFill>
+                <a:srgbClr val="2FA1FF"/>
+              </a:solidFill>
+            </a:ln>
+          </p:spPr>
+          <p:style>
+            <a:lnRef idx="2">
+              <a:schemeClr val="dk1"/>
+            </a:lnRef>
+            <a:fillRef idx="1">
+              <a:schemeClr val="lt1"/>
+            </a:fillRef>
+            <a:effectRef idx="0">
+              <a:schemeClr val="dk1"/>
+            </a:effectRef>
+            <a:fontRef idx="minor">
+              <a:schemeClr val="dk1"/>
+            </a:fontRef>
+          </p:style>
+          <p:txBody>
+            <a:bodyPr rtlCol="0" anchor="ctr"/>
+            <a:lstStyle/>
+            <a:p>
+              <a:pPr algn="ctr"/>
+              <a:endParaRPr lang="fr-FR" dirty="0" smtClean="0"/>
+            </a:p>
+          </p:txBody>
+        </p:sp>
+      </p:grpSp>
+      <p:grpSp>
+        <p:nvGrpSpPr>
+          <p:cNvPr id="75" name="Groupe 74"/>
+          <p:cNvGrpSpPr/>
+          <p:nvPr/>
+        </p:nvGrpSpPr>
+        <p:grpSpPr>
+          <a:xfrm rot="15098247">
+            <a:off x="4325798" y="2972401"/>
+            <a:ext cx="1099040" cy="294424"/>
+            <a:chOff x="1132700" y="1768292"/>
+            <a:chExt cx="1099040" cy="294424"/>
+          </a:xfrm>
+        </p:grpSpPr>
+        <p:cxnSp>
+          <p:nvCxnSpPr>
+            <p:cNvPr id="76" name="Connecteur droit 75"/>
+            <p:cNvCxnSpPr/>
+            <p:nvPr/>
+          </p:nvCxnSpPr>
+          <p:spPr>
+            <a:xfrm rot="6501753" flipH="1" flipV="1">
+              <a:off x="1433208" y="1467784"/>
+              <a:ext cx="294424" cy="895440"/>
+            </a:xfrm>
+            <a:prstGeom prst="line">
+              <a:avLst/>
+            </a:prstGeom>
+            <a:ln w="12700">
+              <a:solidFill>
+                <a:srgbClr val="2FA1FF"/>
+              </a:solidFill>
+            </a:ln>
+          </p:spPr>
+          <p:style>
+            <a:lnRef idx="1">
+              <a:schemeClr val="accent1"/>
+            </a:lnRef>
+            <a:fillRef idx="0">
+              <a:schemeClr val="accent1"/>
+            </a:fillRef>
+            <a:effectRef idx="0">
+              <a:schemeClr val="accent1"/>
+            </a:effectRef>
+            <a:fontRef idx="minor">
+              <a:schemeClr val="tx1"/>
+            </a:fontRef>
+          </p:style>
+        </p:cxnSp>
+        <p:sp>
+          <p:nvSpPr>
+            <p:cNvPr id="77" name="Triangle isocèle 76"/>
+            <p:cNvSpPr/>
+            <p:nvPr/>
+          </p:nvSpPr>
+          <p:spPr>
+            <a:xfrm rot="5400000">
+              <a:off x="2051720" y="1826822"/>
+              <a:ext cx="180020" cy="180020"/>
+            </a:xfrm>
+            <a:prstGeom prst="triangle">
+              <a:avLst/>
+            </a:prstGeom>
+            <a:ln w="12700">
+              <a:solidFill>
+                <a:srgbClr val="2FA1FF"/>
+              </a:solidFill>
+            </a:ln>
+          </p:spPr>
+          <p:style>
+            <a:lnRef idx="2">
+              <a:schemeClr val="dk1"/>
+            </a:lnRef>
+            <a:fillRef idx="1">
+              <a:schemeClr val="lt1"/>
+            </a:fillRef>
+            <a:effectRef idx="0">
+              <a:schemeClr val="dk1"/>
+            </a:effectRef>
+            <a:fontRef idx="minor">
+              <a:schemeClr val="dk1"/>
+            </a:fontRef>
+          </p:style>
+          <p:txBody>
+            <a:bodyPr rtlCol="0" anchor="ctr"/>
+            <a:lstStyle/>
+            <a:p>
+              <a:pPr algn="ctr"/>
+              <a:endParaRPr lang="fr-FR" dirty="0" smtClean="0"/>
+            </a:p>
+          </p:txBody>
+        </p:sp>
+      </p:grpSp>
+      <p:grpSp>
+        <p:nvGrpSpPr>
+          <p:cNvPr id="47" name="Groupe 46"/>
+          <p:cNvGrpSpPr/>
+          <p:nvPr/>
+        </p:nvGrpSpPr>
+        <p:grpSpPr>
+          <a:xfrm rot="19678427">
+            <a:off x="3042640" y="2388744"/>
+            <a:ext cx="656323" cy="296660"/>
+            <a:chOff x="1575417" y="1780138"/>
+            <a:chExt cx="656323" cy="296660"/>
+          </a:xfrm>
+        </p:grpSpPr>
+        <p:cxnSp>
+          <p:nvCxnSpPr>
+            <p:cNvPr id="45" name="Connecteur droit 44"/>
+            <p:cNvCxnSpPr>
+              <a:stCxn id="29" idx="3"/>
+            </p:cNvCxnSpPr>
+            <p:nvPr/>
+          </p:nvCxnSpPr>
+          <p:spPr>
+            <a:xfrm rot="1921573" flipV="1">
+              <a:off x="1575417" y="1780138"/>
+              <a:ext cx="430394" cy="296660"/>
+            </a:xfrm>
+            <a:prstGeom prst="line">
+              <a:avLst/>
+            </a:prstGeom>
+            <a:ln w="12700">
+              <a:solidFill>
+                <a:srgbClr val="2FA1FF"/>
+              </a:solidFill>
+            </a:ln>
+          </p:spPr>
+          <p:style>
+            <a:lnRef idx="1">
+              <a:schemeClr val="accent1"/>
+            </a:lnRef>
+            <a:fillRef idx="0">
+              <a:schemeClr val="accent1"/>
+            </a:fillRef>
+            <a:effectRef idx="0">
+              <a:schemeClr val="accent1"/>
+            </a:effectRef>
+            <a:fontRef idx="minor">
+              <a:schemeClr val="tx1"/>
+            </a:fontRef>
+          </p:style>
+        </p:cxnSp>
+        <p:sp>
+          <p:nvSpPr>
+            <p:cNvPr id="46" name="Triangle isocèle 45"/>
+            <p:cNvSpPr/>
+            <p:nvPr/>
+          </p:nvSpPr>
+          <p:spPr>
+            <a:xfrm rot="5400000">
+              <a:off x="2051720" y="1826822"/>
+              <a:ext cx="180020" cy="180020"/>
+            </a:xfrm>
+            <a:prstGeom prst="triangle">
+              <a:avLst/>
+            </a:prstGeom>
+            <a:ln w="12700">
+              <a:solidFill>
+                <a:srgbClr val="2FA1FF"/>
+              </a:solidFill>
+            </a:ln>
+          </p:spPr>
+          <p:style>
+            <a:lnRef idx="2">
+              <a:schemeClr val="dk1"/>
+            </a:lnRef>
+            <a:fillRef idx="1">
+              <a:schemeClr val="lt1"/>
+            </a:fillRef>
+            <a:effectRef idx="0">
+              <a:schemeClr val="dk1"/>
+            </a:effectRef>
+            <a:fontRef idx="minor">
+              <a:schemeClr val="dk1"/>
+            </a:fontRef>
+          </p:style>
+          <p:txBody>
+            <a:bodyPr rtlCol="0" anchor="ctr"/>
+            <a:lstStyle/>
+            <a:p>
+              <a:pPr algn="ctr"/>
+              <a:endParaRPr lang="fr-FR" dirty="0" smtClean="0"/>
+            </a:p>
+          </p:txBody>
+        </p:sp>
+      </p:grpSp>
       <p:sp>
         <p:nvSpPr>
           <p:cNvPr id="2" name="Titre 1"/>
@@ -17171,7 +19398,7 @@
           <a:p>
             <a:r>
               <a:rPr lang="fr-FR" dirty="0" smtClean="0"/>
-              <a:t>Principe de fonctionnement</a:t>
+              <a:t>Modélisation d’une API</a:t>
             </a:r>
             <a:endParaRPr lang="fr-FR" dirty="0"/>
           </a:p>
@@ -17229,6 +19456,1659 @@
               <a:rPr lang="fr-FR" smtClean="0"/>
               <a:pPr/>
               <a:t>8</a:t>
+            </a:fld>
+            <a:endParaRPr lang="fr-FR"/>
+          </a:p>
+        </p:txBody>
+      </p:sp>
+      <p:sp>
+        <p:nvSpPr>
+          <p:cNvPr id="6" name="Espace réservé de la date 5"/>
+          <p:cNvSpPr>
+            <a:spLocks noGrp="1"/>
+          </p:cNvSpPr>
+          <p:nvPr>
+            <p:ph type="dt" sz="half" idx="10"/>
+          </p:nvPr>
+        </p:nvSpPr>
+        <p:spPr/>
+        <p:txBody>
+          <a:bodyPr vert="horz" anchor="ctr"/>
+          <a:lstStyle/>
+          <a:p>
+            <a:pPr algn="r"/>
+            <a:r>
+              <a:rPr lang="fr-FR" smtClean="0">
+                <a:solidFill>
+                  <a:srgbClr val="FF6600"/>
+                </a:solidFill>
+              </a:rPr>
+              <a:t>12 février 2013</a:t>
+            </a:r>
+            <a:endParaRPr lang="fr-FR" dirty="0">
+              <a:solidFill>
+                <a:srgbClr val="FF6600"/>
+              </a:solidFill>
+            </a:endParaRPr>
+          </a:p>
+        </p:txBody>
+      </p:sp>
+      <p:grpSp>
+        <p:nvGrpSpPr>
+          <p:cNvPr id="10" name="Groupe 9"/>
+          <p:cNvGrpSpPr/>
+          <p:nvPr/>
+        </p:nvGrpSpPr>
+        <p:grpSpPr>
+          <a:xfrm>
+            <a:off x="3707904" y="1700808"/>
+            <a:ext cx="2106234" cy="864096"/>
+            <a:chOff x="1187624" y="1988840"/>
+            <a:chExt cx="2160240" cy="864096"/>
+          </a:xfrm>
+          <a:effectLst>
+            <a:outerShdw blurRad="50800" dist="38100" dir="2700000" algn="tl" rotWithShape="0">
+              <a:prstClr val="black">
+                <a:alpha val="18000"/>
+              </a:prstClr>
+            </a:outerShdw>
+          </a:effectLst>
+        </p:grpSpPr>
+        <p:sp>
+          <p:nvSpPr>
+            <p:cNvPr id="8" name="Rectangle 7"/>
+            <p:cNvSpPr/>
+            <p:nvPr/>
+          </p:nvSpPr>
+          <p:spPr>
+            <a:xfrm>
+              <a:off x="1187624" y="1988840"/>
+              <a:ext cx="2160240" cy="288032"/>
+            </a:xfrm>
+            <a:prstGeom prst="rect">
+              <a:avLst/>
+            </a:prstGeom>
+          </p:spPr>
+          <p:style>
+            <a:lnRef idx="2">
+              <a:schemeClr val="accent1"/>
+            </a:lnRef>
+            <a:fillRef idx="1">
+              <a:schemeClr val="lt1"/>
+            </a:fillRef>
+            <a:effectRef idx="0">
+              <a:schemeClr val="accent1"/>
+            </a:effectRef>
+            <a:fontRef idx="minor">
+              <a:schemeClr val="dk1"/>
+            </a:fontRef>
+          </p:style>
+          <p:txBody>
+            <a:bodyPr rtlCol="0" anchor="ctr"/>
+            <a:lstStyle/>
+            <a:p>
+              <a:pPr algn="ctr"/>
+              <a:r>
+                <a:rPr lang="fr-FR" sz="1400" b="1" dirty="0" err="1" smtClean="0">
+                  <a:latin typeface="Courier New" pitchFamily="49" charset="0"/>
+                  <a:cs typeface="Courier New" pitchFamily="49" charset="0"/>
+                </a:rPr>
+                <a:t>APIElement</a:t>
+              </a:r>
+              <a:endParaRPr lang="fr-FR" sz="1400" b="1" dirty="0" smtClean="0">
+                <a:latin typeface="Courier New" pitchFamily="49" charset="0"/>
+                <a:cs typeface="Courier New" pitchFamily="49" charset="0"/>
+              </a:endParaRPr>
+            </a:p>
+          </p:txBody>
+        </p:sp>
+        <p:sp>
+          <p:nvSpPr>
+            <p:cNvPr id="26" name="Rectangle 25"/>
+            <p:cNvSpPr/>
+            <p:nvPr/>
+          </p:nvSpPr>
+          <p:spPr>
+            <a:xfrm>
+              <a:off x="1187624" y="2276872"/>
+              <a:ext cx="2160240" cy="576064"/>
+            </a:xfrm>
+            <a:prstGeom prst="rect">
+              <a:avLst/>
+            </a:prstGeom>
+          </p:spPr>
+          <p:style>
+            <a:lnRef idx="2">
+              <a:schemeClr val="accent1"/>
+            </a:lnRef>
+            <a:fillRef idx="1">
+              <a:schemeClr val="lt1"/>
+            </a:fillRef>
+            <a:effectRef idx="0">
+              <a:schemeClr val="accent1"/>
+            </a:effectRef>
+            <a:fontRef idx="minor">
+              <a:schemeClr val="dk1"/>
+            </a:fontRef>
+          </p:style>
+          <p:txBody>
+            <a:bodyPr rtlCol="0" anchor="ctr"/>
+            <a:lstStyle/>
+            <a:p>
+              <a:r>
+                <a:rPr lang="fr-FR" sz="1050" dirty="0" smtClean="0">
+                  <a:latin typeface="Courier New" pitchFamily="49" charset="0"/>
+                  <a:cs typeface="Courier New" pitchFamily="49" charset="0"/>
+                </a:rPr>
+                <a:t>+</a:t>
+              </a:r>
+              <a:r>
+                <a:rPr lang="fr-FR" sz="1050" dirty="0" err="1" smtClean="0">
+                  <a:latin typeface="Courier New" pitchFamily="49" charset="0"/>
+                  <a:cs typeface="Courier New" pitchFamily="49" charset="0"/>
+                </a:rPr>
+                <a:t>name</a:t>
+              </a:r>
+              <a:r>
+                <a:rPr lang="fr-FR" sz="1050" dirty="0" smtClean="0">
+                  <a:latin typeface="Courier New" pitchFamily="49" charset="0"/>
+                  <a:cs typeface="Courier New" pitchFamily="49" charset="0"/>
+                </a:rPr>
+                <a:t>: String</a:t>
+              </a:r>
+            </a:p>
+            <a:p>
+              <a:r>
+                <a:rPr lang="fr-FR" sz="1050" dirty="0" smtClean="0">
+                  <a:latin typeface="Courier New" pitchFamily="49" charset="0"/>
+                  <a:cs typeface="Courier New" pitchFamily="49" charset="0"/>
+                </a:rPr>
+                <a:t>+</a:t>
+              </a:r>
+              <a:r>
+                <a:rPr lang="fr-FR" sz="1050" dirty="0" err="1" smtClean="0">
+                  <a:latin typeface="Courier New" pitchFamily="49" charset="0"/>
+                  <a:cs typeface="Courier New" pitchFamily="49" charset="0"/>
+                </a:rPr>
+                <a:t>visibility</a:t>
+              </a:r>
+              <a:r>
+                <a:rPr lang="fr-FR" sz="1050" dirty="0" smtClean="0">
+                  <a:latin typeface="Courier New" pitchFamily="49" charset="0"/>
+                  <a:cs typeface="Courier New" pitchFamily="49" charset="0"/>
+                </a:rPr>
+                <a:t>: </a:t>
+              </a:r>
+              <a:r>
+                <a:rPr lang="fr-FR" sz="1050" dirty="0" err="1" smtClean="0">
+                  <a:latin typeface="Courier New" pitchFamily="49" charset="0"/>
+                  <a:cs typeface="Courier New" pitchFamily="49" charset="0"/>
+                </a:rPr>
+                <a:t>Visibility</a:t>
+              </a:r>
+              <a:endParaRPr lang="fr-FR" sz="1050" dirty="0" smtClean="0">
+                <a:latin typeface="Courier New" pitchFamily="49" charset="0"/>
+                <a:cs typeface="Courier New" pitchFamily="49" charset="0"/>
+              </a:endParaRPr>
+            </a:p>
+            <a:p>
+              <a:r>
+                <a:rPr lang="fr-FR" sz="1050" dirty="0" smtClean="0">
+                  <a:latin typeface="Courier New" pitchFamily="49" charset="0"/>
+                  <a:cs typeface="Courier New" pitchFamily="49" charset="0"/>
+                </a:rPr>
+                <a:t>+parent: </a:t>
+              </a:r>
+              <a:r>
+                <a:rPr lang="fr-FR" sz="1050" dirty="0" err="1" smtClean="0">
+                  <a:latin typeface="Courier New" pitchFamily="49" charset="0"/>
+                  <a:cs typeface="Courier New" pitchFamily="49" charset="0"/>
+                </a:rPr>
+                <a:t>APIElement</a:t>
+              </a:r>
+              <a:endParaRPr lang="fr-FR" sz="1050" dirty="0" smtClean="0">
+                <a:latin typeface="Courier New" pitchFamily="49" charset="0"/>
+                <a:cs typeface="Courier New" pitchFamily="49" charset="0"/>
+              </a:endParaRPr>
+            </a:p>
+          </p:txBody>
+        </p:sp>
+      </p:grpSp>
+      <p:grpSp>
+        <p:nvGrpSpPr>
+          <p:cNvPr id="28" name="Groupe 27"/>
+          <p:cNvGrpSpPr/>
+          <p:nvPr/>
+        </p:nvGrpSpPr>
+        <p:grpSpPr>
+          <a:xfrm>
+            <a:off x="755576" y="2601294"/>
+            <a:ext cx="2304256" cy="864096"/>
+            <a:chOff x="1187624" y="1988840"/>
+            <a:chExt cx="2160240" cy="864096"/>
+          </a:xfrm>
+          <a:effectLst>
+            <a:outerShdw blurRad="50800" dist="38100" dir="2700000" algn="tl" rotWithShape="0">
+              <a:prstClr val="black">
+                <a:alpha val="18000"/>
+              </a:prstClr>
+            </a:outerShdw>
+          </a:effectLst>
+        </p:grpSpPr>
+        <p:sp>
+          <p:nvSpPr>
+            <p:cNvPr id="29" name="Rectangle 28"/>
+            <p:cNvSpPr/>
+            <p:nvPr/>
+          </p:nvSpPr>
+          <p:spPr>
+            <a:xfrm>
+              <a:off x="1187624" y="1988840"/>
+              <a:ext cx="2160240" cy="288032"/>
+            </a:xfrm>
+            <a:prstGeom prst="rect">
+              <a:avLst/>
+            </a:prstGeom>
+          </p:spPr>
+          <p:style>
+            <a:lnRef idx="2">
+              <a:schemeClr val="accent1"/>
+            </a:lnRef>
+            <a:fillRef idx="1">
+              <a:schemeClr val="lt1"/>
+            </a:fillRef>
+            <a:effectRef idx="0">
+              <a:schemeClr val="accent1"/>
+            </a:effectRef>
+            <a:fontRef idx="minor">
+              <a:schemeClr val="dk1"/>
+            </a:fontRef>
+          </p:style>
+          <p:txBody>
+            <a:bodyPr rtlCol="0" anchor="ctr"/>
+            <a:lstStyle/>
+            <a:p>
+              <a:pPr algn="ctr"/>
+              <a:r>
+                <a:rPr lang="fr-FR" sz="1400" b="1" dirty="0" err="1" smtClean="0">
+                  <a:latin typeface="Courier New" pitchFamily="49" charset="0"/>
+                  <a:cs typeface="Courier New" pitchFamily="49" charset="0"/>
+                </a:rPr>
+                <a:t>APIScope</a:t>
+              </a:r>
+              <a:endParaRPr lang="fr-FR" sz="1400" b="1" dirty="0" smtClean="0">
+                <a:latin typeface="Courier New" pitchFamily="49" charset="0"/>
+                <a:cs typeface="Courier New" pitchFamily="49" charset="0"/>
+              </a:endParaRPr>
+            </a:p>
+          </p:txBody>
+        </p:sp>
+        <p:sp>
+          <p:nvSpPr>
+            <p:cNvPr id="30" name="Rectangle 29"/>
+            <p:cNvSpPr/>
+            <p:nvPr/>
+          </p:nvSpPr>
+          <p:spPr>
+            <a:xfrm>
+              <a:off x="1187624" y="2276872"/>
+              <a:ext cx="2160240" cy="576064"/>
+            </a:xfrm>
+            <a:prstGeom prst="rect">
+              <a:avLst/>
+            </a:prstGeom>
+          </p:spPr>
+          <p:style>
+            <a:lnRef idx="2">
+              <a:schemeClr val="accent1"/>
+            </a:lnRef>
+            <a:fillRef idx="1">
+              <a:schemeClr val="lt1"/>
+            </a:fillRef>
+            <a:effectRef idx="0">
+              <a:schemeClr val="accent1"/>
+            </a:effectRef>
+            <a:fontRef idx="minor">
+              <a:schemeClr val="dk1"/>
+            </a:fontRef>
+          </p:style>
+          <p:txBody>
+            <a:bodyPr rtlCol="0" anchor="ctr"/>
+            <a:lstStyle/>
+            <a:p>
+              <a:r>
+                <a:rPr lang="fr-FR" sz="1050" dirty="0" smtClean="0">
+                  <a:latin typeface="Courier New" pitchFamily="49" charset="0"/>
+                  <a:cs typeface="Courier New" pitchFamily="49" charset="0"/>
+                </a:rPr>
+                <a:t>+</a:t>
+              </a:r>
+              <a:r>
+                <a:rPr lang="fr-FR" sz="1050" dirty="0" err="1" smtClean="0">
+                  <a:latin typeface="Courier New" pitchFamily="49" charset="0"/>
+                  <a:cs typeface="Courier New" pitchFamily="49" charset="0"/>
+                </a:rPr>
+                <a:t>dependencies</a:t>
+              </a:r>
+              <a:r>
+                <a:rPr lang="fr-FR" sz="1050" dirty="0" smtClean="0">
+                  <a:latin typeface="Courier New" pitchFamily="49" charset="0"/>
+                  <a:cs typeface="Courier New" pitchFamily="49" charset="0"/>
+                </a:rPr>
+                <a:t>: Set&lt;String&gt;</a:t>
+              </a:r>
+            </a:p>
+            <a:p>
+              <a:r>
+                <a:rPr lang="fr-FR" sz="1050" dirty="0" smtClean="0">
+                  <a:latin typeface="Courier New" pitchFamily="49" charset="0"/>
+                  <a:cs typeface="Courier New" pitchFamily="49" charset="0"/>
+                </a:rPr>
+                <a:t>+</a:t>
+              </a:r>
+              <a:r>
+                <a:rPr lang="fr-FR" sz="1050" dirty="0" err="1" smtClean="0">
+                  <a:latin typeface="Courier New" pitchFamily="49" charset="0"/>
+                  <a:cs typeface="Courier New" pitchFamily="49" charset="0"/>
+                </a:rPr>
+                <a:t>subScopes</a:t>
+              </a:r>
+              <a:r>
+                <a:rPr lang="fr-FR" sz="1050" dirty="0" smtClean="0">
+                  <a:latin typeface="Courier New" pitchFamily="49" charset="0"/>
+                  <a:cs typeface="Courier New" pitchFamily="49" charset="0"/>
+                </a:rPr>
+                <a:t>: Set&lt;</a:t>
+              </a:r>
+              <a:r>
+                <a:rPr lang="fr-FR" sz="1050" dirty="0" err="1" smtClean="0">
+                  <a:latin typeface="Courier New" pitchFamily="49" charset="0"/>
+                  <a:cs typeface="Courier New" pitchFamily="49" charset="0"/>
+                </a:rPr>
+                <a:t>APIScope</a:t>
+              </a:r>
+              <a:r>
+                <a:rPr lang="fr-FR" sz="1050" dirty="0" smtClean="0">
+                  <a:latin typeface="Courier New" pitchFamily="49" charset="0"/>
+                  <a:cs typeface="Courier New" pitchFamily="49" charset="0"/>
+                </a:rPr>
+                <a:t>&gt;</a:t>
+              </a:r>
+            </a:p>
+            <a:p>
+              <a:r>
+                <a:rPr lang="fr-FR" sz="1050" dirty="0" smtClean="0">
+                  <a:latin typeface="Courier New" pitchFamily="49" charset="0"/>
+                  <a:cs typeface="Courier New" pitchFamily="49" charset="0"/>
+                </a:rPr>
+                <a:t>+</a:t>
+              </a:r>
+              <a:r>
+                <a:rPr lang="fr-FR" sz="1050" dirty="0" err="1" smtClean="0">
+                  <a:latin typeface="Courier New" pitchFamily="49" charset="0"/>
+                  <a:cs typeface="Courier New" pitchFamily="49" charset="0"/>
+                </a:rPr>
+                <a:t>symbols</a:t>
+              </a:r>
+              <a:r>
+                <a:rPr lang="fr-FR" sz="1050" dirty="0" smtClean="0">
+                  <a:latin typeface="Courier New" pitchFamily="49" charset="0"/>
+                  <a:cs typeface="Courier New" pitchFamily="49" charset="0"/>
+                </a:rPr>
+                <a:t>: Set&lt;Symbol&gt;</a:t>
+              </a:r>
+              <a:endParaRPr lang="fr-FR" sz="1050" dirty="0" smtClean="0">
+                <a:latin typeface="Courier New" pitchFamily="49" charset="0"/>
+                <a:cs typeface="Courier New" pitchFamily="49" charset="0"/>
+              </a:endParaRPr>
+            </a:p>
+          </p:txBody>
+        </p:sp>
+      </p:grpSp>
+      <p:grpSp>
+        <p:nvGrpSpPr>
+          <p:cNvPr id="31" name="Groupe 30"/>
+          <p:cNvGrpSpPr/>
+          <p:nvPr/>
+        </p:nvGrpSpPr>
+        <p:grpSpPr>
+          <a:xfrm>
+            <a:off x="3973238" y="3639721"/>
+            <a:ext cx="2016224" cy="576064"/>
+            <a:chOff x="1187624" y="1988840"/>
+            <a:chExt cx="2160240" cy="576064"/>
+          </a:xfrm>
+          <a:effectLst>
+            <a:outerShdw blurRad="50800" dist="38100" dir="2700000" algn="tl" rotWithShape="0">
+              <a:prstClr val="black">
+                <a:alpha val="18000"/>
+              </a:prstClr>
+            </a:outerShdw>
+          </a:effectLst>
+        </p:grpSpPr>
+        <p:sp>
+          <p:nvSpPr>
+            <p:cNvPr id="32" name="Rectangle 31"/>
+            <p:cNvSpPr/>
+            <p:nvPr/>
+          </p:nvSpPr>
+          <p:spPr>
+            <a:xfrm>
+              <a:off x="1187624" y="1988840"/>
+              <a:ext cx="2160240" cy="288032"/>
+            </a:xfrm>
+            <a:prstGeom prst="rect">
+              <a:avLst/>
+            </a:prstGeom>
+          </p:spPr>
+          <p:style>
+            <a:lnRef idx="2">
+              <a:schemeClr val="accent1"/>
+            </a:lnRef>
+            <a:fillRef idx="1">
+              <a:schemeClr val="lt1"/>
+            </a:fillRef>
+            <a:effectRef idx="0">
+              <a:schemeClr val="accent1"/>
+            </a:effectRef>
+            <a:fontRef idx="minor">
+              <a:schemeClr val="dk1"/>
+            </a:fontRef>
+          </p:style>
+          <p:txBody>
+            <a:bodyPr rtlCol="0" anchor="ctr"/>
+            <a:lstStyle/>
+            <a:p>
+              <a:pPr algn="ctr"/>
+              <a:r>
+                <a:rPr lang="fr-FR" sz="1400" b="1" dirty="0" smtClean="0">
+                  <a:latin typeface="Courier New" pitchFamily="49" charset="0"/>
+                  <a:cs typeface="Courier New" pitchFamily="49" charset="0"/>
+                </a:rPr>
+                <a:t>Symbol</a:t>
+              </a:r>
+              <a:endParaRPr lang="fr-FR" sz="1400" b="1" dirty="0" smtClean="0">
+                <a:latin typeface="Courier New" pitchFamily="49" charset="0"/>
+                <a:cs typeface="Courier New" pitchFamily="49" charset="0"/>
+              </a:endParaRPr>
+            </a:p>
+          </p:txBody>
+        </p:sp>
+        <p:sp>
+          <p:nvSpPr>
+            <p:cNvPr id="33" name="Rectangle 32"/>
+            <p:cNvSpPr/>
+            <p:nvPr/>
+          </p:nvSpPr>
+          <p:spPr>
+            <a:xfrm>
+              <a:off x="1187624" y="2276872"/>
+              <a:ext cx="2160240" cy="288032"/>
+            </a:xfrm>
+            <a:prstGeom prst="rect">
+              <a:avLst/>
+            </a:prstGeom>
+          </p:spPr>
+          <p:style>
+            <a:lnRef idx="2">
+              <a:schemeClr val="accent1"/>
+            </a:lnRef>
+            <a:fillRef idx="1">
+              <a:schemeClr val="lt1"/>
+            </a:fillRef>
+            <a:effectRef idx="0">
+              <a:schemeClr val="accent1"/>
+            </a:effectRef>
+            <a:fontRef idx="minor">
+              <a:schemeClr val="dk1"/>
+            </a:fontRef>
+          </p:style>
+          <p:txBody>
+            <a:bodyPr rtlCol="0" anchor="ctr"/>
+            <a:lstStyle/>
+            <a:p>
+              <a:r>
+                <a:rPr lang="fr-FR" sz="1050" dirty="0" smtClean="0">
+                  <a:latin typeface="Courier New" pitchFamily="49" charset="0"/>
+                  <a:cs typeface="Courier New" pitchFamily="49" charset="0"/>
+                </a:rPr>
+                <a:t>+</a:t>
+              </a:r>
+              <a:r>
+                <a:rPr lang="fr-FR" sz="1050" dirty="0" err="1" smtClean="0">
+                  <a:latin typeface="Courier New" pitchFamily="49" charset="0"/>
+                  <a:cs typeface="Courier New" pitchFamily="49" charset="0"/>
+                </a:rPr>
+                <a:t>modifiers</a:t>
+              </a:r>
+              <a:r>
+                <a:rPr lang="fr-FR" sz="1050" dirty="0" smtClean="0">
+                  <a:latin typeface="Courier New" pitchFamily="49" charset="0"/>
+                  <a:cs typeface="Courier New" pitchFamily="49" charset="0"/>
+                </a:rPr>
+                <a:t>: Set&lt;String&gt;</a:t>
+              </a:r>
+              <a:endParaRPr lang="fr-FR" sz="1050" dirty="0" smtClean="0">
+                <a:latin typeface="Courier New" pitchFamily="49" charset="0"/>
+                <a:cs typeface="Courier New" pitchFamily="49" charset="0"/>
+              </a:endParaRPr>
+            </a:p>
+          </p:txBody>
+        </p:sp>
+      </p:grpSp>
+      <p:grpSp>
+        <p:nvGrpSpPr>
+          <p:cNvPr id="34" name="Groupe 33"/>
+          <p:cNvGrpSpPr/>
+          <p:nvPr/>
+        </p:nvGrpSpPr>
+        <p:grpSpPr>
+          <a:xfrm>
+            <a:off x="3707904" y="5122832"/>
+            <a:ext cx="2268252" cy="864096"/>
+            <a:chOff x="1187624" y="1988840"/>
+            <a:chExt cx="2160240" cy="864096"/>
+          </a:xfrm>
+          <a:effectLst>
+            <a:outerShdw blurRad="50800" dist="38100" dir="2700000" algn="tl" rotWithShape="0">
+              <a:prstClr val="black">
+                <a:alpha val="18000"/>
+              </a:prstClr>
+            </a:outerShdw>
+          </a:effectLst>
+        </p:grpSpPr>
+        <p:sp>
+          <p:nvSpPr>
+            <p:cNvPr id="35" name="Rectangle 34"/>
+            <p:cNvSpPr/>
+            <p:nvPr/>
+          </p:nvSpPr>
+          <p:spPr>
+            <a:xfrm>
+              <a:off x="1187624" y="1988840"/>
+              <a:ext cx="2160240" cy="288032"/>
+            </a:xfrm>
+            <a:prstGeom prst="rect">
+              <a:avLst/>
+            </a:prstGeom>
+          </p:spPr>
+          <p:style>
+            <a:lnRef idx="2">
+              <a:schemeClr val="accent1"/>
+            </a:lnRef>
+            <a:fillRef idx="1">
+              <a:schemeClr val="lt1"/>
+            </a:fillRef>
+            <a:effectRef idx="0">
+              <a:schemeClr val="accent1"/>
+            </a:effectRef>
+            <a:fontRef idx="minor">
+              <a:schemeClr val="dk1"/>
+            </a:fontRef>
+          </p:style>
+          <p:txBody>
+            <a:bodyPr rtlCol="0" anchor="ctr"/>
+            <a:lstStyle/>
+            <a:p>
+              <a:pPr algn="ctr"/>
+              <a:r>
+                <a:rPr lang="fr-FR" sz="1400" b="1" dirty="0" err="1" smtClean="0">
+                  <a:latin typeface="Courier New" pitchFamily="49" charset="0"/>
+                  <a:cs typeface="Courier New" pitchFamily="49" charset="0"/>
+                </a:rPr>
+                <a:t>Function</a:t>
+              </a:r>
+              <a:endParaRPr lang="fr-FR" sz="1400" b="1" dirty="0" smtClean="0">
+                <a:latin typeface="Courier New" pitchFamily="49" charset="0"/>
+                <a:cs typeface="Courier New" pitchFamily="49" charset="0"/>
+              </a:endParaRPr>
+            </a:p>
+          </p:txBody>
+        </p:sp>
+        <p:sp>
+          <p:nvSpPr>
+            <p:cNvPr id="36" name="Rectangle 35"/>
+            <p:cNvSpPr/>
+            <p:nvPr/>
+          </p:nvSpPr>
+          <p:spPr>
+            <a:xfrm>
+              <a:off x="1187624" y="2276872"/>
+              <a:ext cx="2160240" cy="576064"/>
+            </a:xfrm>
+            <a:prstGeom prst="rect">
+              <a:avLst/>
+            </a:prstGeom>
+          </p:spPr>
+          <p:style>
+            <a:lnRef idx="2">
+              <a:schemeClr val="accent1"/>
+            </a:lnRef>
+            <a:fillRef idx="1">
+              <a:schemeClr val="lt1"/>
+            </a:fillRef>
+            <a:effectRef idx="0">
+              <a:schemeClr val="accent1"/>
+            </a:effectRef>
+            <a:fontRef idx="minor">
+              <a:schemeClr val="dk1"/>
+            </a:fontRef>
+          </p:style>
+          <p:txBody>
+            <a:bodyPr rtlCol="0" anchor="ctr"/>
+            <a:lstStyle/>
+            <a:p>
+              <a:r>
+                <a:rPr lang="fr-FR" sz="1050" dirty="0" smtClean="0">
+                  <a:latin typeface="Courier New" pitchFamily="49" charset="0"/>
+                  <a:cs typeface="Courier New" pitchFamily="49" charset="0"/>
+                </a:rPr>
+                <a:t>+</a:t>
+              </a:r>
+              <a:r>
+                <a:rPr lang="fr-FR" sz="1050" dirty="0" err="1" smtClean="0">
+                  <a:latin typeface="Courier New" pitchFamily="49" charset="0"/>
+                  <a:cs typeface="Courier New" pitchFamily="49" charset="0"/>
+                </a:rPr>
+                <a:t>returnType</a:t>
+              </a:r>
+              <a:r>
+                <a:rPr lang="fr-FR" sz="1050" dirty="0" smtClean="0">
+                  <a:latin typeface="Courier New" pitchFamily="49" charset="0"/>
+                  <a:cs typeface="Courier New" pitchFamily="49" charset="0"/>
+                </a:rPr>
+                <a:t>: String</a:t>
+              </a:r>
+            </a:p>
+            <a:p>
+              <a:r>
+                <a:rPr lang="fr-FR" sz="1050" dirty="0" smtClean="0">
+                  <a:latin typeface="Courier New" pitchFamily="49" charset="0"/>
+                  <a:cs typeface="Courier New" pitchFamily="49" charset="0"/>
+                </a:rPr>
+                <a:t>+arguments: List&lt;Variable&gt;</a:t>
+              </a:r>
+            </a:p>
+            <a:p>
+              <a:r>
+                <a:rPr lang="fr-FR" sz="1050" dirty="0" smtClean="0">
+                  <a:latin typeface="Courier New" pitchFamily="49" charset="0"/>
+                  <a:cs typeface="Courier New" pitchFamily="49" charset="0"/>
+                </a:rPr>
+                <a:t>+exceptions: Set&lt;String&gt;</a:t>
+              </a:r>
+              <a:endParaRPr lang="fr-FR" sz="1050" dirty="0" smtClean="0">
+                <a:latin typeface="Courier New" pitchFamily="49" charset="0"/>
+                <a:cs typeface="Courier New" pitchFamily="49" charset="0"/>
+              </a:endParaRPr>
+            </a:p>
+          </p:txBody>
+        </p:sp>
+      </p:grpSp>
+      <p:grpSp>
+        <p:nvGrpSpPr>
+          <p:cNvPr id="38" name="Groupe 37"/>
+          <p:cNvGrpSpPr/>
+          <p:nvPr/>
+        </p:nvGrpSpPr>
+        <p:grpSpPr>
+          <a:xfrm>
+            <a:off x="827584" y="4905915"/>
+            <a:ext cx="2160240" cy="720080"/>
+            <a:chOff x="1187624" y="1988840"/>
+            <a:chExt cx="2160240" cy="720080"/>
+          </a:xfrm>
+          <a:effectLst>
+            <a:outerShdw blurRad="50800" dist="38100" dir="2700000" algn="tl" rotWithShape="0">
+              <a:prstClr val="black">
+                <a:alpha val="18000"/>
+              </a:prstClr>
+            </a:outerShdw>
+          </a:effectLst>
+        </p:grpSpPr>
+        <p:sp>
+          <p:nvSpPr>
+            <p:cNvPr id="39" name="Rectangle 38"/>
+            <p:cNvSpPr/>
+            <p:nvPr/>
+          </p:nvSpPr>
+          <p:spPr>
+            <a:xfrm>
+              <a:off x="1187624" y="1988840"/>
+              <a:ext cx="2160240" cy="288032"/>
+            </a:xfrm>
+            <a:prstGeom prst="rect">
+              <a:avLst/>
+            </a:prstGeom>
+          </p:spPr>
+          <p:style>
+            <a:lnRef idx="2">
+              <a:schemeClr val="accent1"/>
+            </a:lnRef>
+            <a:fillRef idx="1">
+              <a:schemeClr val="lt1"/>
+            </a:fillRef>
+            <a:effectRef idx="0">
+              <a:schemeClr val="accent1"/>
+            </a:effectRef>
+            <a:fontRef idx="minor">
+              <a:schemeClr val="dk1"/>
+            </a:fontRef>
+          </p:style>
+          <p:txBody>
+            <a:bodyPr rtlCol="0" anchor="ctr"/>
+            <a:lstStyle/>
+            <a:p>
+              <a:pPr algn="ctr"/>
+              <a:r>
+                <a:rPr lang="fr-FR" sz="1400" b="1" dirty="0" smtClean="0">
+                  <a:latin typeface="Courier New" pitchFamily="49" charset="0"/>
+                  <a:cs typeface="Courier New" pitchFamily="49" charset="0"/>
+                </a:rPr>
+                <a:t>Type</a:t>
+              </a:r>
+              <a:endParaRPr lang="fr-FR" sz="1400" b="1" dirty="0" smtClean="0">
+                <a:latin typeface="Courier New" pitchFamily="49" charset="0"/>
+                <a:cs typeface="Courier New" pitchFamily="49" charset="0"/>
+              </a:endParaRPr>
+            </a:p>
+          </p:txBody>
+        </p:sp>
+        <p:sp>
+          <p:nvSpPr>
+            <p:cNvPr id="40" name="Rectangle 39"/>
+            <p:cNvSpPr/>
+            <p:nvPr/>
+          </p:nvSpPr>
+          <p:spPr>
+            <a:xfrm>
+              <a:off x="1187624" y="2276872"/>
+              <a:ext cx="2160240" cy="432048"/>
+            </a:xfrm>
+            <a:prstGeom prst="rect">
+              <a:avLst/>
+            </a:prstGeom>
+          </p:spPr>
+          <p:style>
+            <a:lnRef idx="2">
+              <a:schemeClr val="accent1"/>
+            </a:lnRef>
+            <a:fillRef idx="1">
+              <a:schemeClr val="lt1"/>
+            </a:fillRef>
+            <a:effectRef idx="0">
+              <a:schemeClr val="accent1"/>
+            </a:effectRef>
+            <a:fontRef idx="minor">
+              <a:schemeClr val="dk1"/>
+            </a:fontRef>
+          </p:style>
+          <p:txBody>
+            <a:bodyPr rtlCol="0" anchor="ctr"/>
+            <a:lstStyle/>
+            <a:p>
+              <a:r>
+                <a:rPr lang="fr-FR" sz="1050" dirty="0" smtClean="0">
+                  <a:latin typeface="Courier New" pitchFamily="49" charset="0"/>
+                  <a:cs typeface="Courier New" pitchFamily="49" charset="0"/>
+                </a:rPr>
+                <a:t>+</a:t>
+              </a:r>
+              <a:r>
+                <a:rPr lang="fr-FR" sz="1050" dirty="0" err="1" smtClean="0">
+                  <a:latin typeface="Courier New" pitchFamily="49" charset="0"/>
+                  <a:cs typeface="Courier New" pitchFamily="49" charset="0"/>
+                </a:rPr>
+                <a:t>superTypes</a:t>
+              </a:r>
+              <a:r>
+                <a:rPr lang="fr-FR" sz="1050" dirty="0" smtClean="0">
+                  <a:latin typeface="Courier New" pitchFamily="49" charset="0"/>
+                  <a:cs typeface="Courier New" pitchFamily="49" charset="0"/>
+                </a:rPr>
+                <a:t>: Set&lt;String&gt;</a:t>
+              </a:r>
+            </a:p>
+            <a:p>
+              <a:r>
+                <a:rPr lang="fr-FR" sz="1050" dirty="0" smtClean="0">
+                  <a:latin typeface="Courier New" pitchFamily="49" charset="0"/>
+                  <a:cs typeface="Courier New" pitchFamily="49" charset="0"/>
+                </a:rPr>
+                <a:t>+</a:t>
+              </a:r>
+              <a:r>
+                <a:rPr lang="fr-FR" sz="1050" dirty="0" err="1" smtClean="0">
+                  <a:latin typeface="Courier New" pitchFamily="49" charset="0"/>
+                  <a:cs typeface="Courier New" pitchFamily="49" charset="0"/>
+                </a:rPr>
+                <a:t>symbols</a:t>
+              </a:r>
+              <a:r>
+                <a:rPr lang="fr-FR" sz="1050" dirty="0" smtClean="0">
+                  <a:latin typeface="Courier New" pitchFamily="49" charset="0"/>
+                  <a:cs typeface="Courier New" pitchFamily="49" charset="0"/>
+                </a:rPr>
+                <a:t>: Set&lt;Symbol&gt;</a:t>
+              </a:r>
+              <a:endParaRPr lang="fr-FR" sz="1050" dirty="0" smtClean="0">
+                <a:latin typeface="Courier New" pitchFamily="49" charset="0"/>
+                <a:cs typeface="Courier New" pitchFamily="49" charset="0"/>
+              </a:endParaRPr>
+            </a:p>
+          </p:txBody>
+        </p:sp>
+      </p:grpSp>
+      <p:grpSp>
+        <p:nvGrpSpPr>
+          <p:cNvPr id="41" name="Groupe 40"/>
+          <p:cNvGrpSpPr/>
+          <p:nvPr/>
+        </p:nvGrpSpPr>
+        <p:grpSpPr>
+          <a:xfrm>
+            <a:off x="6493945" y="4852244"/>
+            <a:ext cx="2160240" cy="567680"/>
+            <a:chOff x="1187624" y="1988840"/>
+            <a:chExt cx="2160240" cy="567680"/>
+          </a:xfrm>
+          <a:effectLst>
+            <a:outerShdw blurRad="50800" dist="38100" dir="2700000" algn="tl" rotWithShape="0">
+              <a:prstClr val="black">
+                <a:alpha val="18000"/>
+              </a:prstClr>
+            </a:outerShdw>
+          </a:effectLst>
+        </p:grpSpPr>
+        <p:sp>
+          <p:nvSpPr>
+            <p:cNvPr id="42" name="Rectangle 41"/>
+            <p:cNvSpPr/>
+            <p:nvPr/>
+          </p:nvSpPr>
+          <p:spPr>
+            <a:xfrm>
+              <a:off x="1187624" y="1988840"/>
+              <a:ext cx="2160240" cy="288032"/>
+            </a:xfrm>
+            <a:prstGeom prst="rect">
+              <a:avLst/>
+            </a:prstGeom>
+          </p:spPr>
+          <p:style>
+            <a:lnRef idx="2">
+              <a:schemeClr val="accent1"/>
+            </a:lnRef>
+            <a:fillRef idx="1">
+              <a:schemeClr val="lt1"/>
+            </a:fillRef>
+            <a:effectRef idx="0">
+              <a:schemeClr val="accent1"/>
+            </a:effectRef>
+            <a:fontRef idx="minor">
+              <a:schemeClr val="dk1"/>
+            </a:fontRef>
+          </p:style>
+          <p:txBody>
+            <a:bodyPr rtlCol="0" anchor="ctr"/>
+            <a:lstStyle/>
+            <a:p>
+              <a:pPr algn="ctr"/>
+              <a:r>
+                <a:rPr lang="fr-FR" sz="1400" b="1" dirty="0" smtClean="0">
+                  <a:latin typeface="Courier New" pitchFamily="49" charset="0"/>
+                  <a:cs typeface="Courier New" pitchFamily="49" charset="0"/>
+                </a:rPr>
+                <a:t>Variable</a:t>
+              </a:r>
+              <a:endParaRPr lang="fr-FR" sz="1400" b="1" dirty="0" smtClean="0">
+                <a:latin typeface="Courier New" pitchFamily="49" charset="0"/>
+                <a:cs typeface="Courier New" pitchFamily="49" charset="0"/>
+              </a:endParaRPr>
+            </a:p>
+          </p:txBody>
+        </p:sp>
+        <p:sp>
+          <p:nvSpPr>
+            <p:cNvPr id="43" name="Rectangle 42"/>
+            <p:cNvSpPr/>
+            <p:nvPr/>
+          </p:nvSpPr>
+          <p:spPr>
+            <a:xfrm>
+              <a:off x="1187624" y="2276872"/>
+              <a:ext cx="2160240" cy="279648"/>
+            </a:xfrm>
+            <a:prstGeom prst="rect">
+              <a:avLst/>
+            </a:prstGeom>
+          </p:spPr>
+          <p:style>
+            <a:lnRef idx="2">
+              <a:schemeClr val="accent1"/>
+            </a:lnRef>
+            <a:fillRef idx="1">
+              <a:schemeClr val="lt1"/>
+            </a:fillRef>
+            <a:effectRef idx="0">
+              <a:schemeClr val="accent1"/>
+            </a:effectRef>
+            <a:fontRef idx="minor">
+              <a:schemeClr val="dk1"/>
+            </a:fontRef>
+          </p:style>
+          <p:txBody>
+            <a:bodyPr rtlCol="0" anchor="ctr"/>
+            <a:lstStyle/>
+            <a:p>
+              <a:r>
+                <a:rPr lang="fr-FR" sz="1050" dirty="0" smtClean="0">
+                  <a:latin typeface="Courier New" pitchFamily="49" charset="0"/>
+                  <a:cs typeface="Courier New" pitchFamily="49" charset="0"/>
+                </a:rPr>
+                <a:t>+type: String</a:t>
+              </a:r>
+              <a:endParaRPr lang="fr-FR" sz="1050" dirty="0" smtClean="0">
+                <a:latin typeface="Courier New" pitchFamily="49" charset="0"/>
+                <a:cs typeface="Courier New" pitchFamily="49" charset="0"/>
+              </a:endParaRPr>
+            </a:p>
+          </p:txBody>
+        </p:sp>
+      </p:grpSp>
+    </p:spTree>
+    <p:extLst>
+      <p:ext uri="{BB962C8B-B14F-4D97-AF65-F5344CB8AC3E}">
+        <p14:creationId xmlns:p14="http://schemas.microsoft.com/office/powerpoint/2010/main" val="2998826625"/>
+      </p:ext>
+    </p:extLst>
+  </p:cSld>
+  <p:clrMapOvr>
+    <a:masterClrMapping/>
+  </p:clrMapOvr>
+  <mc:AlternateContent xmlns:mc="http://schemas.openxmlformats.org/markup-compatibility/2006" xmlns:p14="http://schemas.microsoft.com/office/powerpoint/2010/main">
+    <mc:Choice Requires="p14">
+      <p:transition p14:dur="250">
+        <p:push/>
+      </p:transition>
+    </mc:Choice>
+    <mc:Fallback xmlns="">
+      <p:transition>
+        <p:push/>
+      </p:transition>
+    </mc:Fallback>
+  </mc:AlternateContent>
+  <p:timing>
+    <p:tnLst>
+      <p:par>
+        <p:cTn id="1" dur="indefinite" restart="never" nodeType="tmRoot">
+          <p:childTnLst>
+            <p:seq concurrent="1" nextAc="seek">
+              <p:cTn id="2" dur="indefinite" nodeType="mainSeq">
+                <p:childTnLst>
+                  <p:par>
+                    <p:cTn id="3" fill="hold">
+                      <p:stCondLst>
+                        <p:cond delay="indefinite"/>
+                      </p:stCondLst>
+                      <p:childTnLst>
+                        <p:par>
+                          <p:cTn id="4" fill="hold">
+                            <p:stCondLst>
+                              <p:cond delay="0"/>
+                            </p:stCondLst>
+                            <p:childTnLst>
+                              <p:par>
+                                <p:cTn id="5" presetID="26" presetClass="emph" presetSubtype="0" fill="hold" nodeType="clickEffect">
+                                  <p:stCondLst>
+                                    <p:cond delay="0"/>
+                                  </p:stCondLst>
+                                  <p:childTnLst>
+                                    <p:animEffect transition="out" filter="fade">
+                                      <p:cBhvr>
+                                        <p:cTn id="6" dur="500" tmFilter="0, 0; .2, .5; .8, .5; 1, 0"/>
+                                        <p:tgtEl>
+                                          <p:spTgt spid="10"/>
+                                        </p:tgtEl>
+                                      </p:cBhvr>
+                                    </p:animEffect>
+                                    <p:animScale>
+                                      <p:cBhvr>
+                                        <p:cTn id="7" dur="250" autoRev="1" fill="hold"/>
+                                        <p:tgtEl>
+                                          <p:spTgt spid="10"/>
+                                        </p:tgtEl>
+                                      </p:cBhvr>
+                                      <p:by x="105000" y="105000"/>
+                                    </p:animScale>
+                                  </p:childTnLst>
+                                </p:cTn>
+                              </p:par>
+                            </p:childTnLst>
+                          </p:cTn>
+                        </p:par>
+                      </p:childTnLst>
+                    </p:cTn>
+                  </p:par>
+                  <p:par>
+                    <p:cTn id="8" fill="hold">
+                      <p:stCondLst>
+                        <p:cond delay="indefinite"/>
+                      </p:stCondLst>
+                      <p:childTnLst>
+                        <p:par>
+                          <p:cTn id="9" fill="hold">
+                            <p:stCondLst>
+                              <p:cond delay="0"/>
+                            </p:stCondLst>
+                            <p:childTnLst>
+                              <p:par>
+                                <p:cTn id="10" presetID="26" presetClass="emph" presetSubtype="0" fill="hold" nodeType="clickEffect">
+                                  <p:stCondLst>
+                                    <p:cond delay="0"/>
+                                  </p:stCondLst>
+                                  <p:childTnLst>
+                                    <p:animEffect transition="out" filter="fade">
+                                      <p:cBhvr>
+                                        <p:cTn id="11" dur="500" tmFilter="0, 0; .2, .5; .8, .5; 1, 0"/>
+                                        <p:tgtEl>
+                                          <p:spTgt spid="31"/>
+                                        </p:tgtEl>
+                                      </p:cBhvr>
+                                    </p:animEffect>
+                                    <p:animScale>
+                                      <p:cBhvr>
+                                        <p:cTn id="12" dur="250" autoRev="1" fill="hold"/>
+                                        <p:tgtEl>
+                                          <p:spTgt spid="31"/>
+                                        </p:tgtEl>
+                                      </p:cBhvr>
+                                      <p:by x="105000" y="105000"/>
+                                    </p:animScale>
+                                  </p:childTnLst>
+                                </p:cTn>
+                              </p:par>
+                              <p:par>
+                                <p:cTn id="13" presetID="22" presetClass="entr" presetSubtype="4" fill="hold" nodeType="withEffect">
+                                  <p:stCondLst>
+                                    <p:cond delay="0"/>
+                                  </p:stCondLst>
+                                  <p:childTnLst>
+                                    <p:set>
+                                      <p:cBhvr>
+                                        <p:cTn id="14" dur="1" fill="hold">
+                                          <p:stCondLst>
+                                            <p:cond delay="0"/>
+                                          </p:stCondLst>
+                                        </p:cTn>
+                                        <p:tgtEl>
+                                          <p:spTgt spid="75"/>
+                                        </p:tgtEl>
+                                        <p:attrNameLst>
+                                          <p:attrName>style.visibility</p:attrName>
+                                        </p:attrNameLst>
+                                      </p:cBhvr>
+                                      <p:to>
+                                        <p:strVal val="visible"/>
+                                      </p:to>
+                                    </p:set>
+                                    <p:animEffect transition="in" filter="wipe(down)">
+                                      <p:cBhvr>
+                                        <p:cTn id="15" dur="250"/>
+                                        <p:tgtEl>
+                                          <p:spTgt spid="75"/>
+                                        </p:tgtEl>
+                                      </p:cBhvr>
+                                    </p:animEffect>
+                                  </p:childTnLst>
+                                </p:cTn>
+                              </p:par>
+                            </p:childTnLst>
+                          </p:cTn>
+                        </p:par>
+                      </p:childTnLst>
+                    </p:cTn>
+                  </p:par>
+                  <p:par>
+                    <p:cTn id="16" fill="hold">
+                      <p:stCondLst>
+                        <p:cond delay="indefinite"/>
+                      </p:stCondLst>
+                      <p:childTnLst>
+                        <p:par>
+                          <p:cTn id="17" fill="hold">
+                            <p:stCondLst>
+                              <p:cond delay="0"/>
+                            </p:stCondLst>
+                            <p:childTnLst>
+                              <p:par>
+                                <p:cTn id="18" presetID="26" presetClass="emph" presetSubtype="0" fill="hold" nodeType="clickEffect">
+                                  <p:stCondLst>
+                                    <p:cond delay="0"/>
+                                  </p:stCondLst>
+                                  <p:childTnLst>
+                                    <p:animEffect transition="out" filter="fade">
+                                      <p:cBhvr>
+                                        <p:cTn id="19" dur="500" tmFilter="0, 0; .2, .5; .8, .5; 1, 0"/>
+                                        <p:tgtEl>
+                                          <p:spTgt spid="38"/>
+                                        </p:tgtEl>
+                                      </p:cBhvr>
+                                    </p:animEffect>
+                                    <p:animScale>
+                                      <p:cBhvr>
+                                        <p:cTn id="20" dur="250" autoRev="1" fill="hold"/>
+                                        <p:tgtEl>
+                                          <p:spTgt spid="38"/>
+                                        </p:tgtEl>
+                                      </p:cBhvr>
+                                      <p:by x="105000" y="105000"/>
+                                    </p:animScale>
+                                  </p:childTnLst>
+                                </p:cTn>
+                              </p:par>
+                              <p:par>
+                                <p:cTn id="21" presetID="22" presetClass="entr" presetSubtype="4" fill="hold" nodeType="withEffect">
+                                  <p:stCondLst>
+                                    <p:cond delay="0"/>
+                                  </p:stCondLst>
+                                  <p:childTnLst>
+                                    <p:set>
+                                      <p:cBhvr>
+                                        <p:cTn id="22" dur="1" fill="hold">
+                                          <p:stCondLst>
+                                            <p:cond delay="0"/>
+                                          </p:stCondLst>
+                                        </p:cTn>
+                                        <p:tgtEl>
+                                          <p:spTgt spid="90"/>
+                                        </p:tgtEl>
+                                        <p:attrNameLst>
+                                          <p:attrName>style.visibility</p:attrName>
+                                        </p:attrNameLst>
+                                      </p:cBhvr>
+                                      <p:to>
+                                        <p:strVal val="visible"/>
+                                      </p:to>
+                                    </p:set>
+                                    <p:animEffect transition="in" filter="wipe(down)">
+                                      <p:cBhvr>
+                                        <p:cTn id="23" dur="250"/>
+                                        <p:tgtEl>
+                                          <p:spTgt spid="90"/>
+                                        </p:tgtEl>
+                                      </p:cBhvr>
+                                    </p:animEffect>
+                                  </p:childTnLst>
+                                </p:cTn>
+                              </p:par>
+                              <p:par>
+                                <p:cTn id="24" presetID="22" presetClass="entr" presetSubtype="4" fill="hold" nodeType="withEffect">
+                                  <p:stCondLst>
+                                    <p:cond delay="0"/>
+                                  </p:stCondLst>
+                                  <p:childTnLst>
+                                    <p:set>
+                                      <p:cBhvr>
+                                        <p:cTn id="25" dur="1" fill="hold">
+                                          <p:stCondLst>
+                                            <p:cond delay="0"/>
+                                          </p:stCondLst>
+                                        </p:cTn>
+                                        <p:tgtEl>
+                                          <p:spTgt spid="78"/>
+                                        </p:tgtEl>
+                                        <p:attrNameLst>
+                                          <p:attrName>style.visibility</p:attrName>
+                                        </p:attrNameLst>
+                                      </p:cBhvr>
+                                      <p:to>
+                                        <p:strVal val="visible"/>
+                                      </p:to>
+                                    </p:set>
+                                    <p:animEffect transition="in" filter="wipe(down)">
+                                      <p:cBhvr>
+                                        <p:cTn id="26" dur="250"/>
+                                        <p:tgtEl>
+                                          <p:spTgt spid="78"/>
+                                        </p:tgtEl>
+                                      </p:cBhvr>
+                                    </p:animEffect>
+                                  </p:childTnLst>
+                                </p:cTn>
+                              </p:par>
+                            </p:childTnLst>
+                          </p:cTn>
+                        </p:par>
+                      </p:childTnLst>
+                    </p:cTn>
+                  </p:par>
+                  <p:par>
+                    <p:cTn id="27" fill="hold">
+                      <p:stCondLst>
+                        <p:cond delay="indefinite"/>
+                      </p:stCondLst>
+                      <p:childTnLst>
+                        <p:par>
+                          <p:cTn id="28" fill="hold">
+                            <p:stCondLst>
+                              <p:cond delay="0"/>
+                            </p:stCondLst>
+                            <p:childTnLst>
+                              <p:par>
+                                <p:cTn id="29" presetID="26" presetClass="emph" presetSubtype="0" fill="hold" nodeType="clickEffect">
+                                  <p:stCondLst>
+                                    <p:cond delay="0"/>
+                                  </p:stCondLst>
+                                  <p:childTnLst>
+                                    <p:animEffect transition="out" filter="fade">
+                                      <p:cBhvr>
+                                        <p:cTn id="30" dur="500" tmFilter="0, 0; .2, .5; .8, .5; 1, 0"/>
+                                        <p:tgtEl>
+                                          <p:spTgt spid="34"/>
+                                        </p:tgtEl>
+                                      </p:cBhvr>
+                                    </p:animEffect>
+                                    <p:animScale>
+                                      <p:cBhvr>
+                                        <p:cTn id="31" dur="250" autoRev="1" fill="hold"/>
+                                        <p:tgtEl>
+                                          <p:spTgt spid="34"/>
+                                        </p:tgtEl>
+                                      </p:cBhvr>
+                                      <p:by x="105000" y="105000"/>
+                                    </p:animScale>
+                                  </p:childTnLst>
+                                </p:cTn>
+                              </p:par>
+                              <p:par>
+                                <p:cTn id="32" presetID="22" presetClass="entr" presetSubtype="4" fill="hold" nodeType="withEffect">
+                                  <p:stCondLst>
+                                    <p:cond delay="0"/>
+                                  </p:stCondLst>
+                                  <p:childTnLst>
+                                    <p:set>
+                                      <p:cBhvr>
+                                        <p:cTn id="33" dur="1" fill="hold">
+                                          <p:stCondLst>
+                                            <p:cond delay="0"/>
+                                          </p:stCondLst>
+                                        </p:cTn>
+                                        <p:tgtEl>
+                                          <p:spTgt spid="72"/>
+                                        </p:tgtEl>
+                                        <p:attrNameLst>
+                                          <p:attrName>style.visibility</p:attrName>
+                                        </p:attrNameLst>
+                                      </p:cBhvr>
+                                      <p:to>
+                                        <p:strVal val="visible"/>
+                                      </p:to>
+                                    </p:set>
+                                    <p:animEffect transition="in" filter="wipe(down)">
+                                      <p:cBhvr>
+                                        <p:cTn id="34" dur="250"/>
+                                        <p:tgtEl>
+                                          <p:spTgt spid="72"/>
+                                        </p:tgtEl>
+                                      </p:cBhvr>
+                                    </p:animEffect>
+                                  </p:childTnLst>
+                                </p:cTn>
+                              </p:par>
+                              <p:par>
+                                <p:cTn id="35" presetID="22" presetClass="entr" presetSubtype="8" fill="hold" nodeType="withEffect">
+                                  <p:stCondLst>
+                                    <p:cond delay="0"/>
+                                  </p:stCondLst>
+                                  <p:childTnLst>
+                                    <p:set>
+                                      <p:cBhvr>
+                                        <p:cTn id="36" dur="1" fill="hold">
+                                          <p:stCondLst>
+                                            <p:cond delay="0"/>
+                                          </p:stCondLst>
+                                        </p:cTn>
+                                        <p:tgtEl>
+                                          <p:spTgt spid="112"/>
+                                        </p:tgtEl>
+                                        <p:attrNameLst>
+                                          <p:attrName>style.visibility</p:attrName>
+                                        </p:attrNameLst>
+                                      </p:cBhvr>
+                                      <p:to>
+                                        <p:strVal val="visible"/>
+                                      </p:to>
+                                    </p:set>
+                                    <p:animEffect transition="in" filter="wipe(left)">
+                                      <p:cBhvr>
+                                        <p:cTn id="37" dur="250"/>
+                                        <p:tgtEl>
+                                          <p:spTgt spid="112"/>
+                                        </p:tgtEl>
+                                      </p:cBhvr>
+                                    </p:animEffect>
+                                  </p:childTnLst>
+                                </p:cTn>
+                              </p:par>
+                            </p:childTnLst>
+                          </p:cTn>
+                        </p:par>
+                      </p:childTnLst>
+                    </p:cTn>
+                  </p:par>
+                  <p:par>
+                    <p:cTn id="38" fill="hold">
+                      <p:stCondLst>
+                        <p:cond delay="indefinite"/>
+                      </p:stCondLst>
+                      <p:childTnLst>
+                        <p:par>
+                          <p:cTn id="39" fill="hold">
+                            <p:stCondLst>
+                              <p:cond delay="0"/>
+                            </p:stCondLst>
+                            <p:childTnLst>
+                              <p:par>
+                                <p:cTn id="40" presetID="26" presetClass="emph" presetSubtype="0" fill="hold" nodeType="clickEffect">
+                                  <p:stCondLst>
+                                    <p:cond delay="0"/>
+                                  </p:stCondLst>
+                                  <p:childTnLst>
+                                    <p:animEffect transition="out" filter="fade">
+                                      <p:cBhvr>
+                                        <p:cTn id="41" dur="500" tmFilter="0, 0; .2, .5; .8, .5; 1, 0"/>
+                                        <p:tgtEl>
+                                          <p:spTgt spid="41"/>
+                                        </p:tgtEl>
+                                      </p:cBhvr>
+                                    </p:animEffect>
+                                    <p:animScale>
+                                      <p:cBhvr>
+                                        <p:cTn id="42" dur="250" autoRev="1" fill="hold"/>
+                                        <p:tgtEl>
+                                          <p:spTgt spid="41"/>
+                                        </p:tgtEl>
+                                      </p:cBhvr>
+                                      <p:by x="105000" y="105000"/>
+                                    </p:animScale>
+                                  </p:childTnLst>
+                                </p:cTn>
+                              </p:par>
+                              <p:par>
+                                <p:cTn id="43" presetID="22" presetClass="entr" presetSubtype="4" fill="hold" nodeType="withEffect">
+                                  <p:stCondLst>
+                                    <p:cond delay="0"/>
+                                  </p:stCondLst>
+                                  <p:childTnLst>
+                                    <p:set>
+                                      <p:cBhvr>
+                                        <p:cTn id="44" dur="1" fill="hold">
+                                          <p:stCondLst>
+                                            <p:cond delay="0"/>
+                                          </p:stCondLst>
+                                        </p:cTn>
+                                        <p:tgtEl>
+                                          <p:spTgt spid="69"/>
+                                        </p:tgtEl>
+                                        <p:attrNameLst>
+                                          <p:attrName>style.visibility</p:attrName>
+                                        </p:attrNameLst>
+                                      </p:cBhvr>
+                                      <p:to>
+                                        <p:strVal val="visible"/>
+                                      </p:to>
+                                    </p:set>
+                                    <p:animEffect transition="in" filter="wipe(down)">
+                                      <p:cBhvr>
+                                        <p:cTn id="45" dur="250"/>
+                                        <p:tgtEl>
+                                          <p:spTgt spid="69"/>
+                                        </p:tgtEl>
+                                      </p:cBhvr>
+                                    </p:animEffect>
+                                  </p:childTnLst>
+                                </p:cTn>
+                              </p:par>
+                            </p:childTnLst>
+                          </p:cTn>
+                        </p:par>
+                      </p:childTnLst>
+                    </p:cTn>
+                  </p:par>
+                  <p:par>
+                    <p:cTn id="46" fill="hold">
+                      <p:stCondLst>
+                        <p:cond delay="indefinite"/>
+                      </p:stCondLst>
+                      <p:childTnLst>
+                        <p:par>
+                          <p:cTn id="47" fill="hold">
+                            <p:stCondLst>
+                              <p:cond delay="0"/>
+                            </p:stCondLst>
+                            <p:childTnLst>
+                              <p:par>
+                                <p:cTn id="48" presetID="26" presetClass="emph" presetSubtype="0" fill="hold" nodeType="clickEffect">
+                                  <p:stCondLst>
+                                    <p:cond delay="0"/>
+                                  </p:stCondLst>
+                                  <p:childTnLst>
+                                    <p:animEffect transition="out" filter="fade">
+                                      <p:cBhvr>
+                                        <p:cTn id="49" dur="500" tmFilter="0, 0; .2, .5; .8, .5; 1, 0"/>
+                                        <p:tgtEl>
+                                          <p:spTgt spid="28"/>
+                                        </p:tgtEl>
+                                      </p:cBhvr>
+                                    </p:animEffect>
+                                    <p:animScale>
+                                      <p:cBhvr>
+                                        <p:cTn id="50" dur="250" autoRev="1" fill="hold"/>
+                                        <p:tgtEl>
+                                          <p:spTgt spid="28"/>
+                                        </p:tgtEl>
+                                      </p:cBhvr>
+                                      <p:by x="105000" y="105000"/>
+                                    </p:animScale>
+                                  </p:childTnLst>
+                                </p:cTn>
+                              </p:par>
+                              <p:par>
+                                <p:cTn id="51" presetID="22" presetClass="entr" presetSubtype="4" fill="hold" nodeType="withEffect">
+                                  <p:stCondLst>
+                                    <p:cond delay="0"/>
+                                  </p:stCondLst>
+                                  <p:childTnLst>
+                                    <p:set>
+                                      <p:cBhvr>
+                                        <p:cTn id="52" dur="1" fill="hold">
+                                          <p:stCondLst>
+                                            <p:cond delay="0"/>
+                                          </p:stCondLst>
+                                        </p:cTn>
+                                        <p:tgtEl>
+                                          <p:spTgt spid="47"/>
+                                        </p:tgtEl>
+                                        <p:attrNameLst>
+                                          <p:attrName>style.visibility</p:attrName>
+                                        </p:attrNameLst>
+                                      </p:cBhvr>
+                                      <p:to>
+                                        <p:strVal val="visible"/>
+                                      </p:to>
+                                    </p:set>
+                                    <p:animEffect transition="in" filter="wipe(down)">
+                                      <p:cBhvr>
+                                        <p:cTn id="53" dur="250"/>
+                                        <p:tgtEl>
+                                          <p:spTgt spid="47"/>
+                                        </p:tgtEl>
+                                      </p:cBhvr>
+                                    </p:animEffect>
+                                  </p:childTnLst>
+                                </p:cTn>
+                              </p:par>
+                              <p:par>
+                                <p:cTn id="54" presetID="22" presetClass="entr" presetSubtype="8" fill="hold" nodeType="withEffect">
+                                  <p:stCondLst>
+                                    <p:cond delay="0"/>
+                                  </p:stCondLst>
+                                  <p:childTnLst>
+                                    <p:set>
+                                      <p:cBhvr>
+                                        <p:cTn id="55" dur="1" fill="hold">
+                                          <p:stCondLst>
+                                            <p:cond delay="0"/>
+                                          </p:stCondLst>
+                                        </p:cTn>
+                                        <p:tgtEl>
+                                          <p:spTgt spid="98"/>
+                                        </p:tgtEl>
+                                        <p:attrNameLst>
+                                          <p:attrName>style.visibility</p:attrName>
+                                        </p:attrNameLst>
+                                      </p:cBhvr>
+                                      <p:to>
+                                        <p:strVal val="visible"/>
+                                      </p:to>
+                                    </p:set>
+                                    <p:animEffect transition="in" filter="wipe(left)">
+                                      <p:cBhvr>
+                                        <p:cTn id="56" dur="250"/>
+                                        <p:tgtEl>
+                                          <p:spTgt spid="98"/>
+                                        </p:tgtEl>
+                                      </p:cBhvr>
+                                    </p:animEffect>
+                                  </p:childTnLst>
+                                </p:cTn>
+                              </p:par>
+                            </p:childTnLst>
+                          </p:cTn>
+                        </p:par>
+                      </p:childTnLst>
+                    </p:cTn>
+                  </p:par>
+                </p:childTnLst>
+              </p:cTn>
+              <p:prevCondLst>
+                <p:cond evt="onPrev" delay="0">
+                  <p:tgtEl>
+                    <p:sldTgt/>
+                  </p:tgtEl>
+                </p:cond>
+              </p:prevCondLst>
+              <p:nextCondLst>
+                <p:cond evt="onNext" delay="0">
+                  <p:tgtEl>
+                    <p:sldTgt/>
+                  </p:tgtEl>
+                </p:cond>
+              </p:nextCondLst>
+            </p:seq>
+          </p:childTnLst>
+        </p:cTn>
+      </p:par>
+    </p:tnLst>
+  </p:timing>
+</p:sld>
+</file>
+
+<file path=ppt/slides/slide9.xml><?xml version="1.0" encoding="utf-8"?>
+<p:sld xmlns:a="http://schemas.openxmlformats.org/drawingml/2006/main" xmlns:r="http://schemas.openxmlformats.org/officeDocument/2006/relationships" xmlns:p="http://schemas.openxmlformats.org/presentationml/2006/main">
+  <p:cSld>
+    <p:spTree>
+      <p:nvGrpSpPr>
+        <p:cNvPr id="1" name=""/>
+        <p:cNvGrpSpPr/>
+        <p:nvPr/>
+      </p:nvGrpSpPr>
+      <p:grpSpPr>
+        <a:xfrm>
+          <a:off x="0" y="0"/>
+          <a:ext cx="0" cy="0"/>
+          <a:chOff x="0" y="0"/>
+          <a:chExt cx="0" cy="0"/>
+        </a:xfrm>
+      </p:grpSpPr>
+      <p:sp>
+        <p:nvSpPr>
+          <p:cNvPr id="2" name="Titre 1"/>
+          <p:cNvSpPr>
+            <a:spLocks noGrp="1"/>
+          </p:cNvSpPr>
+          <p:nvPr>
+            <p:ph type="title"/>
+          </p:nvPr>
+        </p:nvSpPr>
+        <p:spPr/>
+        <p:txBody>
+          <a:bodyPr>
+            <a:normAutofit/>
+          </a:bodyPr>
+          <a:lstStyle/>
+          <a:p>
+            <a:r>
+              <a:rPr lang="fr-FR" dirty="0" smtClean="0"/>
+              <a:t>Détection des différences</a:t>
+            </a:r>
+            <a:endParaRPr lang="fr-FR" dirty="0"/>
+          </a:p>
+        </p:txBody>
+      </p:sp>
+      <p:sp>
+        <p:nvSpPr>
+          <p:cNvPr id="4" name="Espace réservé du pied de page 3"/>
+          <p:cNvSpPr>
+            <a:spLocks noGrp="1"/>
+          </p:cNvSpPr>
+          <p:nvPr>
+            <p:ph type="ftr" sz="quarter" idx="11"/>
+          </p:nvPr>
+        </p:nvSpPr>
+        <p:spPr/>
+        <p:txBody>
+          <a:bodyPr vert="horz" anchor="ctr"/>
+          <a:lstStyle/>
+          <a:p>
+            <a:r>
+              <a:rPr lang="fr-FR" smtClean="0">
+                <a:solidFill>
+                  <a:srgbClr val="FF6600"/>
+                </a:solidFill>
+              </a:rPr>
+              <a:t>Robin Jarry – Surveillance des interfaces logicielles</a:t>
+            </a:r>
+            <a:endParaRPr lang="fr-FR" dirty="0">
+              <a:solidFill>
+                <a:srgbClr val="FF6600"/>
+              </a:solidFill>
+            </a:endParaRPr>
+          </a:p>
+        </p:txBody>
+      </p:sp>
+      <p:sp>
+        <p:nvSpPr>
+          <p:cNvPr id="5" name="Espace réservé du numéro de diapositive 4"/>
+          <p:cNvSpPr>
+            <a:spLocks noGrp="1"/>
+          </p:cNvSpPr>
+          <p:nvPr>
+            <p:ph type="sldNum" sz="quarter" idx="12"/>
+          </p:nvPr>
+        </p:nvSpPr>
+        <p:spPr/>
+        <p:txBody>
+          <a:bodyPr>
+            <a:normAutofit fontScale="85000" lnSpcReduction="20000"/>
+          </a:bodyPr>
+          <a:lstStyle/>
+          <a:p>
+            <a:fld id="{50935222-B196-4F9B-9AEC-1292459A754A}" type="slidenum">
+              <a:rPr lang="fr-FR" smtClean="0"/>
+              <a:pPr/>
+              <a:t>9</a:t>
             </a:fld>
             <a:endParaRPr lang="fr-FR"/>
           </a:p>
@@ -17839,47 +21719,6 @@
           </a:p>
         </p:txBody>
       </p:sp>
-      <p:pic>
-        <p:nvPicPr>
-          <p:cNvPr id="23" name="Picture 5" descr="d:\Documents and Settings\s0030382\Bureau\rules_1668_1668.gif"/>
-          <p:cNvPicPr>
-            <a:picLocks noChangeAspect="1" noChangeArrowheads="1"/>
-          </p:cNvPicPr>
-          <p:nvPr/>
-        </p:nvPicPr>
-        <p:blipFill>
-          <a:blip r:embed="rId4" cstate="print">
-            <a:extLst>
-              <a:ext uri="{28A0092B-C50C-407E-A947-70E740481C1C}">
-                <a14:useLocalDpi xmlns:a14="http://schemas.microsoft.com/office/drawing/2010/main"/>
-              </a:ext>
-            </a:extLst>
-          </a:blip>
-          <a:srcRect/>
-          <a:stretch>
-            <a:fillRect/>
-          </a:stretch>
-        </p:blipFill>
-        <p:spPr bwMode="auto">
-          <a:xfrm>
-            <a:off x="4327343" y="5047442"/>
-            <a:ext cx="955824" cy="955824"/>
-          </a:xfrm>
-          <a:prstGeom prst="rect">
-            <a:avLst/>
-          </a:prstGeom>
-          <a:noFill/>
-          <a:extLst>
-            <a:ext uri="{909E8E84-426E-40DD-AFC4-6F175D3DCCD1}">
-              <a14:hiddenFill xmlns:a14="http://schemas.microsoft.com/office/drawing/2010/main">
-                <a:solidFill>
-                  <a:srgbClr val="FFFFFF"/>
-                </a:solidFill>
-              </a14:hiddenFill>
-            </a:ext>
-          </a:extLst>
-        </p:spPr>
-      </p:pic>
       <p:sp>
         <p:nvSpPr>
           <p:cNvPr id="25" name="Flèche droite 24"/>
@@ -17888,8 +21727,8 @@
         </p:nvSpPr>
         <p:spPr>
           <a:xfrm>
-            <a:off x="5568953" y="4508317"/>
-            <a:ext cx="792088" cy="604504"/>
+            <a:off x="5568952" y="4434939"/>
+            <a:ext cx="1523328" cy="751259"/>
           </a:xfrm>
           <a:prstGeom prst="rightArrow">
             <a:avLst/>
@@ -17927,196 +21766,130 @@
           <a:lstStyle/>
           <a:p>
             <a:pPr algn="ctr"/>
+            <a:r>
+              <a:rPr lang="fr-FR" dirty="0" smtClean="0"/>
+              <a:t>différences</a:t>
+            </a:r>
             <a:endParaRPr lang="fr-FR" dirty="0"/>
           </a:p>
         </p:txBody>
       </p:sp>
-      <p:grpSp>
-        <p:nvGrpSpPr>
-          <p:cNvPr id="11" name="Groupe 10"/>
-          <p:cNvGrpSpPr/>
+      <p:sp>
+        <p:nvSpPr>
+          <p:cNvPr id="30" name="Rectangle à coins arrondis 29"/>
+          <p:cNvSpPr/>
           <p:nvPr/>
-        </p:nvGrpSpPr>
-        <p:grpSpPr>
-          <a:xfrm>
-            <a:off x="6395894" y="4435458"/>
-            <a:ext cx="2441325" cy="622617"/>
-            <a:chOff x="6615861" y="4101562"/>
-            <a:chExt cx="2441325" cy="622617"/>
-          </a:xfrm>
-        </p:grpSpPr>
-        <p:pic>
-          <p:nvPicPr>
-            <p:cNvPr id="27" name="Picture 6" descr="d:\Documents and Settings\s0030382\Bureau\PK2051VIOLATION.gif"/>
-            <p:cNvPicPr>
-              <a:picLocks noChangeAspect="1" noChangeArrowheads="1"/>
-            </p:cNvPicPr>
-            <p:nvPr/>
-          </p:nvPicPr>
-          <p:blipFill rotWithShape="1">
-            <a:blip r:embed="rId5" cstate="print">
-              <a:extLst>
-                <a:ext uri="{28A0092B-C50C-407E-A947-70E740481C1C}">
-                  <a14:useLocalDpi xmlns:a14="http://schemas.microsoft.com/office/drawing/2010/main"/>
-                </a:ext>
-              </a:extLst>
-            </a:blip>
-            <a:srcRect l="599" t="887" r="2378" b="64542"/>
-            <a:stretch/>
-          </p:blipFill>
-          <p:spPr bwMode="auto">
-            <a:xfrm rot="20817335">
-              <a:off x="6869388" y="4229167"/>
-              <a:ext cx="2187798" cy="495012"/>
-            </a:xfrm>
-            <a:prstGeom prst="rect">
-              <a:avLst/>
-            </a:prstGeom>
-            <a:noFill/>
-            <a:effectLst>
-              <a:outerShdw blurRad="50800" dist="38100" dir="2700000" algn="tl" rotWithShape="0">
-                <a:prstClr val="black">
-                  <a:alpha val="40000"/>
-                </a:prstClr>
-              </a:outerShdw>
-            </a:effectLst>
-            <a:extLst>
-              <a:ext uri="{909E8E84-426E-40DD-AFC4-6F175D3DCCD1}">
-                <a14:hiddenFill xmlns:a14="http://schemas.microsoft.com/office/drawing/2010/main">
-                  <a:solidFill>
-                    <a:srgbClr val="FFFFFF"/>
-                  </a:solidFill>
-                </a14:hiddenFill>
-              </a:ext>
-            </a:extLst>
-          </p:spPr>
-        </p:pic>
-        <p:pic>
-          <p:nvPicPr>
-            <p:cNvPr id="26" name="Picture 6" descr="d:\Documents and Settings\s0030382\Bureau\PK2051VIOLATION.gif"/>
-            <p:cNvPicPr>
-              <a:picLocks noChangeAspect="1" noChangeArrowheads="1"/>
-            </p:cNvPicPr>
-            <p:nvPr/>
-          </p:nvPicPr>
-          <p:blipFill rotWithShape="1">
-            <a:blip r:embed="rId5" cstate="print">
-              <a:extLst>
-                <a:ext uri="{28A0092B-C50C-407E-A947-70E740481C1C}">
-                  <a14:useLocalDpi xmlns:a14="http://schemas.microsoft.com/office/drawing/2010/main"/>
-                </a:ext>
-              </a:extLst>
-            </a:blip>
-            <a:srcRect l="599" t="887" r="2378" b="64542"/>
-            <a:stretch/>
-          </p:blipFill>
-          <p:spPr bwMode="auto">
-            <a:xfrm rot="20817335">
-              <a:off x="6742624" y="4167039"/>
-              <a:ext cx="2187798" cy="495012"/>
-            </a:xfrm>
-            <a:prstGeom prst="rect">
-              <a:avLst/>
-            </a:prstGeom>
-            <a:noFill/>
-            <a:effectLst>
-              <a:outerShdw blurRad="50800" dist="38100" dir="2700000" algn="tl" rotWithShape="0">
-                <a:prstClr val="black">
-                  <a:alpha val="40000"/>
-                </a:prstClr>
-              </a:outerShdw>
-            </a:effectLst>
-            <a:extLst>
-              <a:ext uri="{909E8E84-426E-40DD-AFC4-6F175D3DCCD1}">
-                <a14:hiddenFill xmlns:a14="http://schemas.microsoft.com/office/drawing/2010/main">
-                  <a:solidFill>
-                    <a:srgbClr val="FFFFFF"/>
-                  </a:solidFill>
-                </a14:hiddenFill>
-              </a:ext>
-            </a:extLst>
-          </p:spPr>
-        </p:pic>
-        <p:pic>
-          <p:nvPicPr>
-            <p:cNvPr id="28" name="Picture 6" descr="d:\Documents and Settings\s0030382\Bureau\PK2051VIOLATION.gif"/>
-            <p:cNvPicPr>
-              <a:picLocks noChangeAspect="1" noChangeArrowheads="1"/>
-            </p:cNvPicPr>
-            <p:nvPr/>
-          </p:nvPicPr>
-          <p:blipFill rotWithShape="1">
-            <a:blip r:embed="rId5" cstate="print">
-              <a:extLst>
-                <a:ext uri="{28A0092B-C50C-407E-A947-70E740481C1C}">
-                  <a14:useLocalDpi xmlns:a14="http://schemas.microsoft.com/office/drawing/2010/main"/>
-                </a:ext>
-              </a:extLst>
-            </a:blip>
-            <a:srcRect l="599" t="887" r="2378" b="64542"/>
-            <a:stretch/>
-          </p:blipFill>
-          <p:spPr bwMode="auto">
-            <a:xfrm rot="20817335">
-              <a:off x="6615861" y="4101562"/>
-              <a:ext cx="2187798" cy="495012"/>
-            </a:xfrm>
-            <a:prstGeom prst="rect">
-              <a:avLst/>
-            </a:prstGeom>
-            <a:noFill/>
-            <a:effectLst>
-              <a:outerShdw blurRad="50800" dist="38100" dir="2700000" algn="tl" rotWithShape="0">
-                <a:prstClr val="black">
-                  <a:alpha val="40000"/>
-                </a:prstClr>
-              </a:outerShdw>
-            </a:effectLst>
-            <a:extLst>
-              <a:ext uri="{909E8E84-426E-40DD-AFC4-6F175D3DCCD1}">
-                <a14:hiddenFill xmlns:a14="http://schemas.microsoft.com/office/drawing/2010/main">
-                  <a:solidFill>
-                    <a:srgbClr val="FFFFFF"/>
-                  </a:solidFill>
-                </a14:hiddenFill>
-              </a:ext>
-            </a:extLst>
-          </p:spPr>
-        </p:pic>
-      </p:grpSp>
-      <p:pic>
-        <p:nvPicPr>
-          <p:cNvPr id="29" name="ahhhhh.gif">
-            <a:hlinkClick r:id="" action="ppaction://media"/>
-          </p:cNvPr>
-          <p:cNvPicPr>
-            <a:picLocks noChangeAspect="1"/>
-          </p:cNvPicPr>
-          <p:nvPr>
-            <a:videoFile r:link="rId2"/>
-            <p:extLst>
-              <p:ext uri="{DAA4B4D4-6D71-4841-9C94-3DE7FCFB9230}">
-                <p14:media xmlns:p14="http://schemas.microsoft.com/office/powerpoint/2010/main" r:embed="rId1"/>
-              </p:ext>
-            </p:extLst>
-          </p:nvPr>
-        </p:nvPicPr>
-        <p:blipFill>
-          <a:blip r:embed="rId6"/>
-          <a:stretch>
-            <a:fillRect/>
-          </a:stretch>
-        </p:blipFill>
+        </p:nvSpPr>
         <p:spPr>
           <a:xfrm>
-            <a:off x="8100392" y="5074536"/>
-            <a:ext cx="266700" cy="161925"/>
+            <a:off x="7164288" y="4361562"/>
+            <a:ext cx="1728192" cy="898014"/>
+          </a:xfrm>
+          <a:prstGeom prst="roundRect">
+            <a:avLst/>
+          </a:prstGeom>
+          <a:gradFill flip="none" rotWithShape="1">
+            <a:gsLst>
+              <a:gs pos="0">
+                <a:schemeClr val="accent2">
+                  <a:shade val="30000"/>
+                  <a:satMod val="115000"/>
+                  <a:alpha val="32000"/>
+                </a:schemeClr>
+              </a:gs>
+              <a:gs pos="50000">
+                <a:schemeClr val="accent2">
+                  <a:shade val="67500"/>
+                  <a:satMod val="115000"/>
+                  <a:alpha val="38000"/>
+                </a:schemeClr>
+              </a:gs>
+              <a:gs pos="100000">
+                <a:schemeClr val="accent2">
+                  <a:shade val="100000"/>
+                  <a:satMod val="115000"/>
+                  <a:alpha val="20000"/>
+                </a:schemeClr>
+              </a:gs>
+            </a:gsLst>
+            <a:lin ang="18900000" scaled="1"/>
+            <a:tileRect/>
+          </a:gradFill>
+          <a:ln>
+            <a:solidFill>
+              <a:schemeClr val="lt1">
+                <a:alpha val="46000"/>
+              </a:schemeClr>
+            </a:solidFill>
+            <a:prstDash val="sysDash"/>
+          </a:ln>
+        </p:spPr>
+        <p:style>
+          <a:lnRef idx="3">
+            <a:schemeClr val="lt1"/>
+          </a:lnRef>
+          <a:fillRef idx="1">
+            <a:schemeClr val="accent2"/>
+          </a:fillRef>
+          <a:effectRef idx="1">
+            <a:schemeClr val="accent2"/>
+          </a:effectRef>
+          <a:fontRef idx="minor">
+            <a:schemeClr val="lt1"/>
+          </a:fontRef>
+        </p:style>
+        <p:txBody>
+          <a:bodyPr rtlCol="0" anchor="ctr"/>
+          <a:lstStyle/>
+          <a:p>
+            <a:pPr algn="ctr"/>
+            <a:r>
+              <a:rPr lang="fr-FR" sz="2400" b="1" dirty="0" smtClean="0">
+                <a:solidFill>
+                  <a:srgbClr val="CDDAFF"/>
+                </a:solidFill>
+              </a:rPr>
+              <a:t>Règles de stabilité</a:t>
+            </a:r>
+            <a:endParaRPr lang="fr-FR" sz="1600" b="1" dirty="0" smtClean="0">
+              <a:solidFill>
+                <a:srgbClr val="CDDAFF"/>
+              </a:solidFill>
+            </a:endParaRPr>
+          </a:p>
+        </p:txBody>
+      </p:sp>
+      <p:sp>
+        <p:nvSpPr>
+          <p:cNvPr id="31" name="ZoneTexte 30"/>
+          <p:cNvSpPr txBox="1"/>
+          <p:nvPr/>
+        </p:nvSpPr>
+        <p:spPr>
+          <a:xfrm>
+            <a:off x="3705906" y="5347338"/>
+            <a:ext cx="1448543" cy="769441"/>
           </a:xfrm>
           <a:prstGeom prst="rect">
             <a:avLst/>
           </a:prstGeom>
+          <a:noFill/>
         </p:spPr>
-      </p:pic>
+        <p:txBody>
+          <a:bodyPr wrap="square" rtlCol="0">
+            <a:spAutoFit/>
+          </a:bodyPr>
+          <a:lstStyle/>
+          <a:p>
+            <a:pPr algn="ctr"/>
+            <a:r>
+              <a:rPr lang="fr-FR" sz="1100" dirty="0" smtClean="0"/>
+              <a:t>Algorithme de comparaison complexe : élément par élément.</a:t>
+            </a:r>
+            <a:endParaRPr lang="fr-FR" sz="1100" dirty="0"/>
+          </a:p>
+        </p:txBody>
+      </p:sp>
     </p:spTree>
     <p:extLst>
       <p:ext uri="{BB962C8B-B14F-4D97-AF65-F5344CB8AC3E}">
@@ -18363,7 +22136,7 @@
                             </p:stCondLst>
                             <p:childTnLst>
                               <p:par>
-                                <p:cTn id="25" presetID="42" presetClass="entr" presetSubtype="0" fill="hold" nodeType="clickEffect">
+                                <p:cTn id="25" presetID="22" presetClass="entr" presetSubtype="8" fill="hold" grpId="0" nodeType="clickEffect">
                                   <p:stCondLst>
                                     <p:cond delay="0"/>
                                   </p:stCondLst>
@@ -18376,7 +22149,42 @@
                                           </p:stCondLst>
                                         </p:cTn>
                                         <p:tgtEl>
-                                          <p:spTgt spid="23"/>
+                                          <p:spTgt spid="25"/>
+                                        </p:tgtEl>
+                                        <p:attrNameLst>
+                                          <p:attrName>style.visibility</p:attrName>
+                                        </p:attrNameLst>
+                                      </p:cBhvr>
+                                      <p:to>
+                                        <p:strVal val="visible"/>
+                                      </p:to>
+                                    </p:set>
+                                    <p:animEffect transition="in" filter="wipe(left)">
+                                      <p:cBhvr>
+                                        <p:cTn id="27" dur="250"/>
+                                        <p:tgtEl>
+                                          <p:spTgt spid="25"/>
+                                        </p:tgtEl>
+                                      </p:cBhvr>
+                                    </p:animEffect>
+                                  </p:childTnLst>
+                                </p:cTn>
+                              </p:par>
+                              <p:par>
+                                <p:cTn id="28" presetID="10" presetClass="entr" presetSubtype="0" fill="hold" grpId="0" nodeType="withEffect">
+                                  <p:stCondLst>
+                                    <p:cond delay="0"/>
+                                  </p:stCondLst>
+                                  <p:childTnLst>
+                                    <p:set>
+                                      <p:cBhvr>
+                                        <p:cTn id="29" dur="1" fill="hold">
+                                          <p:stCondLst>
+                                            <p:cond delay="0"/>
+                                          </p:stCondLst>
+                                        </p:cTn>
+                                        <p:tgtEl>
+                                          <p:spTgt spid="31"/>
                                         </p:tgtEl>
                                         <p:attrNameLst>
                                           <p:attrName>style.visibility</p:attrName>
@@ -18388,244 +22196,12 @@
                                     </p:set>
                                     <p:animEffect transition="in" filter="fade">
                                       <p:cBhvr>
-                                        <p:cTn id="27" dur="500"/>
-                                        <p:tgtEl>
-                                          <p:spTgt spid="23"/>
+                                        <p:cTn id="30" dur="500"/>
+                                        <p:tgtEl>
+                                          <p:spTgt spid="31"/>
                                         </p:tgtEl>
                                       </p:cBhvr>
                                     </p:animEffect>
-                                    <p:anim calcmode="lin" valueType="num">
-                                      <p:cBhvr>
-                                        <p:cTn id="28" dur="500" fill="hold"/>
-                                        <p:tgtEl>
-                                          <p:spTgt spid="23"/>
-                                        </p:tgtEl>
-                                        <p:attrNameLst>
-                                          <p:attrName>ppt_x</p:attrName>
-                                        </p:attrNameLst>
-                                      </p:cBhvr>
-                                      <p:tavLst>
-                                        <p:tav tm="0">
-                                          <p:val>
-                                            <p:strVal val="#ppt_x"/>
-                                          </p:val>
-                                        </p:tav>
-                                        <p:tav tm="100000">
-                                          <p:val>
-                                            <p:strVal val="#ppt_x"/>
-                                          </p:val>
-                                        </p:tav>
-                                      </p:tavLst>
-                                    </p:anim>
-                                    <p:anim calcmode="lin" valueType="num">
-                                      <p:cBhvr>
-                                        <p:cTn id="29" dur="500" fill="hold"/>
-                                        <p:tgtEl>
-                                          <p:spTgt spid="23"/>
-                                        </p:tgtEl>
-                                        <p:attrNameLst>
-                                          <p:attrName>ppt_y</p:attrName>
-                                        </p:attrNameLst>
-                                      </p:cBhvr>
-                                      <p:tavLst>
-                                        <p:tav tm="0">
-                                          <p:val>
-                                            <p:strVal val="#ppt_y+.1"/>
-                                          </p:val>
-                                        </p:tav>
-                                        <p:tav tm="100000">
-                                          <p:val>
-                                            <p:strVal val="#ppt_y"/>
-                                          </p:val>
-                                        </p:tav>
-                                      </p:tavLst>
-                                    </p:anim>
-                                  </p:childTnLst>
-                                </p:cTn>
-                              </p:par>
-                            </p:childTnLst>
-                          </p:cTn>
-                        </p:par>
-                      </p:childTnLst>
-                    </p:cTn>
-                  </p:par>
-                  <p:par>
-                    <p:cTn id="30" fill="hold">
-                      <p:stCondLst>
-                        <p:cond delay="indefinite"/>
-                      </p:stCondLst>
-                      <p:childTnLst>
-                        <p:par>
-                          <p:cTn id="31" fill="hold">
-                            <p:stCondLst>
-                              <p:cond delay="0"/>
-                            </p:stCondLst>
-                            <p:childTnLst>
-                              <p:par>
-                                <p:cTn id="32" presetID="22" presetClass="entr" presetSubtype="8" fill="hold" grpId="0" nodeType="clickEffect">
-                                  <p:stCondLst>
-                                    <p:cond delay="0"/>
-                                  </p:stCondLst>
-                                  <p:childTnLst>
-                                    <p:set>
-                                      <p:cBhvr>
-                                        <p:cTn id="33" dur="1" fill="hold">
-                                          <p:stCondLst>
-                                            <p:cond delay="0"/>
-                                          </p:stCondLst>
-                                        </p:cTn>
-                                        <p:tgtEl>
-                                          <p:spTgt spid="25"/>
-                                        </p:tgtEl>
-                                        <p:attrNameLst>
-                                          <p:attrName>style.visibility</p:attrName>
-                                        </p:attrNameLst>
-                                      </p:cBhvr>
-                                      <p:to>
-                                        <p:strVal val="visible"/>
-                                      </p:to>
-                                    </p:set>
-                                    <p:animEffect transition="in" filter="wipe(left)">
-                                      <p:cBhvr>
-                                        <p:cTn id="34" dur="250"/>
-                                        <p:tgtEl>
-                                          <p:spTgt spid="25"/>
-                                        </p:tgtEl>
-                                      </p:cBhvr>
-                                    </p:animEffect>
-                                  </p:childTnLst>
-                                </p:cTn>
-                              </p:par>
-                              <p:par>
-                                <p:cTn id="35" presetID="53" presetClass="entr" presetSubtype="16" fill="hold" nodeType="withEffect">
-                                  <p:stCondLst>
-                                    <p:cond delay="0"/>
-                                  </p:stCondLst>
-                                  <p:childTnLst>
-                                    <p:set>
-                                      <p:cBhvr>
-                                        <p:cTn id="36" dur="1" fill="hold">
-                                          <p:stCondLst>
-                                            <p:cond delay="0"/>
-                                          </p:stCondLst>
-                                        </p:cTn>
-                                        <p:tgtEl>
-                                          <p:spTgt spid="11"/>
-                                        </p:tgtEl>
-                                        <p:attrNameLst>
-                                          <p:attrName>style.visibility</p:attrName>
-                                        </p:attrNameLst>
-                                      </p:cBhvr>
-                                      <p:to>
-                                        <p:strVal val="visible"/>
-                                      </p:to>
-                                    </p:set>
-                                    <p:anim calcmode="lin" valueType="num">
-                                      <p:cBhvr>
-                                        <p:cTn id="37" dur="250" fill="hold"/>
-                                        <p:tgtEl>
-                                          <p:spTgt spid="11"/>
-                                        </p:tgtEl>
-                                        <p:attrNameLst>
-                                          <p:attrName>ppt_w</p:attrName>
-                                        </p:attrNameLst>
-                                      </p:cBhvr>
-                                      <p:tavLst>
-                                        <p:tav tm="0">
-                                          <p:val>
-                                            <p:fltVal val="0"/>
-                                          </p:val>
-                                        </p:tav>
-                                        <p:tav tm="100000">
-                                          <p:val>
-                                            <p:strVal val="#ppt_w"/>
-                                          </p:val>
-                                        </p:tav>
-                                      </p:tavLst>
-                                    </p:anim>
-                                    <p:anim calcmode="lin" valueType="num">
-                                      <p:cBhvr>
-                                        <p:cTn id="38" dur="250" fill="hold"/>
-                                        <p:tgtEl>
-                                          <p:spTgt spid="11"/>
-                                        </p:tgtEl>
-                                        <p:attrNameLst>
-                                          <p:attrName>ppt_h</p:attrName>
-                                        </p:attrNameLst>
-                                      </p:cBhvr>
-                                      <p:tavLst>
-                                        <p:tav tm="0">
-                                          <p:val>
-                                            <p:fltVal val="0"/>
-                                          </p:val>
-                                        </p:tav>
-                                        <p:tav tm="100000">
-                                          <p:val>
-                                            <p:strVal val="#ppt_h"/>
-                                          </p:val>
-                                        </p:tav>
-                                      </p:tavLst>
-                                    </p:anim>
-                                    <p:animEffect transition="in" filter="fade">
-                                      <p:cBhvr>
-                                        <p:cTn id="39" dur="250"/>
-                                        <p:tgtEl>
-                                          <p:spTgt spid="11"/>
-                                        </p:tgtEl>
-                                      </p:cBhvr>
-                                    </p:animEffect>
-                                  </p:childTnLst>
-                                </p:cTn>
-                              </p:par>
-                              <p:par>
-                                <p:cTn id="40" presetID="10" presetClass="entr" presetSubtype="0" fill="hold" nodeType="withEffect">
-                                  <p:stCondLst>
-                                    <p:cond delay="0"/>
-                                  </p:stCondLst>
-                                  <p:childTnLst>
-                                    <p:set>
-                                      <p:cBhvr>
-                                        <p:cTn id="41" dur="1" fill="hold">
-                                          <p:stCondLst>
-                                            <p:cond delay="0"/>
-                                          </p:stCondLst>
-                                        </p:cTn>
-                                        <p:tgtEl>
-                                          <p:spTgt spid="29"/>
-                                        </p:tgtEl>
-                                        <p:attrNameLst>
-                                          <p:attrName>style.visibility</p:attrName>
-                                        </p:attrNameLst>
-                                      </p:cBhvr>
-                                      <p:to>
-                                        <p:strVal val="visible"/>
-                                      </p:to>
-                                    </p:set>
-                                    <p:animEffect transition="in" filter="fade">
-                                      <p:cBhvr>
-                                        <p:cTn id="42" dur="250"/>
-                                        <p:tgtEl>
-                                          <p:spTgt spid="29"/>
-                                        </p:tgtEl>
-                                      </p:cBhvr>
-                                    </p:animEffect>
-                                  </p:childTnLst>
-                                </p:cTn>
-                              </p:par>
-                              <p:par>
-                                <p:cTn id="43" presetID="1" presetClass="mediacall" presetSubtype="0" fill="hold" nodeType="withEffect">
-                                  <p:stCondLst>
-                                    <p:cond delay="0"/>
-                                  </p:stCondLst>
-                                  <p:childTnLst>
-                                    <p:cmd type="call" cmd="playFrom(0.0)">
-                                      <p:cBhvr>
-                                        <p:cTn id="44" dur="1500" fill="hold"/>
-                                        <p:tgtEl>
-                                          <p:spTgt spid="29"/>
-                                        </p:tgtEl>
-                                      </p:cBhvr>
-                                    </p:cmd>
                                   </p:childTnLst>
                                 </p:cTn>
                               </p:par>
@@ -18652,18 +22228,6 @@
                 </p:cond>
               </p:nextCondLst>
             </p:seq>
-            <p:video>
-              <p:cMediaNode vol="80000">
-                <p:cTn id="45" repeatCount="indefinite" fill="hold" display="0">
-                  <p:stCondLst>
-                    <p:cond delay="indefinite"/>
-                  </p:stCondLst>
-                </p:cTn>
-                <p:tgtEl>
-                  <p:spTgt spid="29"/>
-                </p:tgtEl>
-              </p:cMediaNode>
-            </p:video>
           </p:childTnLst>
         </p:cTn>
       </p:par>
@@ -18673,214 +22237,8 @@
       <p:bldP spid="37" grpId="0" animBg="1"/>
       <p:bldP spid="3" grpId="0" animBg="1"/>
       <p:bldP spid="25" grpId="0" animBg="1"/>
+      <p:bldP spid="31" grpId="0"/>
     </p:bldLst>
-  </p:timing>
-</p:sld>
-</file>
-
-<file path=ppt/slides/slide9.xml><?xml version="1.0" encoding="utf-8"?>
-<p:sld xmlns:a="http://schemas.openxmlformats.org/drawingml/2006/main" xmlns:r="http://schemas.openxmlformats.org/officeDocument/2006/relationships" xmlns:p="http://schemas.openxmlformats.org/presentationml/2006/main">
-  <p:cSld>
-    <p:spTree>
-      <p:nvGrpSpPr>
-        <p:cNvPr id="1" name=""/>
-        <p:cNvGrpSpPr/>
-        <p:nvPr/>
-      </p:nvGrpSpPr>
-      <p:grpSpPr>
-        <a:xfrm>
-          <a:off x="0" y="0"/>
-          <a:ext cx="0" cy="0"/>
-          <a:chOff x="0" y="0"/>
-          <a:chExt cx="0" cy="0"/>
-        </a:xfrm>
-      </p:grpSpPr>
-      <p:sp>
-        <p:nvSpPr>
-          <p:cNvPr id="2" name="Titre 1"/>
-          <p:cNvSpPr>
-            <a:spLocks noGrp="1"/>
-          </p:cNvSpPr>
-          <p:nvPr>
-            <p:ph type="title"/>
-          </p:nvPr>
-        </p:nvSpPr>
-        <p:spPr/>
-        <p:txBody>
-          <a:bodyPr/>
-          <a:lstStyle/>
-          <a:p>
-            <a:r>
-              <a:rPr lang="fr-FR" dirty="0" smtClean="0"/>
-              <a:t>Démonstration</a:t>
-            </a:r>
-            <a:endParaRPr lang="fr-FR" dirty="0"/>
-          </a:p>
-        </p:txBody>
-      </p:sp>
-      <p:sp>
-        <p:nvSpPr>
-          <p:cNvPr id="4" name="Espace réservé de la date 3"/>
-          <p:cNvSpPr>
-            <a:spLocks noGrp="1"/>
-          </p:cNvSpPr>
-          <p:nvPr>
-            <p:ph type="dt" sz="half" idx="10"/>
-          </p:nvPr>
-        </p:nvSpPr>
-        <p:spPr/>
-        <p:txBody>
-          <a:bodyPr vert="horz" anchor="ctr"/>
-          <a:lstStyle/>
-          <a:p>
-            <a:pPr algn="r"/>
-            <a:r>
-              <a:rPr lang="fr-FR" smtClean="0">
-                <a:solidFill>
-                  <a:srgbClr val="FF6600"/>
-                </a:solidFill>
-              </a:rPr>
-              <a:t>12 février 2013</a:t>
-            </a:r>
-            <a:endParaRPr lang="fr-FR" dirty="0">
-              <a:solidFill>
-                <a:srgbClr val="FF6600"/>
-              </a:solidFill>
-            </a:endParaRPr>
-          </a:p>
-        </p:txBody>
-      </p:sp>
-      <p:sp>
-        <p:nvSpPr>
-          <p:cNvPr id="5" name="Espace réservé du pied de page 4"/>
-          <p:cNvSpPr>
-            <a:spLocks noGrp="1"/>
-          </p:cNvSpPr>
-          <p:nvPr>
-            <p:ph type="ftr" sz="quarter" idx="11"/>
-          </p:nvPr>
-        </p:nvSpPr>
-        <p:spPr/>
-        <p:txBody>
-          <a:bodyPr/>
-          <a:lstStyle/>
-          <a:p>
-            <a:r>
-              <a:rPr lang="fr-FR" smtClean="0">
-                <a:solidFill>
-                  <a:srgbClr val="FF6600"/>
-                </a:solidFill>
-              </a:rPr>
-              <a:t>Robin Jarry – Surveillance des interfaces logicielles</a:t>
-            </a:r>
-            <a:endParaRPr lang="fr-FR" dirty="0">
-              <a:solidFill>
-                <a:srgbClr val="FF6600"/>
-              </a:solidFill>
-            </a:endParaRPr>
-          </a:p>
-        </p:txBody>
-      </p:sp>
-      <p:sp>
-        <p:nvSpPr>
-          <p:cNvPr id="6" name="Espace réservé du numéro de diapositive 5"/>
-          <p:cNvSpPr>
-            <a:spLocks noGrp="1"/>
-          </p:cNvSpPr>
-          <p:nvPr>
-            <p:ph type="sldNum" sz="quarter" idx="12"/>
-          </p:nvPr>
-        </p:nvSpPr>
-        <p:spPr/>
-        <p:txBody>
-          <a:bodyPr>
-            <a:normAutofit fontScale="85000" lnSpcReduction="20000"/>
-          </a:bodyPr>
-          <a:lstStyle/>
-          <a:p>
-            <a:fld id="{50935222-B196-4F9B-9AEC-1292459A754A}" type="slidenum">
-              <a:rPr lang="fr-FR" smtClean="0"/>
-              <a:pPr/>
-              <a:t>9</a:t>
-            </a:fld>
-            <a:endParaRPr lang="fr-FR"/>
-          </a:p>
-        </p:txBody>
-      </p:sp>
-      <p:pic>
-        <p:nvPicPr>
-          <p:cNvPr id="7" name="Picture 2" descr="d:\Documents and Settings\s0030382\Bureau\iStock_000007402908XSmall.jpg"/>
-          <p:cNvPicPr>
-            <a:picLocks noChangeAspect="1" noChangeArrowheads="1"/>
-          </p:cNvPicPr>
-          <p:nvPr/>
-        </p:nvPicPr>
-        <p:blipFill>
-          <a:blip r:embed="rId2">
-            <a:extLst>
-              <a:ext uri="{28A0092B-C50C-407E-A947-70E740481C1C}">
-                <a14:useLocalDpi xmlns:a14="http://schemas.microsoft.com/office/drawing/2010/main"/>
-              </a:ext>
-            </a:extLst>
-          </a:blip>
-          <a:srcRect/>
-          <a:stretch>
-            <a:fillRect/>
-          </a:stretch>
-        </p:blipFill>
-        <p:spPr bwMode="auto">
-          <a:xfrm>
-            <a:off x="2699792" y="1972862"/>
-            <a:ext cx="3220195" cy="3636101"/>
-          </a:xfrm>
-          <a:prstGeom prst="rect">
-            <a:avLst/>
-          </a:prstGeom>
-          <a:ln>
-            <a:noFill/>
-          </a:ln>
-          <a:effectLst>
-            <a:softEdge rad="112500"/>
-          </a:effectLst>
-          <a:extLst>
-            <a:ext uri="{909E8E84-426E-40DD-AFC4-6F175D3DCCD1}">
-              <a14:hiddenFill xmlns:a14="http://schemas.microsoft.com/office/drawing/2010/main">
-                <a:solidFill>
-                  <a:srgbClr val="FFFFFF"/>
-                </a:solidFill>
-              </a14:hiddenFill>
-            </a:ext>
-          </a:extLst>
-        </p:spPr>
-      </p:pic>
-    </p:spTree>
-    <p:extLst>
-      <p:ext uri="{BB962C8B-B14F-4D97-AF65-F5344CB8AC3E}">
-        <p14:creationId xmlns:p14="http://schemas.microsoft.com/office/powerpoint/2010/main" val="3673932555"/>
-      </p:ext>
-    </p:extLst>
-  </p:cSld>
-  <p:clrMapOvr>
-    <a:masterClrMapping/>
-  </p:clrMapOvr>
-  <mc:AlternateContent xmlns:mc="http://schemas.openxmlformats.org/markup-compatibility/2006" xmlns:p14="http://schemas.microsoft.com/office/powerpoint/2010/main">
-    <mc:Choice Requires="p14">
-      <p:transition p14:dur="250">
-        <p:push/>
-      </p:transition>
-    </mc:Choice>
-    <mc:Fallback xmlns="">
-      <p:transition>
-        <p:push/>
-      </p:transition>
-    </mc:Fallback>
-  </mc:AlternateContent>
-  <p:timing>
-    <p:tnLst>
-      <p:par>
-        <p:cTn id="1" dur="indefinite" restart="never" nodeType="tmRoot"/>
-      </p:par>
-    </p:tnLst>
   </p:timing>
 </p:sld>
 </file>
@@ -19788,14 +23146,6 @@
 </file>
 
 <file path=customXml/item1.xml><?xml version="1.0" encoding="utf-8"?>
-<ct:contentTypeSchema xmlns:ct="http://schemas.microsoft.com/office/2006/metadata/contentType" xmlns:ma="http://schemas.microsoft.com/office/2006/metadata/properties/metaAttributes" ct:_="" ma:_="" ma:contentTypeName="TemplateFile" ma:contentTypeID="0x01010069924D1ECC420D47A2456556BC94F7370400BDF4491DEA4973499845289601F88B9F" ma:contentTypeVersion="28" ma:contentTypeDescription="Create a new document." ma:contentTypeScope="" ma:versionID="3734922cae638a1d4f2b3c9f45d0aea3"/>
-</file>
-
-<file path=customXml/item2.xml><?xml version="1.0" encoding="utf-8"?>
-<p:properties xmlns:p="http://schemas.microsoft.com/office/2006/metadata/properties" xmlns:xsi="http://www.w3.org/2001/XMLSchema-instance" xmlns:pc="http://schemas.microsoft.com/office/infopath/2007/PartnerControls"/>
-</file>
-
-<file path=customXml/item3.xml><?xml version="1.0" encoding="utf-8"?>
 <?mso-contentType ?>
 <FormTemplates xmlns="http://schemas.microsoft.com/sharepoint/v3/contenttype/forms">
   <Display>DocumentLibraryForm</Display>
@@ -19804,11 +23154,18 @@
 </FormTemplates>
 </file>
 
+<file path=customXml/item2.xml><?xml version="1.0" encoding="utf-8"?>
+<p:properties xmlns:p="http://schemas.microsoft.com/office/2006/metadata/properties" xmlns:xsi="http://www.w3.org/2001/XMLSchema-instance" xmlns:pc="http://schemas.microsoft.com/office/infopath/2007/PartnerControls"/>
+</file>
+
+<file path=customXml/item3.xml><?xml version="1.0" encoding="utf-8"?>
+<ct:contentTypeSchema xmlns:ct="http://schemas.microsoft.com/office/2006/metadata/contentType" xmlns:ma="http://schemas.microsoft.com/office/2006/metadata/properties/metaAttributes" ct:_="" ma:_="" ma:contentTypeName="TemplateFile" ma:contentTypeID="0x01010069924D1ECC420D47A2456556BC94F7370400BDF4491DEA4973499845289601F88B9F" ma:contentTypeVersion="28" ma:contentTypeDescription="Create a new document." ma:contentTypeScope="" ma:versionID="3734922cae638a1d4f2b3c9f45d0aea3"/>
+</file>
+
 <file path=customXml/itemProps1.xml><?xml version="1.0" encoding="utf-8"?>
-<ds:datastoreItem xmlns:ds="http://schemas.openxmlformats.org/officeDocument/2006/customXml" ds:itemID="{06513FD4-B044-4B8A-8BD2-C787E2AA39E4}">
+<ds:datastoreItem xmlns:ds="http://schemas.openxmlformats.org/officeDocument/2006/customXml" ds:itemID="{D9755060-407B-4BA3-9693-FA43109E1D3A}">
   <ds:schemaRefs>
-    <ds:schemaRef ds:uri="http://schemas.microsoft.com/office/2006/metadata/contentType"/>
-    <ds:schemaRef ds:uri="http://schemas.microsoft.com/office/2006/metadata/properties/metaAttributes"/>
+    <ds:schemaRef ds:uri="http://schemas.microsoft.com/sharepoint/v3/contenttype/forms"/>
   </ds:schemaRefs>
 </ds:datastoreItem>
 </file>
@@ -19823,9 +23180,10 @@
 </file>
 
 <file path=customXml/itemProps3.xml><?xml version="1.0" encoding="utf-8"?>
-<ds:datastoreItem xmlns:ds="http://schemas.openxmlformats.org/officeDocument/2006/customXml" ds:itemID="{D9755060-407B-4BA3-9693-FA43109E1D3A}">
+<ds:datastoreItem xmlns:ds="http://schemas.openxmlformats.org/officeDocument/2006/customXml" ds:itemID="{06513FD4-B044-4B8A-8BD2-C787E2AA39E4}">
   <ds:schemaRefs>
-    <ds:schemaRef ds:uri="http://schemas.microsoft.com/sharepoint/v3/contenttype/forms"/>
+    <ds:schemaRef ds:uri="http://schemas.microsoft.com/office/2006/metadata/contentType"/>
+    <ds:schemaRef ds:uri="http://schemas.microsoft.com/office/2006/metadata/properties/metaAttributes"/>
   </ds:schemaRefs>
 </ds:datastoreItem>
 </file>